--- a/Health_Care_Bot.pptx
+++ b/Health_Care_Bot.pptx
@@ -5,10 +5,10 @@
     <p:sldMasterId id="2147483684" r:id="rId2"/>
   </p:sldMasterIdLst>
   <p:notesMasterIdLst>
-    <p:notesMasterId r:id="rId15"/>
+    <p:notesMasterId r:id="rId14"/>
   </p:notesMasterIdLst>
   <p:handoutMasterIdLst>
-    <p:handoutMasterId r:id="rId16"/>
+    <p:handoutMasterId r:id="rId15"/>
   </p:handoutMasterIdLst>
   <p:sldIdLst>
     <p:sldId id="280" r:id="rId3"/>
@@ -21,8 +21,7 @@
     <p:sldId id="274" r:id="rId10"/>
     <p:sldId id="282" r:id="rId11"/>
     <p:sldId id="275" r:id="rId12"/>
-    <p:sldId id="276" r:id="rId13"/>
-    <p:sldId id="277" r:id="rId14"/>
+    <p:sldId id="277" r:id="rId13"/>
   </p:sldIdLst>
   <p:sldSz cx="12192000" cy="6858000"/>
   <p:notesSz cx="6858000" cy="9144000"/>
@@ -143,6 +142,10 @@
 </p:presentation>
 </file>
 
+<file path=ppt/revisionInfo.xml><?xml version="1.0" encoding="utf-8"?>
+<p1510:revInfo xmlns:a="http://schemas.openxmlformats.org/drawingml/2006/main" xmlns:r="http://schemas.openxmlformats.org/officeDocument/2006/relationships" xmlns:p1510="http://schemas.microsoft.com/office/powerpoint/2015/10/main"/>
+</file>
+
 <file path=ppt/handoutMasters/handoutMaster1.xml><?xml version="1.0" encoding="utf-8"?>
 <p:handoutMaster xmlns:a="http://schemas.openxmlformats.org/drawingml/2006/main" xmlns:r="http://schemas.openxmlformats.org/officeDocument/2006/relationships" xmlns:p="http://schemas.openxmlformats.org/presentationml/2006/main">
   <p:cSld>
@@ -225,7 +228,7 @@
           <a:p>
             <a:fld id="{E5CB2E47-6F41-409B-AD22-834AE1EFF186}" type="datetimeFigureOut">
               <a:rPr lang="en-US" smtClean="0"/>
-              <a:t>25-May-17</a:t>
+              <a:t>29-May-17</a:t>
             </a:fld>
             <a:endParaRPr lang="en-US"/>
           </a:p>
@@ -390,7 +393,7 @@
           <a:p>
             <a:fld id="{FAD6744A-403D-42A1-BFE7-61DA46EE7C6C}" type="datetimeFigureOut">
               <a:rPr lang="en-US" smtClean="0"/>
-              <a:t>25-May-17</a:t>
+              <a:t>29-May-17</a:t>
             </a:fld>
             <a:endParaRPr lang="en-US"/>
           </a:p>
@@ -785,7 +788,7 @@
           <a:p>
             <a:fld id="{349BF3EA-1A78-4F07-BDC0-C8A1BD461199}" type="datetimeFigureOut">
               <a:rPr lang="en-US" smtClean="0"/>
-              <a:t>25-May-17</a:t>
+              <a:t>29-May-17</a:t>
             </a:fld>
             <a:endParaRPr lang="en-US"/>
           </a:p>
@@ -1193,7 +1196,7 @@
           <a:p>
             <a:fld id="{349BF3EA-1A78-4F07-BDC0-C8A1BD461199}" type="datetimeFigureOut">
               <a:rPr lang="en-US" smtClean="0"/>
-              <a:t>25-May-17</a:t>
+              <a:t>29-May-17</a:t>
             </a:fld>
             <a:endParaRPr lang="en-US"/>
           </a:p>
@@ -1322,7 +1325,7 @@
           <a:p>
             <a:fld id="{349BF3EA-1A78-4F07-BDC0-C8A1BD461199}" type="datetimeFigureOut">
               <a:rPr lang="en-US" smtClean="0"/>
-              <a:t>25-May-17</a:t>
+              <a:t>29-May-17</a:t>
             </a:fld>
             <a:endParaRPr lang="en-US"/>
           </a:p>
@@ -1513,7 +1516,7 @@
           <a:p>
             <a:fld id="{349BF3EA-1A78-4F07-BDC0-C8A1BD461199}" type="datetimeFigureOut">
               <a:rPr lang="en-US" smtClean="0"/>
-              <a:t>25-May-17</a:t>
+              <a:t>29-May-17</a:t>
             </a:fld>
             <a:endParaRPr lang="en-US"/>
           </a:p>
@@ -1793,7 +1796,7 @@
           <a:p>
             <a:fld id="{349BF3EA-1A78-4F07-BDC0-C8A1BD461199}" type="datetimeFigureOut">
               <a:rPr lang="en-US" smtClean="0"/>
-              <a:t>25-May-17</a:t>
+              <a:t>29-May-17</a:t>
             </a:fld>
             <a:endParaRPr lang="en-US"/>
           </a:p>
@@ -2162,7 +2165,7 @@
           <a:p>
             <a:fld id="{349BF3EA-1A78-4F07-BDC0-C8A1BD461199}" type="datetimeFigureOut">
               <a:rPr lang="en-US" smtClean="0"/>
-              <a:t>25-May-17</a:t>
+              <a:t>29-May-17</a:t>
             </a:fld>
             <a:endParaRPr lang="en-US"/>
           </a:p>
@@ -2405,7 +2408,7 @@
           <a:p>
             <a:fld id="{349BF3EA-1A78-4F07-BDC0-C8A1BD461199}" type="datetimeFigureOut">
               <a:rPr lang="en-US" smtClean="0"/>
-              <a:t>25-May-17</a:t>
+              <a:t>29-May-17</a:t>
             </a:fld>
             <a:endParaRPr lang="en-US"/>
           </a:p>
@@ -2783,7 +2786,7 @@
           <a:p>
             <a:fld id="{349BF3EA-1A78-4F07-BDC0-C8A1BD461199}" type="datetimeFigureOut">
               <a:rPr lang="en-US" smtClean="0"/>
-              <a:t>25-May-17</a:t>
+              <a:t>29-May-17</a:t>
             </a:fld>
             <a:endParaRPr lang="en-US"/>
           </a:p>
@@ -2912,7 +2915,7 @@
           <a:p>
             <a:fld id="{349BF3EA-1A78-4F07-BDC0-C8A1BD461199}" type="datetimeFigureOut">
               <a:rPr lang="en-US" smtClean="0"/>
-              <a:t>25-May-17</a:t>
+              <a:t>29-May-17</a:t>
             </a:fld>
             <a:endParaRPr lang="en-US"/>
           </a:p>
@@ -3114,7 +3117,7 @@
           <a:p>
             <a:fld id="{349BF3EA-1A78-4F07-BDC0-C8A1BD461199}" type="datetimeFigureOut">
               <a:rPr lang="en-US" smtClean="0"/>
-              <a:t>25-May-17</a:t>
+              <a:t>29-May-17</a:t>
             </a:fld>
             <a:endParaRPr lang="en-US"/>
           </a:p>
@@ -3360,7 +3363,7 @@
           <a:p>
             <a:fld id="{349BF3EA-1A78-4F07-BDC0-C8A1BD461199}" type="datetimeFigureOut">
               <a:rPr lang="en-US" smtClean="0"/>
-              <a:t>25-May-17</a:t>
+              <a:t>29-May-17</a:t>
             </a:fld>
             <a:endParaRPr lang="en-US"/>
           </a:p>
@@ -3862,7 +3865,7 @@
           <a:p>
             <a:fld id="{349BF3EA-1A78-4F07-BDC0-C8A1BD461199}" type="datetimeFigureOut">
               <a:rPr lang="en-US" smtClean="0"/>
-              <a:t>25-May-17</a:t>
+              <a:t>29-May-17</a:t>
             </a:fld>
             <a:endParaRPr lang="en-US"/>
           </a:p>
@@ -4393,10 +4396,52 @@
           <a:bodyPr/>
           <a:lstStyle/>
           <a:p>
+            <a:pPr>
+              <a:spcAft>
+                <a:spcPts val="1200"/>
+              </a:spcAft>
+            </a:pPr>
             <a:r>
               <a:rPr lang="en-US" dirty="0"/>
               <a:t>Decision Support Systems</a:t>
             </a:r>
+          </a:p>
+          <a:p>
+            <a:r>
+              <a:rPr lang="en-US" dirty="0" err="1"/>
+              <a:t>Emirhan</a:t>
+            </a:r>
+            <a:r>
+              <a:rPr lang="en-US" dirty="0"/>
+              <a:t> </a:t>
+            </a:r>
+            <a:r>
+              <a:rPr lang="en-US" dirty="0" err="1"/>
+              <a:t>Kutlu</a:t>
+            </a:r>
+            <a:r>
+              <a:rPr lang="en-US" dirty="0"/>
+              <a:t>, Lucie Labadie, </a:t>
+            </a:r>
+          </a:p>
+          <a:p>
+            <a:r>
+              <a:rPr lang="en-US" dirty="0"/>
+              <a:t>Sundeep Raj </a:t>
+            </a:r>
+            <a:r>
+              <a:rPr lang="en-US" dirty="0" err="1"/>
+              <a:t>Thummapudi</a:t>
+            </a:r>
+            <a:r>
+              <a:rPr lang="en-US" dirty="0"/>
+              <a:t>, Rosen </a:t>
+            </a:r>
+            <a:r>
+              <a:rPr lang="en-US" dirty="0" err="1"/>
+              <a:t>Sasov</a:t>
+            </a:r>
+            <a:endParaRPr lang="en-US" dirty="0"/>
           </a:p>
         </p:txBody>
       </p:sp>
@@ -4512,7 +4557,7 @@
           <a:p>
             <a:r>
               <a:rPr lang="en-US" dirty="0"/>
-              <a:t>Bot logic: Telegram Bot</a:t>
+              <a:t>Bot logic: Telegram Bot (Python module)</a:t>
             </a:r>
           </a:p>
           <a:p>
@@ -4726,6 +4771,29 @@
           <a:p>
             <a:r>
               <a:rPr lang="en-US" dirty="0"/>
+              <a:t>Could be adapted for mobile use </a:t>
+            </a:r>
+          </a:p>
+          <a:p>
+            <a:r>
+              <a:rPr lang="fr-FR" dirty="0"/>
+              <a:t>C</a:t>
+            </a:r>
+            <a:r>
+              <a:rPr lang="en-US" dirty="0" err="1"/>
+              <a:t>ould</a:t>
+            </a:r>
+            <a:r>
+              <a:rPr lang="en-US" dirty="0"/>
+              <a:t> be affined for professional use</a:t>
+            </a:r>
+          </a:p>
+          <a:p>
+            <a:endParaRPr lang="en-US" dirty="0"/>
+          </a:p>
+          <a:p>
+            <a:r>
+              <a:rPr lang="en-US" dirty="0"/>
               <a:t>First thought wanted to use Django </a:t>
             </a:r>
             <a:r>
@@ -4796,104 +4864,10 @@
             </a:r>
             <a:endParaRPr lang="en-US" dirty="0"/>
           </a:p>
-        </p:txBody>
-      </p:sp>
-      <p:sp>
-        <p:nvSpPr>
-          <p:cNvPr id="3" name="Title 2"/>
-          <p:cNvSpPr>
-            <a:spLocks noGrp="1"/>
-          </p:cNvSpPr>
-          <p:nvPr>
-            <p:ph type="title"/>
-          </p:nvPr>
-        </p:nvSpPr>
-        <p:spPr/>
-        <p:txBody>
-          <a:bodyPr/>
-          <a:lstStyle/>
           <a:p>
             <a:r>
               <a:rPr lang="en-US" dirty="0"/>
-              <a:t>Difficulties </a:t>
-            </a:r>
-          </a:p>
-        </p:txBody>
-      </p:sp>
-    </p:spTree>
-    <p:extLst>
-      <p:ext uri="{BB962C8B-B14F-4D97-AF65-F5344CB8AC3E}">
-        <p14:creationId xmlns:p14="http://schemas.microsoft.com/office/powerpoint/2010/main" val="2265463819"/>
-      </p:ext>
-    </p:extLst>
-  </p:cSld>
-  <p:clrMapOvr>
-    <a:masterClrMapping/>
-  </p:clrMapOvr>
-  <mc:AlternateContent xmlns:mc="http://schemas.openxmlformats.org/markup-compatibility/2006" xmlns:p14="http://schemas.microsoft.com/office/powerpoint/2010/main">
-    <mc:Choice Requires="p14">
-      <p:transition spd="med" p14:dur="700">
-        <p:fade/>
-      </p:transition>
-    </mc:Choice>
-    <mc:Fallback xmlns="">
-      <p:transition spd="med">
-        <p:fade/>
-      </p:transition>
-    </mc:Fallback>
-  </mc:AlternateContent>
-</p:sld>
-</file>
-
-<file path=ppt/slides/slide12.xml><?xml version="1.0" encoding="utf-8"?>
-<p:sld xmlns:a="http://schemas.openxmlformats.org/drawingml/2006/main" xmlns:r="http://schemas.openxmlformats.org/officeDocument/2006/relationships" xmlns:p="http://schemas.openxmlformats.org/presentationml/2006/main">
-  <p:cSld>
-    <p:spTree>
-      <p:nvGrpSpPr>
-        <p:cNvPr id="1" name=""/>
-        <p:cNvGrpSpPr/>
-        <p:nvPr/>
-      </p:nvGrpSpPr>
-      <p:grpSpPr>
-        <a:xfrm>
-          <a:off x="0" y="0"/>
-          <a:ext cx="0" cy="0"/>
-          <a:chOff x="0" y="0"/>
-          <a:chExt cx="0" cy="0"/>
-        </a:xfrm>
-      </p:grpSpPr>
-      <p:sp>
-        <p:nvSpPr>
-          <p:cNvPr id="2" name="Content Placeholder 1"/>
-          <p:cNvSpPr>
-            <a:spLocks noGrp="1"/>
-          </p:cNvSpPr>
-          <p:nvPr>
-            <p:ph sz="quarter" idx="1"/>
-          </p:nvPr>
-        </p:nvSpPr>
-        <p:spPr/>
-        <p:txBody>
-          <a:bodyPr/>
-          <a:lstStyle/>
-          <a:p>
-            <a:r>
-              <a:rPr lang="en-US" dirty="0"/>
-              <a:t>Could be adapted for mobile use </a:t>
-            </a:r>
-          </a:p>
-          <a:p>
-            <a:r>
-              <a:rPr lang="fr-FR" dirty="0"/>
-              <a:t>C</a:t>
-            </a:r>
-            <a:r>
-              <a:rPr lang="en-US" dirty="0" err="1"/>
-              <a:t>ould</a:t>
-            </a:r>
-            <a:r>
-              <a:rPr lang="en-US" dirty="0"/>
-              <a:t> be affined for professional use </a:t>
+              <a:t>(challenge) </a:t>
             </a:r>
           </a:p>
           <a:p>
@@ -5550,11 +5524,11 @@
           <a:p>
             <a:r>
               <a:rPr lang="fr-FR" dirty="0" err="1"/>
-              <a:t>Knowledge</a:t>
+              <a:t>Knowledge-driven</a:t>
             </a:r>
             <a:r>
               <a:rPr lang="fr-FR" dirty="0"/>
-              <a:t>-drive DSS</a:t>
+              <a:t> DSS</a:t>
             </a:r>
           </a:p>
           <a:p>

--- a/Health_Care_Bot.pptx
+++ b/Health_Care_Bot.pptx
@@ -5,23 +5,27 @@
     <p:sldMasterId id="2147483684" r:id="rId2"/>
   </p:sldMasterIdLst>
   <p:notesMasterIdLst>
-    <p:notesMasterId r:id="rId14"/>
+    <p:notesMasterId r:id="rId18"/>
   </p:notesMasterIdLst>
   <p:handoutMasterIdLst>
-    <p:handoutMasterId r:id="rId15"/>
+    <p:handoutMasterId r:id="rId19"/>
   </p:handoutMasterIdLst>
   <p:sldIdLst>
     <p:sldId id="280" r:id="rId3"/>
-    <p:sldId id="269" r:id="rId4"/>
-    <p:sldId id="270" r:id="rId5"/>
-    <p:sldId id="271" r:id="rId6"/>
-    <p:sldId id="281" r:id="rId7"/>
-    <p:sldId id="272" r:id="rId8"/>
-    <p:sldId id="273" r:id="rId9"/>
-    <p:sldId id="274" r:id="rId10"/>
-    <p:sldId id="282" r:id="rId11"/>
-    <p:sldId id="275" r:id="rId12"/>
-    <p:sldId id="277" r:id="rId13"/>
+    <p:sldId id="283" r:id="rId4"/>
+    <p:sldId id="284" r:id="rId5"/>
+    <p:sldId id="269" r:id="rId6"/>
+    <p:sldId id="270" r:id="rId7"/>
+    <p:sldId id="271" r:id="rId8"/>
+    <p:sldId id="281" r:id="rId9"/>
+    <p:sldId id="285" r:id="rId10"/>
+    <p:sldId id="286" r:id="rId11"/>
+    <p:sldId id="273" r:id="rId12"/>
+    <p:sldId id="274" r:id="rId13"/>
+    <p:sldId id="282" r:id="rId14"/>
+    <p:sldId id="275" r:id="rId15"/>
+    <p:sldId id="287" r:id="rId16"/>
+    <p:sldId id="288" r:id="rId17"/>
   </p:sldIdLst>
   <p:sldSz cx="12192000" cy="6858000"/>
   <p:notesSz cx="6858000" cy="9144000"/>
@@ -228,7 +232,7 @@
           <a:p>
             <a:fld id="{E5CB2E47-6F41-409B-AD22-834AE1EFF186}" type="datetimeFigureOut">
               <a:rPr lang="en-US" smtClean="0"/>
-              <a:t>29-May-17</a:t>
+              <a:t>01-Jun-17</a:t>
             </a:fld>
             <a:endParaRPr lang="en-US"/>
           </a:p>
@@ -393,7 +397,7 @@
           <a:p>
             <a:fld id="{FAD6744A-403D-42A1-BFE7-61DA46EE7C6C}" type="datetimeFigureOut">
               <a:rPr lang="en-US" smtClean="0"/>
-              <a:t>29-May-17</a:t>
+              <a:t>01-Jun-17</a:t>
             </a:fld>
             <a:endParaRPr lang="en-US"/>
           </a:p>
@@ -788,7 +792,7 @@
           <a:p>
             <a:fld id="{349BF3EA-1A78-4F07-BDC0-C8A1BD461199}" type="datetimeFigureOut">
               <a:rPr lang="en-US" smtClean="0"/>
-              <a:t>29-May-17</a:t>
+              <a:t>01-Jun-17</a:t>
             </a:fld>
             <a:endParaRPr lang="en-US"/>
           </a:p>
@@ -1196,7 +1200,7 @@
           <a:p>
             <a:fld id="{349BF3EA-1A78-4F07-BDC0-C8A1BD461199}" type="datetimeFigureOut">
               <a:rPr lang="en-US" smtClean="0"/>
-              <a:t>29-May-17</a:t>
+              <a:t>01-Jun-17</a:t>
             </a:fld>
             <a:endParaRPr lang="en-US"/>
           </a:p>
@@ -1325,7 +1329,7 @@
           <a:p>
             <a:fld id="{349BF3EA-1A78-4F07-BDC0-C8A1BD461199}" type="datetimeFigureOut">
               <a:rPr lang="en-US" smtClean="0"/>
-              <a:t>29-May-17</a:t>
+              <a:t>01-Jun-17</a:t>
             </a:fld>
             <a:endParaRPr lang="en-US"/>
           </a:p>
@@ -1516,7 +1520,7 @@
           <a:p>
             <a:fld id="{349BF3EA-1A78-4F07-BDC0-C8A1BD461199}" type="datetimeFigureOut">
               <a:rPr lang="en-US" smtClean="0"/>
-              <a:t>29-May-17</a:t>
+              <a:t>01-Jun-17</a:t>
             </a:fld>
             <a:endParaRPr lang="en-US"/>
           </a:p>
@@ -1796,7 +1800,7 @@
           <a:p>
             <a:fld id="{349BF3EA-1A78-4F07-BDC0-C8A1BD461199}" type="datetimeFigureOut">
               <a:rPr lang="en-US" smtClean="0"/>
-              <a:t>29-May-17</a:t>
+              <a:t>01-Jun-17</a:t>
             </a:fld>
             <a:endParaRPr lang="en-US"/>
           </a:p>
@@ -2165,7 +2169,7 @@
           <a:p>
             <a:fld id="{349BF3EA-1A78-4F07-BDC0-C8A1BD461199}" type="datetimeFigureOut">
               <a:rPr lang="en-US" smtClean="0"/>
-              <a:t>29-May-17</a:t>
+              <a:t>01-Jun-17</a:t>
             </a:fld>
             <a:endParaRPr lang="en-US"/>
           </a:p>
@@ -2408,7 +2412,7 @@
           <a:p>
             <a:fld id="{349BF3EA-1A78-4F07-BDC0-C8A1BD461199}" type="datetimeFigureOut">
               <a:rPr lang="en-US" smtClean="0"/>
-              <a:t>29-May-17</a:t>
+              <a:t>01-Jun-17</a:t>
             </a:fld>
             <a:endParaRPr lang="en-US"/>
           </a:p>
@@ -2786,7 +2790,7 @@
           <a:p>
             <a:fld id="{349BF3EA-1A78-4F07-BDC0-C8A1BD461199}" type="datetimeFigureOut">
               <a:rPr lang="en-US" smtClean="0"/>
-              <a:t>29-May-17</a:t>
+              <a:t>01-Jun-17</a:t>
             </a:fld>
             <a:endParaRPr lang="en-US"/>
           </a:p>
@@ -2915,7 +2919,7 @@
           <a:p>
             <a:fld id="{349BF3EA-1A78-4F07-BDC0-C8A1BD461199}" type="datetimeFigureOut">
               <a:rPr lang="en-US" smtClean="0"/>
-              <a:t>29-May-17</a:t>
+              <a:t>01-Jun-17</a:t>
             </a:fld>
             <a:endParaRPr lang="en-US"/>
           </a:p>
@@ -3117,7 +3121,7 @@
           <a:p>
             <a:fld id="{349BF3EA-1A78-4F07-BDC0-C8A1BD461199}" type="datetimeFigureOut">
               <a:rPr lang="en-US" smtClean="0"/>
-              <a:t>29-May-17</a:t>
+              <a:t>01-Jun-17</a:t>
             </a:fld>
             <a:endParaRPr lang="en-US"/>
           </a:p>
@@ -3363,7 +3367,7 @@
           <a:p>
             <a:fld id="{349BF3EA-1A78-4F07-BDC0-C8A1BD461199}" type="datetimeFigureOut">
               <a:rPr lang="en-US" smtClean="0"/>
-              <a:t>29-May-17</a:t>
+              <a:t>01-Jun-17</a:t>
             </a:fld>
             <a:endParaRPr lang="en-US"/>
           </a:p>
@@ -3865,7 +3869,7 @@
           <a:p>
             <a:fld id="{349BF3EA-1A78-4F07-BDC0-C8A1BD461199}" type="datetimeFigureOut">
               <a:rPr lang="en-US" smtClean="0"/>
-              <a:t>29-May-17</a:t>
+              <a:t>01-Jun-17</a:t>
             </a:fld>
             <a:endParaRPr lang="en-US"/>
           </a:p>
@@ -4406,43 +4410,6 @@
               <a:t>Decision Support Systems</a:t>
             </a:r>
           </a:p>
-          <a:p>
-            <a:r>
-              <a:rPr lang="en-US" dirty="0" err="1"/>
-              <a:t>Emirhan</a:t>
-            </a:r>
-            <a:r>
-              <a:rPr lang="en-US" dirty="0"/>
-              <a:t> </a:t>
-            </a:r>
-            <a:r>
-              <a:rPr lang="en-US" dirty="0" err="1"/>
-              <a:t>Kutlu</a:t>
-            </a:r>
-            <a:r>
-              <a:rPr lang="en-US" dirty="0"/>
-              <a:t>, Lucie Labadie, </a:t>
-            </a:r>
-          </a:p>
-          <a:p>
-            <a:r>
-              <a:rPr lang="en-US" dirty="0"/>
-              <a:t>Sundeep Raj </a:t>
-            </a:r>
-            <a:r>
-              <a:rPr lang="en-US" dirty="0" err="1"/>
-              <a:t>Thummapudi</a:t>
-            </a:r>
-            <a:r>
-              <a:rPr lang="en-US" dirty="0"/>
-              <a:t>, Rosen </a:t>
-            </a:r>
-            <a:r>
-              <a:rPr lang="en-US" dirty="0" err="1"/>
-              <a:t>Sasov</a:t>
-            </a:r>
-            <a:endParaRPr lang="en-US" dirty="0"/>
-          </a:p>
         </p:txBody>
       </p:sp>
       <p:sp>
@@ -4524,1422 +4491,6 @@
 </file>
 
 <file path=ppt/slides/slide10.xml><?xml version="1.0" encoding="utf-8"?>
-<p:sld xmlns:a="http://schemas.openxmlformats.org/drawingml/2006/main" xmlns:r="http://schemas.openxmlformats.org/officeDocument/2006/relationships" xmlns:p="http://schemas.openxmlformats.org/presentationml/2006/main">
-  <p:cSld>
-    <p:spTree>
-      <p:nvGrpSpPr>
-        <p:cNvPr id="1" name=""/>
-        <p:cNvGrpSpPr/>
-        <p:nvPr/>
-      </p:nvGrpSpPr>
-      <p:grpSpPr>
-        <a:xfrm>
-          <a:off x="0" y="0"/>
-          <a:ext cx="0" cy="0"/>
-          <a:chOff x="0" y="0"/>
-          <a:chExt cx="0" cy="0"/>
-        </a:xfrm>
-      </p:grpSpPr>
-      <p:sp>
-        <p:nvSpPr>
-          <p:cNvPr id="2" name="Content Placeholder 1"/>
-          <p:cNvSpPr>
-            <a:spLocks noGrp="1"/>
-          </p:cNvSpPr>
-          <p:nvPr>
-            <p:ph sz="quarter" idx="1"/>
-          </p:nvPr>
-        </p:nvSpPr>
-        <p:spPr/>
-        <p:txBody>
-          <a:bodyPr/>
-          <a:lstStyle/>
-          <a:p>
-            <a:r>
-              <a:rPr lang="en-US" dirty="0"/>
-              <a:t>Bot logic: Telegram Bot (Python module)</a:t>
-            </a:r>
-          </a:p>
-          <a:p>
-            <a:r>
-              <a:rPr lang="en-US" dirty="0"/>
-              <a:t>Classifier: </a:t>
-            </a:r>
-            <a:r>
-              <a:rPr lang="en-US" dirty="0" err="1"/>
-              <a:t>SciKit</a:t>
-            </a:r>
-            <a:r>
-              <a:rPr lang="en-US" dirty="0"/>
-              <a:t> </a:t>
-            </a:r>
-          </a:p>
-          <a:p>
-            <a:r>
-              <a:rPr lang="fr-FR" dirty="0"/>
-              <a:t>D</a:t>
-            </a:r>
-            <a:r>
-              <a:rPr lang="en-US" dirty="0" err="1"/>
-              <a:t>atabase</a:t>
-            </a:r>
-            <a:r>
-              <a:rPr lang="en-US" dirty="0"/>
-              <a:t>: </a:t>
-            </a:r>
-            <a:r>
-              <a:rPr lang="en-US" dirty="0" err="1"/>
-              <a:t>Postgresql</a:t>
-            </a:r>
-            <a:r>
-              <a:rPr lang="en-US" dirty="0"/>
-              <a:t> </a:t>
-            </a:r>
-          </a:p>
-        </p:txBody>
-      </p:sp>
-      <p:sp>
-        <p:nvSpPr>
-          <p:cNvPr id="3" name="Title 2"/>
-          <p:cNvSpPr>
-            <a:spLocks noGrp="1"/>
-          </p:cNvSpPr>
-          <p:nvPr>
-            <p:ph type="title"/>
-          </p:nvPr>
-        </p:nvSpPr>
-        <p:spPr/>
-        <p:txBody>
-          <a:bodyPr/>
-          <a:lstStyle/>
-          <a:p>
-            <a:r>
-              <a:rPr lang="fr-FR" dirty="0"/>
-              <a:t>T</a:t>
-            </a:r>
-            <a:r>
-              <a:rPr lang="en-US" dirty="0" err="1"/>
-              <a:t>echnology</a:t>
-            </a:r>
-            <a:r>
-              <a:rPr lang="en-US" dirty="0"/>
-              <a:t> choices</a:t>
-            </a:r>
-          </a:p>
-        </p:txBody>
-      </p:sp>
-      <p:pic>
-        <p:nvPicPr>
-          <p:cNvPr id="4" name="Picture 3"/>
-          <p:cNvPicPr>
-            <a:picLocks noChangeAspect="1"/>
-          </p:cNvPicPr>
-          <p:nvPr/>
-        </p:nvPicPr>
-        <p:blipFill>
-          <a:blip r:embed="rId2"/>
-          <a:stretch>
-            <a:fillRect/>
-          </a:stretch>
-        </p:blipFill>
-        <p:spPr>
-          <a:xfrm>
-            <a:off x="1219200" y="3251201"/>
-            <a:ext cx="2510971" cy="2510971"/>
-          </a:xfrm>
-          <a:prstGeom prst="rect">
-            <a:avLst/>
-          </a:prstGeom>
-        </p:spPr>
-      </p:pic>
-      <p:pic>
-        <p:nvPicPr>
-          <p:cNvPr id="8" name="Picture 7"/>
-          <p:cNvPicPr>
-            <a:picLocks noChangeAspect="1"/>
-          </p:cNvPicPr>
-          <p:nvPr/>
-        </p:nvPicPr>
-        <p:blipFill>
-          <a:blip r:embed="rId3">
-            <a:extLst>
-              <a:ext uri="{28A0092B-C50C-407E-A947-70E740481C1C}">
-                <a14:useLocalDpi xmlns:a14="http://schemas.microsoft.com/office/drawing/2010/main" val="0"/>
-              </a:ext>
-            </a:extLst>
-          </a:blip>
-          <a:stretch>
-            <a:fillRect/>
-          </a:stretch>
-        </p:blipFill>
-        <p:spPr>
-          <a:xfrm>
-            <a:off x="4704732" y="3592286"/>
-            <a:ext cx="3395472" cy="1828800"/>
-          </a:xfrm>
-          <a:prstGeom prst="rect">
-            <a:avLst/>
-          </a:prstGeom>
-        </p:spPr>
-      </p:pic>
-      <p:pic>
-        <p:nvPicPr>
-          <p:cNvPr id="10" name="Picture 9"/>
-          <p:cNvPicPr>
-            <a:picLocks noChangeAspect="1"/>
-          </p:cNvPicPr>
-          <p:nvPr/>
-        </p:nvPicPr>
-        <p:blipFill>
-          <a:blip r:embed="rId4" cstate="print">
-            <a:extLst>
-              <a:ext uri="{28A0092B-C50C-407E-A947-70E740481C1C}">
-                <a14:useLocalDpi xmlns:a14="http://schemas.microsoft.com/office/drawing/2010/main" val="0"/>
-              </a:ext>
-            </a:extLst>
-          </a:blip>
-          <a:stretch>
-            <a:fillRect/>
-          </a:stretch>
-        </p:blipFill>
-        <p:spPr>
-          <a:xfrm>
-            <a:off x="9074765" y="3135086"/>
-            <a:ext cx="2467272" cy="2743200"/>
-          </a:xfrm>
-          <a:prstGeom prst="rect">
-            <a:avLst/>
-          </a:prstGeom>
-        </p:spPr>
-      </p:pic>
-    </p:spTree>
-    <p:extLst>
-      <p:ext uri="{BB962C8B-B14F-4D97-AF65-F5344CB8AC3E}">
-        <p14:creationId xmlns:p14="http://schemas.microsoft.com/office/powerpoint/2010/main" val="169763702"/>
-      </p:ext>
-    </p:extLst>
-  </p:cSld>
-  <p:clrMapOvr>
-    <a:masterClrMapping/>
-  </p:clrMapOvr>
-  <mc:AlternateContent xmlns:mc="http://schemas.openxmlformats.org/markup-compatibility/2006" xmlns:p14="http://schemas.microsoft.com/office/powerpoint/2010/main">
-    <mc:Choice Requires="p14">
-      <p:transition spd="med" p14:dur="700">
-        <p:fade/>
-      </p:transition>
-    </mc:Choice>
-    <mc:Fallback xmlns="">
-      <p:transition spd="med">
-        <p:fade/>
-      </p:transition>
-    </mc:Fallback>
-  </mc:AlternateContent>
-</p:sld>
-</file>
-
-<file path=ppt/slides/slide11.xml><?xml version="1.0" encoding="utf-8"?>
-<p:sld xmlns:a="http://schemas.openxmlformats.org/drawingml/2006/main" xmlns:r="http://schemas.openxmlformats.org/officeDocument/2006/relationships" xmlns:p="http://schemas.openxmlformats.org/presentationml/2006/main">
-  <p:cSld>
-    <p:spTree>
-      <p:nvGrpSpPr>
-        <p:cNvPr id="1" name=""/>
-        <p:cNvGrpSpPr/>
-        <p:nvPr/>
-      </p:nvGrpSpPr>
-      <p:grpSpPr>
-        <a:xfrm>
-          <a:off x="0" y="0"/>
-          <a:ext cx="0" cy="0"/>
-          <a:chOff x="0" y="0"/>
-          <a:chExt cx="0" cy="0"/>
-        </a:xfrm>
-      </p:grpSpPr>
-      <p:sp>
-        <p:nvSpPr>
-          <p:cNvPr id="2" name="Content Placeholder 1"/>
-          <p:cNvSpPr>
-            <a:spLocks noGrp="1"/>
-          </p:cNvSpPr>
-          <p:nvPr>
-            <p:ph sz="quarter" idx="1"/>
-          </p:nvPr>
-        </p:nvSpPr>
-        <p:spPr/>
-        <p:txBody>
-          <a:bodyPr/>
-          <a:lstStyle/>
-          <a:p>
-            <a:r>
-              <a:rPr lang="en-US" dirty="0"/>
-              <a:t>Could be adapted for mobile use </a:t>
-            </a:r>
-          </a:p>
-          <a:p>
-            <a:r>
-              <a:rPr lang="fr-FR" dirty="0"/>
-              <a:t>C</a:t>
-            </a:r>
-            <a:r>
-              <a:rPr lang="en-US" dirty="0" err="1"/>
-              <a:t>ould</a:t>
-            </a:r>
-            <a:r>
-              <a:rPr lang="en-US" dirty="0"/>
-              <a:t> be affined for professional use</a:t>
-            </a:r>
-          </a:p>
-          <a:p>
-            <a:endParaRPr lang="en-US" dirty="0"/>
-          </a:p>
-          <a:p>
-            <a:r>
-              <a:rPr lang="en-US" dirty="0"/>
-              <a:t>First thought wanted to use Django </a:t>
-            </a:r>
-            <a:r>
-              <a:rPr lang="en-US" dirty="0">
-                <a:sym typeface="Wingdings" panose="05000000000000000000" pitchFamily="2" charset="2"/>
-              </a:rPr>
-              <a:t> did not work out</a:t>
-            </a:r>
-          </a:p>
-          <a:p>
-            <a:r>
-              <a:rPr lang="fr-FR" dirty="0">
-                <a:sym typeface="Wingdings" panose="05000000000000000000" pitchFamily="2" charset="2"/>
-              </a:rPr>
-              <a:t>Q</a:t>
-            </a:r>
-            <a:r>
-              <a:rPr lang="en-US" dirty="0" err="1">
-                <a:sym typeface="Wingdings" panose="05000000000000000000" pitchFamily="2" charset="2"/>
-              </a:rPr>
-              <a:t>uestions</a:t>
-            </a:r>
-            <a:r>
-              <a:rPr lang="en-US" dirty="0">
-                <a:sym typeface="Wingdings" panose="05000000000000000000" pitchFamily="2" charset="2"/>
-              </a:rPr>
-              <a:t> logic </a:t>
-            </a:r>
-          </a:p>
-          <a:p>
-            <a:r>
-              <a:rPr lang="fr-FR" dirty="0">
-                <a:sym typeface="Wingdings" panose="05000000000000000000" pitchFamily="2" charset="2"/>
-              </a:rPr>
-              <a:t>F</a:t>
-            </a:r>
-            <a:r>
-              <a:rPr lang="en-US" dirty="0" err="1">
-                <a:sym typeface="Wingdings" panose="05000000000000000000" pitchFamily="2" charset="2"/>
-              </a:rPr>
-              <a:t>inding</a:t>
-            </a:r>
-            <a:r>
-              <a:rPr lang="en-US" dirty="0">
-                <a:sym typeface="Wingdings" panose="05000000000000000000" pitchFamily="2" charset="2"/>
-              </a:rPr>
-              <a:t> a database </a:t>
-            </a:r>
-          </a:p>
-          <a:p>
-            <a:r>
-              <a:rPr lang="fr-FR" dirty="0">
-                <a:sym typeface="Wingdings" panose="05000000000000000000" pitchFamily="2" charset="2"/>
-              </a:rPr>
-              <a:t>F</a:t>
-            </a:r>
-            <a:r>
-              <a:rPr lang="en-US" dirty="0" err="1">
-                <a:sym typeface="Wingdings" panose="05000000000000000000" pitchFamily="2" charset="2"/>
-              </a:rPr>
-              <a:t>inding</a:t>
-            </a:r>
-            <a:r>
-              <a:rPr lang="en-US" dirty="0">
-                <a:sym typeface="Wingdings" panose="05000000000000000000" pitchFamily="2" charset="2"/>
-              </a:rPr>
-              <a:t> a dataset for classifier </a:t>
-            </a:r>
-            <a:endParaRPr lang="en-US" dirty="0"/>
-          </a:p>
-          <a:p>
-            <a:r>
-              <a:rPr lang="en-US" dirty="0"/>
-              <a:t>(challenge) </a:t>
-            </a:r>
-          </a:p>
-          <a:p>
-            <a:endParaRPr lang="en-US" dirty="0"/>
-          </a:p>
-        </p:txBody>
-      </p:sp>
-      <p:sp>
-        <p:nvSpPr>
-          <p:cNvPr id="3" name="Title 2"/>
-          <p:cNvSpPr>
-            <a:spLocks noGrp="1"/>
-          </p:cNvSpPr>
-          <p:nvPr>
-            <p:ph type="title"/>
-          </p:nvPr>
-        </p:nvSpPr>
-        <p:spPr/>
-        <p:txBody>
-          <a:bodyPr/>
-          <a:lstStyle/>
-          <a:p>
-            <a:r>
-              <a:rPr lang="en-US" dirty="0"/>
-              <a:t>Conclusion </a:t>
-            </a:r>
-          </a:p>
-        </p:txBody>
-      </p:sp>
-    </p:spTree>
-    <p:extLst>
-      <p:ext uri="{BB962C8B-B14F-4D97-AF65-F5344CB8AC3E}">
-        <p14:creationId xmlns:p14="http://schemas.microsoft.com/office/powerpoint/2010/main" val="1980976995"/>
-      </p:ext>
-    </p:extLst>
-  </p:cSld>
-  <p:clrMapOvr>
-    <a:masterClrMapping/>
-  </p:clrMapOvr>
-  <mc:AlternateContent xmlns:mc="http://schemas.openxmlformats.org/markup-compatibility/2006" xmlns:p14="http://schemas.microsoft.com/office/powerpoint/2010/main">
-    <mc:Choice Requires="p14">
-      <p:transition spd="med" p14:dur="700">
-        <p:fade/>
-      </p:transition>
-    </mc:Choice>
-    <mc:Fallback xmlns="">
-      <p:transition spd="med">
-        <p:fade/>
-      </p:transition>
-    </mc:Fallback>
-  </mc:AlternateContent>
-</p:sld>
-</file>
-
-<file path=ppt/slides/slide2.xml><?xml version="1.0" encoding="utf-8"?>
-<p:sld xmlns:a="http://schemas.openxmlformats.org/drawingml/2006/main" xmlns:r="http://schemas.openxmlformats.org/officeDocument/2006/relationships" xmlns:p="http://schemas.openxmlformats.org/presentationml/2006/main">
-  <p:cSld>
-    <p:spTree>
-      <p:nvGrpSpPr>
-        <p:cNvPr id="1" name=""/>
-        <p:cNvGrpSpPr/>
-        <p:nvPr/>
-      </p:nvGrpSpPr>
-      <p:grpSpPr>
-        <a:xfrm>
-          <a:off x="0" y="0"/>
-          <a:ext cx="0" cy="0"/>
-          <a:chOff x="0" y="0"/>
-          <a:chExt cx="0" cy="0"/>
-        </a:xfrm>
-      </p:grpSpPr>
-      <p:sp>
-        <p:nvSpPr>
-          <p:cNvPr id="2" name="Content Placeholder 1"/>
-          <p:cNvSpPr>
-            <a:spLocks noGrp="1"/>
-          </p:cNvSpPr>
-          <p:nvPr>
-            <p:ph sz="quarter" idx="1"/>
-          </p:nvPr>
-        </p:nvSpPr>
-        <p:spPr/>
-        <p:txBody>
-          <a:bodyPr/>
-          <a:lstStyle/>
-          <a:p>
-            <a:r>
-              <a:rPr lang="fr-FR" dirty="0"/>
-              <a:t>Web service </a:t>
-            </a:r>
-            <a:endParaRPr lang="en-US" dirty="0"/>
-          </a:p>
-          <a:p>
-            <a:r>
-              <a:rPr lang="en-US" dirty="0"/>
-              <a:t>Asking questions about physical state </a:t>
-            </a:r>
-          </a:p>
-          <a:p>
-            <a:r>
-              <a:rPr lang="en-US" dirty="0"/>
-              <a:t>Take the symptoms</a:t>
-            </a:r>
-            <a:r>
-              <a:rPr lang="fr-FR" dirty="0"/>
-              <a:t> </a:t>
-            </a:r>
-            <a:r>
-              <a:rPr lang="en-US" dirty="0"/>
-              <a:t>and personal data as input</a:t>
-            </a:r>
-          </a:p>
-          <a:p>
-            <a:pPr lvl="1"/>
-            <a:r>
-              <a:rPr lang="fr-FR" dirty="0"/>
-              <a:t>P</a:t>
-            </a:r>
-            <a:r>
-              <a:rPr lang="en-US" dirty="0" err="1"/>
-              <a:t>ersonal</a:t>
-            </a:r>
-            <a:r>
-              <a:rPr lang="en-US" dirty="0"/>
-              <a:t> data: weight, height, </a:t>
-            </a:r>
-            <a:r>
-              <a:rPr lang="en-US" dirty="0" err="1"/>
-              <a:t>smocker</a:t>
-            </a:r>
-            <a:r>
-              <a:rPr lang="en-US" dirty="0"/>
-              <a:t>…</a:t>
-            </a:r>
-          </a:p>
-          <a:p>
-            <a:r>
-              <a:rPr lang="en-US" dirty="0"/>
-              <a:t>Compute most probable diseases </a:t>
-            </a:r>
-          </a:p>
-          <a:p>
-            <a:r>
-              <a:rPr lang="en-US" dirty="0"/>
-              <a:t>Output the diagnosis to the user along with advices</a:t>
-            </a:r>
-          </a:p>
-        </p:txBody>
-      </p:sp>
-      <p:sp>
-        <p:nvSpPr>
-          <p:cNvPr id="3" name="Title 2"/>
-          <p:cNvSpPr>
-            <a:spLocks noGrp="1"/>
-          </p:cNvSpPr>
-          <p:nvPr>
-            <p:ph type="title"/>
-          </p:nvPr>
-        </p:nvSpPr>
-        <p:spPr/>
-        <p:txBody>
-          <a:bodyPr/>
-          <a:lstStyle/>
-          <a:p>
-            <a:r>
-              <a:rPr lang="en-US" dirty="0"/>
-              <a:t>Health</a:t>
-            </a:r>
-            <a:r>
-              <a:rPr lang="fr-FR" dirty="0"/>
-              <a:t> Care Bot</a:t>
-            </a:r>
-            <a:endParaRPr lang="en-US" dirty="0"/>
-          </a:p>
-        </p:txBody>
-      </p:sp>
-      <p:pic>
-        <p:nvPicPr>
-          <p:cNvPr id="4" name="Picture 3"/>
-          <p:cNvPicPr>
-            <a:picLocks noChangeAspect="1"/>
-          </p:cNvPicPr>
-          <p:nvPr/>
-        </p:nvPicPr>
-        <p:blipFill rotWithShape="1">
-          <a:blip r:embed="rId2">
-            <a:duotone>
-              <a:schemeClr val="accent1">
-                <a:shade val="45000"/>
-                <a:satMod val="135000"/>
-              </a:schemeClr>
-              <a:prstClr val="white"/>
-            </a:duotone>
-            <a:extLst>
-              <a:ext uri="{BEBA8EAE-BF5A-486C-A8C5-ECC9F3942E4B}">
-                <a14:imgProps xmlns:a14="http://schemas.microsoft.com/office/drawing/2010/main">
-                  <a14:imgLayer r:embed="rId3">
-                    <a14:imgEffect>
-                      <a14:backgroundRemoval t="9977" b="89994" l="7702" r="90000">
-                        <a14:foregroundMark x1="62298" y1="27680" x2="62298" y2="27680"/>
-                        <a14:foregroundMark x1="57137" y1="28677" x2="67984" y2="24031"/>
-                        <a14:foregroundMark x1="67984" y1="24031" x2="67984" y2="24031"/>
-                        <a14:foregroundMark x1="7702" y1="24658" x2="11694" y2="25656"/>
-                        <a14:foregroundMark x1="50000" y1="17161" x2="50000" y2="19584"/>
-                        <a14:foregroundMark x1="58589" y1="36973" x2="61411" y2="36773"/>
-                        <a14:foregroundMark x1="40282" y1="36374" x2="42581" y2="36374"/>
-                        <a14:foregroundMark x1="50000" y1="48689" x2="50000" y2="50114"/>
-                        <a14:foregroundMark x1="45161" y1="53136" x2="47984" y2="53934"/>
-                        <a14:foregroundMark x1="49435" y1="59407" x2="49435" y2="59407"/>
-                        <a14:foregroundMark x1="43145" y1="60405" x2="43145" y2="60405"/>
-                        <a14:foregroundMark x1="50000" y1="69099" x2="50000" y2="69099"/>
-                        <a14:foregroundMark x1="45444" y1="68900" x2="45444" y2="68900"/>
-                        <a14:foregroundMark x1="50282" y1="77366" x2="50282" y2="77366"/>
-                        <a14:foregroundMark x1="46573" y1="77366" x2="46573" y2="77366"/>
-                        <a14:foregroundMark x1="49435" y1="84835" x2="49435" y2="84835"/>
-                      </a14:backgroundRemoval>
-                    </a14:imgEffect>
-                  </a14:imgLayer>
-                </a14:imgProps>
-              </a:ext>
-            </a:extLst>
-          </a:blip>
-          <a:srcRect l="4564" t="11313" r="3371" b="11111"/>
-          <a:stretch/>
-        </p:blipFill>
-        <p:spPr>
-          <a:xfrm>
-            <a:off x="8868711" y="2815513"/>
-            <a:ext cx="2713689" cy="3234449"/>
-          </a:xfrm>
-          <a:prstGeom prst="rect">
-            <a:avLst/>
-          </a:prstGeom>
-        </p:spPr>
-      </p:pic>
-    </p:spTree>
-    <p:extLst>
-      <p:ext uri="{BB962C8B-B14F-4D97-AF65-F5344CB8AC3E}">
-        <p14:creationId xmlns:p14="http://schemas.microsoft.com/office/powerpoint/2010/main" val="1727852844"/>
-      </p:ext>
-    </p:extLst>
-  </p:cSld>
-  <p:clrMapOvr>
-    <a:masterClrMapping/>
-  </p:clrMapOvr>
-  <mc:AlternateContent xmlns:mc="http://schemas.openxmlformats.org/markup-compatibility/2006" xmlns:p14="http://schemas.microsoft.com/office/powerpoint/2010/main">
-    <mc:Choice Requires="p14">
-      <p:transition spd="med" p14:dur="700">
-        <p:fade/>
-      </p:transition>
-    </mc:Choice>
-    <mc:Fallback xmlns="">
-      <p:transition spd="med">
-        <p:fade/>
-      </p:transition>
-    </mc:Fallback>
-  </mc:AlternateContent>
-</p:sld>
-</file>
-
-<file path=ppt/slides/slide3.xml><?xml version="1.0" encoding="utf-8"?>
-<p:sld xmlns:a="http://schemas.openxmlformats.org/drawingml/2006/main" xmlns:r="http://schemas.openxmlformats.org/officeDocument/2006/relationships" xmlns:p="http://schemas.openxmlformats.org/presentationml/2006/main">
-  <p:cSld>
-    <p:spTree>
-      <p:nvGrpSpPr>
-        <p:cNvPr id="1" name=""/>
-        <p:cNvGrpSpPr/>
-        <p:nvPr/>
-      </p:nvGrpSpPr>
-      <p:grpSpPr>
-        <a:xfrm>
-          <a:off x="0" y="0"/>
-          <a:ext cx="0" cy="0"/>
-          <a:chOff x="0" y="0"/>
-          <a:chExt cx="0" cy="0"/>
-        </a:xfrm>
-      </p:grpSpPr>
-      <p:sp>
-        <p:nvSpPr>
-          <p:cNvPr id="2" name="Content Placeholder 1"/>
-          <p:cNvSpPr>
-            <a:spLocks noGrp="1"/>
-          </p:cNvSpPr>
-          <p:nvPr>
-            <p:ph sz="quarter" idx="1"/>
-          </p:nvPr>
-        </p:nvSpPr>
-        <p:spPr/>
-        <p:txBody>
-          <a:bodyPr/>
-          <a:lstStyle/>
-          <a:p>
-            <a:r>
-              <a:rPr lang="en-US" dirty="0"/>
-              <a:t>First results in any search engine gives most deadly sickness</a:t>
-            </a:r>
-            <a:r>
-              <a:rPr lang="fr-FR" dirty="0"/>
-              <a:t> </a:t>
-            </a:r>
-            <a:endParaRPr lang="en-US" dirty="0"/>
-          </a:p>
-          <a:p>
-            <a:r>
-              <a:rPr lang="en-US" dirty="0"/>
-              <a:t>Help people go to the right place to be taken care of fast</a:t>
-            </a:r>
-          </a:p>
-          <a:p>
-            <a:r>
-              <a:rPr lang="fr-FR" dirty="0"/>
-              <a:t>H</a:t>
-            </a:r>
-            <a:r>
-              <a:rPr lang="en-US" dirty="0" err="1"/>
-              <a:t>elp</a:t>
-            </a:r>
-            <a:r>
-              <a:rPr lang="en-US" dirty="0"/>
-              <a:t> for better auto-medication </a:t>
-            </a:r>
-          </a:p>
-        </p:txBody>
-      </p:sp>
-      <p:sp>
-        <p:nvSpPr>
-          <p:cNvPr id="3" name="Title 2"/>
-          <p:cNvSpPr>
-            <a:spLocks noGrp="1"/>
-          </p:cNvSpPr>
-          <p:nvPr>
-            <p:ph type="title"/>
-          </p:nvPr>
-        </p:nvSpPr>
-        <p:spPr/>
-        <p:txBody>
-          <a:bodyPr/>
-          <a:lstStyle/>
-          <a:p>
-            <a:r>
-              <a:rPr lang="en-US" dirty="0"/>
-              <a:t>Why is it needed ?</a:t>
-            </a:r>
-          </a:p>
-        </p:txBody>
-      </p:sp>
-      <p:pic>
-        <p:nvPicPr>
-          <p:cNvPr id="4" name="Picture 3"/>
-          <p:cNvPicPr>
-            <a:picLocks noChangeAspect="1"/>
-          </p:cNvPicPr>
-          <p:nvPr/>
-        </p:nvPicPr>
-        <p:blipFill>
-          <a:blip r:embed="rId2">
-            <a:duotone>
-              <a:schemeClr val="accent1">
-                <a:shade val="45000"/>
-                <a:satMod val="135000"/>
-              </a:schemeClr>
-              <a:prstClr val="white"/>
-            </a:duotone>
-            <a:extLst>
-              <a:ext uri="{BEBA8EAE-BF5A-486C-A8C5-ECC9F3942E4B}">
-                <a14:imgProps xmlns:a14="http://schemas.microsoft.com/office/drawing/2010/main">
-                  <a14:imgLayer r:embed="rId3">
-                    <a14:imgEffect>
-                      <a14:backgroundRemoval t="909" b="96364" l="9000" r="90000">
-                        <a14:foregroundMark x1="50000" y1="13636" x2="50000" y2="13636"/>
-                        <a14:foregroundMark x1="30000" y1="2273" x2="30000" y2="2273"/>
-                        <a14:foregroundMark x1="9333" y1="34091" x2="9333" y2="34091"/>
-                        <a14:foregroundMark x1="51000" y1="96364" x2="51000" y2="96364"/>
-                        <a14:foregroundMark x1="90333" y1="32273" x2="90333" y2="32273"/>
-                        <a14:foregroundMark x1="67333" y1="909" x2="67333" y2="909"/>
-                      </a14:backgroundRemoval>
-                    </a14:imgEffect>
-                  </a14:imgLayer>
-                </a14:imgProps>
-              </a:ext>
-            </a:extLst>
-          </a:blip>
-          <a:stretch>
-            <a:fillRect/>
-          </a:stretch>
-        </p:blipFill>
-        <p:spPr>
-          <a:xfrm>
-            <a:off x="510886" y="3954462"/>
-            <a:ext cx="2857500" cy="2095500"/>
-          </a:xfrm>
-          <a:prstGeom prst="rect">
-            <a:avLst/>
-          </a:prstGeom>
-        </p:spPr>
-      </p:pic>
-    </p:spTree>
-    <p:extLst>
-      <p:ext uri="{BB962C8B-B14F-4D97-AF65-F5344CB8AC3E}">
-        <p14:creationId xmlns:p14="http://schemas.microsoft.com/office/powerpoint/2010/main" val="2088959167"/>
-      </p:ext>
-    </p:extLst>
-  </p:cSld>
-  <p:clrMapOvr>
-    <a:masterClrMapping/>
-  </p:clrMapOvr>
-  <mc:AlternateContent xmlns:mc="http://schemas.openxmlformats.org/markup-compatibility/2006" xmlns:p14="http://schemas.microsoft.com/office/powerpoint/2010/main">
-    <mc:Choice Requires="p14">
-      <p:transition spd="med" p14:dur="700">
-        <p:fade/>
-      </p:transition>
-    </mc:Choice>
-    <mc:Fallback xmlns="">
-      <p:transition spd="med">
-        <p:fade/>
-      </p:transition>
-    </mc:Fallback>
-  </mc:AlternateContent>
-</p:sld>
-</file>
-
-<file path=ppt/slides/slide4.xml><?xml version="1.0" encoding="utf-8"?>
-<p:sld xmlns:a="http://schemas.openxmlformats.org/drawingml/2006/main" xmlns:r="http://schemas.openxmlformats.org/officeDocument/2006/relationships" xmlns:p="http://schemas.openxmlformats.org/presentationml/2006/main">
-  <p:cSld>
-    <p:spTree>
-      <p:nvGrpSpPr>
-        <p:cNvPr id="1" name=""/>
-        <p:cNvGrpSpPr/>
-        <p:nvPr/>
-      </p:nvGrpSpPr>
-      <p:grpSpPr>
-        <a:xfrm>
-          <a:off x="0" y="0"/>
-          <a:ext cx="0" cy="0"/>
-          <a:chOff x="0" y="0"/>
-          <a:chExt cx="0" cy="0"/>
-        </a:xfrm>
-      </p:grpSpPr>
-      <p:sp>
-        <p:nvSpPr>
-          <p:cNvPr id="2" name="Content Placeholder 1"/>
-          <p:cNvSpPr>
-            <a:spLocks noGrp="1"/>
-          </p:cNvSpPr>
-          <p:nvPr>
-            <p:ph sz="quarter" idx="1"/>
-          </p:nvPr>
-        </p:nvSpPr>
-        <p:spPr>
-          <a:xfrm>
-            <a:off x="1219200" y="1447800"/>
-            <a:ext cx="6317673" cy="4572000"/>
-          </a:xfrm>
-        </p:spPr>
-        <p:txBody>
-          <a:bodyPr/>
-          <a:lstStyle/>
-          <a:p>
-            <a:r>
-              <a:rPr lang="en-US" dirty="0"/>
-              <a:t>Bot is asking for first symptoms </a:t>
-            </a:r>
-          </a:p>
-          <a:p>
-            <a:pPr lvl="1"/>
-            <a:r>
-              <a:rPr lang="en-US" dirty="0"/>
-              <a:t>Written language recognition </a:t>
-            </a:r>
-          </a:p>
-          <a:p>
-            <a:pPr lvl="1"/>
-            <a:r>
-              <a:rPr lang="fr-FR" dirty="0"/>
-              <a:t>D</a:t>
-            </a:r>
-            <a:r>
-              <a:rPr lang="en-US" dirty="0" err="1"/>
-              <a:t>etermine</a:t>
-            </a:r>
-            <a:r>
-              <a:rPr lang="en-US" dirty="0"/>
-              <a:t> symptoms </a:t>
-            </a:r>
-          </a:p>
-          <a:p>
-            <a:r>
-              <a:rPr lang="fr-FR" dirty="0"/>
-              <a:t>C</a:t>
-            </a:r>
-            <a:r>
-              <a:rPr lang="en-US" dirty="0" err="1"/>
-              <a:t>ompute</a:t>
-            </a:r>
-            <a:r>
-              <a:rPr lang="en-US" dirty="0"/>
-              <a:t> first set of diseases </a:t>
-            </a:r>
-          </a:p>
-          <a:p>
-            <a:r>
-              <a:rPr lang="fr-FR" dirty="0"/>
-              <a:t>A</a:t>
-            </a:r>
-            <a:r>
-              <a:rPr lang="en-US" dirty="0" err="1"/>
-              <a:t>sk</a:t>
-            </a:r>
-            <a:r>
-              <a:rPr lang="en-US" dirty="0"/>
-              <a:t> directed questions to reduce the set </a:t>
-            </a:r>
-          </a:p>
-          <a:p>
-            <a:r>
-              <a:rPr lang="fr-FR" dirty="0"/>
-              <a:t>C</a:t>
-            </a:r>
-            <a:r>
-              <a:rPr lang="en-US" dirty="0" err="1"/>
-              <a:t>ontinue</a:t>
-            </a:r>
-            <a:r>
-              <a:rPr lang="en-US" dirty="0"/>
-              <a:t> until the set is small enough </a:t>
-            </a:r>
-          </a:p>
-          <a:p>
-            <a:r>
-              <a:rPr lang="en-US" dirty="0"/>
-              <a:t>Gives results along with advices </a:t>
-            </a:r>
-          </a:p>
-        </p:txBody>
-      </p:sp>
-      <p:sp>
-        <p:nvSpPr>
-          <p:cNvPr id="3" name="Title 2"/>
-          <p:cNvSpPr>
-            <a:spLocks noGrp="1"/>
-          </p:cNvSpPr>
-          <p:nvPr>
-            <p:ph type="title"/>
-          </p:nvPr>
-        </p:nvSpPr>
-        <p:spPr/>
-        <p:txBody>
-          <a:bodyPr/>
-          <a:lstStyle/>
-          <a:p>
-            <a:r>
-              <a:rPr lang="en-US" dirty="0"/>
-              <a:t>How does it works ?</a:t>
-            </a:r>
-          </a:p>
-        </p:txBody>
-      </p:sp>
-      <p:pic>
-        <p:nvPicPr>
-          <p:cNvPr id="4" name="Picture 3"/>
-          <p:cNvPicPr>
-            <a:picLocks noChangeAspect="1"/>
-          </p:cNvPicPr>
-          <p:nvPr/>
-        </p:nvPicPr>
-        <p:blipFill>
-          <a:blip r:embed="rId2"/>
-          <a:stretch>
-            <a:fillRect/>
-          </a:stretch>
-        </p:blipFill>
-        <p:spPr>
-          <a:xfrm>
-            <a:off x="7789474" y="1551709"/>
-            <a:ext cx="3381449" cy="4364182"/>
-          </a:xfrm>
-          <a:prstGeom prst="rect">
-            <a:avLst/>
-          </a:prstGeom>
-        </p:spPr>
-      </p:pic>
-    </p:spTree>
-    <p:extLst>
-      <p:ext uri="{BB962C8B-B14F-4D97-AF65-F5344CB8AC3E}">
-        <p14:creationId xmlns:p14="http://schemas.microsoft.com/office/powerpoint/2010/main" val="30726060"/>
-      </p:ext>
-    </p:extLst>
-  </p:cSld>
-  <p:clrMapOvr>
-    <a:masterClrMapping/>
-  </p:clrMapOvr>
-  <mc:AlternateContent xmlns:mc="http://schemas.openxmlformats.org/markup-compatibility/2006" xmlns:p14="http://schemas.microsoft.com/office/powerpoint/2010/main">
-    <mc:Choice Requires="p14">
-      <p:transition spd="med" p14:dur="700">
-        <p:fade/>
-      </p:transition>
-    </mc:Choice>
-    <mc:Fallback xmlns="">
-      <p:transition spd="med">
-        <p:fade/>
-      </p:transition>
-    </mc:Fallback>
-  </mc:AlternateContent>
-</p:sld>
-</file>
-
-<file path=ppt/slides/slide5.xml><?xml version="1.0" encoding="utf-8"?>
-<p:sld xmlns:a="http://schemas.openxmlformats.org/drawingml/2006/main" xmlns:r="http://schemas.openxmlformats.org/officeDocument/2006/relationships" xmlns:p="http://schemas.openxmlformats.org/presentationml/2006/main">
-  <p:cSld>
-    <p:spTree>
-      <p:nvGrpSpPr>
-        <p:cNvPr id="1" name=""/>
-        <p:cNvGrpSpPr/>
-        <p:nvPr/>
-      </p:nvGrpSpPr>
-      <p:grpSpPr>
-        <a:xfrm>
-          <a:off x="0" y="0"/>
-          <a:ext cx="0" cy="0"/>
-          <a:chOff x="0" y="0"/>
-          <a:chExt cx="0" cy="0"/>
-        </a:xfrm>
-      </p:grpSpPr>
-      <p:sp>
-        <p:nvSpPr>
-          <p:cNvPr id="2" name="Content Placeholder 1"/>
-          <p:cNvSpPr>
-            <a:spLocks noGrp="1"/>
-          </p:cNvSpPr>
-          <p:nvPr>
-            <p:ph sz="quarter" idx="1"/>
-          </p:nvPr>
-        </p:nvSpPr>
-        <p:spPr/>
-        <p:txBody>
-          <a:bodyPr>
-            <a:normAutofit lnSpcReduction="10000"/>
-          </a:bodyPr>
-          <a:lstStyle/>
-          <a:p>
-            <a:r>
-              <a:rPr lang="fr-FR" dirty="0"/>
-              <a:t>Interactive and </a:t>
-            </a:r>
-            <a:r>
-              <a:rPr lang="fr-FR" dirty="0" err="1"/>
-              <a:t>easy</a:t>
-            </a:r>
-            <a:r>
-              <a:rPr lang="fr-FR" dirty="0"/>
-              <a:t> to use </a:t>
-            </a:r>
-          </a:p>
-          <a:p>
-            <a:r>
-              <a:rPr lang="fr-FR" dirty="0" err="1"/>
-              <a:t>Knowledge-driven</a:t>
-            </a:r>
-            <a:r>
-              <a:rPr lang="fr-FR" dirty="0"/>
-              <a:t> DSS</a:t>
-            </a:r>
-          </a:p>
-          <a:p>
-            <a:endParaRPr lang="fr-FR" dirty="0"/>
-          </a:p>
-          <a:p>
-            <a:r>
-              <a:rPr lang="fr-FR" dirty="0"/>
-              <a:t>Input: </a:t>
-            </a:r>
-            <a:r>
-              <a:rPr lang="fr-FR" dirty="0" err="1"/>
-              <a:t>symptoms</a:t>
-            </a:r>
-            <a:r>
-              <a:rPr lang="fr-FR" dirty="0"/>
-              <a:t> + </a:t>
-            </a:r>
-            <a:r>
-              <a:rPr lang="fr-FR" dirty="0" err="1"/>
-              <a:t>personal</a:t>
-            </a:r>
-            <a:r>
-              <a:rPr lang="fr-FR" dirty="0"/>
-              <a:t> data </a:t>
-            </a:r>
-          </a:p>
-          <a:p>
-            <a:r>
-              <a:rPr lang="fr-FR" dirty="0"/>
-              <a:t>Output: 3 </a:t>
-            </a:r>
-            <a:r>
-              <a:rPr lang="fr-FR" dirty="0" err="1"/>
-              <a:t>most</a:t>
-            </a:r>
-            <a:r>
-              <a:rPr lang="fr-FR" dirty="0"/>
-              <a:t> probable </a:t>
-            </a:r>
-            <a:r>
-              <a:rPr lang="fr-FR" dirty="0" err="1"/>
-              <a:t>diseases</a:t>
-            </a:r>
-            <a:r>
-              <a:rPr lang="fr-FR" dirty="0"/>
-              <a:t> and </a:t>
-            </a:r>
-            <a:r>
-              <a:rPr lang="fr-FR" dirty="0" err="1"/>
-              <a:t>advices</a:t>
-            </a:r>
-            <a:r>
-              <a:rPr lang="fr-FR" dirty="0"/>
-              <a:t> </a:t>
-            </a:r>
-          </a:p>
-          <a:p>
-            <a:r>
-              <a:rPr lang="fr-FR" dirty="0"/>
-              <a:t>Limited by the </a:t>
-            </a:r>
-            <a:r>
-              <a:rPr lang="fr-FR" dirty="0" err="1"/>
-              <a:t>database</a:t>
-            </a:r>
-            <a:r>
-              <a:rPr lang="fr-FR" dirty="0"/>
-              <a:t> </a:t>
-            </a:r>
-          </a:p>
-          <a:p>
-            <a:r>
-              <a:rPr lang="fr-FR" dirty="0" err="1"/>
-              <a:t>Compute</a:t>
-            </a:r>
-            <a:r>
-              <a:rPr lang="fr-FR" dirty="0"/>
-              <a:t> </a:t>
-            </a:r>
-            <a:r>
-              <a:rPr lang="fr-FR" dirty="0" err="1"/>
-              <a:t>probability</a:t>
-            </a:r>
-            <a:r>
-              <a:rPr lang="fr-FR" dirty="0"/>
-              <a:t> on </a:t>
-            </a:r>
-            <a:r>
-              <a:rPr lang="fr-FR" dirty="0" err="1"/>
-              <a:t>diseases</a:t>
-            </a:r>
-            <a:r>
-              <a:rPr lang="fr-FR" dirty="0"/>
-              <a:t> </a:t>
-            </a:r>
-            <a:r>
-              <a:rPr lang="fr-FR" dirty="0" err="1"/>
-              <a:t>depending</a:t>
-            </a:r>
-            <a:r>
-              <a:rPr lang="fr-FR" dirty="0"/>
-              <a:t> input data </a:t>
-            </a:r>
-          </a:p>
-          <a:p>
-            <a:r>
-              <a:rPr lang="fr-FR" dirty="0" err="1"/>
-              <a:t>Takes</a:t>
-            </a:r>
-            <a:r>
-              <a:rPr lang="fr-FR" dirty="0"/>
-              <a:t> </a:t>
-            </a:r>
-            <a:r>
-              <a:rPr lang="fr-FR" dirty="0" err="1"/>
-              <a:t>decision</a:t>
-            </a:r>
-            <a:r>
-              <a:rPr lang="fr-FR" dirty="0"/>
-              <a:t> </a:t>
-            </a:r>
-            <a:r>
-              <a:rPr lang="fr-FR" dirty="0" err="1"/>
-              <a:t>when</a:t>
-            </a:r>
-            <a:r>
-              <a:rPr lang="fr-FR" dirty="0"/>
-              <a:t> </a:t>
-            </a:r>
-            <a:r>
-              <a:rPr lang="fr-FR" dirty="0" err="1"/>
-              <a:t>threshold</a:t>
-            </a:r>
-            <a:r>
-              <a:rPr lang="fr-FR" dirty="0"/>
-              <a:t> </a:t>
-            </a:r>
-            <a:r>
-              <a:rPr lang="fr-FR" dirty="0" err="1"/>
-              <a:t>reached</a:t>
-            </a:r>
-            <a:r>
-              <a:rPr lang="fr-FR" dirty="0"/>
-              <a:t> </a:t>
-            </a:r>
-          </a:p>
-          <a:p>
-            <a:pPr lvl="1"/>
-            <a:r>
-              <a:rPr lang="fr-FR" dirty="0"/>
-              <a:t>Maximum </a:t>
-            </a:r>
-            <a:r>
-              <a:rPr lang="fr-FR" dirty="0" err="1"/>
-              <a:t>number</a:t>
-            </a:r>
-            <a:r>
-              <a:rPr lang="fr-FR" dirty="0"/>
-              <a:t> of questions </a:t>
-            </a:r>
-          </a:p>
-          <a:p>
-            <a:pPr lvl="1"/>
-            <a:r>
-              <a:rPr lang="fr-FR" dirty="0"/>
-              <a:t>Maximum </a:t>
-            </a:r>
-            <a:r>
-              <a:rPr lang="fr-FR" dirty="0" err="1"/>
-              <a:t>probability</a:t>
-            </a:r>
-            <a:r>
-              <a:rPr lang="fr-FR" dirty="0"/>
-              <a:t> </a:t>
-            </a:r>
-          </a:p>
-          <a:p>
-            <a:endParaRPr lang="en-US" dirty="0"/>
-          </a:p>
-        </p:txBody>
-      </p:sp>
-      <p:sp>
-        <p:nvSpPr>
-          <p:cNvPr id="3" name="Title 2"/>
-          <p:cNvSpPr>
-            <a:spLocks noGrp="1"/>
-          </p:cNvSpPr>
-          <p:nvPr>
-            <p:ph type="title"/>
-          </p:nvPr>
-        </p:nvSpPr>
-        <p:spPr/>
-        <p:txBody>
-          <a:bodyPr/>
-          <a:lstStyle/>
-          <a:p>
-            <a:r>
-              <a:rPr lang="fr-FR" dirty="0" err="1"/>
-              <a:t>Decision</a:t>
-            </a:r>
-            <a:r>
-              <a:rPr lang="fr-FR" dirty="0"/>
-              <a:t> Support System </a:t>
-            </a:r>
-            <a:endParaRPr lang="en-US" dirty="0"/>
-          </a:p>
-        </p:txBody>
-      </p:sp>
-    </p:spTree>
-    <p:extLst>
-      <p:ext uri="{BB962C8B-B14F-4D97-AF65-F5344CB8AC3E}">
-        <p14:creationId xmlns:p14="http://schemas.microsoft.com/office/powerpoint/2010/main" val="317634871"/>
-      </p:ext>
-    </p:extLst>
-  </p:cSld>
-  <p:clrMapOvr>
-    <a:masterClrMapping/>
-  </p:clrMapOvr>
-  <mc:AlternateContent xmlns:mc="http://schemas.openxmlformats.org/markup-compatibility/2006" xmlns:p14="http://schemas.microsoft.com/office/powerpoint/2010/main">
-    <mc:Choice Requires="p14">
-      <p:transition spd="med" p14:dur="700">
-        <p:fade/>
-      </p:transition>
-    </mc:Choice>
-    <mc:Fallback xmlns="">
-      <p:transition spd="med">
-        <p:fade/>
-      </p:transition>
-    </mc:Fallback>
-  </mc:AlternateContent>
-</p:sld>
-</file>
-
-<file path=ppt/slides/slide6.xml><?xml version="1.0" encoding="utf-8"?>
-<p:sld xmlns:a="http://schemas.openxmlformats.org/drawingml/2006/main" xmlns:r="http://schemas.openxmlformats.org/officeDocument/2006/relationships" xmlns:p="http://schemas.openxmlformats.org/presentationml/2006/main">
-  <p:cSld>
-    <p:spTree>
-      <p:nvGrpSpPr>
-        <p:cNvPr id="1" name=""/>
-        <p:cNvGrpSpPr/>
-        <p:nvPr/>
-      </p:nvGrpSpPr>
-      <p:grpSpPr>
-        <a:xfrm>
-          <a:off x="0" y="0"/>
-          <a:ext cx="0" cy="0"/>
-          <a:chOff x="0" y="0"/>
-          <a:chExt cx="0" cy="0"/>
-        </a:xfrm>
-      </p:grpSpPr>
-      <p:sp>
-        <p:nvSpPr>
-          <p:cNvPr id="2" name="Content Placeholder 1"/>
-          <p:cNvSpPr>
-            <a:spLocks noGrp="1"/>
-          </p:cNvSpPr>
-          <p:nvPr>
-            <p:ph sz="quarter" idx="1"/>
-          </p:nvPr>
-        </p:nvSpPr>
-        <p:spPr/>
-        <p:txBody>
-          <a:bodyPr/>
-          <a:lstStyle/>
-          <a:p>
-            <a:r>
-              <a:rPr lang="fr-FR" dirty="0"/>
-              <a:t>3 tables </a:t>
-            </a:r>
-            <a:endParaRPr lang="en-US" dirty="0"/>
-          </a:p>
-          <a:p>
-            <a:pPr lvl="1"/>
-            <a:r>
-              <a:rPr lang="en-US" dirty="0"/>
-              <a:t>Symptoms</a:t>
-            </a:r>
-            <a:r>
-              <a:rPr lang="fr-FR" dirty="0"/>
-              <a:t> </a:t>
-            </a:r>
-          </a:p>
-          <a:p>
-            <a:pPr lvl="1"/>
-            <a:r>
-              <a:rPr lang="en-US" dirty="0"/>
-              <a:t>Diseases</a:t>
-            </a:r>
-            <a:r>
-              <a:rPr lang="fr-FR" dirty="0"/>
-              <a:t> </a:t>
-            </a:r>
-          </a:p>
-          <a:p>
-            <a:pPr lvl="1"/>
-            <a:r>
-              <a:rPr lang="en-US" dirty="0"/>
-              <a:t>Map linking the two </a:t>
-            </a:r>
-          </a:p>
-        </p:txBody>
-      </p:sp>
-      <p:sp>
-        <p:nvSpPr>
-          <p:cNvPr id="3" name="Title 2"/>
-          <p:cNvSpPr>
-            <a:spLocks noGrp="1"/>
-          </p:cNvSpPr>
-          <p:nvPr>
-            <p:ph type="title"/>
-          </p:nvPr>
-        </p:nvSpPr>
-        <p:spPr/>
-        <p:txBody>
-          <a:bodyPr/>
-          <a:lstStyle/>
-          <a:p>
-            <a:r>
-              <a:rPr lang="en-US" dirty="0"/>
-              <a:t>Database</a:t>
-            </a:r>
-          </a:p>
-        </p:txBody>
-      </p:sp>
-      <p:pic>
-        <p:nvPicPr>
-          <p:cNvPr id="5" name="Picture 4"/>
-          <p:cNvPicPr>
-            <a:picLocks noChangeAspect="1"/>
-          </p:cNvPicPr>
-          <p:nvPr/>
-        </p:nvPicPr>
-        <p:blipFill>
-          <a:blip r:embed="rId2">
-            <a:extLst>
-              <a:ext uri="{28A0092B-C50C-407E-A947-70E740481C1C}">
-                <a14:useLocalDpi xmlns:a14="http://schemas.microsoft.com/office/drawing/2010/main" val="0"/>
-              </a:ext>
-            </a:extLst>
-          </a:blip>
-          <a:stretch>
-            <a:fillRect/>
-          </a:stretch>
-        </p:blipFill>
-        <p:spPr>
-          <a:xfrm>
-            <a:off x="1975445" y="3307484"/>
-            <a:ext cx="8241112" cy="3314990"/>
-          </a:xfrm>
-          <a:prstGeom prst="rect">
-            <a:avLst/>
-          </a:prstGeom>
-        </p:spPr>
-      </p:pic>
-      <p:pic>
-        <p:nvPicPr>
-          <p:cNvPr id="7" name="Picture 6"/>
-          <p:cNvPicPr>
-            <a:picLocks noChangeAspect="1"/>
-          </p:cNvPicPr>
-          <p:nvPr/>
-        </p:nvPicPr>
-        <p:blipFill>
-          <a:blip r:embed="rId3">
-            <a:extLst>
-              <a:ext uri="{28A0092B-C50C-407E-A947-70E740481C1C}">
-                <a14:useLocalDpi xmlns:a14="http://schemas.microsoft.com/office/drawing/2010/main" val="0"/>
-              </a:ext>
-            </a:extLst>
-          </a:blip>
-          <a:stretch>
-            <a:fillRect/>
-          </a:stretch>
-        </p:blipFill>
-        <p:spPr>
-          <a:xfrm>
-            <a:off x="7307975" y="274637"/>
-            <a:ext cx="4274426" cy="2787216"/>
-          </a:xfrm>
-          <a:prstGeom prst="rect">
-            <a:avLst/>
-          </a:prstGeom>
-        </p:spPr>
-      </p:pic>
-    </p:spTree>
-    <p:extLst>
-      <p:ext uri="{BB962C8B-B14F-4D97-AF65-F5344CB8AC3E}">
-        <p14:creationId xmlns:p14="http://schemas.microsoft.com/office/powerpoint/2010/main" val="3867255876"/>
-      </p:ext>
-    </p:extLst>
-  </p:cSld>
-  <p:clrMapOvr>
-    <a:masterClrMapping/>
-  </p:clrMapOvr>
-  <mc:AlternateContent xmlns:mc="http://schemas.openxmlformats.org/markup-compatibility/2006" xmlns:p14="http://schemas.microsoft.com/office/powerpoint/2010/main">
-    <mc:Choice Requires="p14">
-      <p:transition spd="med" p14:dur="700">
-        <p:fade/>
-      </p:transition>
-    </mc:Choice>
-    <mc:Fallback xmlns="">
-      <p:transition spd="med">
-        <p:fade/>
-      </p:transition>
-    </mc:Fallback>
-  </mc:AlternateContent>
-</p:sld>
-</file>
-
-<file path=ppt/slides/slide7.xml><?xml version="1.0" encoding="utf-8"?>
 <p:sld xmlns:a="http://schemas.openxmlformats.org/drawingml/2006/main" xmlns:r="http://schemas.openxmlformats.org/officeDocument/2006/relationships" xmlns:p="http://schemas.openxmlformats.org/presentationml/2006/main">
   <p:cSld>
     <p:spTree>
@@ -6415,7 +4966,7 @@
 </p:sld>
 </file>
 
-<file path=ppt/slides/slide8.xml><?xml version="1.0" encoding="utf-8"?>
+<file path=ppt/slides/slide11.xml><?xml version="1.0" encoding="utf-8"?>
 <p:sld xmlns:a="http://schemas.openxmlformats.org/drawingml/2006/main" xmlns:r="http://schemas.openxmlformats.org/officeDocument/2006/relationships" xmlns:p="http://schemas.openxmlformats.org/presentationml/2006/main">
   <p:cSld>
     <p:spTree>
@@ -6545,6 +5096,2336 @@
 </p:sld>
 </file>
 
+<file path=ppt/slides/slide12.xml><?xml version="1.0" encoding="utf-8"?>
+<p:sld xmlns:a="http://schemas.openxmlformats.org/drawingml/2006/main" xmlns:r="http://schemas.openxmlformats.org/officeDocument/2006/relationships" xmlns:p="http://schemas.openxmlformats.org/presentationml/2006/main">
+  <p:cSld>
+    <p:spTree>
+      <p:nvGrpSpPr>
+        <p:cNvPr id="1" name=""/>
+        <p:cNvGrpSpPr/>
+        <p:nvPr/>
+      </p:nvGrpSpPr>
+      <p:grpSpPr>
+        <a:xfrm>
+          <a:off x="0" y="0"/>
+          <a:ext cx="0" cy="0"/>
+          <a:chOff x="0" y="0"/>
+          <a:chExt cx="0" cy="0"/>
+        </a:xfrm>
+      </p:grpSpPr>
+      <p:sp>
+        <p:nvSpPr>
+          <p:cNvPr id="2" name="Content Placeholder 1"/>
+          <p:cNvSpPr>
+            <a:spLocks noGrp="1"/>
+          </p:cNvSpPr>
+          <p:nvPr>
+            <p:ph sz="quarter" idx="1"/>
+          </p:nvPr>
+        </p:nvSpPr>
+        <p:spPr/>
+        <p:txBody>
+          <a:bodyPr/>
+          <a:lstStyle/>
+          <a:p>
+            <a:r>
+              <a:rPr lang="en-US" dirty="0"/>
+              <a:t>Compute scores</a:t>
+            </a:r>
+          </a:p>
+          <a:p>
+            <a:endParaRPr lang="en-US" dirty="0"/>
+          </a:p>
+          <a:p>
+            <a:endParaRPr lang="en-US" dirty="0"/>
+          </a:p>
+          <a:p>
+            <a:endParaRPr lang="en-US" dirty="0"/>
+          </a:p>
+          <a:p>
+            <a:r>
+              <a:rPr lang="en-US" dirty="0"/>
+              <a:t>The higher scores are chosen as the most probable sicknesses </a:t>
+            </a:r>
+          </a:p>
+          <a:p>
+            <a:r>
+              <a:rPr lang="fr-FR" dirty="0"/>
+              <a:t>I</a:t>
+            </a:r>
+            <a:r>
+              <a:rPr lang="en-US" dirty="0"/>
+              <a:t>n the case of a draw we use personal information to decide between the two</a:t>
+            </a:r>
+          </a:p>
+          <a:p>
+            <a:pPr lvl="1"/>
+            <a:r>
+              <a:rPr lang="fr-FR" dirty="0" err="1"/>
+              <a:t>Example</a:t>
+            </a:r>
+            <a:r>
+              <a:rPr lang="fr-FR" dirty="0"/>
+              <a:t> : </a:t>
+            </a:r>
+            <a:r>
+              <a:rPr lang="fr-FR" dirty="0" err="1"/>
+              <a:t>draw</a:t>
+            </a:r>
+            <a:r>
+              <a:rPr lang="fr-FR" dirty="0"/>
+              <a:t> </a:t>
+            </a:r>
+            <a:r>
+              <a:rPr lang="fr-FR" dirty="0" err="1"/>
+              <a:t>between</a:t>
+            </a:r>
+            <a:r>
+              <a:rPr lang="fr-FR" dirty="0"/>
+              <a:t> </a:t>
+            </a:r>
+            <a:r>
+              <a:rPr lang="fr-FR" dirty="0" err="1"/>
+              <a:t>flu</a:t>
+            </a:r>
+            <a:r>
+              <a:rPr lang="fr-FR" dirty="0"/>
+              <a:t> and </a:t>
+            </a:r>
+            <a:r>
+              <a:rPr lang="fr-FR" dirty="0" err="1"/>
+              <a:t>pneumonia</a:t>
+            </a:r>
+            <a:r>
+              <a:rPr lang="fr-FR" dirty="0"/>
+              <a:t> + the patient </a:t>
+            </a:r>
+            <a:r>
+              <a:rPr lang="fr-FR" dirty="0" err="1"/>
+              <a:t>is</a:t>
+            </a:r>
+            <a:r>
+              <a:rPr lang="fr-FR" dirty="0"/>
+              <a:t> a smocker </a:t>
+            </a:r>
+            <a:r>
+              <a:rPr lang="fr-FR" dirty="0">
+                <a:sym typeface="Wingdings" panose="05000000000000000000" pitchFamily="2" charset="2"/>
+              </a:rPr>
+              <a:t> </a:t>
+            </a:r>
+            <a:r>
+              <a:rPr lang="fr-FR" dirty="0" err="1">
+                <a:sym typeface="Wingdings" panose="05000000000000000000" pitchFamily="2" charset="2"/>
+              </a:rPr>
+              <a:t>pneumonia</a:t>
+            </a:r>
+            <a:r>
+              <a:rPr lang="fr-FR" dirty="0">
+                <a:sym typeface="Wingdings" panose="05000000000000000000" pitchFamily="2" charset="2"/>
+              </a:rPr>
+              <a:t> </a:t>
+            </a:r>
+            <a:r>
+              <a:rPr lang="fr-FR" dirty="0" err="1">
+                <a:sym typeface="Wingdings" panose="05000000000000000000" pitchFamily="2" charset="2"/>
+              </a:rPr>
+              <a:t>is</a:t>
+            </a:r>
+            <a:r>
+              <a:rPr lang="fr-FR" dirty="0">
+                <a:sym typeface="Wingdings" panose="05000000000000000000" pitchFamily="2" charset="2"/>
+              </a:rPr>
+              <a:t> </a:t>
+            </a:r>
+            <a:r>
+              <a:rPr lang="fr-FR" dirty="0" err="1">
+                <a:sym typeface="Wingdings" panose="05000000000000000000" pitchFamily="2" charset="2"/>
+              </a:rPr>
+              <a:t>chosen</a:t>
+            </a:r>
+            <a:r>
+              <a:rPr lang="fr-FR" dirty="0">
+                <a:sym typeface="Wingdings" panose="05000000000000000000" pitchFamily="2" charset="2"/>
+              </a:rPr>
+              <a:t> over </a:t>
+            </a:r>
+            <a:r>
+              <a:rPr lang="fr-FR" dirty="0" err="1">
+                <a:sym typeface="Wingdings" panose="05000000000000000000" pitchFamily="2" charset="2"/>
+              </a:rPr>
+              <a:t>flu</a:t>
+            </a:r>
+            <a:endParaRPr lang="en-US" dirty="0"/>
+          </a:p>
+        </p:txBody>
+      </p:sp>
+      <p:sp>
+        <p:nvSpPr>
+          <p:cNvPr id="3" name="Title 2"/>
+          <p:cNvSpPr>
+            <a:spLocks noGrp="1"/>
+          </p:cNvSpPr>
+          <p:nvPr>
+            <p:ph type="title"/>
+          </p:nvPr>
+        </p:nvSpPr>
+        <p:spPr/>
+        <p:txBody>
+          <a:bodyPr/>
+          <a:lstStyle/>
+          <a:p>
+            <a:r>
+              <a:rPr lang="fr-FR" dirty="0" err="1"/>
+              <a:t>Probability</a:t>
+            </a:r>
+            <a:r>
+              <a:rPr lang="fr-FR" dirty="0"/>
+              <a:t> computation </a:t>
+            </a:r>
+            <a:endParaRPr lang="en-US" dirty="0"/>
+          </a:p>
+        </p:txBody>
+      </p:sp>
+      <mc:AlternateContent xmlns:mc="http://schemas.openxmlformats.org/markup-compatibility/2006" xmlns:a14="http://schemas.microsoft.com/office/drawing/2010/main">
+        <mc:Choice Requires="a14">
+          <p:sp>
+            <p:nvSpPr>
+              <p:cNvPr id="4" name="TextBox 3"/>
+              <p:cNvSpPr txBox="1"/>
+              <p:nvPr/>
+            </p:nvSpPr>
+            <p:spPr>
+              <a:xfrm>
+                <a:off x="3303313" y="2365568"/>
+                <a:ext cx="5585375" cy="575157"/>
+              </a:xfrm>
+              <a:prstGeom prst="rect">
+                <a:avLst/>
+              </a:prstGeom>
+              <a:noFill/>
+              <a:ln>
+                <a:solidFill>
+                  <a:schemeClr val="bg2"/>
+                </a:solidFill>
+              </a:ln>
+            </p:spPr>
+            <p:txBody>
+              <a:bodyPr wrap="none" lIns="0" tIns="0" rIns="0" bIns="0" rtlCol="0" anchor="ctr" anchorCtr="1">
+                <a:spAutoFit/>
+              </a:bodyPr>
+              <a:lstStyle/>
+              <a:p>
+                <a:pPr/>
+                <a14:m>
+                  <m:oMathPara xmlns:m="http://schemas.openxmlformats.org/officeDocument/2006/math">
+                    <m:oMathParaPr>
+                      <m:jc m:val="centerGroup"/>
+                    </m:oMathParaPr>
+                    <m:oMath xmlns:m="http://schemas.openxmlformats.org/officeDocument/2006/math">
+                      <m:r>
+                        <a:rPr lang="fr-FR" b="0" i="1" smtClean="0">
+                          <a:latin typeface="Cambria Math" panose="02040503050406030204" pitchFamily="18" charset="0"/>
+                        </a:rPr>
+                        <m:t>𝑆𝑐𝑜𝑟𝑒</m:t>
+                      </m:r>
+                      <m:r>
+                        <a:rPr lang="fr-FR" b="0" i="1" smtClean="0">
+                          <a:latin typeface="Cambria Math" panose="02040503050406030204" pitchFamily="18" charset="0"/>
+                        </a:rPr>
+                        <m:t>= </m:t>
+                      </m:r>
+                      <m:f>
+                        <m:fPr>
+                          <m:ctrlPr>
+                            <a:rPr lang="fr-FR" b="0" i="1" smtClean="0">
+                              <a:latin typeface="Cambria Math" panose="02040503050406030204" pitchFamily="18" charset="0"/>
+                            </a:rPr>
+                          </m:ctrlPr>
+                        </m:fPr>
+                        <m:num>
+                          <m:r>
+                            <a:rPr lang="fr-FR" b="0" i="1" smtClean="0">
+                              <a:latin typeface="Cambria Math" panose="02040503050406030204" pitchFamily="18" charset="0"/>
+                            </a:rPr>
+                            <m:t>𝑁𝑢𝑚𝑏𝑒𝑟</m:t>
+                          </m:r>
+                          <m:r>
+                            <a:rPr lang="fr-FR" b="0" i="1" smtClean="0">
+                              <a:latin typeface="Cambria Math" panose="02040503050406030204" pitchFamily="18" charset="0"/>
+                            </a:rPr>
+                            <m:t> </m:t>
+                          </m:r>
+                          <m:r>
+                            <a:rPr lang="fr-FR" b="0" i="1" smtClean="0">
+                              <a:latin typeface="Cambria Math" panose="02040503050406030204" pitchFamily="18" charset="0"/>
+                            </a:rPr>
+                            <m:t>𝑜𝑓</m:t>
+                          </m:r>
+                          <m:r>
+                            <a:rPr lang="fr-FR" b="0" i="1" smtClean="0">
+                              <a:latin typeface="Cambria Math" panose="02040503050406030204" pitchFamily="18" charset="0"/>
+                            </a:rPr>
+                            <m:t> </m:t>
+                          </m:r>
+                          <m:r>
+                            <a:rPr lang="fr-FR" b="0" i="1" smtClean="0">
+                              <a:latin typeface="Cambria Math" panose="02040503050406030204" pitchFamily="18" charset="0"/>
+                            </a:rPr>
+                            <m:t>𝑐𝑜𝑚𝑚𝑜𝑛</m:t>
+                          </m:r>
+                          <m:r>
+                            <a:rPr lang="fr-FR" b="0" i="1" smtClean="0">
+                              <a:latin typeface="Cambria Math" panose="02040503050406030204" pitchFamily="18" charset="0"/>
+                            </a:rPr>
+                            <m:t> </m:t>
+                          </m:r>
+                          <m:r>
+                            <a:rPr lang="fr-FR" b="0" i="1" smtClean="0">
+                              <a:latin typeface="Cambria Math" panose="02040503050406030204" pitchFamily="18" charset="0"/>
+                            </a:rPr>
+                            <m:t>𝑠𝑦𝑚𝑝𝑡𝑜𝑚𝑠</m:t>
+                          </m:r>
+                        </m:num>
+                        <m:den>
+                          <m:r>
+                            <a:rPr lang="fr-FR" b="0" i="1" smtClean="0">
+                              <a:latin typeface="Cambria Math" panose="02040503050406030204" pitchFamily="18" charset="0"/>
+                            </a:rPr>
+                            <m:t>𝑇𝑜𝑡𝑎𝑙</m:t>
+                          </m:r>
+                          <m:r>
+                            <a:rPr lang="fr-FR" b="0" i="1" smtClean="0">
+                              <a:latin typeface="Cambria Math" panose="02040503050406030204" pitchFamily="18" charset="0"/>
+                            </a:rPr>
+                            <m:t> </m:t>
+                          </m:r>
+                          <m:r>
+                            <a:rPr lang="fr-FR" b="0" i="1" smtClean="0">
+                              <a:latin typeface="Cambria Math" panose="02040503050406030204" pitchFamily="18" charset="0"/>
+                            </a:rPr>
+                            <m:t>𝑛𝑢𝑚𝑏𝑒𝑟</m:t>
+                          </m:r>
+                          <m:r>
+                            <a:rPr lang="fr-FR" b="0" i="1" smtClean="0">
+                              <a:latin typeface="Cambria Math" panose="02040503050406030204" pitchFamily="18" charset="0"/>
+                            </a:rPr>
+                            <m:t> </m:t>
+                          </m:r>
+                          <m:r>
+                            <a:rPr lang="fr-FR" b="0" i="1" smtClean="0">
+                              <a:latin typeface="Cambria Math" panose="02040503050406030204" pitchFamily="18" charset="0"/>
+                            </a:rPr>
+                            <m:t>𝑜𝑓</m:t>
+                          </m:r>
+                          <m:r>
+                            <a:rPr lang="fr-FR" b="0" i="1" smtClean="0">
+                              <a:latin typeface="Cambria Math" panose="02040503050406030204" pitchFamily="18" charset="0"/>
+                            </a:rPr>
+                            <m:t> </m:t>
+                          </m:r>
+                          <m:r>
+                            <a:rPr lang="fr-FR" b="0" i="1" smtClean="0">
+                              <a:latin typeface="Cambria Math" panose="02040503050406030204" pitchFamily="18" charset="0"/>
+                            </a:rPr>
+                            <m:t>𝑠𝑦𝑚𝑝𝑡𝑜𝑚𝑠</m:t>
+                          </m:r>
+                          <m:r>
+                            <a:rPr lang="fr-FR" b="0" i="1" smtClean="0">
+                              <a:latin typeface="Cambria Math" panose="02040503050406030204" pitchFamily="18" charset="0"/>
+                            </a:rPr>
+                            <m:t> </m:t>
+                          </m:r>
+                          <m:r>
+                            <a:rPr lang="fr-FR" b="0" i="1" smtClean="0">
+                              <a:latin typeface="Cambria Math" panose="02040503050406030204" pitchFamily="18" charset="0"/>
+                            </a:rPr>
+                            <m:t>𝑓𝑜𝑟</m:t>
+                          </m:r>
+                          <m:r>
+                            <a:rPr lang="fr-FR" b="0" i="1" smtClean="0">
+                              <a:latin typeface="Cambria Math" panose="02040503050406030204" pitchFamily="18" charset="0"/>
+                            </a:rPr>
+                            <m:t> </m:t>
+                          </m:r>
+                          <m:r>
+                            <a:rPr lang="fr-FR" b="0" i="1" smtClean="0">
+                              <a:latin typeface="Cambria Math" panose="02040503050406030204" pitchFamily="18" charset="0"/>
+                            </a:rPr>
+                            <m:t>𝑡h𝑒</m:t>
+                          </m:r>
+                          <m:r>
+                            <a:rPr lang="fr-FR" b="0" i="1" smtClean="0">
+                              <a:latin typeface="Cambria Math" panose="02040503050406030204" pitchFamily="18" charset="0"/>
+                            </a:rPr>
+                            <m:t> </m:t>
+                          </m:r>
+                          <m:r>
+                            <a:rPr lang="fr-FR" b="0" i="1" smtClean="0">
+                              <a:latin typeface="Cambria Math" panose="02040503050406030204" pitchFamily="18" charset="0"/>
+                            </a:rPr>
+                            <m:t>𝑠𝑖𝑐𝑘𝑛𝑒𝑠𝑠</m:t>
+                          </m:r>
+                        </m:den>
+                      </m:f>
+                    </m:oMath>
+                  </m:oMathPara>
+                </a14:m>
+                <a:endParaRPr lang="en-US" dirty="0"/>
+              </a:p>
+            </p:txBody>
+          </p:sp>
+        </mc:Choice>
+        <mc:Fallback xmlns="">
+          <p:sp>
+            <p:nvSpPr>
+              <p:cNvPr id="4" name="TextBox 3"/>
+              <p:cNvSpPr txBox="1">
+                <a:spLocks noRot="1" noChangeAspect="1" noMove="1" noResize="1" noEditPoints="1" noAdjustHandles="1" noChangeArrowheads="1" noChangeShapeType="1" noTextEdit="1"/>
+              </p:cNvSpPr>
+              <p:nvPr/>
+            </p:nvSpPr>
+            <p:spPr>
+              <a:xfrm>
+                <a:off x="3303313" y="2365568"/>
+                <a:ext cx="5585375" cy="575157"/>
+              </a:xfrm>
+              <a:prstGeom prst="rect">
+                <a:avLst/>
+              </a:prstGeom>
+              <a:blipFill>
+                <a:blip r:embed="rId2"/>
+                <a:stretch>
+                  <a:fillRect/>
+                </a:stretch>
+              </a:blipFill>
+              <a:ln>
+                <a:solidFill>
+                  <a:schemeClr val="bg2"/>
+                </a:solidFill>
+              </a:ln>
+            </p:spPr>
+            <p:txBody>
+              <a:bodyPr/>
+              <a:lstStyle/>
+              <a:p>
+                <a:r>
+                  <a:rPr lang="en-US">
+                    <a:noFill/>
+                  </a:rPr>
+                  <a:t> </a:t>
+                </a:r>
+              </a:p>
+            </p:txBody>
+          </p:sp>
+        </mc:Fallback>
+      </mc:AlternateContent>
+    </p:spTree>
+    <p:extLst>
+      <p:ext uri="{BB962C8B-B14F-4D97-AF65-F5344CB8AC3E}">
+        <p14:creationId xmlns:p14="http://schemas.microsoft.com/office/powerpoint/2010/main" val="1419907118"/>
+      </p:ext>
+    </p:extLst>
+  </p:cSld>
+  <p:clrMapOvr>
+    <a:masterClrMapping/>
+  </p:clrMapOvr>
+  <mc:AlternateContent xmlns:mc="http://schemas.openxmlformats.org/markup-compatibility/2006" xmlns:p14="http://schemas.microsoft.com/office/powerpoint/2010/main">
+    <mc:Choice Requires="p14">
+      <p:transition spd="med" p14:dur="700">
+        <p:fade/>
+      </p:transition>
+    </mc:Choice>
+    <mc:Fallback xmlns="">
+      <p:transition spd="med">
+        <p:fade/>
+      </p:transition>
+    </mc:Fallback>
+  </mc:AlternateContent>
+</p:sld>
+</file>
+
+<file path=ppt/slides/slide13.xml><?xml version="1.0" encoding="utf-8"?>
+<p:sld xmlns:a="http://schemas.openxmlformats.org/drawingml/2006/main" xmlns:r="http://schemas.openxmlformats.org/officeDocument/2006/relationships" xmlns:p="http://schemas.openxmlformats.org/presentationml/2006/main">
+  <p:cSld>
+    <p:spTree>
+      <p:nvGrpSpPr>
+        <p:cNvPr id="1" name=""/>
+        <p:cNvGrpSpPr/>
+        <p:nvPr/>
+      </p:nvGrpSpPr>
+      <p:grpSpPr>
+        <a:xfrm>
+          <a:off x="0" y="0"/>
+          <a:ext cx="0" cy="0"/>
+          <a:chOff x="0" y="0"/>
+          <a:chExt cx="0" cy="0"/>
+        </a:xfrm>
+      </p:grpSpPr>
+      <p:sp>
+        <p:nvSpPr>
+          <p:cNvPr id="2" name="Content Placeholder 1"/>
+          <p:cNvSpPr>
+            <a:spLocks noGrp="1"/>
+          </p:cNvSpPr>
+          <p:nvPr>
+            <p:ph sz="quarter" idx="1"/>
+          </p:nvPr>
+        </p:nvSpPr>
+        <p:spPr/>
+        <p:txBody>
+          <a:bodyPr/>
+          <a:lstStyle/>
+          <a:p>
+            <a:r>
+              <a:rPr lang="en-US" dirty="0"/>
+              <a:t>Bot logic: Telegram Bot (Python module)</a:t>
+            </a:r>
+          </a:p>
+          <a:p>
+            <a:r>
+              <a:rPr lang="en-US" dirty="0"/>
+              <a:t>Classifier: </a:t>
+            </a:r>
+            <a:r>
+              <a:rPr lang="en-US" dirty="0" err="1"/>
+              <a:t>SciKit</a:t>
+            </a:r>
+            <a:r>
+              <a:rPr lang="en-US" dirty="0"/>
+              <a:t> </a:t>
+            </a:r>
+          </a:p>
+          <a:p>
+            <a:r>
+              <a:rPr lang="fr-FR" dirty="0"/>
+              <a:t>D</a:t>
+            </a:r>
+            <a:r>
+              <a:rPr lang="en-US" dirty="0" err="1"/>
+              <a:t>atabase</a:t>
+            </a:r>
+            <a:r>
+              <a:rPr lang="en-US" dirty="0"/>
+              <a:t>: </a:t>
+            </a:r>
+            <a:r>
+              <a:rPr lang="en-US" dirty="0" err="1"/>
+              <a:t>Postgresql</a:t>
+            </a:r>
+            <a:r>
+              <a:rPr lang="en-US" dirty="0"/>
+              <a:t> </a:t>
+            </a:r>
+          </a:p>
+        </p:txBody>
+      </p:sp>
+      <p:sp>
+        <p:nvSpPr>
+          <p:cNvPr id="3" name="Title 2"/>
+          <p:cNvSpPr>
+            <a:spLocks noGrp="1"/>
+          </p:cNvSpPr>
+          <p:nvPr>
+            <p:ph type="title"/>
+          </p:nvPr>
+        </p:nvSpPr>
+        <p:spPr/>
+        <p:txBody>
+          <a:bodyPr/>
+          <a:lstStyle/>
+          <a:p>
+            <a:r>
+              <a:rPr lang="fr-FR" dirty="0"/>
+              <a:t>T</a:t>
+            </a:r>
+            <a:r>
+              <a:rPr lang="en-US" dirty="0" err="1"/>
+              <a:t>echnology</a:t>
+            </a:r>
+            <a:r>
+              <a:rPr lang="en-US" dirty="0"/>
+              <a:t> choices</a:t>
+            </a:r>
+          </a:p>
+        </p:txBody>
+      </p:sp>
+      <p:pic>
+        <p:nvPicPr>
+          <p:cNvPr id="4" name="Picture 3"/>
+          <p:cNvPicPr>
+            <a:picLocks noChangeAspect="1"/>
+          </p:cNvPicPr>
+          <p:nvPr/>
+        </p:nvPicPr>
+        <p:blipFill>
+          <a:blip r:embed="rId2"/>
+          <a:stretch>
+            <a:fillRect/>
+          </a:stretch>
+        </p:blipFill>
+        <p:spPr>
+          <a:xfrm>
+            <a:off x="1219200" y="3251201"/>
+            <a:ext cx="2510971" cy="2510971"/>
+          </a:xfrm>
+          <a:prstGeom prst="rect">
+            <a:avLst/>
+          </a:prstGeom>
+        </p:spPr>
+      </p:pic>
+      <p:pic>
+        <p:nvPicPr>
+          <p:cNvPr id="8" name="Picture 7"/>
+          <p:cNvPicPr>
+            <a:picLocks noChangeAspect="1"/>
+          </p:cNvPicPr>
+          <p:nvPr/>
+        </p:nvPicPr>
+        <p:blipFill>
+          <a:blip r:embed="rId3">
+            <a:extLst>
+              <a:ext uri="{28A0092B-C50C-407E-A947-70E740481C1C}">
+                <a14:useLocalDpi xmlns:a14="http://schemas.microsoft.com/office/drawing/2010/main" val="0"/>
+              </a:ext>
+            </a:extLst>
+          </a:blip>
+          <a:stretch>
+            <a:fillRect/>
+          </a:stretch>
+        </p:blipFill>
+        <p:spPr>
+          <a:xfrm>
+            <a:off x="4704732" y="3592286"/>
+            <a:ext cx="3395472" cy="1828800"/>
+          </a:xfrm>
+          <a:prstGeom prst="rect">
+            <a:avLst/>
+          </a:prstGeom>
+        </p:spPr>
+      </p:pic>
+      <p:pic>
+        <p:nvPicPr>
+          <p:cNvPr id="10" name="Picture 9"/>
+          <p:cNvPicPr>
+            <a:picLocks noChangeAspect="1"/>
+          </p:cNvPicPr>
+          <p:nvPr/>
+        </p:nvPicPr>
+        <p:blipFill>
+          <a:blip r:embed="rId4" cstate="print">
+            <a:extLst>
+              <a:ext uri="{28A0092B-C50C-407E-A947-70E740481C1C}">
+                <a14:useLocalDpi xmlns:a14="http://schemas.microsoft.com/office/drawing/2010/main" val="0"/>
+              </a:ext>
+            </a:extLst>
+          </a:blip>
+          <a:stretch>
+            <a:fillRect/>
+          </a:stretch>
+        </p:blipFill>
+        <p:spPr>
+          <a:xfrm>
+            <a:off x="9074765" y="3135086"/>
+            <a:ext cx="2467272" cy="2743200"/>
+          </a:xfrm>
+          <a:prstGeom prst="rect">
+            <a:avLst/>
+          </a:prstGeom>
+        </p:spPr>
+      </p:pic>
+    </p:spTree>
+    <p:extLst>
+      <p:ext uri="{BB962C8B-B14F-4D97-AF65-F5344CB8AC3E}">
+        <p14:creationId xmlns:p14="http://schemas.microsoft.com/office/powerpoint/2010/main" val="169763702"/>
+      </p:ext>
+    </p:extLst>
+  </p:cSld>
+  <p:clrMapOvr>
+    <a:masterClrMapping/>
+  </p:clrMapOvr>
+  <mc:AlternateContent xmlns:mc="http://schemas.openxmlformats.org/markup-compatibility/2006" xmlns:p14="http://schemas.microsoft.com/office/powerpoint/2010/main">
+    <mc:Choice Requires="p14">
+      <p:transition spd="med" p14:dur="700">
+        <p:fade/>
+      </p:transition>
+    </mc:Choice>
+    <mc:Fallback xmlns="">
+      <p:transition spd="med">
+        <p:fade/>
+      </p:transition>
+    </mc:Fallback>
+  </mc:AlternateContent>
+</p:sld>
+</file>
+
+<file path=ppt/slides/slide14.xml><?xml version="1.0" encoding="utf-8"?>
+<p:sld xmlns:a="http://schemas.openxmlformats.org/drawingml/2006/main" xmlns:r="http://schemas.openxmlformats.org/officeDocument/2006/relationships" xmlns:p="http://schemas.openxmlformats.org/presentationml/2006/main">
+  <p:cSld>
+    <p:spTree>
+      <p:nvGrpSpPr>
+        <p:cNvPr id="1" name=""/>
+        <p:cNvGrpSpPr/>
+        <p:nvPr/>
+      </p:nvGrpSpPr>
+      <p:grpSpPr>
+        <a:xfrm>
+          <a:off x="0" y="0"/>
+          <a:ext cx="0" cy="0"/>
+          <a:chOff x="0" y="0"/>
+          <a:chExt cx="0" cy="0"/>
+        </a:xfrm>
+      </p:grpSpPr>
+      <p:sp>
+        <p:nvSpPr>
+          <p:cNvPr id="2" name="Content Placeholder 1"/>
+          <p:cNvSpPr>
+            <a:spLocks noGrp="1"/>
+          </p:cNvSpPr>
+          <p:nvPr>
+            <p:ph sz="quarter" idx="1"/>
+          </p:nvPr>
+        </p:nvSpPr>
+        <p:spPr/>
+        <p:txBody>
+          <a:bodyPr/>
+          <a:lstStyle/>
+          <a:p>
+            <a:r>
+              <a:rPr lang="en-US" dirty="0"/>
+              <a:t>Could be adapted for mobile use </a:t>
+            </a:r>
+          </a:p>
+          <a:p>
+            <a:r>
+              <a:rPr lang="fr-FR" dirty="0"/>
+              <a:t>C</a:t>
+            </a:r>
+            <a:r>
+              <a:rPr lang="en-US" dirty="0" err="1"/>
+              <a:t>ould</a:t>
+            </a:r>
+            <a:r>
+              <a:rPr lang="en-US" dirty="0"/>
+              <a:t> be affined for professional use</a:t>
+            </a:r>
+          </a:p>
+          <a:p>
+            <a:endParaRPr lang="en-US" dirty="0"/>
+          </a:p>
+          <a:p>
+            <a:r>
+              <a:rPr lang="en-US" dirty="0"/>
+              <a:t>First thought wanted to use Django </a:t>
+            </a:r>
+            <a:r>
+              <a:rPr lang="en-US" dirty="0">
+                <a:sym typeface="Wingdings" panose="05000000000000000000" pitchFamily="2" charset="2"/>
+              </a:rPr>
+              <a:t> did not work out</a:t>
+            </a:r>
+          </a:p>
+          <a:p>
+            <a:r>
+              <a:rPr lang="fr-FR" dirty="0">
+                <a:sym typeface="Wingdings" panose="05000000000000000000" pitchFamily="2" charset="2"/>
+              </a:rPr>
+              <a:t>Q</a:t>
+            </a:r>
+            <a:r>
+              <a:rPr lang="en-US" dirty="0" err="1">
+                <a:sym typeface="Wingdings" panose="05000000000000000000" pitchFamily="2" charset="2"/>
+              </a:rPr>
+              <a:t>uestions</a:t>
+            </a:r>
+            <a:r>
+              <a:rPr lang="en-US" dirty="0">
+                <a:sym typeface="Wingdings" panose="05000000000000000000" pitchFamily="2" charset="2"/>
+              </a:rPr>
+              <a:t> logic </a:t>
+            </a:r>
+          </a:p>
+          <a:p>
+            <a:r>
+              <a:rPr lang="fr-FR" dirty="0">
+                <a:sym typeface="Wingdings" panose="05000000000000000000" pitchFamily="2" charset="2"/>
+              </a:rPr>
+              <a:t>F</a:t>
+            </a:r>
+            <a:r>
+              <a:rPr lang="en-US" dirty="0" err="1">
+                <a:sym typeface="Wingdings" panose="05000000000000000000" pitchFamily="2" charset="2"/>
+              </a:rPr>
+              <a:t>inding</a:t>
+            </a:r>
+            <a:r>
+              <a:rPr lang="en-US" dirty="0">
+                <a:sym typeface="Wingdings" panose="05000000000000000000" pitchFamily="2" charset="2"/>
+              </a:rPr>
+              <a:t> a database </a:t>
+            </a:r>
+          </a:p>
+          <a:p>
+            <a:r>
+              <a:rPr lang="fr-FR" dirty="0">
+                <a:sym typeface="Wingdings" panose="05000000000000000000" pitchFamily="2" charset="2"/>
+              </a:rPr>
+              <a:t>F</a:t>
+            </a:r>
+            <a:r>
+              <a:rPr lang="en-US" dirty="0" err="1">
+                <a:sym typeface="Wingdings" panose="05000000000000000000" pitchFamily="2" charset="2"/>
+              </a:rPr>
+              <a:t>inding</a:t>
+            </a:r>
+            <a:r>
+              <a:rPr lang="en-US" dirty="0">
+                <a:sym typeface="Wingdings" panose="05000000000000000000" pitchFamily="2" charset="2"/>
+              </a:rPr>
+              <a:t> a dataset for classifier </a:t>
+            </a:r>
+            <a:endParaRPr lang="en-US" dirty="0"/>
+          </a:p>
+          <a:p>
+            <a:r>
+              <a:rPr lang="en-US" dirty="0"/>
+              <a:t>Extending the database</a:t>
+            </a:r>
+          </a:p>
+          <a:p>
+            <a:endParaRPr lang="en-US" dirty="0"/>
+          </a:p>
+        </p:txBody>
+      </p:sp>
+      <p:sp>
+        <p:nvSpPr>
+          <p:cNvPr id="3" name="Title 2"/>
+          <p:cNvSpPr>
+            <a:spLocks noGrp="1"/>
+          </p:cNvSpPr>
+          <p:nvPr>
+            <p:ph type="title"/>
+          </p:nvPr>
+        </p:nvSpPr>
+        <p:spPr/>
+        <p:txBody>
+          <a:bodyPr/>
+          <a:lstStyle/>
+          <a:p>
+            <a:r>
+              <a:rPr lang="en-US" dirty="0"/>
+              <a:t>Conclusion </a:t>
+            </a:r>
+          </a:p>
+        </p:txBody>
+      </p:sp>
+    </p:spTree>
+    <p:extLst>
+      <p:ext uri="{BB962C8B-B14F-4D97-AF65-F5344CB8AC3E}">
+        <p14:creationId xmlns:p14="http://schemas.microsoft.com/office/powerpoint/2010/main" val="1980976995"/>
+      </p:ext>
+    </p:extLst>
+  </p:cSld>
+  <p:clrMapOvr>
+    <a:masterClrMapping/>
+  </p:clrMapOvr>
+  <mc:AlternateContent xmlns:mc="http://schemas.openxmlformats.org/markup-compatibility/2006" xmlns:p14="http://schemas.microsoft.com/office/powerpoint/2010/main">
+    <mc:Choice Requires="p14">
+      <p:transition spd="med" p14:dur="700">
+        <p:fade/>
+      </p:transition>
+    </mc:Choice>
+    <mc:Fallback xmlns="">
+      <p:transition spd="med">
+        <p:fade/>
+      </p:transition>
+    </mc:Fallback>
+  </mc:AlternateContent>
+</p:sld>
+</file>
+
+<file path=ppt/slides/slide15.xml><?xml version="1.0" encoding="utf-8"?>
+<p:sld xmlns:a="http://schemas.openxmlformats.org/drawingml/2006/main" xmlns:r="http://schemas.openxmlformats.org/officeDocument/2006/relationships" xmlns:p="http://schemas.openxmlformats.org/presentationml/2006/main">
+  <p:cSld>
+    <p:spTree>
+      <p:nvGrpSpPr>
+        <p:cNvPr id="1" name=""/>
+        <p:cNvGrpSpPr/>
+        <p:nvPr/>
+      </p:nvGrpSpPr>
+      <p:grpSpPr>
+        <a:xfrm>
+          <a:off x="0" y="0"/>
+          <a:ext cx="0" cy="0"/>
+          <a:chOff x="0" y="0"/>
+          <a:chExt cx="0" cy="0"/>
+        </a:xfrm>
+      </p:grpSpPr>
+      <p:pic>
+        <p:nvPicPr>
+          <p:cNvPr id="4" name="Content Placeholder 3"/>
+          <p:cNvPicPr>
+            <a:picLocks noGrp="1" noChangeAspect="1"/>
+          </p:cNvPicPr>
+          <p:nvPr>
+            <p:ph sz="quarter" idx="1"/>
+          </p:nvPr>
+        </p:nvPicPr>
+        <p:blipFill rotWithShape="1">
+          <a:blip r:embed="rId2">
+            <a:extLst>
+              <a:ext uri="{28A0092B-C50C-407E-A947-70E740481C1C}">
+                <a14:useLocalDpi xmlns:a14="http://schemas.microsoft.com/office/drawing/2010/main" val="0"/>
+              </a:ext>
+            </a:extLst>
+          </a:blip>
+          <a:srcRect b="3828"/>
+          <a:stretch/>
+        </p:blipFill>
+        <p:spPr>
+          <a:xfrm>
+            <a:off x="3531286" y="1907060"/>
+            <a:ext cx="5739027" cy="4139514"/>
+          </a:xfrm>
+        </p:spPr>
+      </p:pic>
+      <p:sp>
+        <p:nvSpPr>
+          <p:cNvPr id="3" name="Title 2"/>
+          <p:cNvSpPr>
+            <a:spLocks noGrp="1"/>
+          </p:cNvSpPr>
+          <p:nvPr>
+            <p:ph type="title"/>
+          </p:nvPr>
+        </p:nvSpPr>
+        <p:spPr/>
+        <p:txBody>
+          <a:bodyPr/>
+          <a:lstStyle/>
+          <a:p>
+            <a:r>
+              <a:rPr lang="sv-SE" dirty="0" err="1"/>
+              <a:t>Thank</a:t>
+            </a:r>
+            <a:r>
+              <a:rPr lang="sv-SE" dirty="0"/>
+              <a:t> </a:t>
+            </a:r>
+            <a:r>
+              <a:rPr lang="sv-SE" dirty="0" err="1"/>
+              <a:t>you</a:t>
+            </a:r>
+            <a:r>
+              <a:rPr lang="sv-SE" dirty="0"/>
+              <a:t> for </a:t>
+            </a:r>
+            <a:r>
+              <a:rPr lang="sv-SE" dirty="0" err="1"/>
+              <a:t>your</a:t>
+            </a:r>
+            <a:r>
+              <a:rPr lang="sv-SE" dirty="0"/>
+              <a:t> attention!</a:t>
+            </a:r>
+          </a:p>
+        </p:txBody>
+      </p:sp>
+    </p:spTree>
+    <p:extLst>
+      <p:ext uri="{BB962C8B-B14F-4D97-AF65-F5344CB8AC3E}">
+        <p14:creationId xmlns:p14="http://schemas.microsoft.com/office/powerpoint/2010/main" val="948441873"/>
+      </p:ext>
+    </p:extLst>
+  </p:cSld>
+  <p:clrMapOvr>
+    <a:masterClrMapping/>
+  </p:clrMapOvr>
+  <mc:AlternateContent xmlns:mc="http://schemas.openxmlformats.org/markup-compatibility/2006" xmlns:p14="http://schemas.microsoft.com/office/powerpoint/2010/main">
+    <mc:Choice Requires="p14">
+      <p:transition spd="med" p14:dur="700">
+        <p:fade/>
+      </p:transition>
+    </mc:Choice>
+    <mc:Fallback xmlns="">
+      <p:transition spd="med">
+        <p:fade/>
+      </p:transition>
+    </mc:Fallback>
+  </mc:AlternateContent>
+</p:sld>
+</file>
+
+<file path=ppt/slides/slide2.xml><?xml version="1.0" encoding="utf-8"?>
+<p:sld xmlns:a="http://schemas.openxmlformats.org/drawingml/2006/main" xmlns:r="http://schemas.openxmlformats.org/officeDocument/2006/relationships" xmlns:p="http://schemas.openxmlformats.org/presentationml/2006/main">
+  <p:cSld>
+    <p:spTree>
+      <p:nvGrpSpPr>
+        <p:cNvPr id="1" name=""/>
+        <p:cNvGrpSpPr/>
+        <p:nvPr/>
+      </p:nvGrpSpPr>
+      <p:grpSpPr>
+        <a:xfrm>
+          <a:off x="0" y="0"/>
+          <a:ext cx="0" cy="0"/>
+          <a:chOff x="0" y="0"/>
+          <a:chExt cx="0" cy="0"/>
+        </a:xfrm>
+      </p:grpSpPr>
+      <p:sp>
+        <p:nvSpPr>
+          <p:cNvPr id="4" name="Content Placeholder 3"/>
+          <p:cNvSpPr>
+            <a:spLocks noGrp="1"/>
+          </p:cNvSpPr>
+          <p:nvPr>
+            <p:ph sz="quarter" idx="1"/>
+          </p:nvPr>
+        </p:nvSpPr>
+        <p:spPr/>
+        <p:txBody>
+          <a:bodyPr/>
+          <a:lstStyle/>
+          <a:p>
+            <a:pPr marL="0" indent="0">
+              <a:buNone/>
+            </a:pPr>
+            <a:endParaRPr lang="sv-SE" dirty="0"/>
+          </a:p>
+          <a:p>
+            <a:pPr marL="0" indent="0">
+              <a:buNone/>
+            </a:pPr>
+            <a:endParaRPr lang="sv-SE" dirty="0"/>
+          </a:p>
+          <a:p>
+            <a:pPr marL="0" indent="0">
+              <a:buNone/>
+            </a:pPr>
+            <a:endParaRPr lang="sv-SE" dirty="0"/>
+          </a:p>
+          <a:p>
+            <a:r>
+              <a:rPr lang="sv-SE" sz="2800" dirty="0" err="1"/>
+              <a:t>Emirhan</a:t>
+            </a:r>
+            <a:r>
+              <a:rPr lang="sv-SE" sz="2800" dirty="0"/>
+              <a:t> </a:t>
+            </a:r>
+            <a:r>
+              <a:rPr lang="sv-SE" sz="2800" dirty="0" err="1"/>
+              <a:t>Kutlu</a:t>
+            </a:r>
+            <a:endParaRPr lang="sv-SE" sz="2800" dirty="0"/>
+          </a:p>
+          <a:p>
+            <a:r>
+              <a:rPr lang="sv-SE" sz="2800" dirty="0" err="1"/>
+              <a:t>Lucie</a:t>
+            </a:r>
+            <a:r>
+              <a:rPr lang="sv-SE" sz="2800" dirty="0"/>
+              <a:t> </a:t>
+            </a:r>
+            <a:r>
+              <a:rPr lang="sv-SE" sz="2800" dirty="0" err="1"/>
+              <a:t>Labadie</a:t>
+            </a:r>
+            <a:endParaRPr lang="sv-SE" sz="2800" dirty="0"/>
+          </a:p>
+          <a:p>
+            <a:r>
+              <a:rPr lang="sv-SE" sz="2800" dirty="0"/>
+              <a:t>Rosen </a:t>
+            </a:r>
+            <a:r>
+              <a:rPr lang="sv-SE" sz="2800" dirty="0" err="1"/>
+              <a:t>Sasov</a:t>
+            </a:r>
+            <a:endParaRPr lang="sv-SE" sz="2800" dirty="0"/>
+          </a:p>
+        </p:txBody>
+      </p:sp>
+      <p:sp>
+        <p:nvSpPr>
+          <p:cNvPr id="3" name="Title 2"/>
+          <p:cNvSpPr>
+            <a:spLocks noGrp="1"/>
+          </p:cNvSpPr>
+          <p:nvPr>
+            <p:ph type="title"/>
+          </p:nvPr>
+        </p:nvSpPr>
+        <p:spPr/>
+        <p:txBody>
+          <a:bodyPr/>
+          <a:lstStyle/>
+          <a:p>
+            <a:r>
+              <a:rPr lang="sv-SE" dirty="0"/>
+              <a:t>Group </a:t>
+            </a:r>
+            <a:r>
+              <a:rPr lang="en-US" dirty="0"/>
+              <a:t>Members</a:t>
+            </a:r>
+          </a:p>
+        </p:txBody>
+      </p:sp>
+      <p:pic>
+        <p:nvPicPr>
+          <p:cNvPr id="8" name="Content Placeholder 7"/>
+          <p:cNvPicPr>
+            <a:picLocks noGrp="1" noChangeAspect="1"/>
+          </p:cNvPicPr>
+          <p:nvPr>
+            <p:ph sz="quarter" idx="2"/>
+          </p:nvPr>
+        </p:nvPicPr>
+        <p:blipFill>
+          <a:blip r:embed="rId2" cstate="print">
+            <a:extLst>
+              <a:ext uri="{28A0092B-C50C-407E-A947-70E740481C1C}">
+                <a14:useLocalDpi xmlns:a14="http://schemas.microsoft.com/office/drawing/2010/main" val="0"/>
+              </a:ext>
+            </a:extLst>
+          </a:blip>
+          <a:stretch>
+            <a:fillRect/>
+          </a:stretch>
+        </p:blipFill>
+        <p:spPr>
+          <a:xfrm>
+            <a:off x="6578600" y="2324627"/>
+            <a:ext cx="4999038" cy="2818346"/>
+          </a:xfrm>
+        </p:spPr>
+      </p:pic>
+    </p:spTree>
+    <p:extLst>
+      <p:ext uri="{BB962C8B-B14F-4D97-AF65-F5344CB8AC3E}">
+        <p14:creationId xmlns:p14="http://schemas.microsoft.com/office/powerpoint/2010/main" val="3203580497"/>
+      </p:ext>
+    </p:extLst>
+  </p:cSld>
+  <p:clrMapOvr>
+    <a:masterClrMapping/>
+  </p:clrMapOvr>
+  <mc:AlternateContent xmlns:mc="http://schemas.openxmlformats.org/markup-compatibility/2006" xmlns:p14="http://schemas.microsoft.com/office/powerpoint/2010/main">
+    <mc:Choice Requires="p14">
+      <p:transition spd="med" p14:dur="700">
+        <p:fade/>
+      </p:transition>
+    </mc:Choice>
+    <mc:Fallback xmlns="">
+      <p:transition spd="med">
+        <p:fade/>
+      </p:transition>
+    </mc:Fallback>
+  </mc:AlternateContent>
+</p:sld>
+</file>
+
+<file path=ppt/slides/slide3.xml><?xml version="1.0" encoding="utf-8"?>
+<p:sld xmlns:a="http://schemas.openxmlformats.org/drawingml/2006/main" xmlns:r="http://schemas.openxmlformats.org/officeDocument/2006/relationships" xmlns:p="http://schemas.openxmlformats.org/presentationml/2006/main">
+  <p:cSld>
+    <p:spTree>
+      <p:nvGrpSpPr>
+        <p:cNvPr id="1" name=""/>
+        <p:cNvGrpSpPr/>
+        <p:nvPr/>
+      </p:nvGrpSpPr>
+      <p:grpSpPr>
+        <a:xfrm>
+          <a:off x="0" y="0"/>
+          <a:ext cx="0" cy="0"/>
+          <a:chOff x="0" y="0"/>
+          <a:chExt cx="0" cy="0"/>
+        </a:xfrm>
+      </p:grpSpPr>
+      <p:sp>
+        <p:nvSpPr>
+          <p:cNvPr id="5" name="Content Placeholder 4"/>
+          <p:cNvSpPr>
+            <a:spLocks noGrp="1"/>
+          </p:cNvSpPr>
+          <p:nvPr>
+            <p:ph sz="quarter" idx="1"/>
+          </p:nvPr>
+        </p:nvSpPr>
+        <p:spPr/>
+        <p:txBody>
+          <a:bodyPr/>
+          <a:lstStyle/>
+          <a:p>
+            <a:r>
+              <a:rPr lang="en-US" dirty="0"/>
+              <a:t>Finding</a:t>
+            </a:r>
+            <a:r>
+              <a:rPr lang="sv-SE" dirty="0"/>
+              <a:t> an universal way to make a decision</a:t>
+            </a:r>
+          </a:p>
+          <a:p>
+            <a:r>
+              <a:rPr lang="sv-SE" dirty="0" err="1"/>
+              <a:t>Including</a:t>
+            </a:r>
+            <a:r>
+              <a:rPr lang="sv-SE" dirty="0"/>
+              <a:t> </a:t>
+            </a:r>
+            <a:r>
+              <a:rPr lang="sv-SE" dirty="0" err="1"/>
+              <a:t>some</a:t>
+            </a:r>
+            <a:r>
+              <a:rPr lang="sv-SE" dirty="0"/>
+              <a:t> </a:t>
+            </a:r>
+            <a:r>
+              <a:rPr lang="sv-SE" dirty="0" err="1"/>
+              <a:t>basic</a:t>
+            </a:r>
+            <a:r>
+              <a:rPr lang="sv-SE" dirty="0"/>
+              <a:t> </a:t>
+            </a:r>
+            <a:r>
+              <a:rPr lang="sv-SE" dirty="0" err="1"/>
+              <a:t>side</a:t>
+            </a:r>
+            <a:r>
+              <a:rPr lang="sv-SE" dirty="0"/>
+              <a:t> </a:t>
+            </a:r>
+            <a:r>
+              <a:rPr lang="sv-SE" dirty="0" err="1"/>
+              <a:t>factors</a:t>
+            </a:r>
+            <a:r>
+              <a:rPr lang="sv-SE" dirty="0"/>
+              <a:t> </a:t>
+            </a:r>
+            <a:r>
+              <a:rPr lang="sv-SE" dirty="0" err="1"/>
+              <a:t>that</a:t>
+            </a:r>
+            <a:r>
+              <a:rPr lang="sv-SE" dirty="0"/>
+              <a:t> </a:t>
+            </a:r>
+            <a:r>
+              <a:rPr lang="sv-SE" dirty="0" err="1"/>
+              <a:t>are</a:t>
+            </a:r>
+            <a:r>
+              <a:rPr lang="sv-SE" dirty="0"/>
+              <a:t> </a:t>
+            </a:r>
+            <a:r>
+              <a:rPr lang="sv-SE" dirty="0" err="1"/>
+              <a:t>important</a:t>
+            </a:r>
+            <a:r>
+              <a:rPr lang="sv-SE" dirty="0"/>
+              <a:t>, apart from the symptoms</a:t>
+            </a:r>
+          </a:p>
+          <a:p>
+            <a:r>
+              <a:rPr lang="sv-SE" dirty="0"/>
+              <a:t>Big Data handling</a:t>
+            </a:r>
+          </a:p>
+          <a:p>
+            <a:r>
+              <a:rPr lang="sv-SE" dirty="0" err="1"/>
+              <a:t>Finding</a:t>
+            </a:r>
+            <a:r>
+              <a:rPr lang="sv-SE" dirty="0"/>
+              <a:t> a </a:t>
+            </a:r>
+            <a:r>
+              <a:rPr lang="sv-SE" dirty="0" err="1"/>
+              <a:t>trustworthy</a:t>
+            </a:r>
+            <a:r>
+              <a:rPr lang="sv-SE" dirty="0"/>
+              <a:t> test data</a:t>
+            </a:r>
+          </a:p>
+          <a:p>
+            <a:endParaRPr lang="en-US" dirty="0"/>
+          </a:p>
+        </p:txBody>
+      </p:sp>
+      <p:sp>
+        <p:nvSpPr>
+          <p:cNvPr id="4" name="Title 3"/>
+          <p:cNvSpPr>
+            <a:spLocks noGrp="1"/>
+          </p:cNvSpPr>
+          <p:nvPr>
+            <p:ph type="title"/>
+          </p:nvPr>
+        </p:nvSpPr>
+        <p:spPr/>
+        <p:txBody>
+          <a:bodyPr/>
+          <a:lstStyle/>
+          <a:p>
+            <a:r>
+              <a:rPr lang="sv-SE" dirty="0"/>
+              <a:t>Problem	</a:t>
+            </a:r>
+          </a:p>
+        </p:txBody>
+      </p:sp>
+    </p:spTree>
+    <p:extLst>
+      <p:ext uri="{BB962C8B-B14F-4D97-AF65-F5344CB8AC3E}">
+        <p14:creationId xmlns:p14="http://schemas.microsoft.com/office/powerpoint/2010/main" val="3318276416"/>
+      </p:ext>
+    </p:extLst>
+  </p:cSld>
+  <p:clrMapOvr>
+    <a:masterClrMapping/>
+  </p:clrMapOvr>
+  <mc:AlternateContent xmlns:mc="http://schemas.openxmlformats.org/markup-compatibility/2006" xmlns:p14="http://schemas.microsoft.com/office/powerpoint/2010/main">
+    <mc:Choice Requires="p14">
+      <p:transition spd="med" p14:dur="700">
+        <p:fade/>
+      </p:transition>
+    </mc:Choice>
+    <mc:Fallback xmlns="">
+      <p:transition spd="med">
+        <p:fade/>
+      </p:transition>
+    </mc:Fallback>
+  </mc:AlternateContent>
+</p:sld>
+</file>
+
+<file path=ppt/slides/slide4.xml><?xml version="1.0" encoding="utf-8"?>
+<p:sld xmlns:a="http://schemas.openxmlformats.org/drawingml/2006/main" xmlns:r="http://schemas.openxmlformats.org/officeDocument/2006/relationships" xmlns:p="http://schemas.openxmlformats.org/presentationml/2006/main">
+  <p:cSld>
+    <p:spTree>
+      <p:nvGrpSpPr>
+        <p:cNvPr id="1" name=""/>
+        <p:cNvGrpSpPr/>
+        <p:nvPr/>
+      </p:nvGrpSpPr>
+      <p:grpSpPr>
+        <a:xfrm>
+          <a:off x="0" y="0"/>
+          <a:ext cx="0" cy="0"/>
+          <a:chOff x="0" y="0"/>
+          <a:chExt cx="0" cy="0"/>
+        </a:xfrm>
+      </p:grpSpPr>
+      <p:sp>
+        <p:nvSpPr>
+          <p:cNvPr id="2" name="Content Placeholder 1"/>
+          <p:cNvSpPr>
+            <a:spLocks noGrp="1"/>
+          </p:cNvSpPr>
+          <p:nvPr>
+            <p:ph sz="quarter" idx="1"/>
+          </p:nvPr>
+        </p:nvSpPr>
+        <p:spPr/>
+        <p:txBody>
+          <a:bodyPr/>
+          <a:lstStyle/>
+          <a:p>
+            <a:r>
+              <a:rPr lang="fr-FR" dirty="0"/>
+              <a:t>Web service </a:t>
+            </a:r>
+            <a:endParaRPr lang="en-US" dirty="0"/>
+          </a:p>
+          <a:p>
+            <a:r>
+              <a:rPr lang="en-US" dirty="0"/>
+              <a:t>Asking questions about physical state </a:t>
+            </a:r>
+          </a:p>
+          <a:p>
+            <a:r>
+              <a:rPr lang="en-US" dirty="0"/>
+              <a:t>Take the symptoms</a:t>
+            </a:r>
+            <a:r>
+              <a:rPr lang="fr-FR" dirty="0"/>
+              <a:t> </a:t>
+            </a:r>
+            <a:r>
+              <a:rPr lang="en-US" dirty="0"/>
+              <a:t>and personal data as input</a:t>
+            </a:r>
+          </a:p>
+          <a:p>
+            <a:pPr lvl="1"/>
+            <a:r>
+              <a:rPr lang="fr-FR" dirty="0"/>
+              <a:t>P</a:t>
+            </a:r>
+            <a:r>
+              <a:rPr lang="en-US" dirty="0" err="1"/>
+              <a:t>ersonal</a:t>
+            </a:r>
+            <a:r>
+              <a:rPr lang="en-US" dirty="0"/>
+              <a:t> data: weight, height, </a:t>
+            </a:r>
+            <a:r>
+              <a:rPr lang="en-US" dirty="0" err="1"/>
+              <a:t>smocker</a:t>
+            </a:r>
+            <a:r>
+              <a:rPr lang="en-US" dirty="0"/>
+              <a:t>…</a:t>
+            </a:r>
+          </a:p>
+          <a:p>
+            <a:r>
+              <a:rPr lang="en-US" dirty="0"/>
+              <a:t>Compute most probable diseases </a:t>
+            </a:r>
+          </a:p>
+          <a:p>
+            <a:r>
+              <a:rPr lang="en-US" dirty="0"/>
+              <a:t>Output the diagnosis to the user along with advices</a:t>
+            </a:r>
+          </a:p>
+        </p:txBody>
+      </p:sp>
+      <p:sp>
+        <p:nvSpPr>
+          <p:cNvPr id="3" name="Title 2"/>
+          <p:cNvSpPr>
+            <a:spLocks noGrp="1"/>
+          </p:cNvSpPr>
+          <p:nvPr>
+            <p:ph type="title"/>
+          </p:nvPr>
+        </p:nvSpPr>
+        <p:spPr/>
+        <p:txBody>
+          <a:bodyPr/>
+          <a:lstStyle/>
+          <a:p>
+            <a:r>
+              <a:rPr lang="en-US" dirty="0"/>
+              <a:t>Health</a:t>
+            </a:r>
+            <a:r>
+              <a:rPr lang="fr-FR" dirty="0"/>
+              <a:t> Care Bot</a:t>
+            </a:r>
+            <a:endParaRPr lang="en-US" dirty="0"/>
+          </a:p>
+        </p:txBody>
+      </p:sp>
+      <p:pic>
+        <p:nvPicPr>
+          <p:cNvPr id="4" name="Picture 3"/>
+          <p:cNvPicPr>
+            <a:picLocks noChangeAspect="1"/>
+          </p:cNvPicPr>
+          <p:nvPr/>
+        </p:nvPicPr>
+        <p:blipFill rotWithShape="1">
+          <a:blip r:embed="rId2">
+            <a:duotone>
+              <a:schemeClr val="accent1">
+                <a:shade val="45000"/>
+                <a:satMod val="135000"/>
+              </a:schemeClr>
+              <a:prstClr val="white"/>
+            </a:duotone>
+            <a:extLst>
+              <a:ext uri="{BEBA8EAE-BF5A-486C-A8C5-ECC9F3942E4B}">
+                <a14:imgProps xmlns:a14="http://schemas.microsoft.com/office/drawing/2010/main">
+                  <a14:imgLayer r:embed="rId3">
+                    <a14:imgEffect>
+                      <a14:backgroundRemoval t="9977" b="89994" l="7702" r="90000">
+                        <a14:foregroundMark x1="62298" y1="27680" x2="62298" y2="27680"/>
+                        <a14:foregroundMark x1="57137" y1="28677" x2="67984" y2="24031"/>
+                        <a14:foregroundMark x1="67984" y1="24031" x2="67984" y2="24031"/>
+                        <a14:foregroundMark x1="7702" y1="24658" x2="11694" y2="25656"/>
+                        <a14:foregroundMark x1="50000" y1="17161" x2="50000" y2="19584"/>
+                        <a14:foregroundMark x1="58589" y1="36973" x2="61411" y2="36773"/>
+                        <a14:foregroundMark x1="40282" y1="36374" x2="42581" y2="36374"/>
+                        <a14:foregroundMark x1="50000" y1="48689" x2="50000" y2="50114"/>
+                        <a14:foregroundMark x1="45161" y1="53136" x2="47984" y2="53934"/>
+                        <a14:foregroundMark x1="49435" y1="59407" x2="49435" y2="59407"/>
+                        <a14:foregroundMark x1="43145" y1="60405" x2="43145" y2="60405"/>
+                        <a14:foregroundMark x1="50000" y1="69099" x2="50000" y2="69099"/>
+                        <a14:foregroundMark x1="45444" y1="68900" x2="45444" y2="68900"/>
+                        <a14:foregroundMark x1="50282" y1="77366" x2="50282" y2="77366"/>
+                        <a14:foregroundMark x1="46573" y1="77366" x2="46573" y2="77366"/>
+                        <a14:foregroundMark x1="49435" y1="84835" x2="49435" y2="84835"/>
+                      </a14:backgroundRemoval>
+                    </a14:imgEffect>
+                  </a14:imgLayer>
+                </a14:imgProps>
+              </a:ext>
+            </a:extLst>
+          </a:blip>
+          <a:srcRect l="4564" t="11313" r="3371" b="11111"/>
+          <a:stretch/>
+        </p:blipFill>
+        <p:spPr>
+          <a:xfrm>
+            <a:off x="8868711" y="2815513"/>
+            <a:ext cx="2713689" cy="3234449"/>
+          </a:xfrm>
+          <a:prstGeom prst="rect">
+            <a:avLst/>
+          </a:prstGeom>
+        </p:spPr>
+      </p:pic>
+    </p:spTree>
+    <p:extLst>
+      <p:ext uri="{BB962C8B-B14F-4D97-AF65-F5344CB8AC3E}">
+        <p14:creationId xmlns:p14="http://schemas.microsoft.com/office/powerpoint/2010/main" val="1727852844"/>
+      </p:ext>
+    </p:extLst>
+  </p:cSld>
+  <p:clrMapOvr>
+    <a:masterClrMapping/>
+  </p:clrMapOvr>
+  <mc:AlternateContent xmlns:mc="http://schemas.openxmlformats.org/markup-compatibility/2006" xmlns:p14="http://schemas.microsoft.com/office/powerpoint/2010/main">
+    <mc:Choice Requires="p14">
+      <p:transition spd="med" p14:dur="700">
+        <p:fade/>
+      </p:transition>
+    </mc:Choice>
+    <mc:Fallback xmlns="">
+      <p:transition spd="med">
+        <p:fade/>
+      </p:transition>
+    </mc:Fallback>
+  </mc:AlternateContent>
+</p:sld>
+</file>
+
+<file path=ppt/slides/slide5.xml><?xml version="1.0" encoding="utf-8"?>
+<p:sld xmlns:a="http://schemas.openxmlformats.org/drawingml/2006/main" xmlns:r="http://schemas.openxmlformats.org/officeDocument/2006/relationships" xmlns:p="http://schemas.openxmlformats.org/presentationml/2006/main">
+  <p:cSld>
+    <p:spTree>
+      <p:nvGrpSpPr>
+        <p:cNvPr id="1" name=""/>
+        <p:cNvGrpSpPr/>
+        <p:nvPr/>
+      </p:nvGrpSpPr>
+      <p:grpSpPr>
+        <a:xfrm>
+          <a:off x="0" y="0"/>
+          <a:ext cx="0" cy="0"/>
+          <a:chOff x="0" y="0"/>
+          <a:chExt cx="0" cy="0"/>
+        </a:xfrm>
+      </p:grpSpPr>
+      <p:sp>
+        <p:nvSpPr>
+          <p:cNvPr id="2" name="Content Placeholder 1"/>
+          <p:cNvSpPr>
+            <a:spLocks noGrp="1"/>
+          </p:cNvSpPr>
+          <p:nvPr>
+            <p:ph sz="quarter" idx="1"/>
+          </p:nvPr>
+        </p:nvSpPr>
+        <p:spPr/>
+        <p:txBody>
+          <a:bodyPr/>
+          <a:lstStyle/>
+          <a:p>
+            <a:r>
+              <a:rPr lang="en-US" dirty="0"/>
+              <a:t>First results in any search engine gives most deadly sickness</a:t>
+            </a:r>
+            <a:r>
+              <a:rPr lang="fr-FR" dirty="0"/>
+              <a:t> </a:t>
+            </a:r>
+            <a:endParaRPr lang="en-US" dirty="0"/>
+          </a:p>
+          <a:p>
+            <a:r>
+              <a:rPr lang="en-US" dirty="0"/>
+              <a:t>Help people go to the right place to be taken care of fast</a:t>
+            </a:r>
+          </a:p>
+          <a:p>
+            <a:r>
+              <a:rPr lang="fr-FR" dirty="0"/>
+              <a:t>H</a:t>
+            </a:r>
+            <a:r>
+              <a:rPr lang="en-US" dirty="0" err="1"/>
+              <a:t>elp</a:t>
+            </a:r>
+            <a:r>
+              <a:rPr lang="en-US" dirty="0"/>
+              <a:t> for better auto-medication </a:t>
+            </a:r>
+          </a:p>
+        </p:txBody>
+      </p:sp>
+      <p:sp>
+        <p:nvSpPr>
+          <p:cNvPr id="3" name="Title 2"/>
+          <p:cNvSpPr>
+            <a:spLocks noGrp="1"/>
+          </p:cNvSpPr>
+          <p:nvPr>
+            <p:ph type="title"/>
+          </p:nvPr>
+        </p:nvSpPr>
+        <p:spPr/>
+        <p:txBody>
+          <a:bodyPr/>
+          <a:lstStyle/>
+          <a:p>
+            <a:r>
+              <a:rPr lang="en-US" dirty="0"/>
+              <a:t>Why is it needed ?</a:t>
+            </a:r>
+          </a:p>
+        </p:txBody>
+      </p:sp>
+      <p:pic>
+        <p:nvPicPr>
+          <p:cNvPr id="4" name="Picture 3"/>
+          <p:cNvPicPr>
+            <a:picLocks noChangeAspect="1"/>
+          </p:cNvPicPr>
+          <p:nvPr/>
+        </p:nvPicPr>
+        <p:blipFill>
+          <a:blip r:embed="rId2">
+            <a:duotone>
+              <a:schemeClr val="accent1">
+                <a:shade val="45000"/>
+                <a:satMod val="135000"/>
+              </a:schemeClr>
+              <a:prstClr val="white"/>
+            </a:duotone>
+            <a:extLst>
+              <a:ext uri="{BEBA8EAE-BF5A-486C-A8C5-ECC9F3942E4B}">
+                <a14:imgProps xmlns:a14="http://schemas.microsoft.com/office/drawing/2010/main">
+                  <a14:imgLayer r:embed="rId3">
+                    <a14:imgEffect>
+                      <a14:backgroundRemoval t="909" b="96364" l="9000" r="90000">
+                        <a14:foregroundMark x1="50000" y1="13636" x2="50000" y2="13636"/>
+                        <a14:foregroundMark x1="30000" y1="2273" x2="30000" y2="2273"/>
+                        <a14:foregroundMark x1="9333" y1="34091" x2="9333" y2="34091"/>
+                        <a14:foregroundMark x1="51000" y1="96364" x2="51000" y2="96364"/>
+                        <a14:foregroundMark x1="90333" y1="32273" x2="90333" y2="32273"/>
+                        <a14:foregroundMark x1="67333" y1="909" x2="67333" y2="909"/>
+                      </a14:backgroundRemoval>
+                    </a14:imgEffect>
+                  </a14:imgLayer>
+                </a14:imgProps>
+              </a:ext>
+            </a:extLst>
+          </a:blip>
+          <a:stretch>
+            <a:fillRect/>
+          </a:stretch>
+        </p:blipFill>
+        <p:spPr>
+          <a:xfrm>
+            <a:off x="510886" y="3954462"/>
+            <a:ext cx="2857500" cy="2095500"/>
+          </a:xfrm>
+          <a:prstGeom prst="rect">
+            <a:avLst/>
+          </a:prstGeom>
+        </p:spPr>
+      </p:pic>
+    </p:spTree>
+    <p:extLst>
+      <p:ext uri="{BB962C8B-B14F-4D97-AF65-F5344CB8AC3E}">
+        <p14:creationId xmlns:p14="http://schemas.microsoft.com/office/powerpoint/2010/main" val="2088959167"/>
+      </p:ext>
+    </p:extLst>
+  </p:cSld>
+  <p:clrMapOvr>
+    <a:masterClrMapping/>
+  </p:clrMapOvr>
+  <mc:AlternateContent xmlns:mc="http://schemas.openxmlformats.org/markup-compatibility/2006" xmlns:p14="http://schemas.microsoft.com/office/powerpoint/2010/main">
+    <mc:Choice Requires="p14">
+      <p:transition spd="med" p14:dur="700">
+        <p:fade/>
+      </p:transition>
+    </mc:Choice>
+    <mc:Fallback xmlns="">
+      <p:transition spd="med">
+        <p:fade/>
+      </p:transition>
+    </mc:Fallback>
+  </mc:AlternateContent>
+</p:sld>
+</file>
+
+<file path=ppt/slides/slide6.xml><?xml version="1.0" encoding="utf-8"?>
+<p:sld xmlns:a="http://schemas.openxmlformats.org/drawingml/2006/main" xmlns:r="http://schemas.openxmlformats.org/officeDocument/2006/relationships" xmlns:p="http://schemas.openxmlformats.org/presentationml/2006/main">
+  <p:cSld>
+    <p:spTree>
+      <p:nvGrpSpPr>
+        <p:cNvPr id="1" name=""/>
+        <p:cNvGrpSpPr/>
+        <p:nvPr/>
+      </p:nvGrpSpPr>
+      <p:grpSpPr>
+        <a:xfrm>
+          <a:off x="0" y="0"/>
+          <a:ext cx="0" cy="0"/>
+          <a:chOff x="0" y="0"/>
+          <a:chExt cx="0" cy="0"/>
+        </a:xfrm>
+      </p:grpSpPr>
+      <p:sp>
+        <p:nvSpPr>
+          <p:cNvPr id="2" name="Content Placeholder 1"/>
+          <p:cNvSpPr>
+            <a:spLocks noGrp="1"/>
+          </p:cNvSpPr>
+          <p:nvPr>
+            <p:ph sz="quarter" idx="1"/>
+          </p:nvPr>
+        </p:nvSpPr>
+        <p:spPr>
+          <a:xfrm>
+            <a:off x="1219200" y="1447800"/>
+            <a:ext cx="6317673" cy="4572000"/>
+          </a:xfrm>
+        </p:spPr>
+        <p:txBody>
+          <a:bodyPr/>
+          <a:lstStyle/>
+          <a:p>
+            <a:r>
+              <a:rPr lang="en-US" dirty="0"/>
+              <a:t>Bot is asking for first symptoms </a:t>
+            </a:r>
+          </a:p>
+          <a:p>
+            <a:pPr lvl="1"/>
+            <a:r>
+              <a:rPr lang="en-US" dirty="0"/>
+              <a:t>Written language recognition </a:t>
+            </a:r>
+          </a:p>
+          <a:p>
+            <a:pPr lvl="1"/>
+            <a:r>
+              <a:rPr lang="fr-FR" dirty="0"/>
+              <a:t>D</a:t>
+            </a:r>
+            <a:r>
+              <a:rPr lang="en-US" dirty="0" err="1"/>
+              <a:t>etermine</a:t>
+            </a:r>
+            <a:r>
+              <a:rPr lang="en-US" dirty="0"/>
+              <a:t> symptoms </a:t>
+            </a:r>
+          </a:p>
+          <a:p>
+            <a:r>
+              <a:rPr lang="fr-FR" dirty="0"/>
+              <a:t>C</a:t>
+            </a:r>
+            <a:r>
+              <a:rPr lang="en-US" dirty="0" err="1"/>
+              <a:t>ompute</a:t>
+            </a:r>
+            <a:r>
+              <a:rPr lang="en-US" dirty="0"/>
+              <a:t> first set of diseases </a:t>
+            </a:r>
+          </a:p>
+          <a:p>
+            <a:r>
+              <a:rPr lang="fr-FR" dirty="0"/>
+              <a:t>A</a:t>
+            </a:r>
+            <a:r>
+              <a:rPr lang="en-US" dirty="0" err="1"/>
+              <a:t>sk</a:t>
+            </a:r>
+            <a:r>
+              <a:rPr lang="en-US" dirty="0"/>
+              <a:t> directed questions to reduce the set </a:t>
+            </a:r>
+          </a:p>
+          <a:p>
+            <a:r>
+              <a:rPr lang="fr-FR" dirty="0"/>
+              <a:t>C</a:t>
+            </a:r>
+            <a:r>
+              <a:rPr lang="en-US" dirty="0" err="1"/>
+              <a:t>ontinue</a:t>
+            </a:r>
+            <a:r>
+              <a:rPr lang="en-US" dirty="0"/>
+              <a:t> until the set is small enough </a:t>
+            </a:r>
+          </a:p>
+          <a:p>
+            <a:r>
+              <a:rPr lang="en-US" dirty="0"/>
+              <a:t>Gives results along with advices </a:t>
+            </a:r>
+          </a:p>
+        </p:txBody>
+      </p:sp>
+      <p:sp>
+        <p:nvSpPr>
+          <p:cNvPr id="3" name="Title 2"/>
+          <p:cNvSpPr>
+            <a:spLocks noGrp="1"/>
+          </p:cNvSpPr>
+          <p:nvPr>
+            <p:ph type="title"/>
+          </p:nvPr>
+        </p:nvSpPr>
+        <p:spPr/>
+        <p:txBody>
+          <a:bodyPr/>
+          <a:lstStyle/>
+          <a:p>
+            <a:r>
+              <a:rPr lang="en-US" dirty="0"/>
+              <a:t>How does it works ?</a:t>
+            </a:r>
+          </a:p>
+        </p:txBody>
+      </p:sp>
+      <p:pic>
+        <p:nvPicPr>
+          <p:cNvPr id="4" name="Picture 3"/>
+          <p:cNvPicPr>
+            <a:picLocks noChangeAspect="1"/>
+          </p:cNvPicPr>
+          <p:nvPr/>
+        </p:nvPicPr>
+        <p:blipFill>
+          <a:blip r:embed="rId2"/>
+          <a:stretch>
+            <a:fillRect/>
+          </a:stretch>
+        </p:blipFill>
+        <p:spPr>
+          <a:xfrm>
+            <a:off x="7789474" y="1551709"/>
+            <a:ext cx="3381449" cy="4364182"/>
+          </a:xfrm>
+          <a:prstGeom prst="rect">
+            <a:avLst/>
+          </a:prstGeom>
+        </p:spPr>
+      </p:pic>
+    </p:spTree>
+    <p:extLst>
+      <p:ext uri="{BB962C8B-B14F-4D97-AF65-F5344CB8AC3E}">
+        <p14:creationId xmlns:p14="http://schemas.microsoft.com/office/powerpoint/2010/main" val="30726060"/>
+      </p:ext>
+    </p:extLst>
+  </p:cSld>
+  <p:clrMapOvr>
+    <a:masterClrMapping/>
+  </p:clrMapOvr>
+  <mc:AlternateContent xmlns:mc="http://schemas.openxmlformats.org/markup-compatibility/2006" xmlns:p14="http://schemas.microsoft.com/office/powerpoint/2010/main">
+    <mc:Choice Requires="p14">
+      <p:transition spd="med" p14:dur="700">
+        <p:fade/>
+      </p:transition>
+    </mc:Choice>
+    <mc:Fallback xmlns="">
+      <p:transition spd="med">
+        <p:fade/>
+      </p:transition>
+    </mc:Fallback>
+  </mc:AlternateContent>
+</p:sld>
+</file>
+
+<file path=ppt/slides/slide7.xml><?xml version="1.0" encoding="utf-8"?>
+<p:sld xmlns:a="http://schemas.openxmlformats.org/drawingml/2006/main" xmlns:r="http://schemas.openxmlformats.org/officeDocument/2006/relationships" xmlns:p="http://schemas.openxmlformats.org/presentationml/2006/main">
+  <p:cSld>
+    <p:spTree>
+      <p:nvGrpSpPr>
+        <p:cNvPr id="1" name=""/>
+        <p:cNvGrpSpPr/>
+        <p:nvPr/>
+      </p:nvGrpSpPr>
+      <p:grpSpPr>
+        <a:xfrm>
+          <a:off x="0" y="0"/>
+          <a:ext cx="0" cy="0"/>
+          <a:chOff x="0" y="0"/>
+          <a:chExt cx="0" cy="0"/>
+        </a:xfrm>
+      </p:grpSpPr>
+      <p:sp>
+        <p:nvSpPr>
+          <p:cNvPr id="2" name="Content Placeholder 1"/>
+          <p:cNvSpPr>
+            <a:spLocks noGrp="1"/>
+          </p:cNvSpPr>
+          <p:nvPr>
+            <p:ph sz="quarter" idx="1"/>
+          </p:nvPr>
+        </p:nvSpPr>
+        <p:spPr/>
+        <p:txBody>
+          <a:bodyPr>
+            <a:normAutofit lnSpcReduction="10000"/>
+          </a:bodyPr>
+          <a:lstStyle/>
+          <a:p>
+            <a:r>
+              <a:rPr lang="fr-FR" dirty="0"/>
+              <a:t>Interactive and </a:t>
+            </a:r>
+            <a:r>
+              <a:rPr lang="fr-FR" dirty="0" err="1"/>
+              <a:t>easy</a:t>
+            </a:r>
+            <a:r>
+              <a:rPr lang="fr-FR" dirty="0"/>
+              <a:t> to use </a:t>
+            </a:r>
+          </a:p>
+          <a:p>
+            <a:r>
+              <a:rPr lang="fr-FR" dirty="0" err="1"/>
+              <a:t>Knowledge-driven</a:t>
+            </a:r>
+            <a:r>
+              <a:rPr lang="fr-FR" dirty="0"/>
+              <a:t> DSS</a:t>
+            </a:r>
+          </a:p>
+          <a:p>
+            <a:endParaRPr lang="fr-FR" dirty="0"/>
+          </a:p>
+          <a:p>
+            <a:r>
+              <a:rPr lang="fr-FR" dirty="0"/>
+              <a:t>Input: </a:t>
+            </a:r>
+            <a:r>
+              <a:rPr lang="fr-FR" dirty="0" err="1"/>
+              <a:t>symptoms</a:t>
+            </a:r>
+            <a:r>
+              <a:rPr lang="fr-FR" dirty="0"/>
+              <a:t> + </a:t>
+            </a:r>
+            <a:r>
+              <a:rPr lang="fr-FR" dirty="0" err="1"/>
+              <a:t>personal</a:t>
+            </a:r>
+            <a:r>
+              <a:rPr lang="fr-FR" dirty="0"/>
+              <a:t> data </a:t>
+            </a:r>
+          </a:p>
+          <a:p>
+            <a:r>
+              <a:rPr lang="fr-FR" dirty="0"/>
+              <a:t>Output: 3 </a:t>
+            </a:r>
+            <a:r>
+              <a:rPr lang="fr-FR" dirty="0" err="1"/>
+              <a:t>most</a:t>
+            </a:r>
+            <a:r>
+              <a:rPr lang="fr-FR" dirty="0"/>
+              <a:t> probable </a:t>
+            </a:r>
+            <a:r>
+              <a:rPr lang="fr-FR" dirty="0" err="1"/>
+              <a:t>diseases</a:t>
+            </a:r>
+            <a:r>
+              <a:rPr lang="fr-FR" dirty="0"/>
+              <a:t> and </a:t>
+            </a:r>
+            <a:r>
+              <a:rPr lang="fr-FR" dirty="0" err="1"/>
+              <a:t>advices</a:t>
+            </a:r>
+            <a:r>
+              <a:rPr lang="fr-FR" dirty="0"/>
+              <a:t> </a:t>
+            </a:r>
+          </a:p>
+          <a:p>
+            <a:r>
+              <a:rPr lang="fr-FR" dirty="0"/>
+              <a:t>Limited by the </a:t>
+            </a:r>
+            <a:r>
+              <a:rPr lang="fr-FR" dirty="0" err="1"/>
+              <a:t>database</a:t>
+            </a:r>
+            <a:r>
+              <a:rPr lang="fr-FR" dirty="0"/>
+              <a:t> </a:t>
+            </a:r>
+          </a:p>
+          <a:p>
+            <a:r>
+              <a:rPr lang="fr-FR" dirty="0" err="1"/>
+              <a:t>Compute</a:t>
+            </a:r>
+            <a:r>
+              <a:rPr lang="fr-FR" dirty="0"/>
+              <a:t> </a:t>
+            </a:r>
+            <a:r>
+              <a:rPr lang="fr-FR" dirty="0" err="1"/>
+              <a:t>probability</a:t>
+            </a:r>
+            <a:r>
+              <a:rPr lang="fr-FR" dirty="0"/>
+              <a:t> on </a:t>
+            </a:r>
+            <a:r>
+              <a:rPr lang="fr-FR" dirty="0" err="1"/>
+              <a:t>diseases</a:t>
+            </a:r>
+            <a:r>
+              <a:rPr lang="fr-FR" dirty="0"/>
+              <a:t> </a:t>
+            </a:r>
+            <a:r>
+              <a:rPr lang="fr-FR" dirty="0" err="1"/>
+              <a:t>depending</a:t>
+            </a:r>
+            <a:r>
+              <a:rPr lang="fr-FR" dirty="0"/>
+              <a:t> input data </a:t>
+            </a:r>
+          </a:p>
+          <a:p>
+            <a:r>
+              <a:rPr lang="fr-FR" dirty="0" err="1"/>
+              <a:t>Takes</a:t>
+            </a:r>
+            <a:r>
+              <a:rPr lang="fr-FR" dirty="0"/>
+              <a:t> </a:t>
+            </a:r>
+            <a:r>
+              <a:rPr lang="fr-FR" dirty="0" err="1"/>
+              <a:t>decision</a:t>
+            </a:r>
+            <a:r>
+              <a:rPr lang="fr-FR" dirty="0"/>
+              <a:t> </a:t>
+            </a:r>
+            <a:r>
+              <a:rPr lang="fr-FR" dirty="0" err="1"/>
+              <a:t>when</a:t>
+            </a:r>
+            <a:r>
+              <a:rPr lang="fr-FR" dirty="0"/>
+              <a:t> </a:t>
+            </a:r>
+            <a:r>
+              <a:rPr lang="fr-FR" dirty="0" err="1"/>
+              <a:t>threshold</a:t>
+            </a:r>
+            <a:r>
+              <a:rPr lang="fr-FR" dirty="0"/>
+              <a:t> </a:t>
+            </a:r>
+            <a:r>
+              <a:rPr lang="fr-FR" dirty="0" err="1"/>
+              <a:t>reached</a:t>
+            </a:r>
+            <a:r>
+              <a:rPr lang="fr-FR" dirty="0"/>
+              <a:t> </a:t>
+            </a:r>
+          </a:p>
+          <a:p>
+            <a:pPr lvl="1"/>
+            <a:r>
+              <a:rPr lang="fr-FR" dirty="0"/>
+              <a:t>Maximum </a:t>
+            </a:r>
+            <a:r>
+              <a:rPr lang="fr-FR" dirty="0" err="1"/>
+              <a:t>number</a:t>
+            </a:r>
+            <a:r>
+              <a:rPr lang="fr-FR" dirty="0"/>
+              <a:t> of questions </a:t>
+            </a:r>
+          </a:p>
+          <a:p>
+            <a:pPr lvl="1"/>
+            <a:r>
+              <a:rPr lang="fr-FR" dirty="0"/>
+              <a:t>Maximum </a:t>
+            </a:r>
+            <a:r>
+              <a:rPr lang="fr-FR" dirty="0" err="1"/>
+              <a:t>probability</a:t>
+            </a:r>
+            <a:r>
+              <a:rPr lang="fr-FR" dirty="0"/>
+              <a:t> </a:t>
+            </a:r>
+          </a:p>
+          <a:p>
+            <a:endParaRPr lang="en-US" dirty="0"/>
+          </a:p>
+        </p:txBody>
+      </p:sp>
+      <p:sp>
+        <p:nvSpPr>
+          <p:cNvPr id="3" name="Title 2"/>
+          <p:cNvSpPr>
+            <a:spLocks noGrp="1"/>
+          </p:cNvSpPr>
+          <p:nvPr>
+            <p:ph type="title"/>
+          </p:nvPr>
+        </p:nvSpPr>
+        <p:spPr/>
+        <p:txBody>
+          <a:bodyPr/>
+          <a:lstStyle/>
+          <a:p>
+            <a:r>
+              <a:rPr lang="fr-FR" dirty="0" err="1"/>
+              <a:t>Decision</a:t>
+            </a:r>
+            <a:r>
+              <a:rPr lang="fr-FR" dirty="0"/>
+              <a:t> Support System </a:t>
+            </a:r>
+            <a:endParaRPr lang="en-US" dirty="0"/>
+          </a:p>
+        </p:txBody>
+      </p:sp>
+    </p:spTree>
+    <p:extLst>
+      <p:ext uri="{BB962C8B-B14F-4D97-AF65-F5344CB8AC3E}">
+        <p14:creationId xmlns:p14="http://schemas.microsoft.com/office/powerpoint/2010/main" val="317634871"/>
+      </p:ext>
+    </p:extLst>
+  </p:cSld>
+  <p:clrMapOvr>
+    <a:masterClrMapping/>
+  </p:clrMapOvr>
+  <mc:AlternateContent xmlns:mc="http://schemas.openxmlformats.org/markup-compatibility/2006" xmlns:p14="http://schemas.microsoft.com/office/powerpoint/2010/main">
+    <mc:Choice Requires="p14">
+      <p:transition spd="med" p14:dur="700">
+        <p:fade/>
+      </p:transition>
+    </mc:Choice>
+    <mc:Fallback xmlns="">
+      <p:transition spd="med">
+        <p:fade/>
+      </p:transition>
+    </mc:Fallback>
+  </mc:AlternateContent>
+</p:sld>
+</file>
+
+<file path=ppt/slides/slide8.xml><?xml version="1.0" encoding="utf-8"?>
+<p:sld xmlns:a="http://schemas.openxmlformats.org/drawingml/2006/main" xmlns:r="http://schemas.openxmlformats.org/officeDocument/2006/relationships" xmlns:p="http://schemas.openxmlformats.org/presentationml/2006/main">
+  <p:cSld>
+    <p:spTree>
+      <p:nvGrpSpPr>
+        <p:cNvPr id="1" name=""/>
+        <p:cNvGrpSpPr/>
+        <p:nvPr/>
+      </p:nvGrpSpPr>
+      <p:grpSpPr>
+        <a:xfrm>
+          <a:off x="0" y="0"/>
+          <a:ext cx="0" cy="0"/>
+          <a:chOff x="0" y="0"/>
+          <a:chExt cx="0" cy="0"/>
+        </a:xfrm>
+      </p:grpSpPr>
+      <p:pic>
+        <p:nvPicPr>
+          <p:cNvPr id="8" name="Content Placeholder 7"/>
+          <p:cNvPicPr>
+            <a:picLocks noGrp="1" noChangeAspect="1"/>
+          </p:cNvPicPr>
+          <p:nvPr>
+            <p:ph sz="quarter" idx="2"/>
+          </p:nvPr>
+        </p:nvPicPr>
+        <p:blipFill>
+          <a:blip r:embed="rId2" cstate="print">
+            <a:extLst>
+              <a:ext uri="{28A0092B-C50C-407E-A947-70E740481C1C}">
+                <a14:useLocalDpi xmlns:a14="http://schemas.microsoft.com/office/drawing/2010/main" val="0"/>
+              </a:ext>
+            </a:extLst>
+          </a:blip>
+          <a:stretch>
+            <a:fillRect/>
+          </a:stretch>
+        </p:blipFill>
+        <p:spPr>
+          <a:xfrm>
+            <a:off x="7461298" y="1300017"/>
+            <a:ext cx="3404143" cy="4719783"/>
+          </a:xfrm>
+        </p:spPr>
+      </p:pic>
+      <p:sp>
+        <p:nvSpPr>
+          <p:cNvPr id="2" name="Content Placeholder 1"/>
+          <p:cNvSpPr>
+            <a:spLocks noGrp="1"/>
+          </p:cNvSpPr>
+          <p:nvPr>
+            <p:ph sz="quarter" idx="1"/>
+          </p:nvPr>
+        </p:nvSpPr>
+        <p:spPr/>
+        <p:txBody>
+          <a:bodyPr/>
+          <a:lstStyle/>
+          <a:p>
+            <a:pPr marL="0" indent="0">
+              <a:buNone/>
+            </a:pPr>
+            <a:endParaRPr lang="fr-FR" dirty="0"/>
+          </a:p>
+          <a:p>
+            <a:r>
+              <a:rPr lang="en-US" dirty="0"/>
+              <a:t>Relational Database </a:t>
+            </a:r>
+          </a:p>
+          <a:p>
+            <a:pPr marL="0" indent="0">
+              <a:buNone/>
+            </a:pPr>
+            <a:endParaRPr lang="en-US" dirty="0"/>
+          </a:p>
+          <a:p>
+            <a:r>
+              <a:rPr lang="en-US" dirty="0"/>
+              <a:t>Many-to-many</a:t>
+            </a:r>
+            <a:r>
+              <a:rPr lang="fr-FR" dirty="0"/>
+              <a:t> data model</a:t>
+            </a:r>
+          </a:p>
+          <a:p>
+            <a:endParaRPr lang="fr-FR" dirty="0"/>
+          </a:p>
+          <a:p>
+            <a:r>
+              <a:rPr lang="fr-FR" dirty="0"/>
+              <a:t>3 tables </a:t>
+            </a:r>
+            <a:endParaRPr lang="en-US" dirty="0"/>
+          </a:p>
+          <a:p>
+            <a:pPr lvl="1"/>
+            <a:r>
+              <a:rPr lang="en-US" dirty="0"/>
+              <a:t>Symptoms</a:t>
+            </a:r>
+            <a:r>
+              <a:rPr lang="fr-FR" dirty="0"/>
+              <a:t> </a:t>
+            </a:r>
+          </a:p>
+          <a:p>
+            <a:pPr lvl="1"/>
+            <a:r>
+              <a:rPr lang="en-US" dirty="0"/>
+              <a:t>Diseases</a:t>
+            </a:r>
+            <a:endParaRPr lang="fr-FR" dirty="0"/>
+          </a:p>
+          <a:p>
+            <a:pPr lvl="1"/>
+            <a:r>
+              <a:rPr lang="fr-FR" dirty="0" err="1"/>
+              <a:t>Diagnosis</a:t>
+            </a:r>
+            <a:endParaRPr lang="fr-FR" dirty="0"/>
+          </a:p>
+        </p:txBody>
+      </p:sp>
+      <p:sp>
+        <p:nvSpPr>
+          <p:cNvPr id="3" name="Title 2"/>
+          <p:cNvSpPr>
+            <a:spLocks noGrp="1"/>
+          </p:cNvSpPr>
+          <p:nvPr>
+            <p:ph type="title"/>
+          </p:nvPr>
+        </p:nvSpPr>
+        <p:spPr/>
+        <p:txBody>
+          <a:bodyPr/>
+          <a:lstStyle/>
+          <a:p>
+            <a:r>
+              <a:rPr lang="en-US" dirty="0"/>
+              <a:t>Database</a:t>
+            </a:r>
+          </a:p>
+        </p:txBody>
+      </p:sp>
+    </p:spTree>
+    <p:extLst>
+      <p:ext uri="{BB962C8B-B14F-4D97-AF65-F5344CB8AC3E}">
+        <p14:creationId xmlns:p14="http://schemas.microsoft.com/office/powerpoint/2010/main" val="2192671306"/>
+      </p:ext>
+    </p:extLst>
+  </p:cSld>
+  <p:clrMapOvr>
+    <a:masterClrMapping/>
+  </p:clrMapOvr>
+  <mc:AlternateContent xmlns:mc="http://schemas.openxmlformats.org/markup-compatibility/2006" xmlns:p14="http://schemas.microsoft.com/office/powerpoint/2010/main">
+    <mc:Choice Requires="p14">
+      <p:transition spd="med" p14:dur="700">
+        <p:fade/>
+      </p:transition>
+    </mc:Choice>
+    <mc:Fallback xmlns="">
+      <p:transition spd="med">
+        <p:fade/>
+      </p:transition>
+    </mc:Fallback>
+  </mc:AlternateContent>
+</p:sld>
+</file>
+
 <file path=ppt/slides/slide9.xml><?xml version="1.0" encoding="utf-8"?>
 <p:sld xmlns:a="http://schemas.openxmlformats.org/drawingml/2006/main" xmlns:r="http://schemas.openxmlformats.org/officeDocument/2006/relationships" xmlns:p="http://schemas.openxmlformats.org/presentationml/2006/main">
   <p:cSld>
@@ -6564,12 +7445,12 @@
       </p:grpSpPr>
       <p:sp>
         <p:nvSpPr>
-          <p:cNvPr id="2" name="Content Placeholder 1"/>
-          <p:cNvSpPr>
-            <a:spLocks noGrp="1"/>
-          </p:cNvSpPr>
-          <p:nvPr>
-            <p:ph sz="quarter" idx="1"/>
+          <p:cNvPr id="3" name="Title 2"/>
+          <p:cNvSpPr>
+            <a:spLocks noGrp="1"/>
+          </p:cNvSpPr>
+          <p:nvPr>
+            <p:ph type="title"/>
           </p:nvPr>
         </p:nvSpPr>
         <p:spPr/>
@@ -6578,44 +7459,76 @@
           <a:lstStyle/>
           <a:p>
             <a:r>
-              <a:rPr lang="fr-FR" dirty="0"/>
-              <a:t>TODO</a:t>
-            </a:r>
-            <a:endParaRPr lang="en-US" dirty="0"/>
-          </a:p>
-        </p:txBody>
-      </p:sp>
-      <p:sp>
-        <p:nvSpPr>
-          <p:cNvPr id="3" name="Title 2"/>
-          <p:cNvSpPr>
-            <a:spLocks noGrp="1"/>
-          </p:cNvSpPr>
-          <p:nvPr>
-            <p:ph type="title"/>
-          </p:nvPr>
-        </p:nvSpPr>
-        <p:spPr/>
-        <p:txBody>
-          <a:bodyPr/>
-          <a:lstStyle/>
-          <a:p>
-            <a:r>
-              <a:rPr lang="fr-FR" dirty="0" err="1"/>
-              <a:t>Probability</a:t>
-            </a:r>
-            <a:r>
-              <a:rPr lang="fr-FR" dirty="0"/>
-              <a:t> computation </a:t>
-            </a:r>
-            <a:endParaRPr lang="en-US" dirty="0"/>
-          </a:p>
-        </p:txBody>
-      </p:sp>
+              <a:rPr lang="en-US" dirty="0"/>
+              <a:t>Database structure</a:t>
+            </a:r>
+          </a:p>
+        </p:txBody>
+      </p:sp>
+      <p:pic>
+        <p:nvPicPr>
+          <p:cNvPr id="5" name="Picture 4"/>
+          <p:cNvPicPr>
+            <a:picLocks noChangeAspect="1"/>
+          </p:cNvPicPr>
+          <p:nvPr/>
+        </p:nvPicPr>
+        <p:blipFill>
+          <a:blip r:embed="rId2">
+            <a:extLst>
+              <a:ext uri="{28A0092B-C50C-407E-A947-70E740481C1C}">
+                <a14:useLocalDpi xmlns:a14="http://schemas.microsoft.com/office/drawing/2010/main" val="0"/>
+              </a:ext>
+            </a:extLst>
+          </a:blip>
+          <a:stretch>
+            <a:fillRect/>
+          </a:stretch>
+        </p:blipFill>
+        <p:spPr>
+          <a:xfrm>
+            <a:off x="582594" y="3337055"/>
+            <a:ext cx="7754098" cy="3119088"/>
+          </a:xfrm>
+          <a:prstGeom prst="rect">
+            <a:avLst/>
+          </a:prstGeom>
+        </p:spPr>
+      </p:pic>
+      <p:pic>
+        <p:nvPicPr>
+          <p:cNvPr id="8" name="Picture 7"/>
+          <p:cNvPicPr>
+            <a:picLocks noChangeAspect="1"/>
+          </p:cNvPicPr>
+          <p:nvPr/>
+        </p:nvPicPr>
+        <p:blipFill>
+          <a:blip r:embed="rId3">
+            <a:extLst>
+              <a:ext uri="{28A0092B-C50C-407E-A947-70E740481C1C}">
+                <a14:useLocalDpi xmlns:a14="http://schemas.microsoft.com/office/drawing/2010/main" val="0"/>
+              </a:ext>
+            </a:extLst>
+          </a:blip>
+          <a:stretch>
+            <a:fillRect/>
+          </a:stretch>
+        </p:blipFill>
+        <p:spPr>
+          <a:xfrm>
+            <a:off x="7300087" y="923368"/>
+            <a:ext cx="4165621" cy="2787216"/>
+          </a:xfrm>
+          <a:prstGeom prst="rect">
+            <a:avLst/>
+          </a:prstGeom>
+        </p:spPr>
+      </p:pic>
     </p:spTree>
     <p:extLst>
       <p:ext uri="{BB962C8B-B14F-4D97-AF65-F5344CB8AC3E}">
-        <p14:creationId xmlns:p14="http://schemas.microsoft.com/office/powerpoint/2010/main" val="1419907118"/>
+        <p14:creationId xmlns:p14="http://schemas.microsoft.com/office/powerpoint/2010/main" val="1345546781"/>
       </p:ext>
     </p:extLst>
   </p:cSld>

--- a/Health_Care_Bot.pptx
+++ b/Health_Care_Bot.pptx
@@ -5,27 +5,24 @@
     <p:sldMasterId id="2147483684" r:id="rId2"/>
   </p:sldMasterIdLst>
   <p:notesMasterIdLst>
-    <p:notesMasterId r:id="rId18"/>
+    <p:notesMasterId r:id="rId15"/>
   </p:notesMasterIdLst>
   <p:handoutMasterIdLst>
-    <p:handoutMasterId r:id="rId19"/>
+    <p:handoutMasterId r:id="rId16"/>
   </p:handoutMasterIdLst>
   <p:sldIdLst>
     <p:sldId id="280" r:id="rId3"/>
-    <p:sldId id="283" r:id="rId4"/>
-    <p:sldId id="284" r:id="rId5"/>
-    <p:sldId id="269" r:id="rId6"/>
-    <p:sldId id="270" r:id="rId7"/>
-    <p:sldId id="271" r:id="rId8"/>
-    <p:sldId id="281" r:id="rId9"/>
-    <p:sldId id="285" r:id="rId10"/>
-    <p:sldId id="286" r:id="rId11"/>
-    <p:sldId id="273" r:id="rId12"/>
-    <p:sldId id="274" r:id="rId13"/>
-    <p:sldId id="282" r:id="rId14"/>
-    <p:sldId id="275" r:id="rId15"/>
-    <p:sldId id="287" r:id="rId16"/>
-    <p:sldId id="288" r:id="rId17"/>
+    <p:sldId id="269" r:id="rId4"/>
+    <p:sldId id="270" r:id="rId5"/>
+    <p:sldId id="271" r:id="rId6"/>
+    <p:sldId id="281" r:id="rId7"/>
+    <p:sldId id="272" r:id="rId8"/>
+    <p:sldId id="273" r:id="rId9"/>
+    <p:sldId id="274" r:id="rId10"/>
+    <p:sldId id="282" r:id="rId11"/>
+    <p:sldId id="275" r:id="rId12"/>
+    <p:sldId id="276" r:id="rId13"/>
+    <p:sldId id="277" r:id="rId14"/>
   </p:sldIdLst>
   <p:sldSz cx="12192000" cy="6858000"/>
   <p:notesSz cx="6858000" cy="9144000"/>
@@ -146,10 +143,6 @@
 </p:presentation>
 </file>
 
-<file path=ppt/revisionInfo.xml><?xml version="1.0" encoding="utf-8"?>
-<p1510:revInfo xmlns:a="http://schemas.openxmlformats.org/drawingml/2006/main" xmlns:r="http://schemas.openxmlformats.org/officeDocument/2006/relationships" xmlns:p1510="http://schemas.microsoft.com/office/powerpoint/2015/10/main"/>
-</file>
-
 <file path=ppt/handoutMasters/handoutMaster1.xml><?xml version="1.0" encoding="utf-8"?>
 <p:handoutMaster xmlns:a="http://schemas.openxmlformats.org/drawingml/2006/main" xmlns:r="http://schemas.openxmlformats.org/officeDocument/2006/relationships" xmlns:p="http://schemas.openxmlformats.org/presentationml/2006/main">
   <p:cSld>
@@ -232,7 +225,7 @@
           <a:p>
             <a:fld id="{E5CB2E47-6F41-409B-AD22-834AE1EFF186}" type="datetimeFigureOut">
               <a:rPr lang="en-US" smtClean="0"/>
-              <a:t>01-Jun-17</a:t>
+              <a:t>25-May-17</a:t>
             </a:fld>
             <a:endParaRPr lang="en-US"/>
           </a:p>
@@ -397,7 +390,7 @@
           <a:p>
             <a:fld id="{FAD6744A-403D-42A1-BFE7-61DA46EE7C6C}" type="datetimeFigureOut">
               <a:rPr lang="en-US" smtClean="0"/>
-              <a:t>01-Jun-17</a:t>
+              <a:t>25-May-17</a:t>
             </a:fld>
             <a:endParaRPr lang="en-US"/>
           </a:p>
@@ -792,7 +785,7 @@
           <a:p>
             <a:fld id="{349BF3EA-1A78-4F07-BDC0-C8A1BD461199}" type="datetimeFigureOut">
               <a:rPr lang="en-US" smtClean="0"/>
-              <a:t>01-Jun-17</a:t>
+              <a:t>25-May-17</a:t>
             </a:fld>
             <a:endParaRPr lang="en-US"/>
           </a:p>
@@ -1200,7 +1193,7 @@
           <a:p>
             <a:fld id="{349BF3EA-1A78-4F07-BDC0-C8A1BD461199}" type="datetimeFigureOut">
               <a:rPr lang="en-US" smtClean="0"/>
-              <a:t>01-Jun-17</a:t>
+              <a:t>25-May-17</a:t>
             </a:fld>
             <a:endParaRPr lang="en-US"/>
           </a:p>
@@ -1329,7 +1322,7 @@
           <a:p>
             <a:fld id="{349BF3EA-1A78-4F07-BDC0-C8A1BD461199}" type="datetimeFigureOut">
               <a:rPr lang="en-US" smtClean="0"/>
-              <a:t>01-Jun-17</a:t>
+              <a:t>25-May-17</a:t>
             </a:fld>
             <a:endParaRPr lang="en-US"/>
           </a:p>
@@ -1520,7 +1513,7 @@
           <a:p>
             <a:fld id="{349BF3EA-1A78-4F07-BDC0-C8A1BD461199}" type="datetimeFigureOut">
               <a:rPr lang="en-US" smtClean="0"/>
-              <a:t>01-Jun-17</a:t>
+              <a:t>25-May-17</a:t>
             </a:fld>
             <a:endParaRPr lang="en-US"/>
           </a:p>
@@ -1800,7 +1793,7 @@
           <a:p>
             <a:fld id="{349BF3EA-1A78-4F07-BDC0-C8A1BD461199}" type="datetimeFigureOut">
               <a:rPr lang="en-US" smtClean="0"/>
-              <a:t>01-Jun-17</a:t>
+              <a:t>25-May-17</a:t>
             </a:fld>
             <a:endParaRPr lang="en-US"/>
           </a:p>
@@ -2169,7 +2162,7 @@
           <a:p>
             <a:fld id="{349BF3EA-1A78-4F07-BDC0-C8A1BD461199}" type="datetimeFigureOut">
               <a:rPr lang="en-US" smtClean="0"/>
-              <a:t>01-Jun-17</a:t>
+              <a:t>25-May-17</a:t>
             </a:fld>
             <a:endParaRPr lang="en-US"/>
           </a:p>
@@ -2412,7 +2405,7 @@
           <a:p>
             <a:fld id="{349BF3EA-1A78-4F07-BDC0-C8A1BD461199}" type="datetimeFigureOut">
               <a:rPr lang="en-US" smtClean="0"/>
-              <a:t>01-Jun-17</a:t>
+              <a:t>25-May-17</a:t>
             </a:fld>
             <a:endParaRPr lang="en-US"/>
           </a:p>
@@ -2790,7 +2783,7 @@
           <a:p>
             <a:fld id="{349BF3EA-1A78-4F07-BDC0-C8A1BD461199}" type="datetimeFigureOut">
               <a:rPr lang="en-US" smtClean="0"/>
-              <a:t>01-Jun-17</a:t>
+              <a:t>25-May-17</a:t>
             </a:fld>
             <a:endParaRPr lang="en-US"/>
           </a:p>
@@ -2919,7 +2912,7 @@
           <a:p>
             <a:fld id="{349BF3EA-1A78-4F07-BDC0-C8A1BD461199}" type="datetimeFigureOut">
               <a:rPr lang="en-US" smtClean="0"/>
-              <a:t>01-Jun-17</a:t>
+              <a:t>25-May-17</a:t>
             </a:fld>
             <a:endParaRPr lang="en-US"/>
           </a:p>
@@ -3121,7 +3114,7 @@
           <a:p>
             <a:fld id="{349BF3EA-1A78-4F07-BDC0-C8A1BD461199}" type="datetimeFigureOut">
               <a:rPr lang="en-US" smtClean="0"/>
-              <a:t>01-Jun-17</a:t>
+              <a:t>25-May-17</a:t>
             </a:fld>
             <a:endParaRPr lang="en-US"/>
           </a:p>
@@ -3367,7 +3360,7 @@
           <a:p>
             <a:fld id="{349BF3EA-1A78-4F07-BDC0-C8A1BD461199}" type="datetimeFigureOut">
               <a:rPr lang="en-US" smtClean="0"/>
-              <a:t>01-Jun-17</a:t>
+              <a:t>25-May-17</a:t>
             </a:fld>
             <a:endParaRPr lang="en-US"/>
           </a:p>
@@ -3869,7 +3862,7 @@
           <a:p>
             <a:fld id="{349BF3EA-1A78-4F07-BDC0-C8A1BD461199}" type="datetimeFigureOut">
               <a:rPr lang="en-US" smtClean="0"/>
-              <a:t>01-Jun-17</a:t>
+              <a:t>25-May-17</a:t>
             </a:fld>
             <a:endParaRPr lang="en-US"/>
           </a:p>
@@ -4400,11 +4393,6 @@
           <a:bodyPr/>
           <a:lstStyle/>
           <a:p>
-            <a:pPr>
-              <a:spcAft>
-                <a:spcPts val="1200"/>
-              </a:spcAft>
-            </a:pPr>
             <a:r>
               <a:rPr lang="en-US" dirty="0"/>
               <a:t>Decision Support Systems</a:t>
@@ -4491,6 +4479,1493 @@
 </file>
 
 <file path=ppt/slides/slide10.xml><?xml version="1.0" encoding="utf-8"?>
+<p:sld xmlns:a="http://schemas.openxmlformats.org/drawingml/2006/main" xmlns:r="http://schemas.openxmlformats.org/officeDocument/2006/relationships" xmlns:p="http://schemas.openxmlformats.org/presentationml/2006/main">
+  <p:cSld>
+    <p:spTree>
+      <p:nvGrpSpPr>
+        <p:cNvPr id="1" name=""/>
+        <p:cNvGrpSpPr/>
+        <p:nvPr/>
+      </p:nvGrpSpPr>
+      <p:grpSpPr>
+        <a:xfrm>
+          <a:off x="0" y="0"/>
+          <a:ext cx="0" cy="0"/>
+          <a:chOff x="0" y="0"/>
+          <a:chExt cx="0" cy="0"/>
+        </a:xfrm>
+      </p:grpSpPr>
+      <p:sp>
+        <p:nvSpPr>
+          <p:cNvPr id="2" name="Content Placeholder 1"/>
+          <p:cNvSpPr>
+            <a:spLocks noGrp="1"/>
+          </p:cNvSpPr>
+          <p:nvPr>
+            <p:ph sz="quarter" idx="1"/>
+          </p:nvPr>
+        </p:nvSpPr>
+        <p:spPr/>
+        <p:txBody>
+          <a:bodyPr/>
+          <a:lstStyle/>
+          <a:p>
+            <a:r>
+              <a:rPr lang="en-US" dirty="0"/>
+              <a:t>Bot logic: Telegram Bot</a:t>
+            </a:r>
+          </a:p>
+          <a:p>
+            <a:r>
+              <a:rPr lang="en-US" dirty="0"/>
+              <a:t>Classifier: </a:t>
+            </a:r>
+            <a:r>
+              <a:rPr lang="en-US" dirty="0" err="1"/>
+              <a:t>SciKit</a:t>
+            </a:r>
+            <a:r>
+              <a:rPr lang="en-US" dirty="0"/>
+              <a:t> </a:t>
+            </a:r>
+          </a:p>
+          <a:p>
+            <a:r>
+              <a:rPr lang="fr-FR" dirty="0"/>
+              <a:t>D</a:t>
+            </a:r>
+            <a:r>
+              <a:rPr lang="en-US" dirty="0" err="1"/>
+              <a:t>atabase</a:t>
+            </a:r>
+            <a:r>
+              <a:rPr lang="en-US" dirty="0"/>
+              <a:t>: </a:t>
+            </a:r>
+            <a:r>
+              <a:rPr lang="en-US" dirty="0" err="1"/>
+              <a:t>Postgresql</a:t>
+            </a:r>
+            <a:r>
+              <a:rPr lang="en-US" dirty="0"/>
+              <a:t> </a:t>
+            </a:r>
+          </a:p>
+        </p:txBody>
+      </p:sp>
+      <p:sp>
+        <p:nvSpPr>
+          <p:cNvPr id="3" name="Title 2"/>
+          <p:cNvSpPr>
+            <a:spLocks noGrp="1"/>
+          </p:cNvSpPr>
+          <p:nvPr>
+            <p:ph type="title"/>
+          </p:nvPr>
+        </p:nvSpPr>
+        <p:spPr/>
+        <p:txBody>
+          <a:bodyPr/>
+          <a:lstStyle/>
+          <a:p>
+            <a:r>
+              <a:rPr lang="fr-FR" dirty="0"/>
+              <a:t>T</a:t>
+            </a:r>
+            <a:r>
+              <a:rPr lang="en-US" dirty="0" err="1"/>
+              <a:t>echnology</a:t>
+            </a:r>
+            <a:r>
+              <a:rPr lang="en-US" dirty="0"/>
+              <a:t> choices</a:t>
+            </a:r>
+          </a:p>
+        </p:txBody>
+      </p:sp>
+      <p:pic>
+        <p:nvPicPr>
+          <p:cNvPr id="4" name="Picture 3"/>
+          <p:cNvPicPr>
+            <a:picLocks noChangeAspect="1"/>
+          </p:cNvPicPr>
+          <p:nvPr/>
+        </p:nvPicPr>
+        <p:blipFill>
+          <a:blip r:embed="rId2"/>
+          <a:stretch>
+            <a:fillRect/>
+          </a:stretch>
+        </p:blipFill>
+        <p:spPr>
+          <a:xfrm>
+            <a:off x="1219200" y="3251201"/>
+            <a:ext cx="2510971" cy="2510971"/>
+          </a:xfrm>
+          <a:prstGeom prst="rect">
+            <a:avLst/>
+          </a:prstGeom>
+        </p:spPr>
+      </p:pic>
+      <p:pic>
+        <p:nvPicPr>
+          <p:cNvPr id="8" name="Picture 7"/>
+          <p:cNvPicPr>
+            <a:picLocks noChangeAspect="1"/>
+          </p:cNvPicPr>
+          <p:nvPr/>
+        </p:nvPicPr>
+        <p:blipFill>
+          <a:blip r:embed="rId3">
+            <a:extLst>
+              <a:ext uri="{28A0092B-C50C-407E-A947-70E740481C1C}">
+                <a14:useLocalDpi xmlns:a14="http://schemas.microsoft.com/office/drawing/2010/main" val="0"/>
+              </a:ext>
+            </a:extLst>
+          </a:blip>
+          <a:stretch>
+            <a:fillRect/>
+          </a:stretch>
+        </p:blipFill>
+        <p:spPr>
+          <a:xfrm>
+            <a:off x="4704732" y="3592286"/>
+            <a:ext cx="3395472" cy="1828800"/>
+          </a:xfrm>
+          <a:prstGeom prst="rect">
+            <a:avLst/>
+          </a:prstGeom>
+        </p:spPr>
+      </p:pic>
+      <p:pic>
+        <p:nvPicPr>
+          <p:cNvPr id="10" name="Picture 9"/>
+          <p:cNvPicPr>
+            <a:picLocks noChangeAspect="1"/>
+          </p:cNvPicPr>
+          <p:nvPr/>
+        </p:nvPicPr>
+        <p:blipFill>
+          <a:blip r:embed="rId4" cstate="print">
+            <a:extLst>
+              <a:ext uri="{28A0092B-C50C-407E-A947-70E740481C1C}">
+                <a14:useLocalDpi xmlns:a14="http://schemas.microsoft.com/office/drawing/2010/main" val="0"/>
+              </a:ext>
+            </a:extLst>
+          </a:blip>
+          <a:stretch>
+            <a:fillRect/>
+          </a:stretch>
+        </p:blipFill>
+        <p:spPr>
+          <a:xfrm>
+            <a:off x="9074765" y="3135086"/>
+            <a:ext cx="2467272" cy="2743200"/>
+          </a:xfrm>
+          <a:prstGeom prst="rect">
+            <a:avLst/>
+          </a:prstGeom>
+        </p:spPr>
+      </p:pic>
+    </p:spTree>
+    <p:extLst>
+      <p:ext uri="{BB962C8B-B14F-4D97-AF65-F5344CB8AC3E}">
+        <p14:creationId xmlns:p14="http://schemas.microsoft.com/office/powerpoint/2010/main" val="169763702"/>
+      </p:ext>
+    </p:extLst>
+  </p:cSld>
+  <p:clrMapOvr>
+    <a:masterClrMapping/>
+  </p:clrMapOvr>
+  <mc:AlternateContent xmlns:mc="http://schemas.openxmlformats.org/markup-compatibility/2006" xmlns:p14="http://schemas.microsoft.com/office/powerpoint/2010/main">
+    <mc:Choice Requires="p14">
+      <p:transition spd="med" p14:dur="700">
+        <p:fade/>
+      </p:transition>
+    </mc:Choice>
+    <mc:Fallback xmlns="">
+      <p:transition spd="med">
+        <p:fade/>
+      </p:transition>
+    </mc:Fallback>
+  </mc:AlternateContent>
+</p:sld>
+</file>
+
+<file path=ppt/slides/slide11.xml><?xml version="1.0" encoding="utf-8"?>
+<p:sld xmlns:a="http://schemas.openxmlformats.org/drawingml/2006/main" xmlns:r="http://schemas.openxmlformats.org/officeDocument/2006/relationships" xmlns:p="http://schemas.openxmlformats.org/presentationml/2006/main">
+  <p:cSld>
+    <p:spTree>
+      <p:nvGrpSpPr>
+        <p:cNvPr id="1" name=""/>
+        <p:cNvGrpSpPr/>
+        <p:nvPr/>
+      </p:nvGrpSpPr>
+      <p:grpSpPr>
+        <a:xfrm>
+          <a:off x="0" y="0"/>
+          <a:ext cx="0" cy="0"/>
+          <a:chOff x="0" y="0"/>
+          <a:chExt cx="0" cy="0"/>
+        </a:xfrm>
+      </p:grpSpPr>
+      <p:sp>
+        <p:nvSpPr>
+          <p:cNvPr id="2" name="Content Placeholder 1"/>
+          <p:cNvSpPr>
+            <a:spLocks noGrp="1"/>
+          </p:cNvSpPr>
+          <p:nvPr>
+            <p:ph sz="quarter" idx="1"/>
+          </p:nvPr>
+        </p:nvSpPr>
+        <p:spPr/>
+        <p:txBody>
+          <a:bodyPr/>
+          <a:lstStyle/>
+          <a:p>
+            <a:r>
+              <a:rPr lang="en-US" dirty="0"/>
+              <a:t>First thought wanted to use Django </a:t>
+            </a:r>
+            <a:r>
+              <a:rPr lang="en-US" dirty="0">
+                <a:sym typeface="Wingdings" panose="05000000000000000000" pitchFamily="2" charset="2"/>
+              </a:rPr>
+              <a:t> did not work out</a:t>
+            </a:r>
+          </a:p>
+          <a:p>
+            <a:r>
+              <a:rPr lang="fr-FR" dirty="0">
+                <a:sym typeface="Wingdings" panose="05000000000000000000" pitchFamily="2" charset="2"/>
+              </a:rPr>
+              <a:t>Q</a:t>
+            </a:r>
+            <a:r>
+              <a:rPr lang="en-US" dirty="0" err="1">
+                <a:sym typeface="Wingdings" panose="05000000000000000000" pitchFamily="2" charset="2"/>
+              </a:rPr>
+              <a:t>uestions</a:t>
+            </a:r>
+            <a:r>
+              <a:rPr lang="en-US" dirty="0">
+                <a:sym typeface="Wingdings" panose="05000000000000000000" pitchFamily="2" charset="2"/>
+              </a:rPr>
+              <a:t> logic </a:t>
+            </a:r>
+          </a:p>
+          <a:p>
+            <a:r>
+              <a:rPr lang="fr-FR" dirty="0">
+                <a:sym typeface="Wingdings" panose="05000000000000000000" pitchFamily="2" charset="2"/>
+              </a:rPr>
+              <a:t>F</a:t>
+            </a:r>
+            <a:r>
+              <a:rPr lang="en-US" dirty="0" err="1">
+                <a:sym typeface="Wingdings" panose="05000000000000000000" pitchFamily="2" charset="2"/>
+              </a:rPr>
+              <a:t>inding</a:t>
+            </a:r>
+            <a:r>
+              <a:rPr lang="en-US" dirty="0">
+                <a:sym typeface="Wingdings" panose="05000000000000000000" pitchFamily="2" charset="2"/>
+              </a:rPr>
+              <a:t> a database </a:t>
+            </a:r>
+          </a:p>
+          <a:p>
+            <a:r>
+              <a:rPr lang="fr-FR" dirty="0">
+                <a:sym typeface="Wingdings" panose="05000000000000000000" pitchFamily="2" charset="2"/>
+              </a:rPr>
+              <a:t>F</a:t>
+            </a:r>
+            <a:r>
+              <a:rPr lang="en-US" dirty="0" err="1">
+                <a:sym typeface="Wingdings" panose="05000000000000000000" pitchFamily="2" charset="2"/>
+              </a:rPr>
+              <a:t>inding</a:t>
+            </a:r>
+            <a:r>
+              <a:rPr lang="en-US" dirty="0">
+                <a:sym typeface="Wingdings" panose="05000000000000000000" pitchFamily="2" charset="2"/>
+              </a:rPr>
+              <a:t> a dataset for classifier </a:t>
+            </a:r>
+            <a:endParaRPr lang="en-US" dirty="0"/>
+          </a:p>
+        </p:txBody>
+      </p:sp>
+      <p:sp>
+        <p:nvSpPr>
+          <p:cNvPr id="3" name="Title 2"/>
+          <p:cNvSpPr>
+            <a:spLocks noGrp="1"/>
+          </p:cNvSpPr>
+          <p:nvPr>
+            <p:ph type="title"/>
+          </p:nvPr>
+        </p:nvSpPr>
+        <p:spPr/>
+        <p:txBody>
+          <a:bodyPr/>
+          <a:lstStyle/>
+          <a:p>
+            <a:r>
+              <a:rPr lang="en-US" dirty="0"/>
+              <a:t>Difficulties </a:t>
+            </a:r>
+          </a:p>
+        </p:txBody>
+      </p:sp>
+    </p:spTree>
+    <p:extLst>
+      <p:ext uri="{BB962C8B-B14F-4D97-AF65-F5344CB8AC3E}">
+        <p14:creationId xmlns:p14="http://schemas.microsoft.com/office/powerpoint/2010/main" val="2265463819"/>
+      </p:ext>
+    </p:extLst>
+  </p:cSld>
+  <p:clrMapOvr>
+    <a:masterClrMapping/>
+  </p:clrMapOvr>
+  <mc:AlternateContent xmlns:mc="http://schemas.openxmlformats.org/markup-compatibility/2006" xmlns:p14="http://schemas.microsoft.com/office/powerpoint/2010/main">
+    <mc:Choice Requires="p14">
+      <p:transition spd="med" p14:dur="700">
+        <p:fade/>
+      </p:transition>
+    </mc:Choice>
+    <mc:Fallback xmlns="">
+      <p:transition spd="med">
+        <p:fade/>
+      </p:transition>
+    </mc:Fallback>
+  </mc:AlternateContent>
+</p:sld>
+</file>
+
+<file path=ppt/slides/slide12.xml><?xml version="1.0" encoding="utf-8"?>
+<p:sld xmlns:a="http://schemas.openxmlformats.org/drawingml/2006/main" xmlns:r="http://schemas.openxmlformats.org/officeDocument/2006/relationships" xmlns:p="http://schemas.openxmlformats.org/presentationml/2006/main">
+  <p:cSld>
+    <p:spTree>
+      <p:nvGrpSpPr>
+        <p:cNvPr id="1" name=""/>
+        <p:cNvGrpSpPr/>
+        <p:nvPr/>
+      </p:nvGrpSpPr>
+      <p:grpSpPr>
+        <a:xfrm>
+          <a:off x="0" y="0"/>
+          <a:ext cx="0" cy="0"/>
+          <a:chOff x="0" y="0"/>
+          <a:chExt cx="0" cy="0"/>
+        </a:xfrm>
+      </p:grpSpPr>
+      <p:sp>
+        <p:nvSpPr>
+          <p:cNvPr id="2" name="Content Placeholder 1"/>
+          <p:cNvSpPr>
+            <a:spLocks noGrp="1"/>
+          </p:cNvSpPr>
+          <p:nvPr>
+            <p:ph sz="quarter" idx="1"/>
+          </p:nvPr>
+        </p:nvSpPr>
+        <p:spPr/>
+        <p:txBody>
+          <a:bodyPr/>
+          <a:lstStyle/>
+          <a:p>
+            <a:r>
+              <a:rPr lang="en-US" dirty="0"/>
+              <a:t>Could be adapted for mobile use </a:t>
+            </a:r>
+          </a:p>
+          <a:p>
+            <a:r>
+              <a:rPr lang="fr-FR" dirty="0"/>
+              <a:t>C</a:t>
+            </a:r>
+            <a:r>
+              <a:rPr lang="en-US" dirty="0" err="1"/>
+              <a:t>ould</a:t>
+            </a:r>
+            <a:r>
+              <a:rPr lang="en-US" dirty="0"/>
+              <a:t> be affined for professional use </a:t>
+            </a:r>
+          </a:p>
+          <a:p>
+            <a:endParaRPr lang="en-US" dirty="0"/>
+          </a:p>
+        </p:txBody>
+      </p:sp>
+      <p:sp>
+        <p:nvSpPr>
+          <p:cNvPr id="3" name="Title 2"/>
+          <p:cNvSpPr>
+            <a:spLocks noGrp="1"/>
+          </p:cNvSpPr>
+          <p:nvPr>
+            <p:ph type="title"/>
+          </p:nvPr>
+        </p:nvSpPr>
+        <p:spPr/>
+        <p:txBody>
+          <a:bodyPr/>
+          <a:lstStyle/>
+          <a:p>
+            <a:r>
+              <a:rPr lang="en-US" dirty="0"/>
+              <a:t>Conclusion </a:t>
+            </a:r>
+          </a:p>
+        </p:txBody>
+      </p:sp>
+    </p:spTree>
+    <p:extLst>
+      <p:ext uri="{BB962C8B-B14F-4D97-AF65-F5344CB8AC3E}">
+        <p14:creationId xmlns:p14="http://schemas.microsoft.com/office/powerpoint/2010/main" val="1980976995"/>
+      </p:ext>
+    </p:extLst>
+  </p:cSld>
+  <p:clrMapOvr>
+    <a:masterClrMapping/>
+  </p:clrMapOvr>
+  <mc:AlternateContent xmlns:mc="http://schemas.openxmlformats.org/markup-compatibility/2006" xmlns:p14="http://schemas.microsoft.com/office/powerpoint/2010/main">
+    <mc:Choice Requires="p14">
+      <p:transition spd="med" p14:dur="700">
+        <p:fade/>
+      </p:transition>
+    </mc:Choice>
+    <mc:Fallback xmlns="">
+      <p:transition spd="med">
+        <p:fade/>
+      </p:transition>
+    </mc:Fallback>
+  </mc:AlternateContent>
+</p:sld>
+</file>
+
+<file path=ppt/slides/slide2.xml><?xml version="1.0" encoding="utf-8"?>
+<p:sld xmlns:a="http://schemas.openxmlformats.org/drawingml/2006/main" xmlns:r="http://schemas.openxmlformats.org/officeDocument/2006/relationships" xmlns:p="http://schemas.openxmlformats.org/presentationml/2006/main">
+  <p:cSld>
+    <p:spTree>
+      <p:nvGrpSpPr>
+        <p:cNvPr id="1" name=""/>
+        <p:cNvGrpSpPr/>
+        <p:nvPr/>
+      </p:nvGrpSpPr>
+      <p:grpSpPr>
+        <a:xfrm>
+          <a:off x="0" y="0"/>
+          <a:ext cx="0" cy="0"/>
+          <a:chOff x="0" y="0"/>
+          <a:chExt cx="0" cy="0"/>
+        </a:xfrm>
+      </p:grpSpPr>
+      <p:sp>
+        <p:nvSpPr>
+          <p:cNvPr id="2" name="Content Placeholder 1"/>
+          <p:cNvSpPr>
+            <a:spLocks noGrp="1"/>
+          </p:cNvSpPr>
+          <p:nvPr>
+            <p:ph sz="quarter" idx="1"/>
+          </p:nvPr>
+        </p:nvSpPr>
+        <p:spPr/>
+        <p:txBody>
+          <a:bodyPr/>
+          <a:lstStyle/>
+          <a:p>
+            <a:r>
+              <a:rPr lang="fr-FR" dirty="0"/>
+              <a:t>Web service </a:t>
+            </a:r>
+            <a:endParaRPr lang="en-US" dirty="0"/>
+          </a:p>
+          <a:p>
+            <a:r>
+              <a:rPr lang="en-US" dirty="0"/>
+              <a:t>Asking questions about physical state </a:t>
+            </a:r>
+          </a:p>
+          <a:p>
+            <a:r>
+              <a:rPr lang="en-US" dirty="0"/>
+              <a:t>Take the symptoms</a:t>
+            </a:r>
+            <a:r>
+              <a:rPr lang="fr-FR" dirty="0"/>
+              <a:t> </a:t>
+            </a:r>
+            <a:r>
+              <a:rPr lang="en-US" dirty="0"/>
+              <a:t>and personal data as input</a:t>
+            </a:r>
+          </a:p>
+          <a:p>
+            <a:pPr lvl="1"/>
+            <a:r>
+              <a:rPr lang="fr-FR" dirty="0"/>
+              <a:t>P</a:t>
+            </a:r>
+            <a:r>
+              <a:rPr lang="en-US" dirty="0" err="1"/>
+              <a:t>ersonal</a:t>
+            </a:r>
+            <a:r>
+              <a:rPr lang="en-US" dirty="0"/>
+              <a:t> data: weight, height, </a:t>
+            </a:r>
+            <a:r>
+              <a:rPr lang="en-US" dirty="0" err="1"/>
+              <a:t>smocker</a:t>
+            </a:r>
+            <a:r>
+              <a:rPr lang="en-US" dirty="0"/>
+              <a:t>…</a:t>
+            </a:r>
+          </a:p>
+          <a:p>
+            <a:r>
+              <a:rPr lang="en-US" dirty="0"/>
+              <a:t>Compute most probable diseases </a:t>
+            </a:r>
+          </a:p>
+          <a:p>
+            <a:r>
+              <a:rPr lang="en-US" dirty="0"/>
+              <a:t>Output the diagnosis to the user along with advices</a:t>
+            </a:r>
+          </a:p>
+        </p:txBody>
+      </p:sp>
+      <p:sp>
+        <p:nvSpPr>
+          <p:cNvPr id="3" name="Title 2"/>
+          <p:cNvSpPr>
+            <a:spLocks noGrp="1"/>
+          </p:cNvSpPr>
+          <p:nvPr>
+            <p:ph type="title"/>
+          </p:nvPr>
+        </p:nvSpPr>
+        <p:spPr/>
+        <p:txBody>
+          <a:bodyPr/>
+          <a:lstStyle/>
+          <a:p>
+            <a:r>
+              <a:rPr lang="en-US" dirty="0"/>
+              <a:t>Health</a:t>
+            </a:r>
+            <a:r>
+              <a:rPr lang="fr-FR" dirty="0"/>
+              <a:t> Care Bot</a:t>
+            </a:r>
+            <a:endParaRPr lang="en-US" dirty="0"/>
+          </a:p>
+        </p:txBody>
+      </p:sp>
+      <p:pic>
+        <p:nvPicPr>
+          <p:cNvPr id="4" name="Picture 3"/>
+          <p:cNvPicPr>
+            <a:picLocks noChangeAspect="1"/>
+          </p:cNvPicPr>
+          <p:nvPr/>
+        </p:nvPicPr>
+        <p:blipFill rotWithShape="1">
+          <a:blip r:embed="rId2">
+            <a:duotone>
+              <a:schemeClr val="accent1">
+                <a:shade val="45000"/>
+                <a:satMod val="135000"/>
+              </a:schemeClr>
+              <a:prstClr val="white"/>
+            </a:duotone>
+            <a:extLst>
+              <a:ext uri="{BEBA8EAE-BF5A-486C-A8C5-ECC9F3942E4B}">
+                <a14:imgProps xmlns:a14="http://schemas.microsoft.com/office/drawing/2010/main">
+                  <a14:imgLayer r:embed="rId3">
+                    <a14:imgEffect>
+                      <a14:backgroundRemoval t="9977" b="89994" l="7702" r="90000">
+                        <a14:foregroundMark x1="62298" y1="27680" x2="62298" y2="27680"/>
+                        <a14:foregroundMark x1="57137" y1="28677" x2="67984" y2="24031"/>
+                        <a14:foregroundMark x1="67984" y1="24031" x2="67984" y2="24031"/>
+                        <a14:foregroundMark x1="7702" y1="24658" x2="11694" y2="25656"/>
+                        <a14:foregroundMark x1="50000" y1="17161" x2="50000" y2="19584"/>
+                        <a14:foregroundMark x1="58589" y1="36973" x2="61411" y2="36773"/>
+                        <a14:foregroundMark x1="40282" y1="36374" x2="42581" y2="36374"/>
+                        <a14:foregroundMark x1="50000" y1="48689" x2="50000" y2="50114"/>
+                        <a14:foregroundMark x1="45161" y1="53136" x2="47984" y2="53934"/>
+                        <a14:foregroundMark x1="49435" y1="59407" x2="49435" y2="59407"/>
+                        <a14:foregroundMark x1="43145" y1="60405" x2="43145" y2="60405"/>
+                        <a14:foregroundMark x1="50000" y1="69099" x2="50000" y2="69099"/>
+                        <a14:foregroundMark x1="45444" y1="68900" x2="45444" y2="68900"/>
+                        <a14:foregroundMark x1="50282" y1="77366" x2="50282" y2="77366"/>
+                        <a14:foregroundMark x1="46573" y1="77366" x2="46573" y2="77366"/>
+                        <a14:foregroundMark x1="49435" y1="84835" x2="49435" y2="84835"/>
+                      </a14:backgroundRemoval>
+                    </a14:imgEffect>
+                  </a14:imgLayer>
+                </a14:imgProps>
+              </a:ext>
+            </a:extLst>
+          </a:blip>
+          <a:srcRect l="4564" t="11313" r="3371" b="11111"/>
+          <a:stretch/>
+        </p:blipFill>
+        <p:spPr>
+          <a:xfrm>
+            <a:off x="8868711" y="2815513"/>
+            <a:ext cx="2713689" cy="3234449"/>
+          </a:xfrm>
+          <a:prstGeom prst="rect">
+            <a:avLst/>
+          </a:prstGeom>
+        </p:spPr>
+      </p:pic>
+    </p:spTree>
+    <p:extLst>
+      <p:ext uri="{BB962C8B-B14F-4D97-AF65-F5344CB8AC3E}">
+        <p14:creationId xmlns:p14="http://schemas.microsoft.com/office/powerpoint/2010/main" val="1727852844"/>
+      </p:ext>
+    </p:extLst>
+  </p:cSld>
+  <p:clrMapOvr>
+    <a:masterClrMapping/>
+  </p:clrMapOvr>
+  <mc:AlternateContent xmlns:mc="http://schemas.openxmlformats.org/markup-compatibility/2006" xmlns:p14="http://schemas.microsoft.com/office/powerpoint/2010/main">
+    <mc:Choice Requires="p14">
+      <p:transition spd="med" p14:dur="700">
+        <p:fade/>
+      </p:transition>
+    </mc:Choice>
+    <mc:Fallback xmlns="">
+      <p:transition spd="med">
+        <p:fade/>
+      </p:transition>
+    </mc:Fallback>
+  </mc:AlternateContent>
+</p:sld>
+</file>
+
+<file path=ppt/slides/slide3.xml><?xml version="1.0" encoding="utf-8"?>
+<p:sld xmlns:a="http://schemas.openxmlformats.org/drawingml/2006/main" xmlns:r="http://schemas.openxmlformats.org/officeDocument/2006/relationships" xmlns:p="http://schemas.openxmlformats.org/presentationml/2006/main">
+  <p:cSld>
+    <p:spTree>
+      <p:nvGrpSpPr>
+        <p:cNvPr id="1" name=""/>
+        <p:cNvGrpSpPr/>
+        <p:nvPr/>
+      </p:nvGrpSpPr>
+      <p:grpSpPr>
+        <a:xfrm>
+          <a:off x="0" y="0"/>
+          <a:ext cx="0" cy="0"/>
+          <a:chOff x="0" y="0"/>
+          <a:chExt cx="0" cy="0"/>
+        </a:xfrm>
+      </p:grpSpPr>
+      <p:sp>
+        <p:nvSpPr>
+          <p:cNvPr id="2" name="Content Placeholder 1"/>
+          <p:cNvSpPr>
+            <a:spLocks noGrp="1"/>
+          </p:cNvSpPr>
+          <p:nvPr>
+            <p:ph sz="quarter" idx="1"/>
+          </p:nvPr>
+        </p:nvSpPr>
+        <p:spPr/>
+        <p:txBody>
+          <a:bodyPr/>
+          <a:lstStyle/>
+          <a:p>
+            <a:r>
+              <a:rPr lang="en-US" dirty="0"/>
+              <a:t>First results in any search engine gives most deadly sickness</a:t>
+            </a:r>
+            <a:r>
+              <a:rPr lang="fr-FR" dirty="0"/>
+              <a:t> </a:t>
+            </a:r>
+            <a:endParaRPr lang="en-US" dirty="0"/>
+          </a:p>
+          <a:p>
+            <a:r>
+              <a:rPr lang="en-US" dirty="0"/>
+              <a:t>Help people go to the right place to be taken care of fast</a:t>
+            </a:r>
+          </a:p>
+          <a:p>
+            <a:r>
+              <a:rPr lang="fr-FR" dirty="0"/>
+              <a:t>H</a:t>
+            </a:r>
+            <a:r>
+              <a:rPr lang="en-US" dirty="0" err="1"/>
+              <a:t>elp</a:t>
+            </a:r>
+            <a:r>
+              <a:rPr lang="en-US" dirty="0"/>
+              <a:t> for better auto-medication </a:t>
+            </a:r>
+          </a:p>
+        </p:txBody>
+      </p:sp>
+      <p:sp>
+        <p:nvSpPr>
+          <p:cNvPr id="3" name="Title 2"/>
+          <p:cNvSpPr>
+            <a:spLocks noGrp="1"/>
+          </p:cNvSpPr>
+          <p:nvPr>
+            <p:ph type="title"/>
+          </p:nvPr>
+        </p:nvSpPr>
+        <p:spPr/>
+        <p:txBody>
+          <a:bodyPr/>
+          <a:lstStyle/>
+          <a:p>
+            <a:r>
+              <a:rPr lang="en-US" dirty="0"/>
+              <a:t>Why is it needed ?</a:t>
+            </a:r>
+          </a:p>
+        </p:txBody>
+      </p:sp>
+      <p:pic>
+        <p:nvPicPr>
+          <p:cNvPr id="4" name="Picture 3"/>
+          <p:cNvPicPr>
+            <a:picLocks noChangeAspect="1"/>
+          </p:cNvPicPr>
+          <p:nvPr/>
+        </p:nvPicPr>
+        <p:blipFill>
+          <a:blip r:embed="rId2">
+            <a:duotone>
+              <a:schemeClr val="accent1">
+                <a:shade val="45000"/>
+                <a:satMod val="135000"/>
+              </a:schemeClr>
+              <a:prstClr val="white"/>
+            </a:duotone>
+            <a:extLst>
+              <a:ext uri="{BEBA8EAE-BF5A-486C-A8C5-ECC9F3942E4B}">
+                <a14:imgProps xmlns:a14="http://schemas.microsoft.com/office/drawing/2010/main">
+                  <a14:imgLayer r:embed="rId3">
+                    <a14:imgEffect>
+                      <a14:backgroundRemoval t="909" b="96364" l="9000" r="90000">
+                        <a14:foregroundMark x1="50000" y1="13636" x2="50000" y2="13636"/>
+                        <a14:foregroundMark x1="30000" y1="2273" x2="30000" y2="2273"/>
+                        <a14:foregroundMark x1="9333" y1="34091" x2="9333" y2="34091"/>
+                        <a14:foregroundMark x1="51000" y1="96364" x2="51000" y2="96364"/>
+                        <a14:foregroundMark x1="90333" y1="32273" x2="90333" y2="32273"/>
+                        <a14:foregroundMark x1="67333" y1="909" x2="67333" y2="909"/>
+                      </a14:backgroundRemoval>
+                    </a14:imgEffect>
+                  </a14:imgLayer>
+                </a14:imgProps>
+              </a:ext>
+            </a:extLst>
+          </a:blip>
+          <a:stretch>
+            <a:fillRect/>
+          </a:stretch>
+        </p:blipFill>
+        <p:spPr>
+          <a:xfrm>
+            <a:off x="510886" y="3954462"/>
+            <a:ext cx="2857500" cy="2095500"/>
+          </a:xfrm>
+          <a:prstGeom prst="rect">
+            <a:avLst/>
+          </a:prstGeom>
+        </p:spPr>
+      </p:pic>
+    </p:spTree>
+    <p:extLst>
+      <p:ext uri="{BB962C8B-B14F-4D97-AF65-F5344CB8AC3E}">
+        <p14:creationId xmlns:p14="http://schemas.microsoft.com/office/powerpoint/2010/main" val="2088959167"/>
+      </p:ext>
+    </p:extLst>
+  </p:cSld>
+  <p:clrMapOvr>
+    <a:masterClrMapping/>
+  </p:clrMapOvr>
+  <mc:AlternateContent xmlns:mc="http://schemas.openxmlformats.org/markup-compatibility/2006" xmlns:p14="http://schemas.microsoft.com/office/powerpoint/2010/main">
+    <mc:Choice Requires="p14">
+      <p:transition spd="med" p14:dur="700">
+        <p:fade/>
+      </p:transition>
+    </mc:Choice>
+    <mc:Fallback xmlns="">
+      <p:transition spd="med">
+        <p:fade/>
+      </p:transition>
+    </mc:Fallback>
+  </mc:AlternateContent>
+</p:sld>
+</file>
+
+<file path=ppt/slides/slide4.xml><?xml version="1.0" encoding="utf-8"?>
+<p:sld xmlns:a="http://schemas.openxmlformats.org/drawingml/2006/main" xmlns:r="http://schemas.openxmlformats.org/officeDocument/2006/relationships" xmlns:p="http://schemas.openxmlformats.org/presentationml/2006/main">
+  <p:cSld>
+    <p:spTree>
+      <p:nvGrpSpPr>
+        <p:cNvPr id="1" name=""/>
+        <p:cNvGrpSpPr/>
+        <p:nvPr/>
+      </p:nvGrpSpPr>
+      <p:grpSpPr>
+        <a:xfrm>
+          <a:off x="0" y="0"/>
+          <a:ext cx="0" cy="0"/>
+          <a:chOff x="0" y="0"/>
+          <a:chExt cx="0" cy="0"/>
+        </a:xfrm>
+      </p:grpSpPr>
+      <p:sp>
+        <p:nvSpPr>
+          <p:cNvPr id="2" name="Content Placeholder 1"/>
+          <p:cNvSpPr>
+            <a:spLocks noGrp="1"/>
+          </p:cNvSpPr>
+          <p:nvPr>
+            <p:ph sz="quarter" idx="1"/>
+          </p:nvPr>
+        </p:nvSpPr>
+        <p:spPr>
+          <a:xfrm>
+            <a:off x="1219200" y="1447800"/>
+            <a:ext cx="6317673" cy="4572000"/>
+          </a:xfrm>
+        </p:spPr>
+        <p:txBody>
+          <a:bodyPr/>
+          <a:lstStyle/>
+          <a:p>
+            <a:r>
+              <a:rPr lang="en-US" dirty="0"/>
+              <a:t>Bot is asking for first symptoms </a:t>
+            </a:r>
+          </a:p>
+          <a:p>
+            <a:pPr lvl="1"/>
+            <a:r>
+              <a:rPr lang="en-US" dirty="0"/>
+              <a:t>Written language recognition </a:t>
+            </a:r>
+          </a:p>
+          <a:p>
+            <a:pPr lvl="1"/>
+            <a:r>
+              <a:rPr lang="fr-FR" dirty="0"/>
+              <a:t>D</a:t>
+            </a:r>
+            <a:r>
+              <a:rPr lang="en-US" dirty="0" err="1"/>
+              <a:t>etermine</a:t>
+            </a:r>
+            <a:r>
+              <a:rPr lang="en-US" dirty="0"/>
+              <a:t> symptoms </a:t>
+            </a:r>
+          </a:p>
+          <a:p>
+            <a:r>
+              <a:rPr lang="fr-FR" dirty="0"/>
+              <a:t>C</a:t>
+            </a:r>
+            <a:r>
+              <a:rPr lang="en-US" dirty="0" err="1"/>
+              <a:t>ompute</a:t>
+            </a:r>
+            <a:r>
+              <a:rPr lang="en-US" dirty="0"/>
+              <a:t> first set of diseases </a:t>
+            </a:r>
+          </a:p>
+          <a:p>
+            <a:r>
+              <a:rPr lang="fr-FR" dirty="0"/>
+              <a:t>A</a:t>
+            </a:r>
+            <a:r>
+              <a:rPr lang="en-US" dirty="0" err="1"/>
+              <a:t>sk</a:t>
+            </a:r>
+            <a:r>
+              <a:rPr lang="en-US" dirty="0"/>
+              <a:t> directed questions to reduce the set </a:t>
+            </a:r>
+          </a:p>
+          <a:p>
+            <a:r>
+              <a:rPr lang="fr-FR" dirty="0"/>
+              <a:t>C</a:t>
+            </a:r>
+            <a:r>
+              <a:rPr lang="en-US" dirty="0" err="1"/>
+              <a:t>ontinue</a:t>
+            </a:r>
+            <a:r>
+              <a:rPr lang="en-US" dirty="0"/>
+              <a:t> until the set is small enough </a:t>
+            </a:r>
+          </a:p>
+          <a:p>
+            <a:r>
+              <a:rPr lang="en-US" dirty="0"/>
+              <a:t>Gives results along with advices </a:t>
+            </a:r>
+          </a:p>
+        </p:txBody>
+      </p:sp>
+      <p:sp>
+        <p:nvSpPr>
+          <p:cNvPr id="3" name="Title 2"/>
+          <p:cNvSpPr>
+            <a:spLocks noGrp="1"/>
+          </p:cNvSpPr>
+          <p:nvPr>
+            <p:ph type="title"/>
+          </p:nvPr>
+        </p:nvSpPr>
+        <p:spPr/>
+        <p:txBody>
+          <a:bodyPr/>
+          <a:lstStyle/>
+          <a:p>
+            <a:r>
+              <a:rPr lang="en-US" dirty="0"/>
+              <a:t>How does it works ?</a:t>
+            </a:r>
+          </a:p>
+        </p:txBody>
+      </p:sp>
+      <p:pic>
+        <p:nvPicPr>
+          <p:cNvPr id="4" name="Picture 3"/>
+          <p:cNvPicPr>
+            <a:picLocks noChangeAspect="1"/>
+          </p:cNvPicPr>
+          <p:nvPr/>
+        </p:nvPicPr>
+        <p:blipFill>
+          <a:blip r:embed="rId2"/>
+          <a:stretch>
+            <a:fillRect/>
+          </a:stretch>
+        </p:blipFill>
+        <p:spPr>
+          <a:xfrm>
+            <a:off x="7789474" y="1551709"/>
+            <a:ext cx="3381449" cy="4364182"/>
+          </a:xfrm>
+          <a:prstGeom prst="rect">
+            <a:avLst/>
+          </a:prstGeom>
+        </p:spPr>
+      </p:pic>
+    </p:spTree>
+    <p:extLst>
+      <p:ext uri="{BB962C8B-B14F-4D97-AF65-F5344CB8AC3E}">
+        <p14:creationId xmlns:p14="http://schemas.microsoft.com/office/powerpoint/2010/main" val="30726060"/>
+      </p:ext>
+    </p:extLst>
+  </p:cSld>
+  <p:clrMapOvr>
+    <a:masterClrMapping/>
+  </p:clrMapOvr>
+  <mc:AlternateContent xmlns:mc="http://schemas.openxmlformats.org/markup-compatibility/2006" xmlns:p14="http://schemas.microsoft.com/office/powerpoint/2010/main">
+    <mc:Choice Requires="p14">
+      <p:transition spd="med" p14:dur="700">
+        <p:fade/>
+      </p:transition>
+    </mc:Choice>
+    <mc:Fallback xmlns="">
+      <p:transition spd="med">
+        <p:fade/>
+      </p:transition>
+    </mc:Fallback>
+  </mc:AlternateContent>
+</p:sld>
+</file>
+
+<file path=ppt/slides/slide5.xml><?xml version="1.0" encoding="utf-8"?>
+<p:sld xmlns:a="http://schemas.openxmlformats.org/drawingml/2006/main" xmlns:r="http://schemas.openxmlformats.org/officeDocument/2006/relationships" xmlns:p="http://schemas.openxmlformats.org/presentationml/2006/main">
+  <p:cSld>
+    <p:spTree>
+      <p:nvGrpSpPr>
+        <p:cNvPr id="1" name=""/>
+        <p:cNvGrpSpPr/>
+        <p:nvPr/>
+      </p:nvGrpSpPr>
+      <p:grpSpPr>
+        <a:xfrm>
+          <a:off x="0" y="0"/>
+          <a:ext cx="0" cy="0"/>
+          <a:chOff x="0" y="0"/>
+          <a:chExt cx="0" cy="0"/>
+        </a:xfrm>
+      </p:grpSpPr>
+      <p:sp>
+        <p:nvSpPr>
+          <p:cNvPr id="2" name="Content Placeholder 1"/>
+          <p:cNvSpPr>
+            <a:spLocks noGrp="1"/>
+          </p:cNvSpPr>
+          <p:nvPr>
+            <p:ph sz="quarter" idx="1"/>
+          </p:nvPr>
+        </p:nvSpPr>
+        <p:spPr/>
+        <p:txBody>
+          <a:bodyPr>
+            <a:normAutofit lnSpcReduction="10000"/>
+          </a:bodyPr>
+          <a:lstStyle/>
+          <a:p>
+            <a:r>
+              <a:rPr lang="fr-FR" dirty="0"/>
+              <a:t>Interactive and </a:t>
+            </a:r>
+            <a:r>
+              <a:rPr lang="fr-FR" dirty="0" err="1"/>
+              <a:t>easy</a:t>
+            </a:r>
+            <a:r>
+              <a:rPr lang="fr-FR" dirty="0"/>
+              <a:t> to use </a:t>
+            </a:r>
+          </a:p>
+          <a:p>
+            <a:r>
+              <a:rPr lang="fr-FR" dirty="0" err="1"/>
+              <a:t>Knowledge</a:t>
+            </a:r>
+            <a:r>
+              <a:rPr lang="fr-FR" dirty="0"/>
+              <a:t>-drive DSS</a:t>
+            </a:r>
+          </a:p>
+          <a:p>
+            <a:endParaRPr lang="fr-FR" dirty="0"/>
+          </a:p>
+          <a:p>
+            <a:r>
+              <a:rPr lang="fr-FR" dirty="0"/>
+              <a:t>Input: </a:t>
+            </a:r>
+            <a:r>
+              <a:rPr lang="fr-FR" dirty="0" err="1"/>
+              <a:t>symptoms</a:t>
+            </a:r>
+            <a:r>
+              <a:rPr lang="fr-FR" dirty="0"/>
+              <a:t> + </a:t>
+            </a:r>
+            <a:r>
+              <a:rPr lang="fr-FR" dirty="0" err="1"/>
+              <a:t>personal</a:t>
+            </a:r>
+            <a:r>
+              <a:rPr lang="fr-FR" dirty="0"/>
+              <a:t> data </a:t>
+            </a:r>
+          </a:p>
+          <a:p>
+            <a:r>
+              <a:rPr lang="fr-FR" dirty="0"/>
+              <a:t>Output: 3 </a:t>
+            </a:r>
+            <a:r>
+              <a:rPr lang="fr-FR" dirty="0" err="1"/>
+              <a:t>most</a:t>
+            </a:r>
+            <a:r>
+              <a:rPr lang="fr-FR" dirty="0"/>
+              <a:t> probable </a:t>
+            </a:r>
+            <a:r>
+              <a:rPr lang="fr-FR" dirty="0" err="1"/>
+              <a:t>diseases</a:t>
+            </a:r>
+            <a:r>
+              <a:rPr lang="fr-FR" dirty="0"/>
+              <a:t> and </a:t>
+            </a:r>
+            <a:r>
+              <a:rPr lang="fr-FR" dirty="0" err="1"/>
+              <a:t>advices</a:t>
+            </a:r>
+            <a:r>
+              <a:rPr lang="fr-FR" dirty="0"/>
+              <a:t> </a:t>
+            </a:r>
+          </a:p>
+          <a:p>
+            <a:r>
+              <a:rPr lang="fr-FR" dirty="0"/>
+              <a:t>Limited by the </a:t>
+            </a:r>
+            <a:r>
+              <a:rPr lang="fr-FR" dirty="0" err="1"/>
+              <a:t>database</a:t>
+            </a:r>
+            <a:r>
+              <a:rPr lang="fr-FR" dirty="0"/>
+              <a:t> </a:t>
+            </a:r>
+          </a:p>
+          <a:p>
+            <a:r>
+              <a:rPr lang="fr-FR" dirty="0" err="1"/>
+              <a:t>Compute</a:t>
+            </a:r>
+            <a:r>
+              <a:rPr lang="fr-FR" dirty="0"/>
+              <a:t> </a:t>
+            </a:r>
+            <a:r>
+              <a:rPr lang="fr-FR" dirty="0" err="1"/>
+              <a:t>probability</a:t>
+            </a:r>
+            <a:r>
+              <a:rPr lang="fr-FR" dirty="0"/>
+              <a:t> on </a:t>
+            </a:r>
+            <a:r>
+              <a:rPr lang="fr-FR" dirty="0" err="1"/>
+              <a:t>diseases</a:t>
+            </a:r>
+            <a:r>
+              <a:rPr lang="fr-FR" dirty="0"/>
+              <a:t> </a:t>
+            </a:r>
+            <a:r>
+              <a:rPr lang="fr-FR" dirty="0" err="1"/>
+              <a:t>depending</a:t>
+            </a:r>
+            <a:r>
+              <a:rPr lang="fr-FR" dirty="0"/>
+              <a:t> input data </a:t>
+            </a:r>
+          </a:p>
+          <a:p>
+            <a:r>
+              <a:rPr lang="fr-FR" dirty="0" err="1"/>
+              <a:t>Takes</a:t>
+            </a:r>
+            <a:r>
+              <a:rPr lang="fr-FR" dirty="0"/>
+              <a:t> </a:t>
+            </a:r>
+            <a:r>
+              <a:rPr lang="fr-FR" dirty="0" err="1"/>
+              <a:t>decision</a:t>
+            </a:r>
+            <a:r>
+              <a:rPr lang="fr-FR" dirty="0"/>
+              <a:t> </a:t>
+            </a:r>
+            <a:r>
+              <a:rPr lang="fr-FR" dirty="0" err="1"/>
+              <a:t>when</a:t>
+            </a:r>
+            <a:r>
+              <a:rPr lang="fr-FR" dirty="0"/>
+              <a:t> </a:t>
+            </a:r>
+            <a:r>
+              <a:rPr lang="fr-FR" dirty="0" err="1"/>
+              <a:t>threshold</a:t>
+            </a:r>
+            <a:r>
+              <a:rPr lang="fr-FR" dirty="0"/>
+              <a:t> </a:t>
+            </a:r>
+            <a:r>
+              <a:rPr lang="fr-FR" dirty="0" err="1"/>
+              <a:t>reached</a:t>
+            </a:r>
+            <a:r>
+              <a:rPr lang="fr-FR" dirty="0"/>
+              <a:t> </a:t>
+            </a:r>
+          </a:p>
+          <a:p>
+            <a:pPr lvl="1"/>
+            <a:r>
+              <a:rPr lang="fr-FR" dirty="0"/>
+              <a:t>Maximum </a:t>
+            </a:r>
+            <a:r>
+              <a:rPr lang="fr-FR" dirty="0" err="1"/>
+              <a:t>number</a:t>
+            </a:r>
+            <a:r>
+              <a:rPr lang="fr-FR" dirty="0"/>
+              <a:t> of questions </a:t>
+            </a:r>
+          </a:p>
+          <a:p>
+            <a:pPr lvl="1"/>
+            <a:r>
+              <a:rPr lang="fr-FR" dirty="0"/>
+              <a:t>Maximum </a:t>
+            </a:r>
+            <a:r>
+              <a:rPr lang="fr-FR" dirty="0" err="1"/>
+              <a:t>probability</a:t>
+            </a:r>
+            <a:r>
+              <a:rPr lang="fr-FR" dirty="0"/>
+              <a:t> </a:t>
+            </a:r>
+          </a:p>
+          <a:p>
+            <a:endParaRPr lang="en-US" dirty="0"/>
+          </a:p>
+        </p:txBody>
+      </p:sp>
+      <p:sp>
+        <p:nvSpPr>
+          <p:cNvPr id="3" name="Title 2"/>
+          <p:cNvSpPr>
+            <a:spLocks noGrp="1"/>
+          </p:cNvSpPr>
+          <p:nvPr>
+            <p:ph type="title"/>
+          </p:nvPr>
+        </p:nvSpPr>
+        <p:spPr/>
+        <p:txBody>
+          <a:bodyPr/>
+          <a:lstStyle/>
+          <a:p>
+            <a:r>
+              <a:rPr lang="fr-FR" dirty="0" err="1"/>
+              <a:t>Decision</a:t>
+            </a:r>
+            <a:r>
+              <a:rPr lang="fr-FR" dirty="0"/>
+              <a:t> Support System </a:t>
+            </a:r>
+            <a:endParaRPr lang="en-US" dirty="0"/>
+          </a:p>
+        </p:txBody>
+      </p:sp>
+    </p:spTree>
+    <p:extLst>
+      <p:ext uri="{BB962C8B-B14F-4D97-AF65-F5344CB8AC3E}">
+        <p14:creationId xmlns:p14="http://schemas.microsoft.com/office/powerpoint/2010/main" val="317634871"/>
+      </p:ext>
+    </p:extLst>
+  </p:cSld>
+  <p:clrMapOvr>
+    <a:masterClrMapping/>
+  </p:clrMapOvr>
+  <mc:AlternateContent xmlns:mc="http://schemas.openxmlformats.org/markup-compatibility/2006" xmlns:p14="http://schemas.microsoft.com/office/powerpoint/2010/main">
+    <mc:Choice Requires="p14">
+      <p:transition spd="med" p14:dur="700">
+        <p:fade/>
+      </p:transition>
+    </mc:Choice>
+    <mc:Fallback xmlns="">
+      <p:transition spd="med">
+        <p:fade/>
+      </p:transition>
+    </mc:Fallback>
+  </mc:AlternateContent>
+</p:sld>
+</file>
+
+<file path=ppt/slides/slide6.xml><?xml version="1.0" encoding="utf-8"?>
+<p:sld xmlns:a="http://schemas.openxmlformats.org/drawingml/2006/main" xmlns:r="http://schemas.openxmlformats.org/officeDocument/2006/relationships" xmlns:p="http://schemas.openxmlformats.org/presentationml/2006/main">
+  <p:cSld>
+    <p:spTree>
+      <p:nvGrpSpPr>
+        <p:cNvPr id="1" name=""/>
+        <p:cNvGrpSpPr/>
+        <p:nvPr/>
+      </p:nvGrpSpPr>
+      <p:grpSpPr>
+        <a:xfrm>
+          <a:off x="0" y="0"/>
+          <a:ext cx="0" cy="0"/>
+          <a:chOff x="0" y="0"/>
+          <a:chExt cx="0" cy="0"/>
+        </a:xfrm>
+      </p:grpSpPr>
+      <p:sp>
+        <p:nvSpPr>
+          <p:cNvPr id="2" name="Content Placeholder 1"/>
+          <p:cNvSpPr>
+            <a:spLocks noGrp="1"/>
+          </p:cNvSpPr>
+          <p:nvPr>
+            <p:ph sz="quarter" idx="1"/>
+          </p:nvPr>
+        </p:nvSpPr>
+        <p:spPr/>
+        <p:txBody>
+          <a:bodyPr/>
+          <a:lstStyle/>
+          <a:p>
+            <a:r>
+              <a:rPr lang="fr-FR" dirty="0"/>
+              <a:t>3 tables </a:t>
+            </a:r>
+            <a:endParaRPr lang="en-US" dirty="0"/>
+          </a:p>
+          <a:p>
+            <a:pPr lvl="1"/>
+            <a:r>
+              <a:rPr lang="en-US" dirty="0"/>
+              <a:t>Symptoms</a:t>
+            </a:r>
+            <a:r>
+              <a:rPr lang="fr-FR" dirty="0"/>
+              <a:t> </a:t>
+            </a:r>
+          </a:p>
+          <a:p>
+            <a:pPr lvl="1"/>
+            <a:r>
+              <a:rPr lang="en-US" dirty="0"/>
+              <a:t>Diseases</a:t>
+            </a:r>
+            <a:r>
+              <a:rPr lang="fr-FR" dirty="0"/>
+              <a:t> </a:t>
+            </a:r>
+          </a:p>
+          <a:p>
+            <a:pPr lvl="1"/>
+            <a:r>
+              <a:rPr lang="en-US" dirty="0"/>
+              <a:t>Map linking the two </a:t>
+            </a:r>
+          </a:p>
+        </p:txBody>
+      </p:sp>
+      <p:sp>
+        <p:nvSpPr>
+          <p:cNvPr id="3" name="Title 2"/>
+          <p:cNvSpPr>
+            <a:spLocks noGrp="1"/>
+          </p:cNvSpPr>
+          <p:nvPr>
+            <p:ph type="title"/>
+          </p:nvPr>
+        </p:nvSpPr>
+        <p:spPr/>
+        <p:txBody>
+          <a:bodyPr/>
+          <a:lstStyle/>
+          <a:p>
+            <a:r>
+              <a:rPr lang="en-US" dirty="0"/>
+              <a:t>Database</a:t>
+            </a:r>
+          </a:p>
+        </p:txBody>
+      </p:sp>
+      <p:pic>
+        <p:nvPicPr>
+          <p:cNvPr id="5" name="Picture 4"/>
+          <p:cNvPicPr>
+            <a:picLocks noChangeAspect="1"/>
+          </p:cNvPicPr>
+          <p:nvPr/>
+        </p:nvPicPr>
+        <p:blipFill>
+          <a:blip r:embed="rId2">
+            <a:extLst>
+              <a:ext uri="{28A0092B-C50C-407E-A947-70E740481C1C}">
+                <a14:useLocalDpi xmlns:a14="http://schemas.microsoft.com/office/drawing/2010/main" val="0"/>
+              </a:ext>
+            </a:extLst>
+          </a:blip>
+          <a:stretch>
+            <a:fillRect/>
+          </a:stretch>
+        </p:blipFill>
+        <p:spPr>
+          <a:xfrm>
+            <a:off x="1975445" y="3307484"/>
+            <a:ext cx="8241112" cy="3314990"/>
+          </a:xfrm>
+          <a:prstGeom prst="rect">
+            <a:avLst/>
+          </a:prstGeom>
+        </p:spPr>
+      </p:pic>
+      <p:pic>
+        <p:nvPicPr>
+          <p:cNvPr id="7" name="Picture 6"/>
+          <p:cNvPicPr>
+            <a:picLocks noChangeAspect="1"/>
+          </p:cNvPicPr>
+          <p:nvPr/>
+        </p:nvPicPr>
+        <p:blipFill>
+          <a:blip r:embed="rId3">
+            <a:extLst>
+              <a:ext uri="{28A0092B-C50C-407E-A947-70E740481C1C}">
+                <a14:useLocalDpi xmlns:a14="http://schemas.microsoft.com/office/drawing/2010/main" val="0"/>
+              </a:ext>
+            </a:extLst>
+          </a:blip>
+          <a:stretch>
+            <a:fillRect/>
+          </a:stretch>
+        </p:blipFill>
+        <p:spPr>
+          <a:xfrm>
+            <a:off x="7307975" y="274637"/>
+            <a:ext cx="4274426" cy="2787216"/>
+          </a:xfrm>
+          <a:prstGeom prst="rect">
+            <a:avLst/>
+          </a:prstGeom>
+        </p:spPr>
+      </p:pic>
+    </p:spTree>
+    <p:extLst>
+      <p:ext uri="{BB962C8B-B14F-4D97-AF65-F5344CB8AC3E}">
+        <p14:creationId xmlns:p14="http://schemas.microsoft.com/office/powerpoint/2010/main" val="3867255876"/>
+      </p:ext>
+    </p:extLst>
+  </p:cSld>
+  <p:clrMapOvr>
+    <a:masterClrMapping/>
+  </p:clrMapOvr>
+  <mc:AlternateContent xmlns:mc="http://schemas.openxmlformats.org/markup-compatibility/2006" xmlns:p14="http://schemas.microsoft.com/office/powerpoint/2010/main">
+    <mc:Choice Requires="p14">
+      <p:transition spd="med" p14:dur="700">
+        <p:fade/>
+      </p:transition>
+    </mc:Choice>
+    <mc:Fallback xmlns="">
+      <p:transition spd="med">
+        <p:fade/>
+      </p:transition>
+    </mc:Fallback>
+  </mc:AlternateContent>
+</p:sld>
+</file>
+
+<file path=ppt/slides/slide7.xml><?xml version="1.0" encoding="utf-8"?>
 <p:sld xmlns:a="http://schemas.openxmlformats.org/drawingml/2006/main" xmlns:r="http://schemas.openxmlformats.org/officeDocument/2006/relationships" xmlns:p="http://schemas.openxmlformats.org/presentationml/2006/main">
   <p:cSld>
     <p:spTree>
@@ -4966,7 +6441,7 @@
 </p:sld>
 </file>
 
-<file path=ppt/slides/slide11.xml><?xml version="1.0" encoding="utf-8"?>
+<file path=ppt/slides/slide8.xml><?xml version="1.0" encoding="utf-8"?>
 <p:sld xmlns:a="http://schemas.openxmlformats.org/drawingml/2006/main" xmlns:r="http://schemas.openxmlformats.org/officeDocument/2006/relationships" xmlns:p="http://schemas.openxmlformats.org/presentationml/2006/main">
   <p:cSld>
     <p:spTree>
@@ -5096,2336 +6571,6 @@
 </p:sld>
 </file>
 
-<file path=ppt/slides/slide12.xml><?xml version="1.0" encoding="utf-8"?>
-<p:sld xmlns:a="http://schemas.openxmlformats.org/drawingml/2006/main" xmlns:r="http://schemas.openxmlformats.org/officeDocument/2006/relationships" xmlns:p="http://schemas.openxmlformats.org/presentationml/2006/main">
-  <p:cSld>
-    <p:spTree>
-      <p:nvGrpSpPr>
-        <p:cNvPr id="1" name=""/>
-        <p:cNvGrpSpPr/>
-        <p:nvPr/>
-      </p:nvGrpSpPr>
-      <p:grpSpPr>
-        <a:xfrm>
-          <a:off x="0" y="0"/>
-          <a:ext cx="0" cy="0"/>
-          <a:chOff x="0" y="0"/>
-          <a:chExt cx="0" cy="0"/>
-        </a:xfrm>
-      </p:grpSpPr>
-      <p:sp>
-        <p:nvSpPr>
-          <p:cNvPr id="2" name="Content Placeholder 1"/>
-          <p:cNvSpPr>
-            <a:spLocks noGrp="1"/>
-          </p:cNvSpPr>
-          <p:nvPr>
-            <p:ph sz="quarter" idx="1"/>
-          </p:nvPr>
-        </p:nvSpPr>
-        <p:spPr/>
-        <p:txBody>
-          <a:bodyPr/>
-          <a:lstStyle/>
-          <a:p>
-            <a:r>
-              <a:rPr lang="en-US" dirty="0"/>
-              <a:t>Compute scores</a:t>
-            </a:r>
-          </a:p>
-          <a:p>
-            <a:endParaRPr lang="en-US" dirty="0"/>
-          </a:p>
-          <a:p>
-            <a:endParaRPr lang="en-US" dirty="0"/>
-          </a:p>
-          <a:p>
-            <a:endParaRPr lang="en-US" dirty="0"/>
-          </a:p>
-          <a:p>
-            <a:r>
-              <a:rPr lang="en-US" dirty="0"/>
-              <a:t>The higher scores are chosen as the most probable sicknesses </a:t>
-            </a:r>
-          </a:p>
-          <a:p>
-            <a:r>
-              <a:rPr lang="fr-FR" dirty="0"/>
-              <a:t>I</a:t>
-            </a:r>
-            <a:r>
-              <a:rPr lang="en-US" dirty="0"/>
-              <a:t>n the case of a draw we use personal information to decide between the two</a:t>
-            </a:r>
-          </a:p>
-          <a:p>
-            <a:pPr lvl="1"/>
-            <a:r>
-              <a:rPr lang="fr-FR" dirty="0" err="1"/>
-              <a:t>Example</a:t>
-            </a:r>
-            <a:r>
-              <a:rPr lang="fr-FR" dirty="0"/>
-              <a:t> : </a:t>
-            </a:r>
-            <a:r>
-              <a:rPr lang="fr-FR" dirty="0" err="1"/>
-              <a:t>draw</a:t>
-            </a:r>
-            <a:r>
-              <a:rPr lang="fr-FR" dirty="0"/>
-              <a:t> </a:t>
-            </a:r>
-            <a:r>
-              <a:rPr lang="fr-FR" dirty="0" err="1"/>
-              <a:t>between</a:t>
-            </a:r>
-            <a:r>
-              <a:rPr lang="fr-FR" dirty="0"/>
-              <a:t> </a:t>
-            </a:r>
-            <a:r>
-              <a:rPr lang="fr-FR" dirty="0" err="1"/>
-              <a:t>flu</a:t>
-            </a:r>
-            <a:r>
-              <a:rPr lang="fr-FR" dirty="0"/>
-              <a:t> and </a:t>
-            </a:r>
-            <a:r>
-              <a:rPr lang="fr-FR" dirty="0" err="1"/>
-              <a:t>pneumonia</a:t>
-            </a:r>
-            <a:r>
-              <a:rPr lang="fr-FR" dirty="0"/>
-              <a:t> + the patient </a:t>
-            </a:r>
-            <a:r>
-              <a:rPr lang="fr-FR" dirty="0" err="1"/>
-              <a:t>is</a:t>
-            </a:r>
-            <a:r>
-              <a:rPr lang="fr-FR" dirty="0"/>
-              <a:t> a smocker </a:t>
-            </a:r>
-            <a:r>
-              <a:rPr lang="fr-FR" dirty="0">
-                <a:sym typeface="Wingdings" panose="05000000000000000000" pitchFamily="2" charset="2"/>
-              </a:rPr>
-              <a:t> </a:t>
-            </a:r>
-            <a:r>
-              <a:rPr lang="fr-FR" dirty="0" err="1">
-                <a:sym typeface="Wingdings" panose="05000000000000000000" pitchFamily="2" charset="2"/>
-              </a:rPr>
-              <a:t>pneumonia</a:t>
-            </a:r>
-            <a:r>
-              <a:rPr lang="fr-FR" dirty="0">
-                <a:sym typeface="Wingdings" panose="05000000000000000000" pitchFamily="2" charset="2"/>
-              </a:rPr>
-              <a:t> </a:t>
-            </a:r>
-            <a:r>
-              <a:rPr lang="fr-FR" dirty="0" err="1">
-                <a:sym typeface="Wingdings" panose="05000000000000000000" pitchFamily="2" charset="2"/>
-              </a:rPr>
-              <a:t>is</a:t>
-            </a:r>
-            <a:r>
-              <a:rPr lang="fr-FR" dirty="0">
-                <a:sym typeface="Wingdings" panose="05000000000000000000" pitchFamily="2" charset="2"/>
-              </a:rPr>
-              <a:t> </a:t>
-            </a:r>
-            <a:r>
-              <a:rPr lang="fr-FR" dirty="0" err="1">
-                <a:sym typeface="Wingdings" panose="05000000000000000000" pitchFamily="2" charset="2"/>
-              </a:rPr>
-              <a:t>chosen</a:t>
-            </a:r>
-            <a:r>
-              <a:rPr lang="fr-FR" dirty="0">
-                <a:sym typeface="Wingdings" panose="05000000000000000000" pitchFamily="2" charset="2"/>
-              </a:rPr>
-              <a:t> over </a:t>
-            </a:r>
-            <a:r>
-              <a:rPr lang="fr-FR" dirty="0" err="1">
-                <a:sym typeface="Wingdings" panose="05000000000000000000" pitchFamily="2" charset="2"/>
-              </a:rPr>
-              <a:t>flu</a:t>
-            </a:r>
-            <a:endParaRPr lang="en-US" dirty="0"/>
-          </a:p>
-        </p:txBody>
-      </p:sp>
-      <p:sp>
-        <p:nvSpPr>
-          <p:cNvPr id="3" name="Title 2"/>
-          <p:cNvSpPr>
-            <a:spLocks noGrp="1"/>
-          </p:cNvSpPr>
-          <p:nvPr>
-            <p:ph type="title"/>
-          </p:nvPr>
-        </p:nvSpPr>
-        <p:spPr/>
-        <p:txBody>
-          <a:bodyPr/>
-          <a:lstStyle/>
-          <a:p>
-            <a:r>
-              <a:rPr lang="fr-FR" dirty="0" err="1"/>
-              <a:t>Probability</a:t>
-            </a:r>
-            <a:r>
-              <a:rPr lang="fr-FR" dirty="0"/>
-              <a:t> computation </a:t>
-            </a:r>
-            <a:endParaRPr lang="en-US" dirty="0"/>
-          </a:p>
-        </p:txBody>
-      </p:sp>
-      <mc:AlternateContent xmlns:mc="http://schemas.openxmlformats.org/markup-compatibility/2006" xmlns:a14="http://schemas.microsoft.com/office/drawing/2010/main">
-        <mc:Choice Requires="a14">
-          <p:sp>
-            <p:nvSpPr>
-              <p:cNvPr id="4" name="TextBox 3"/>
-              <p:cNvSpPr txBox="1"/>
-              <p:nvPr/>
-            </p:nvSpPr>
-            <p:spPr>
-              <a:xfrm>
-                <a:off x="3303313" y="2365568"/>
-                <a:ext cx="5585375" cy="575157"/>
-              </a:xfrm>
-              <a:prstGeom prst="rect">
-                <a:avLst/>
-              </a:prstGeom>
-              <a:noFill/>
-              <a:ln>
-                <a:solidFill>
-                  <a:schemeClr val="bg2"/>
-                </a:solidFill>
-              </a:ln>
-            </p:spPr>
-            <p:txBody>
-              <a:bodyPr wrap="none" lIns="0" tIns="0" rIns="0" bIns="0" rtlCol="0" anchor="ctr" anchorCtr="1">
-                <a:spAutoFit/>
-              </a:bodyPr>
-              <a:lstStyle/>
-              <a:p>
-                <a:pPr/>
-                <a14:m>
-                  <m:oMathPara xmlns:m="http://schemas.openxmlformats.org/officeDocument/2006/math">
-                    <m:oMathParaPr>
-                      <m:jc m:val="centerGroup"/>
-                    </m:oMathParaPr>
-                    <m:oMath xmlns:m="http://schemas.openxmlformats.org/officeDocument/2006/math">
-                      <m:r>
-                        <a:rPr lang="fr-FR" b="0" i="1" smtClean="0">
-                          <a:latin typeface="Cambria Math" panose="02040503050406030204" pitchFamily="18" charset="0"/>
-                        </a:rPr>
-                        <m:t>𝑆𝑐𝑜𝑟𝑒</m:t>
-                      </m:r>
-                      <m:r>
-                        <a:rPr lang="fr-FR" b="0" i="1" smtClean="0">
-                          <a:latin typeface="Cambria Math" panose="02040503050406030204" pitchFamily="18" charset="0"/>
-                        </a:rPr>
-                        <m:t>= </m:t>
-                      </m:r>
-                      <m:f>
-                        <m:fPr>
-                          <m:ctrlPr>
-                            <a:rPr lang="fr-FR" b="0" i="1" smtClean="0">
-                              <a:latin typeface="Cambria Math" panose="02040503050406030204" pitchFamily="18" charset="0"/>
-                            </a:rPr>
-                          </m:ctrlPr>
-                        </m:fPr>
-                        <m:num>
-                          <m:r>
-                            <a:rPr lang="fr-FR" b="0" i="1" smtClean="0">
-                              <a:latin typeface="Cambria Math" panose="02040503050406030204" pitchFamily="18" charset="0"/>
-                            </a:rPr>
-                            <m:t>𝑁𝑢𝑚𝑏𝑒𝑟</m:t>
-                          </m:r>
-                          <m:r>
-                            <a:rPr lang="fr-FR" b="0" i="1" smtClean="0">
-                              <a:latin typeface="Cambria Math" panose="02040503050406030204" pitchFamily="18" charset="0"/>
-                            </a:rPr>
-                            <m:t> </m:t>
-                          </m:r>
-                          <m:r>
-                            <a:rPr lang="fr-FR" b="0" i="1" smtClean="0">
-                              <a:latin typeface="Cambria Math" panose="02040503050406030204" pitchFamily="18" charset="0"/>
-                            </a:rPr>
-                            <m:t>𝑜𝑓</m:t>
-                          </m:r>
-                          <m:r>
-                            <a:rPr lang="fr-FR" b="0" i="1" smtClean="0">
-                              <a:latin typeface="Cambria Math" panose="02040503050406030204" pitchFamily="18" charset="0"/>
-                            </a:rPr>
-                            <m:t> </m:t>
-                          </m:r>
-                          <m:r>
-                            <a:rPr lang="fr-FR" b="0" i="1" smtClean="0">
-                              <a:latin typeface="Cambria Math" panose="02040503050406030204" pitchFamily="18" charset="0"/>
-                            </a:rPr>
-                            <m:t>𝑐𝑜𝑚𝑚𝑜𝑛</m:t>
-                          </m:r>
-                          <m:r>
-                            <a:rPr lang="fr-FR" b="0" i="1" smtClean="0">
-                              <a:latin typeface="Cambria Math" panose="02040503050406030204" pitchFamily="18" charset="0"/>
-                            </a:rPr>
-                            <m:t> </m:t>
-                          </m:r>
-                          <m:r>
-                            <a:rPr lang="fr-FR" b="0" i="1" smtClean="0">
-                              <a:latin typeface="Cambria Math" panose="02040503050406030204" pitchFamily="18" charset="0"/>
-                            </a:rPr>
-                            <m:t>𝑠𝑦𝑚𝑝𝑡𝑜𝑚𝑠</m:t>
-                          </m:r>
-                        </m:num>
-                        <m:den>
-                          <m:r>
-                            <a:rPr lang="fr-FR" b="0" i="1" smtClean="0">
-                              <a:latin typeface="Cambria Math" panose="02040503050406030204" pitchFamily="18" charset="0"/>
-                            </a:rPr>
-                            <m:t>𝑇𝑜𝑡𝑎𝑙</m:t>
-                          </m:r>
-                          <m:r>
-                            <a:rPr lang="fr-FR" b="0" i="1" smtClean="0">
-                              <a:latin typeface="Cambria Math" panose="02040503050406030204" pitchFamily="18" charset="0"/>
-                            </a:rPr>
-                            <m:t> </m:t>
-                          </m:r>
-                          <m:r>
-                            <a:rPr lang="fr-FR" b="0" i="1" smtClean="0">
-                              <a:latin typeface="Cambria Math" panose="02040503050406030204" pitchFamily="18" charset="0"/>
-                            </a:rPr>
-                            <m:t>𝑛𝑢𝑚𝑏𝑒𝑟</m:t>
-                          </m:r>
-                          <m:r>
-                            <a:rPr lang="fr-FR" b="0" i="1" smtClean="0">
-                              <a:latin typeface="Cambria Math" panose="02040503050406030204" pitchFamily="18" charset="0"/>
-                            </a:rPr>
-                            <m:t> </m:t>
-                          </m:r>
-                          <m:r>
-                            <a:rPr lang="fr-FR" b="0" i="1" smtClean="0">
-                              <a:latin typeface="Cambria Math" panose="02040503050406030204" pitchFamily="18" charset="0"/>
-                            </a:rPr>
-                            <m:t>𝑜𝑓</m:t>
-                          </m:r>
-                          <m:r>
-                            <a:rPr lang="fr-FR" b="0" i="1" smtClean="0">
-                              <a:latin typeface="Cambria Math" panose="02040503050406030204" pitchFamily="18" charset="0"/>
-                            </a:rPr>
-                            <m:t> </m:t>
-                          </m:r>
-                          <m:r>
-                            <a:rPr lang="fr-FR" b="0" i="1" smtClean="0">
-                              <a:latin typeface="Cambria Math" panose="02040503050406030204" pitchFamily="18" charset="0"/>
-                            </a:rPr>
-                            <m:t>𝑠𝑦𝑚𝑝𝑡𝑜𝑚𝑠</m:t>
-                          </m:r>
-                          <m:r>
-                            <a:rPr lang="fr-FR" b="0" i="1" smtClean="0">
-                              <a:latin typeface="Cambria Math" panose="02040503050406030204" pitchFamily="18" charset="0"/>
-                            </a:rPr>
-                            <m:t> </m:t>
-                          </m:r>
-                          <m:r>
-                            <a:rPr lang="fr-FR" b="0" i="1" smtClean="0">
-                              <a:latin typeface="Cambria Math" panose="02040503050406030204" pitchFamily="18" charset="0"/>
-                            </a:rPr>
-                            <m:t>𝑓𝑜𝑟</m:t>
-                          </m:r>
-                          <m:r>
-                            <a:rPr lang="fr-FR" b="0" i="1" smtClean="0">
-                              <a:latin typeface="Cambria Math" panose="02040503050406030204" pitchFamily="18" charset="0"/>
-                            </a:rPr>
-                            <m:t> </m:t>
-                          </m:r>
-                          <m:r>
-                            <a:rPr lang="fr-FR" b="0" i="1" smtClean="0">
-                              <a:latin typeface="Cambria Math" panose="02040503050406030204" pitchFamily="18" charset="0"/>
-                            </a:rPr>
-                            <m:t>𝑡h𝑒</m:t>
-                          </m:r>
-                          <m:r>
-                            <a:rPr lang="fr-FR" b="0" i="1" smtClean="0">
-                              <a:latin typeface="Cambria Math" panose="02040503050406030204" pitchFamily="18" charset="0"/>
-                            </a:rPr>
-                            <m:t> </m:t>
-                          </m:r>
-                          <m:r>
-                            <a:rPr lang="fr-FR" b="0" i="1" smtClean="0">
-                              <a:latin typeface="Cambria Math" panose="02040503050406030204" pitchFamily="18" charset="0"/>
-                            </a:rPr>
-                            <m:t>𝑠𝑖𝑐𝑘𝑛𝑒𝑠𝑠</m:t>
-                          </m:r>
-                        </m:den>
-                      </m:f>
-                    </m:oMath>
-                  </m:oMathPara>
-                </a14:m>
-                <a:endParaRPr lang="en-US" dirty="0"/>
-              </a:p>
-            </p:txBody>
-          </p:sp>
-        </mc:Choice>
-        <mc:Fallback xmlns="">
-          <p:sp>
-            <p:nvSpPr>
-              <p:cNvPr id="4" name="TextBox 3"/>
-              <p:cNvSpPr txBox="1">
-                <a:spLocks noRot="1" noChangeAspect="1" noMove="1" noResize="1" noEditPoints="1" noAdjustHandles="1" noChangeArrowheads="1" noChangeShapeType="1" noTextEdit="1"/>
-              </p:cNvSpPr>
-              <p:nvPr/>
-            </p:nvSpPr>
-            <p:spPr>
-              <a:xfrm>
-                <a:off x="3303313" y="2365568"/>
-                <a:ext cx="5585375" cy="575157"/>
-              </a:xfrm>
-              <a:prstGeom prst="rect">
-                <a:avLst/>
-              </a:prstGeom>
-              <a:blipFill>
-                <a:blip r:embed="rId2"/>
-                <a:stretch>
-                  <a:fillRect/>
-                </a:stretch>
-              </a:blipFill>
-              <a:ln>
-                <a:solidFill>
-                  <a:schemeClr val="bg2"/>
-                </a:solidFill>
-              </a:ln>
-            </p:spPr>
-            <p:txBody>
-              <a:bodyPr/>
-              <a:lstStyle/>
-              <a:p>
-                <a:r>
-                  <a:rPr lang="en-US">
-                    <a:noFill/>
-                  </a:rPr>
-                  <a:t> </a:t>
-                </a:r>
-              </a:p>
-            </p:txBody>
-          </p:sp>
-        </mc:Fallback>
-      </mc:AlternateContent>
-    </p:spTree>
-    <p:extLst>
-      <p:ext uri="{BB962C8B-B14F-4D97-AF65-F5344CB8AC3E}">
-        <p14:creationId xmlns:p14="http://schemas.microsoft.com/office/powerpoint/2010/main" val="1419907118"/>
-      </p:ext>
-    </p:extLst>
-  </p:cSld>
-  <p:clrMapOvr>
-    <a:masterClrMapping/>
-  </p:clrMapOvr>
-  <mc:AlternateContent xmlns:mc="http://schemas.openxmlformats.org/markup-compatibility/2006" xmlns:p14="http://schemas.microsoft.com/office/powerpoint/2010/main">
-    <mc:Choice Requires="p14">
-      <p:transition spd="med" p14:dur="700">
-        <p:fade/>
-      </p:transition>
-    </mc:Choice>
-    <mc:Fallback xmlns="">
-      <p:transition spd="med">
-        <p:fade/>
-      </p:transition>
-    </mc:Fallback>
-  </mc:AlternateContent>
-</p:sld>
-</file>
-
-<file path=ppt/slides/slide13.xml><?xml version="1.0" encoding="utf-8"?>
-<p:sld xmlns:a="http://schemas.openxmlformats.org/drawingml/2006/main" xmlns:r="http://schemas.openxmlformats.org/officeDocument/2006/relationships" xmlns:p="http://schemas.openxmlformats.org/presentationml/2006/main">
-  <p:cSld>
-    <p:spTree>
-      <p:nvGrpSpPr>
-        <p:cNvPr id="1" name=""/>
-        <p:cNvGrpSpPr/>
-        <p:nvPr/>
-      </p:nvGrpSpPr>
-      <p:grpSpPr>
-        <a:xfrm>
-          <a:off x="0" y="0"/>
-          <a:ext cx="0" cy="0"/>
-          <a:chOff x="0" y="0"/>
-          <a:chExt cx="0" cy="0"/>
-        </a:xfrm>
-      </p:grpSpPr>
-      <p:sp>
-        <p:nvSpPr>
-          <p:cNvPr id="2" name="Content Placeholder 1"/>
-          <p:cNvSpPr>
-            <a:spLocks noGrp="1"/>
-          </p:cNvSpPr>
-          <p:nvPr>
-            <p:ph sz="quarter" idx="1"/>
-          </p:nvPr>
-        </p:nvSpPr>
-        <p:spPr/>
-        <p:txBody>
-          <a:bodyPr/>
-          <a:lstStyle/>
-          <a:p>
-            <a:r>
-              <a:rPr lang="en-US" dirty="0"/>
-              <a:t>Bot logic: Telegram Bot (Python module)</a:t>
-            </a:r>
-          </a:p>
-          <a:p>
-            <a:r>
-              <a:rPr lang="en-US" dirty="0"/>
-              <a:t>Classifier: </a:t>
-            </a:r>
-            <a:r>
-              <a:rPr lang="en-US" dirty="0" err="1"/>
-              <a:t>SciKit</a:t>
-            </a:r>
-            <a:r>
-              <a:rPr lang="en-US" dirty="0"/>
-              <a:t> </a:t>
-            </a:r>
-          </a:p>
-          <a:p>
-            <a:r>
-              <a:rPr lang="fr-FR" dirty="0"/>
-              <a:t>D</a:t>
-            </a:r>
-            <a:r>
-              <a:rPr lang="en-US" dirty="0" err="1"/>
-              <a:t>atabase</a:t>
-            </a:r>
-            <a:r>
-              <a:rPr lang="en-US" dirty="0"/>
-              <a:t>: </a:t>
-            </a:r>
-            <a:r>
-              <a:rPr lang="en-US" dirty="0" err="1"/>
-              <a:t>Postgresql</a:t>
-            </a:r>
-            <a:r>
-              <a:rPr lang="en-US" dirty="0"/>
-              <a:t> </a:t>
-            </a:r>
-          </a:p>
-        </p:txBody>
-      </p:sp>
-      <p:sp>
-        <p:nvSpPr>
-          <p:cNvPr id="3" name="Title 2"/>
-          <p:cNvSpPr>
-            <a:spLocks noGrp="1"/>
-          </p:cNvSpPr>
-          <p:nvPr>
-            <p:ph type="title"/>
-          </p:nvPr>
-        </p:nvSpPr>
-        <p:spPr/>
-        <p:txBody>
-          <a:bodyPr/>
-          <a:lstStyle/>
-          <a:p>
-            <a:r>
-              <a:rPr lang="fr-FR" dirty="0"/>
-              <a:t>T</a:t>
-            </a:r>
-            <a:r>
-              <a:rPr lang="en-US" dirty="0" err="1"/>
-              <a:t>echnology</a:t>
-            </a:r>
-            <a:r>
-              <a:rPr lang="en-US" dirty="0"/>
-              <a:t> choices</a:t>
-            </a:r>
-          </a:p>
-        </p:txBody>
-      </p:sp>
-      <p:pic>
-        <p:nvPicPr>
-          <p:cNvPr id="4" name="Picture 3"/>
-          <p:cNvPicPr>
-            <a:picLocks noChangeAspect="1"/>
-          </p:cNvPicPr>
-          <p:nvPr/>
-        </p:nvPicPr>
-        <p:blipFill>
-          <a:blip r:embed="rId2"/>
-          <a:stretch>
-            <a:fillRect/>
-          </a:stretch>
-        </p:blipFill>
-        <p:spPr>
-          <a:xfrm>
-            <a:off x="1219200" y="3251201"/>
-            <a:ext cx="2510971" cy="2510971"/>
-          </a:xfrm>
-          <a:prstGeom prst="rect">
-            <a:avLst/>
-          </a:prstGeom>
-        </p:spPr>
-      </p:pic>
-      <p:pic>
-        <p:nvPicPr>
-          <p:cNvPr id="8" name="Picture 7"/>
-          <p:cNvPicPr>
-            <a:picLocks noChangeAspect="1"/>
-          </p:cNvPicPr>
-          <p:nvPr/>
-        </p:nvPicPr>
-        <p:blipFill>
-          <a:blip r:embed="rId3">
-            <a:extLst>
-              <a:ext uri="{28A0092B-C50C-407E-A947-70E740481C1C}">
-                <a14:useLocalDpi xmlns:a14="http://schemas.microsoft.com/office/drawing/2010/main" val="0"/>
-              </a:ext>
-            </a:extLst>
-          </a:blip>
-          <a:stretch>
-            <a:fillRect/>
-          </a:stretch>
-        </p:blipFill>
-        <p:spPr>
-          <a:xfrm>
-            <a:off x="4704732" y="3592286"/>
-            <a:ext cx="3395472" cy="1828800"/>
-          </a:xfrm>
-          <a:prstGeom prst="rect">
-            <a:avLst/>
-          </a:prstGeom>
-        </p:spPr>
-      </p:pic>
-      <p:pic>
-        <p:nvPicPr>
-          <p:cNvPr id="10" name="Picture 9"/>
-          <p:cNvPicPr>
-            <a:picLocks noChangeAspect="1"/>
-          </p:cNvPicPr>
-          <p:nvPr/>
-        </p:nvPicPr>
-        <p:blipFill>
-          <a:blip r:embed="rId4" cstate="print">
-            <a:extLst>
-              <a:ext uri="{28A0092B-C50C-407E-A947-70E740481C1C}">
-                <a14:useLocalDpi xmlns:a14="http://schemas.microsoft.com/office/drawing/2010/main" val="0"/>
-              </a:ext>
-            </a:extLst>
-          </a:blip>
-          <a:stretch>
-            <a:fillRect/>
-          </a:stretch>
-        </p:blipFill>
-        <p:spPr>
-          <a:xfrm>
-            <a:off x="9074765" y="3135086"/>
-            <a:ext cx="2467272" cy="2743200"/>
-          </a:xfrm>
-          <a:prstGeom prst="rect">
-            <a:avLst/>
-          </a:prstGeom>
-        </p:spPr>
-      </p:pic>
-    </p:spTree>
-    <p:extLst>
-      <p:ext uri="{BB962C8B-B14F-4D97-AF65-F5344CB8AC3E}">
-        <p14:creationId xmlns:p14="http://schemas.microsoft.com/office/powerpoint/2010/main" val="169763702"/>
-      </p:ext>
-    </p:extLst>
-  </p:cSld>
-  <p:clrMapOvr>
-    <a:masterClrMapping/>
-  </p:clrMapOvr>
-  <mc:AlternateContent xmlns:mc="http://schemas.openxmlformats.org/markup-compatibility/2006" xmlns:p14="http://schemas.microsoft.com/office/powerpoint/2010/main">
-    <mc:Choice Requires="p14">
-      <p:transition spd="med" p14:dur="700">
-        <p:fade/>
-      </p:transition>
-    </mc:Choice>
-    <mc:Fallback xmlns="">
-      <p:transition spd="med">
-        <p:fade/>
-      </p:transition>
-    </mc:Fallback>
-  </mc:AlternateContent>
-</p:sld>
-</file>
-
-<file path=ppt/slides/slide14.xml><?xml version="1.0" encoding="utf-8"?>
-<p:sld xmlns:a="http://schemas.openxmlformats.org/drawingml/2006/main" xmlns:r="http://schemas.openxmlformats.org/officeDocument/2006/relationships" xmlns:p="http://schemas.openxmlformats.org/presentationml/2006/main">
-  <p:cSld>
-    <p:spTree>
-      <p:nvGrpSpPr>
-        <p:cNvPr id="1" name=""/>
-        <p:cNvGrpSpPr/>
-        <p:nvPr/>
-      </p:nvGrpSpPr>
-      <p:grpSpPr>
-        <a:xfrm>
-          <a:off x="0" y="0"/>
-          <a:ext cx="0" cy="0"/>
-          <a:chOff x="0" y="0"/>
-          <a:chExt cx="0" cy="0"/>
-        </a:xfrm>
-      </p:grpSpPr>
-      <p:sp>
-        <p:nvSpPr>
-          <p:cNvPr id="2" name="Content Placeholder 1"/>
-          <p:cNvSpPr>
-            <a:spLocks noGrp="1"/>
-          </p:cNvSpPr>
-          <p:nvPr>
-            <p:ph sz="quarter" idx="1"/>
-          </p:nvPr>
-        </p:nvSpPr>
-        <p:spPr/>
-        <p:txBody>
-          <a:bodyPr/>
-          <a:lstStyle/>
-          <a:p>
-            <a:r>
-              <a:rPr lang="en-US" dirty="0"/>
-              <a:t>Could be adapted for mobile use </a:t>
-            </a:r>
-          </a:p>
-          <a:p>
-            <a:r>
-              <a:rPr lang="fr-FR" dirty="0"/>
-              <a:t>C</a:t>
-            </a:r>
-            <a:r>
-              <a:rPr lang="en-US" dirty="0" err="1"/>
-              <a:t>ould</a:t>
-            </a:r>
-            <a:r>
-              <a:rPr lang="en-US" dirty="0"/>
-              <a:t> be affined for professional use</a:t>
-            </a:r>
-          </a:p>
-          <a:p>
-            <a:endParaRPr lang="en-US" dirty="0"/>
-          </a:p>
-          <a:p>
-            <a:r>
-              <a:rPr lang="en-US" dirty="0"/>
-              <a:t>First thought wanted to use Django </a:t>
-            </a:r>
-            <a:r>
-              <a:rPr lang="en-US" dirty="0">
-                <a:sym typeface="Wingdings" panose="05000000000000000000" pitchFamily="2" charset="2"/>
-              </a:rPr>
-              <a:t> did not work out</a:t>
-            </a:r>
-          </a:p>
-          <a:p>
-            <a:r>
-              <a:rPr lang="fr-FR" dirty="0">
-                <a:sym typeface="Wingdings" panose="05000000000000000000" pitchFamily="2" charset="2"/>
-              </a:rPr>
-              <a:t>Q</a:t>
-            </a:r>
-            <a:r>
-              <a:rPr lang="en-US" dirty="0" err="1">
-                <a:sym typeface="Wingdings" panose="05000000000000000000" pitchFamily="2" charset="2"/>
-              </a:rPr>
-              <a:t>uestions</a:t>
-            </a:r>
-            <a:r>
-              <a:rPr lang="en-US" dirty="0">
-                <a:sym typeface="Wingdings" panose="05000000000000000000" pitchFamily="2" charset="2"/>
-              </a:rPr>
-              <a:t> logic </a:t>
-            </a:r>
-          </a:p>
-          <a:p>
-            <a:r>
-              <a:rPr lang="fr-FR" dirty="0">
-                <a:sym typeface="Wingdings" panose="05000000000000000000" pitchFamily="2" charset="2"/>
-              </a:rPr>
-              <a:t>F</a:t>
-            </a:r>
-            <a:r>
-              <a:rPr lang="en-US" dirty="0" err="1">
-                <a:sym typeface="Wingdings" panose="05000000000000000000" pitchFamily="2" charset="2"/>
-              </a:rPr>
-              <a:t>inding</a:t>
-            </a:r>
-            <a:r>
-              <a:rPr lang="en-US" dirty="0">
-                <a:sym typeface="Wingdings" panose="05000000000000000000" pitchFamily="2" charset="2"/>
-              </a:rPr>
-              <a:t> a database </a:t>
-            </a:r>
-          </a:p>
-          <a:p>
-            <a:r>
-              <a:rPr lang="fr-FR" dirty="0">
-                <a:sym typeface="Wingdings" panose="05000000000000000000" pitchFamily="2" charset="2"/>
-              </a:rPr>
-              <a:t>F</a:t>
-            </a:r>
-            <a:r>
-              <a:rPr lang="en-US" dirty="0" err="1">
-                <a:sym typeface="Wingdings" panose="05000000000000000000" pitchFamily="2" charset="2"/>
-              </a:rPr>
-              <a:t>inding</a:t>
-            </a:r>
-            <a:r>
-              <a:rPr lang="en-US" dirty="0">
-                <a:sym typeface="Wingdings" panose="05000000000000000000" pitchFamily="2" charset="2"/>
-              </a:rPr>
-              <a:t> a dataset for classifier </a:t>
-            </a:r>
-            <a:endParaRPr lang="en-US" dirty="0"/>
-          </a:p>
-          <a:p>
-            <a:r>
-              <a:rPr lang="en-US" dirty="0"/>
-              <a:t>Extending the database</a:t>
-            </a:r>
-          </a:p>
-          <a:p>
-            <a:endParaRPr lang="en-US" dirty="0"/>
-          </a:p>
-        </p:txBody>
-      </p:sp>
-      <p:sp>
-        <p:nvSpPr>
-          <p:cNvPr id="3" name="Title 2"/>
-          <p:cNvSpPr>
-            <a:spLocks noGrp="1"/>
-          </p:cNvSpPr>
-          <p:nvPr>
-            <p:ph type="title"/>
-          </p:nvPr>
-        </p:nvSpPr>
-        <p:spPr/>
-        <p:txBody>
-          <a:bodyPr/>
-          <a:lstStyle/>
-          <a:p>
-            <a:r>
-              <a:rPr lang="en-US" dirty="0"/>
-              <a:t>Conclusion </a:t>
-            </a:r>
-          </a:p>
-        </p:txBody>
-      </p:sp>
-    </p:spTree>
-    <p:extLst>
-      <p:ext uri="{BB962C8B-B14F-4D97-AF65-F5344CB8AC3E}">
-        <p14:creationId xmlns:p14="http://schemas.microsoft.com/office/powerpoint/2010/main" val="1980976995"/>
-      </p:ext>
-    </p:extLst>
-  </p:cSld>
-  <p:clrMapOvr>
-    <a:masterClrMapping/>
-  </p:clrMapOvr>
-  <mc:AlternateContent xmlns:mc="http://schemas.openxmlformats.org/markup-compatibility/2006" xmlns:p14="http://schemas.microsoft.com/office/powerpoint/2010/main">
-    <mc:Choice Requires="p14">
-      <p:transition spd="med" p14:dur="700">
-        <p:fade/>
-      </p:transition>
-    </mc:Choice>
-    <mc:Fallback xmlns="">
-      <p:transition spd="med">
-        <p:fade/>
-      </p:transition>
-    </mc:Fallback>
-  </mc:AlternateContent>
-</p:sld>
-</file>
-
-<file path=ppt/slides/slide15.xml><?xml version="1.0" encoding="utf-8"?>
-<p:sld xmlns:a="http://schemas.openxmlformats.org/drawingml/2006/main" xmlns:r="http://schemas.openxmlformats.org/officeDocument/2006/relationships" xmlns:p="http://schemas.openxmlformats.org/presentationml/2006/main">
-  <p:cSld>
-    <p:spTree>
-      <p:nvGrpSpPr>
-        <p:cNvPr id="1" name=""/>
-        <p:cNvGrpSpPr/>
-        <p:nvPr/>
-      </p:nvGrpSpPr>
-      <p:grpSpPr>
-        <a:xfrm>
-          <a:off x="0" y="0"/>
-          <a:ext cx="0" cy="0"/>
-          <a:chOff x="0" y="0"/>
-          <a:chExt cx="0" cy="0"/>
-        </a:xfrm>
-      </p:grpSpPr>
-      <p:pic>
-        <p:nvPicPr>
-          <p:cNvPr id="4" name="Content Placeholder 3"/>
-          <p:cNvPicPr>
-            <a:picLocks noGrp="1" noChangeAspect="1"/>
-          </p:cNvPicPr>
-          <p:nvPr>
-            <p:ph sz="quarter" idx="1"/>
-          </p:nvPr>
-        </p:nvPicPr>
-        <p:blipFill rotWithShape="1">
-          <a:blip r:embed="rId2">
-            <a:extLst>
-              <a:ext uri="{28A0092B-C50C-407E-A947-70E740481C1C}">
-                <a14:useLocalDpi xmlns:a14="http://schemas.microsoft.com/office/drawing/2010/main" val="0"/>
-              </a:ext>
-            </a:extLst>
-          </a:blip>
-          <a:srcRect b="3828"/>
-          <a:stretch/>
-        </p:blipFill>
-        <p:spPr>
-          <a:xfrm>
-            <a:off x="3531286" y="1907060"/>
-            <a:ext cx="5739027" cy="4139514"/>
-          </a:xfrm>
-        </p:spPr>
-      </p:pic>
-      <p:sp>
-        <p:nvSpPr>
-          <p:cNvPr id="3" name="Title 2"/>
-          <p:cNvSpPr>
-            <a:spLocks noGrp="1"/>
-          </p:cNvSpPr>
-          <p:nvPr>
-            <p:ph type="title"/>
-          </p:nvPr>
-        </p:nvSpPr>
-        <p:spPr/>
-        <p:txBody>
-          <a:bodyPr/>
-          <a:lstStyle/>
-          <a:p>
-            <a:r>
-              <a:rPr lang="sv-SE" dirty="0" err="1"/>
-              <a:t>Thank</a:t>
-            </a:r>
-            <a:r>
-              <a:rPr lang="sv-SE" dirty="0"/>
-              <a:t> </a:t>
-            </a:r>
-            <a:r>
-              <a:rPr lang="sv-SE" dirty="0" err="1"/>
-              <a:t>you</a:t>
-            </a:r>
-            <a:r>
-              <a:rPr lang="sv-SE" dirty="0"/>
-              <a:t> for </a:t>
-            </a:r>
-            <a:r>
-              <a:rPr lang="sv-SE" dirty="0" err="1"/>
-              <a:t>your</a:t>
-            </a:r>
-            <a:r>
-              <a:rPr lang="sv-SE" dirty="0"/>
-              <a:t> attention!</a:t>
-            </a:r>
-          </a:p>
-        </p:txBody>
-      </p:sp>
-    </p:spTree>
-    <p:extLst>
-      <p:ext uri="{BB962C8B-B14F-4D97-AF65-F5344CB8AC3E}">
-        <p14:creationId xmlns:p14="http://schemas.microsoft.com/office/powerpoint/2010/main" val="948441873"/>
-      </p:ext>
-    </p:extLst>
-  </p:cSld>
-  <p:clrMapOvr>
-    <a:masterClrMapping/>
-  </p:clrMapOvr>
-  <mc:AlternateContent xmlns:mc="http://schemas.openxmlformats.org/markup-compatibility/2006" xmlns:p14="http://schemas.microsoft.com/office/powerpoint/2010/main">
-    <mc:Choice Requires="p14">
-      <p:transition spd="med" p14:dur="700">
-        <p:fade/>
-      </p:transition>
-    </mc:Choice>
-    <mc:Fallback xmlns="">
-      <p:transition spd="med">
-        <p:fade/>
-      </p:transition>
-    </mc:Fallback>
-  </mc:AlternateContent>
-</p:sld>
-</file>
-
-<file path=ppt/slides/slide2.xml><?xml version="1.0" encoding="utf-8"?>
-<p:sld xmlns:a="http://schemas.openxmlformats.org/drawingml/2006/main" xmlns:r="http://schemas.openxmlformats.org/officeDocument/2006/relationships" xmlns:p="http://schemas.openxmlformats.org/presentationml/2006/main">
-  <p:cSld>
-    <p:spTree>
-      <p:nvGrpSpPr>
-        <p:cNvPr id="1" name=""/>
-        <p:cNvGrpSpPr/>
-        <p:nvPr/>
-      </p:nvGrpSpPr>
-      <p:grpSpPr>
-        <a:xfrm>
-          <a:off x="0" y="0"/>
-          <a:ext cx="0" cy="0"/>
-          <a:chOff x="0" y="0"/>
-          <a:chExt cx="0" cy="0"/>
-        </a:xfrm>
-      </p:grpSpPr>
-      <p:sp>
-        <p:nvSpPr>
-          <p:cNvPr id="4" name="Content Placeholder 3"/>
-          <p:cNvSpPr>
-            <a:spLocks noGrp="1"/>
-          </p:cNvSpPr>
-          <p:nvPr>
-            <p:ph sz="quarter" idx="1"/>
-          </p:nvPr>
-        </p:nvSpPr>
-        <p:spPr/>
-        <p:txBody>
-          <a:bodyPr/>
-          <a:lstStyle/>
-          <a:p>
-            <a:pPr marL="0" indent="0">
-              <a:buNone/>
-            </a:pPr>
-            <a:endParaRPr lang="sv-SE" dirty="0"/>
-          </a:p>
-          <a:p>
-            <a:pPr marL="0" indent="0">
-              <a:buNone/>
-            </a:pPr>
-            <a:endParaRPr lang="sv-SE" dirty="0"/>
-          </a:p>
-          <a:p>
-            <a:pPr marL="0" indent="0">
-              <a:buNone/>
-            </a:pPr>
-            <a:endParaRPr lang="sv-SE" dirty="0"/>
-          </a:p>
-          <a:p>
-            <a:r>
-              <a:rPr lang="sv-SE" sz="2800" dirty="0" err="1"/>
-              <a:t>Emirhan</a:t>
-            </a:r>
-            <a:r>
-              <a:rPr lang="sv-SE" sz="2800" dirty="0"/>
-              <a:t> </a:t>
-            </a:r>
-            <a:r>
-              <a:rPr lang="sv-SE" sz="2800" dirty="0" err="1"/>
-              <a:t>Kutlu</a:t>
-            </a:r>
-            <a:endParaRPr lang="sv-SE" sz="2800" dirty="0"/>
-          </a:p>
-          <a:p>
-            <a:r>
-              <a:rPr lang="sv-SE" sz="2800" dirty="0" err="1"/>
-              <a:t>Lucie</a:t>
-            </a:r>
-            <a:r>
-              <a:rPr lang="sv-SE" sz="2800" dirty="0"/>
-              <a:t> </a:t>
-            </a:r>
-            <a:r>
-              <a:rPr lang="sv-SE" sz="2800" dirty="0" err="1"/>
-              <a:t>Labadie</a:t>
-            </a:r>
-            <a:endParaRPr lang="sv-SE" sz="2800" dirty="0"/>
-          </a:p>
-          <a:p>
-            <a:r>
-              <a:rPr lang="sv-SE" sz="2800" dirty="0"/>
-              <a:t>Rosen </a:t>
-            </a:r>
-            <a:r>
-              <a:rPr lang="sv-SE" sz="2800" dirty="0" err="1"/>
-              <a:t>Sasov</a:t>
-            </a:r>
-            <a:endParaRPr lang="sv-SE" sz="2800" dirty="0"/>
-          </a:p>
-        </p:txBody>
-      </p:sp>
-      <p:sp>
-        <p:nvSpPr>
-          <p:cNvPr id="3" name="Title 2"/>
-          <p:cNvSpPr>
-            <a:spLocks noGrp="1"/>
-          </p:cNvSpPr>
-          <p:nvPr>
-            <p:ph type="title"/>
-          </p:nvPr>
-        </p:nvSpPr>
-        <p:spPr/>
-        <p:txBody>
-          <a:bodyPr/>
-          <a:lstStyle/>
-          <a:p>
-            <a:r>
-              <a:rPr lang="sv-SE" dirty="0"/>
-              <a:t>Group </a:t>
-            </a:r>
-            <a:r>
-              <a:rPr lang="en-US" dirty="0"/>
-              <a:t>Members</a:t>
-            </a:r>
-          </a:p>
-        </p:txBody>
-      </p:sp>
-      <p:pic>
-        <p:nvPicPr>
-          <p:cNvPr id="8" name="Content Placeholder 7"/>
-          <p:cNvPicPr>
-            <a:picLocks noGrp="1" noChangeAspect="1"/>
-          </p:cNvPicPr>
-          <p:nvPr>
-            <p:ph sz="quarter" idx="2"/>
-          </p:nvPr>
-        </p:nvPicPr>
-        <p:blipFill>
-          <a:blip r:embed="rId2" cstate="print">
-            <a:extLst>
-              <a:ext uri="{28A0092B-C50C-407E-A947-70E740481C1C}">
-                <a14:useLocalDpi xmlns:a14="http://schemas.microsoft.com/office/drawing/2010/main" val="0"/>
-              </a:ext>
-            </a:extLst>
-          </a:blip>
-          <a:stretch>
-            <a:fillRect/>
-          </a:stretch>
-        </p:blipFill>
-        <p:spPr>
-          <a:xfrm>
-            <a:off x="6578600" y="2324627"/>
-            <a:ext cx="4999038" cy="2818346"/>
-          </a:xfrm>
-        </p:spPr>
-      </p:pic>
-    </p:spTree>
-    <p:extLst>
-      <p:ext uri="{BB962C8B-B14F-4D97-AF65-F5344CB8AC3E}">
-        <p14:creationId xmlns:p14="http://schemas.microsoft.com/office/powerpoint/2010/main" val="3203580497"/>
-      </p:ext>
-    </p:extLst>
-  </p:cSld>
-  <p:clrMapOvr>
-    <a:masterClrMapping/>
-  </p:clrMapOvr>
-  <mc:AlternateContent xmlns:mc="http://schemas.openxmlformats.org/markup-compatibility/2006" xmlns:p14="http://schemas.microsoft.com/office/powerpoint/2010/main">
-    <mc:Choice Requires="p14">
-      <p:transition spd="med" p14:dur="700">
-        <p:fade/>
-      </p:transition>
-    </mc:Choice>
-    <mc:Fallback xmlns="">
-      <p:transition spd="med">
-        <p:fade/>
-      </p:transition>
-    </mc:Fallback>
-  </mc:AlternateContent>
-</p:sld>
-</file>
-
-<file path=ppt/slides/slide3.xml><?xml version="1.0" encoding="utf-8"?>
-<p:sld xmlns:a="http://schemas.openxmlformats.org/drawingml/2006/main" xmlns:r="http://schemas.openxmlformats.org/officeDocument/2006/relationships" xmlns:p="http://schemas.openxmlformats.org/presentationml/2006/main">
-  <p:cSld>
-    <p:spTree>
-      <p:nvGrpSpPr>
-        <p:cNvPr id="1" name=""/>
-        <p:cNvGrpSpPr/>
-        <p:nvPr/>
-      </p:nvGrpSpPr>
-      <p:grpSpPr>
-        <a:xfrm>
-          <a:off x="0" y="0"/>
-          <a:ext cx="0" cy="0"/>
-          <a:chOff x="0" y="0"/>
-          <a:chExt cx="0" cy="0"/>
-        </a:xfrm>
-      </p:grpSpPr>
-      <p:sp>
-        <p:nvSpPr>
-          <p:cNvPr id="5" name="Content Placeholder 4"/>
-          <p:cNvSpPr>
-            <a:spLocks noGrp="1"/>
-          </p:cNvSpPr>
-          <p:nvPr>
-            <p:ph sz="quarter" idx="1"/>
-          </p:nvPr>
-        </p:nvSpPr>
-        <p:spPr/>
-        <p:txBody>
-          <a:bodyPr/>
-          <a:lstStyle/>
-          <a:p>
-            <a:r>
-              <a:rPr lang="en-US" dirty="0"/>
-              <a:t>Finding</a:t>
-            </a:r>
-            <a:r>
-              <a:rPr lang="sv-SE" dirty="0"/>
-              <a:t> an universal way to make a decision</a:t>
-            </a:r>
-          </a:p>
-          <a:p>
-            <a:r>
-              <a:rPr lang="sv-SE" dirty="0" err="1"/>
-              <a:t>Including</a:t>
-            </a:r>
-            <a:r>
-              <a:rPr lang="sv-SE" dirty="0"/>
-              <a:t> </a:t>
-            </a:r>
-            <a:r>
-              <a:rPr lang="sv-SE" dirty="0" err="1"/>
-              <a:t>some</a:t>
-            </a:r>
-            <a:r>
-              <a:rPr lang="sv-SE" dirty="0"/>
-              <a:t> </a:t>
-            </a:r>
-            <a:r>
-              <a:rPr lang="sv-SE" dirty="0" err="1"/>
-              <a:t>basic</a:t>
-            </a:r>
-            <a:r>
-              <a:rPr lang="sv-SE" dirty="0"/>
-              <a:t> </a:t>
-            </a:r>
-            <a:r>
-              <a:rPr lang="sv-SE" dirty="0" err="1"/>
-              <a:t>side</a:t>
-            </a:r>
-            <a:r>
-              <a:rPr lang="sv-SE" dirty="0"/>
-              <a:t> </a:t>
-            </a:r>
-            <a:r>
-              <a:rPr lang="sv-SE" dirty="0" err="1"/>
-              <a:t>factors</a:t>
-            </a:r>
-            <a:r>
-              <a:rPr lang="sv-SE" dirty="0"/>
-              <a:t> </a:t>
-            </a:r>
-            <a:r>
-              <a:rPr lang="sv-SE" dirty="0" err="1"/>
-              <a:t>that</a:t>
-            </a:r>
-            <a:r>
-              <a:rPr lang="sv-SE" dirty="0"/>
-              <a:t> </a:t>
-            </a:r>
-            <a:r>
-              <a:rPr lang="sv-SE" dirty="0" err="1"/>
-              <a:t>are</a:t>
-            </a:r>
-            <a:r>
-              <a:rPr lang="sv-SE" dirty="0"/>
-              <a:t> </a:t>
-            </a:r>
-            <a:r>
-              <a:rPr lang="sv-SE" dirty="0" err="1"/>
-              <a:t>important</a:t>
-            </a:r>
-            <a:r>
-              <a:rPr lang="sv-SE" dirty="0"/>
-              <a:t>, apart from the symptoms</a:t>
-            </a:r>
-          </a:p>
-          <a:p>
-            <a:r>
-              <a:rPr lang="sv-SE" dirty="0"/>
-              <a:t>Big Data handling</a:t>
-            </a:r>
-          </a:p>
-          <a:p>
-            <a:r>
-              <a:rPr lang="sv-SE" dirty="0" err="1"/>
-              <a:t>Finding</a:t>
-            </a:r>
-            <a:r>
-              <a:rPr lang="sv-SE" dirty="0"/>
-              <a:t> a </a:t>
-            </a:r>
-            <a:r>
-              <a:rPr lang="sv-SE" dirty="0" err="1"/>
-              <a:t>trustworthy</a:t>
-            </a:r>
-            <a:r>
-              <a:rPr lang="sv-SE" dirty="0"/>
-              <a:t> test data</a:t>
-            </a:r>
-          </a:p>
-          <a:p>
-            <a:endParaRPr lang="en-US" dirty="0"/>
-          </a:p>
-        </p:txBody>
-      </p:sp>
-      <p:sp>
-        <p:nvSpPr>
-          <p:cNvPr id="4" name="Title 3"/>
-          <p:cNvSpPr>
-            <a:spLocks noGrp="1"/>
-          </p:cNvSpPr>
-          <p:nvPr>
-            <p:ph type="title"/>
-          </p:nvPr>
-        </p:nvSpPr>
-        <p:spPr/>
-        <p:txBody>
-          <a:bodyPr/>
-          <a:lstStyle/>
-          <a:p>
-            <a:r>
-              <a:rPr lang="sv-SE" dirty="0"/>
-              <a:t>Problem	</a:t>
-            </a:r>
-          </a:p>
-        </p:txBody>
-      </p:sp>
-    </p:spTree>
-    <p:extLst>
-      <p:ext uri="{BB962C8B-B14F-4D97-AF65-F5344CB8AC3E}">
-        <p14:creationId xmlns:p14="http://schemas.microsoft.com/office/powerpoint/2010/main" val="3318276416"/>
-      </p:ext>
-    </p:extLst>
-  </p:cSld>
-  <p:clrMapOvr>
-    <a:masterClrMapping/>
-  </p:clrMapOvr>
-  <mc:AlternateContent xmlns:mc="http://schemas.openxmlformats.org/markup-compatibility/2006" xmlns:p14="http://schemas.microsoft.com/office/powerpoint/2010/main">
-    <mc:Choice Requires="p14">
-      <p:transition spd="med" p14:dur="700">
-        <p:fade/>
-      </p:transition>
-    </mc:Choice>
-    <mc:Fallback xmlns="">
-      <p:transition spd="med">
-        <p:fade/>
-      </p:transition>
-    </mc:Fallback>
-  </mc:AlternateContent>
-</p:sld>
-</file>
-
-<file path=ppt/slides/slide4.xml><?xml version="1.0" encoding="utf-8"?>
-<p:sld xmlns:a="http://schemas.openxmlformats.org/drawingml/2006/main" xmlns:r="http://schemas.openxmlformats.org/officeDocument/2006/relationships" xmlns:p="http://schemas.openxmlformats.org/presentationml/2006/main">
-  <p:cSld>
-    <p:spTree>
-      <p:nvGrpSpPr>
-        <p:cNvPr id="1" name=""/>
-        <p:cNvGrpSpPr/>
-        <p:nvPr/>
-      </p:nvGrpSpPr>
-      <p:grpSpPr>
-        <a:xfrm>
-          <a:off x="0" y="0"/>
-          <a:ext cx="0" cy="0"/>
-          <a:chOff x="0" y="0"/>
-          <a:chExt cx="0" cy="0"/>
-        </a:xfrm>
-      </p:grpSpPr>
-      <p:sp>
-        <p:nvSpPr>
-          <p:cNvPr id="2" name="Content Placeholder 1"/>
-          <p:cNvSpPr>
-            <a:spLocks noGrp="1"/>
-          </p:cNvSpPr>
-          <p:nvPr>
-            <p:ph sz="quarter" idx="1"/>
-          </p:nvPr>
-        </p:nvSpPr>
-        <p:spPr/>
-        <p:txBody>
-          <a:bodyPr/>
-          <a:lstStyle/>
-          <a:p>
-            <a:r>
-              <a:rPr lang="fr-FR" dirty="0"/>
-              <a:t>Web service </a:t>
-            </a:r>
-            <a:endParaRPr lang="en-US" dirty="0"/>
-          </a:p>
-          <a:p>
-            <a:r>
-              <a:rPr lang="en-US" dirty="0"/>
-              <a:t>Asking questions about physical state </a:t>
-            </a:r>
-          </a:p>
-          <a:p>
-            <a:r>
-              <a:rPr lang="en-US" dirty="0"/>
-              <a:t>Take the symptoms</a:t>
-            </a:r>
-            <a:r>
-              <a:rPr lang="fr-FR" dirty="0"/>
-              <a:t> </a:t>
-            </a:r>
-            <a:r>
-              <a:rPr lang="en-US" dirty="0"/>
-              <a:t>and personal data as input</a:t>
-            </a:r>
-          </a:p>
-          <a:p>
-            <a:pPr lvl="1"/>
-            <a:r>
-              <a:rPr lang="fr-FR" dirty="0"/>
-              <a:t>P</a:t>
-            </a:r>
-            <a:r>
-              <a:rPr lang="en-US" dirty="0" err="1"/>
-              <a:t>ersonal</a:t>
-            </a:r>
-            <a:r>
-              <a:rPr lang="en-US" dirty="0"/>
-              <a:t> data: weight, height, </a:t>
-            </a:r>
-            <a:r>
-              <a:rPr lang="en-US" dirty="0" err="1"/>
-              <a:t>smocker</a:t>
-            </a:r>
-            <a:r>
-              <a:rPr lang="en-US" dirty="0"/>
-              <a:t>…</a:t>
-            </a:r>
-          </a:p>
-          <a:p>
-            <a:r>
-              <a:rPr lang="en-US" dirty="0"/>
-              <a:t>Compute most probable diseases </a:t>
-            </a:r>
-          </a:p>
-          <a:p>
-            <a:r>
-              <a:rPr lang="en-US" dirty="0"/>
-              <a:t>Output the diagnosis to the user along with advices</a:t>
-            </a:r>
-          </a:p>
-        </p:txBody>
-      </p:sp>
-      <p:sp>
-        <p:nvSpPr>
-          <p:cNvPr id="3" name="Title 2"/>
-          <p:cNvSpPr>
-            <a:spLocks noGrp="1"/>
-          </p:cNvSpPr>
-          <p:nvPr>
-            <p:ph type="title"/>
-          </p:nvPr>
-        </p:nvSpPr>
-        <p:spPr/>
-        <p:txBody>
-          <a:bodyPr/>
-          <a:lstStyle/>
-          <a:p>
-            <a:r>
-              <a:rPr lang="en-US" dirty="0"/>
-              <a:t>Health</a:t>
-            </a:r>
-            <a:r>
-              <a:rPr lang="fr-FR" dirty="0"/>
-              <a:t> Care Bot</a:t>
-            </a:r>
-            <a:endParaRPr lang="en-US" dirty="0"/>
-          </a:p>
-        </p:txBody>
-      </p:sp>
-      <p:pic>
-        <p:nvPicPr>
-          <p:cNvPr id="4" name="Picture 3"/>
-          <p:cNvPicPr>
-            <a:picLocks noChangeAspect="1"/>
-          </p:cNvPicPr>
-          <p:nvPr/>
-        </p:nvPicPr>
-        <p:blipFill rotWithShape="1">
-          <a:blip r:embed="rId2">
-            <a:duotone>
-              <a:schemeClr val="accent1">
-                <a:shade val="45000"/>
-                <a:satMod val="135000"/>
-              </a:schemeClr>
-              <a:prstClr val="white"/>
-            </a:duotone>
-            <a:extLst>
-              <a:ext uri="{BEBA8EAE-BF5A-486C-A8C5-ECC9F3942E4B}">
-                <a14:imgProps xmlns:a14="http://schemas.microsoft.com/office/drawing/2010/main">
-                  <a14:imgLayer r:embed="rId3">
-                    <a14:imgEffect>
-                      <a14:backgroundRemoval t="9977" b="89994" l="7702" r="90000">
-                        <a14:foregroundMark x1="62298" y1="27680" x2="62298" y2="27680"/>
-                        <a14:foregroundMark x1="57137" y1="28677" x2="67984" y2="24031"/>
-                        <a14:foregroundMark x1="67984" y1="24031" x2="67984" y2="24031"/>
-                        <a14:foregroundMark x1="7702" y1="24658" x2="11694" y2="25656"/>
-                        <a14:foregroundMark x1="50000" y1="17161" x2="50000" y2="19584"/>
-                        <a14:foregroundMark x1="58589" y1="36973" x2="61411" y2="36773"/>
-                        <a14:foregroundMark x1="40282" y1="36374" x2="42581" y2="36374"/>
-                        <a14:foregroundMark x1="50000" y1="48689" x2="50000" y2="50114"/>
-                        <a14:foregroundMark x1="45161" y1="53136" x2="47984" y2="53934"/>
-                        <a14:foregroundMark x1="49435" y1="59407" x2="49435" y2="59407"/>
-                        <a14:foregroundMark x1="43145" y1="60405" x2="43145" y2="60405"/>
-                        <a14:foregroundMark x1="50000" y1="69099" x2="50000" y2="69099"/>
-                        <a14:foregroundMark x1="45444" y1="68900" x2="45444" y2="68900"/>
-                        <a14:foregroundMark x1="50282" y1="77366" x2="50282" y2="77366"/>
-                        <a14:foregroundMark x1="46573" y1="77366" x2="46573" y2="77366"/>
-                        <a14:foregroundMark x1="49435" y1="84835" x2="49435" y2="84835"/>
-                      </a14:backgroundRemoval>
-                    </a14:imgEffect>
-                  </a14:imgLayer>
-                </a14:imgProps>
-              </a:ext>
-            </a:extLst>
-          </a:blip>
-          <a:srcRect l="4564" t="11313" r="3371" b="11111"/>
-          <a:stretch/>
-        </p:blipFill>
-        <p:spPr>
-          <a:xfrm>
-            <a:off x="8868711" y="2815513"/>
-            <a:ext cx="2713689" cy="3234449"/>
-          </a:xfrm>
-          <a:prstGeom prst="rect">
-            <a:avLst/>
-          </a:prstGeom>
-        </p:spPr>
-      </p:pic>
-    </p:spTree>
-    <p:extLst>
-      <p:ext uri="{BB962C8B-B14F-4D97-AF65-F5344CB8AC3E}">
-        <p14:creationId xmlns:p14="http://schemas.microsoft.com/office/powerpoint/2010/main" val="1727852844"/>
-      </p:ext>
-    </p:extLst>
-  </p:cSld>
-  <p:clrMapOvr>
-    <a:masterClrMapping/>
-  </p:clrMapOvr>
-  <mc:AlternateContent xmlns:mc="http://schemas.openxmlformats.org/markup-compatibility/2006" xmlns:p14="http://schemas.microsoft.com/office/powerpoint/2010/main">
-    <mc:Choice Requires="p14">
-      <p:transition spd="med" p14:dur="700">
-        <p:fade/>
-      </p:transition>
-    </mc:Choice>
-    <mc:Fallback xmlns="">
-      <p:transition spd="med">
-        <p:fade/>
-      </p:transition>
-    </mc:Fallback>
-  </mc:AlternateContent>
-</p:sld>
-</file>
-
-<file path=ppt/slides/slide5.xml><?xml version="1.0" encoding="utf-8"?>
-<p:sld xmlns:a="http://schemas.openxmlformats.org/drawingml/2006/main" xmlns:r="http://schemas.openxmlformats.org/officeDocument/2006/relationships" xmlns:p="http://schemas.openxmlformats.org/presentationml/2006/main">
-  <p:cSld>
-    <p:spTree>
-      <p:nvGrpSpPr>
-        <p:cNvPr id="1" name=""/>
-        <p:cNvGrpSpPr/>
-        <p:nvPr/>
-      </p:nvGrpSpPr>
-      <p:grpSpPr>
-        <a:xfrm>
-          <a:off x="0" y="0"/>
-          <a:ext cx="0" cy="0"/>
-          <a:chOff x="0" y="0"/>
-          <a:chExt cx="0" cy="0"/>
-        </a:xfrm>
-      </p:grpSpPr>
-      <p:sp>
-        <p:nvSpPr>
-          <p:cNvPr id="2" name="Content Placeholder 1"/>
-          <p:cNvSpPr>
-            <a:spLocks noGrp="1"/>
-          </p:cNvSpPr>
-          <p:nvPr>
-            <p:ph sz="quarter" idx="1"/>
-          </p:nvPr>
-        </p:nvSpPr>
-        <p:spPr/>
-        <p:txBody>
-          <a:bodyPr/>
-          <a:lstStyle/>
-          <a:p>
-            <a:r>
-              <a:rPr lang="en-US" dirty="0"/>
-              <a:t>First results in any search engine gives most deadly sickness</a:t>
-            </a:r>
-            <a:r>
-              <a:rPr lang="fr-FR" dirty="0"/>
-              <a:t> </a:t>
-            </a:r>
-            <a:endParaRPr lang="en-US" dirty="0"/>
-          </a:p>
-          <a:p>
-            <a:r>
-              <a:rPr lang="en-US" dirty="0"/>
-              <a:t>Help people go to the right place to be taken care of fast</a:t>
-            </a:r>
-          </a:p>
-          <a:p>
-            <a:r>
-              <a:rPr lang="fr-FR" dirty="0"/>
-              <a:t>H</a:t>
-            </a:r>
-            <a:r>
-              <a:rPr lang="en-US" dirty="0" err="1"/>
-              <a:t>elp</a:t>
-            </a:r>
-            <a:r>
-              <a:rPr lang="en-US" dirty="0"/>
-              <a:t> for better auto-medication </a:t>
-            </a:r>
-          </a:p>
-        </p:txBody>
-      </p:sp>
-      <p:sp>
-        <p:nvSpPr>
-          <p:cNvPr id="3" name="Title 2"/>
-          <p:cNvSpPr>
-            <a:spLocks noGrp="1"/>
-          </p:cNvSpPr>
-          <p:nvPr>
-            <p:ph type="title"/>
-          </p:nvPr>
-        </p:nvSpPr>
-        <p:spPr/>
-        <p:txBody>
-          <a:bodyPr/>
-          <a:lstStyle/>
-          <a:p>
-            <a:r>
-              <a:rPr lang="en-US" dirty="0"/>
-              <a:t>Why is it needed ?</a:t>
-            </a:r>
-          </a:p>
-        </p:txBody>
-      </p:sp>
-      <p:pic>
-        <p:nvPicPr>
-          <p:cNvPr id="4" name="Picture 3"/>
-          <p:cNvPicPr>
-            <a:picLocks noChangeAspect="1"/>
-          </p:cNvPicPr>
-          <p:nvPr/>
-        </p:nvPicPr>
-        <p:blipFill>
-          <a:blip r:embed="rId2">
-            <a:duotone>
-              <a:schemeClr val="accent1">
-                <a:shade val="45000"/>
-                <a:satMod val="135000"/>
-              </a:schemeClr>
-              <a:prstClr val="white"/>
-            </a:duotone>
-            <a:extLst>
-              <a:ext uri="{BEBA8EAE-BF5A-486C-A8C5-ECC9F3942E4B}">
-                <a14:imgProps xmlns:a14="http://schemas.microsoft.com/office/drawing/2010/main">
-                  <a14:imgLayer r:embed="rId3">
-                    <a14:imgEffect>
-                      <a14:backgroundRemoval t="909" b="96364" l="9000" r="90000">
-                        <a14:foregroundMark x1="50000" y1="13636" x2="50000" y2="13636"/>
-                        <a14:foregroundMark x1="30000" y1="2273" x2="30000" y2="2273"/>
-                        <a14:foregroundMark x1="9333" y1="34091" x2="9333" y2="34091"/>
-                        <a14:foregroundMark x1="51000" y1="96364" x2="51000" y2="96364"/>
-                        <a14:foregroundMark x1="90333" y1="32273" x2="90333" y2="32273"/>
-                        <a14:foregroundMark x1="67333" y1="909" x2="67333" y2="909"/>
-                      </a14:backgroundRemoval>
-                    </a14:imgEffect>
-                  </a14:imgLayer>
-                </a14:imgProps>
-              </a:ext>
-            </a:extLst>
-          </a:blip>
-          <a:stretch>
-            <a:fillRect/>
-          </a:stretch>
-        </p:blipFill>
-        <p:spPr>
-          <a:xfrm>
-            <a:off x="510886" y="3954462"/>
-            <a:ext cx="2857500" cy="2095500"/>
-          </a:xfrm>
-          <a:prstGeom prst="rect">
-            <a:avLst/>
-          </a:prstGeom>
-        </p:spPr>
-      </p:pic>
-    </p:spTree>
-    <p:extLst>
-      <p:ext uri="{BB962C8B-B14F-4D97-AF65-F5344CB8AC3E}">
-        <p14:creationId xmlns:p14="http://schemas.microsoft.com/office/powerpoint/2010/main" val="2088959167"/>
-      </p:ext>
-    </p:extLst>
-  </p:cSld>
-  <p:clrMapOvr>
-    <a:masterClrMapping/>
-  </p:clrMapOvr>
-  <mc:AlternateContent xmlns:mc="http://schemas.openxmlformats.org/markup-compatibility/2006" xmlns:p14="http://schemas.microsoft.com/office/powerpoint/2010/main">
-    <mc:Choice Requires="p14">
-      <p:transition spd="med" p14:dur="700">
-        <p:fade/>
-      </p:transition>
-    </mc:Choice>
-    <mc:Fallback xmlns="">
-      <p:transition spd="med">
-        <p:fade/>
-      </p:transition>
-    </mc:Fallback>
-  </mc:AlternateContent>
-</p:sld>
-</file>
-
-<file path=ppt/slides/slide6.xml><?xml version="1.0" encoding="utf-8"?>
-<p:sld xmlns:a="http://schemas.openxmlformats.org/drawingml/2006/main" xmlns:r="http://schemas.openxmlformats.org/officeDocument/2006/relationships" xmlns:p="http://schemas.openxmlformats.org/presentationml/2006/main">
-  <p:cSld>
-    <p:spTree>
-      <p:nvGrpSpPr>
-        <p:cNvPr id="1" name=""/>
-        <p:cNvGrpSpPr/>
-        <p:nvPr/>
-      </p:nvGrpSpPr>
-      <p:grpSpPr>
-        <a:xfrm>
-          <a:off x="0" y="0"/>
-          <a:ext cx="0" cy="0"/>
-          <a:chOff x="0" y="0"/>
-          <a:chExt cx="0" cy="0"/>
-        </a:xfrm>
-      </p:grpSpPr>
-      <p:sp>
-        <p:nvSpPr>
-          <p:cNvPr id="2" name="Content Placeholder 1"/>
-          <p:cNvSpPr>
-            <a:spLocks noGrp="1"/>
-          </p:cNvSpPr>
-          <p:nvPr>
-            <p:ph sz="quarter" idx="1"/>
-          </p:nvPr>
-        </p:nvSpPr>
-        <p:spPr>
-          <a:xfrm>
-            <a:off x="1219200" y="1447800"/>
-            <a:ext cx="6317673" cy="4572000"/>
-          </a:xfrm>
-        </p:spPr>
-        <p:txBody>
-          <a:bodyPr/>
-          <a:lstStyle/>
-          <a:p>
-            <a:r>
-              <a:rPr lang="en-US" dirty="0"/>
-              <a:t>Bot is asking for first symptoms </a:t>
-            </a:r>
-          </a:p>
-          <a:p>
-            <a:pPr lvl="1"/>
-            <a:r>
-              <a:rPr lang="en-US" dirty="0"/>
-              <a:t>Written language recognition </a:t>
-            </a:r>
-          </a:p>
-          <a:p>
-            <a:pPr lvl="1"/>
-            <a:r>
-              <a:rPr lang="fr-FR" dirty="0"/>
-              <a:t>D</a:t>
-            </a:r>
-            <a:r>
-              <a:rPr lang="en-US" dirty="0" err="1"/>
-              <a:t>etermine</a:t>
-            </a:r>
-            <a:r>
-              <a:rPr lang="en-US" dirty="0"/>
-              <a:t> symptoms </a:t>
-            </a:r>
-          </a:p>
-          <a:p>
-            <a:r>
-              <a:rPr lang="fr-FR" dirty="0"/>
-              <a:t>C</a:t>
-            </a:r>
-            <a:r>
-              <a:rPr lang="en-US" dirty="0" err="1"/>
-              <a:t>ompute</a:t>
-            </a:r>
-            <a:r>
-              <a:rPr lang="en-US" dirty="0"/>
-              <a:t> first set of diseases </a:t>
-            </a:r>
-          </a:p>
-          <a:p>
-            <a:r>
-              <a:rPr lang="fr-FR" dirty="0"/>
-              <a:t>A</a:t>
-            </a:r>
-            <a:r>
-              <a:rPr lang="en-US" dirty="0" err="1"/>
-              <a:t>sk</a:t>
-            </a:r>
-            <a:r>
-              <a:rPr lang="en-US" dirty="0"/>
-              <a:t> directed questions to reduce the set </a:t>
-            </a:r>
-          </a:p>
-          <a:p>
-            <a:r>
-              <a:rPr lang="fr-FR" dirty="0"/>
-              <a:t>C</a:t>
-            </a:r>
-            <a:r>
-              <a:rPr lang="en-US" dirty="0" err="1"/>
-              <a:t>ontinue</a:t>
-            </a:r>
-            <a:r>
-              <a:rPr lang="en-US" dirty="0"/>
-              <a:t> until the set is small enough </a:t>
-            </a:r>
-          </a:p>
-          <a:p>
-            <a:r>
-              <a:rPr lang="en-US" dirty="0"/>
-              <a:t>Gives results along with advices </a:t>
-            </a:r>
-          </a:p>
-        </p:txBody>
-      </p:sp>
-      <p:sp>
-        <p:nvSpPr>
-          <p:cNvPr id="3" name="Title 2"/>
-          <p:cNvSpPr>
-            <a:spLocks noGrp="1"/>
-          </p:cNvSpPr>
-          <p:nvPr>
-            <p:ph type="title"/>
-          </p:nvPr>
-        </p:nvSpPr>
-        <p:spPr/>
-        <p:txBody>
-          <a:bodyPr/>
-          <a:lstStyle/>
-          <a:p>
-            <a:r>
-              <a:rPr lang="en-US" dirty="0"/>
-              <a:t>How does it works ?</a:t>
-            </a:r>
-          </a:p>
-        </p:txBody>
-      </p:sp>
-      <p:pic>
-        <p:nvPicPr>
-          <p:cNvPr id="4" name="Picture 3"/>
-          <p:cNvPicPr>
-            <a:picLocks noChangeAspect="1"/>
-          </p:cNvPicPr>
-          <p:nvPr/>
-        </p:nvPicPr>
-        <p:blipFill>
-          <a:blip r:embed="rId2"/>
-          <a:stretch>
-            <a:fillRect/>
-          </a:stretch>
-        </p:blipFill>
-        <p:spPr>
-          <a:xfrm>
-            <a:off x="7789474" y="1551709"/>
-            <a:ext cx="3381449" cy="4364182"/>
-          </a:xfrm>
-          <a:prstGeom prst="rect">
-            <a:avLst/>
-          </a:prstGeom>
-        </p:spPr>
-      </p:pic>
-    </p:spTree>
-    <p:extLst>
-      <p:ext uri="{BB962C8B-B14F-4D97-AF65-F5344CB8AC3E}">
-        <p14:creationId xmlns:p14="http://schemas.microsoft.com/office/powerpoint/2010/main" val="30726060"/>
-      </p:ext>
-    </p:extLst>
-  </p:cSld>
-  <p:clrMapOvr>
-    <a:masterClrMapping/>
-  </p:clrMapOvr>
-  <mc:AlternateContent xmlns:mc="http://schemas.openxmlformats.org/markup-compatibility/2006" xmlns:p14="http://schemas.microsoft.com/office/powerpoint/2010/main">
-    <mc:Choice Requires="p14">
-      <p:transition spd="med" p14:dur="700">
-        <p:fade/>
-      </p:transition>
-    </mc:Choice>
-    <mc:Fallback xmlns="">
-      <p:transition spd="med">
-        <p:fade/>
-      </p:transition>
-    </mc:Fallback>
-  </mc:AlternateContent>
-</p:sld>
-</file>
-
-<file path=ppt/slides/slide7.xml><?xml version="1.0" encoding="utf-8"?>
-<p:sld xmlns:a="http://schemas.openxmlformats.org/drawingml/2006/main" xmlns:r="http://schemas.openxmlformats.org/officeDocument/2006/relationships" xmlns:p="http://schemas.openxmlformats.org/presentationml/2006/main">
-  <p:cSld>
-    <p:spTree>
-      <p:nvGrpSpPr>
-        <p:cNvPr id="1" name=""/>
-        <p:cNvGrpSpPr/>
-        <p:nvPr/>
-      </p:nvGrpSpPr>
-      <p:grpSpPr>
-        <a:xfrm>
-          <a:off x="0" y="0"/>
-          <a:ext cx="0" cy="0"/>
-          <a:chOff x="0" y="0"/>
-          <a:chExt cx="0" cy="0"/>
-        </a:xfrm>
-      </p:grpSpPr>
-      <p:sp>
-        <p:nvSpPr>
-          <p:cNvPr id="2" name="Content Placeholder 1"/>
-          <p:cNvSpPr>
-            <a:spLocks noGrp="1"/>
-          </p:cNvSpPr>
-          <p:nvPr>
-            <p:ph sz="quarter" idx="1"/>
-          </p:nvPr>
-        </p:nvSpPr>
-        <p:spPr/>
-        <p:txBody>
-          <a:bodyPr>
-            <a:normAutofit lnSpcReduction="10000"/>
-          </a:bodyPr>
-          <a:lstStyle/>
-          <a:p>
-            <a:r>
-              <a:rPr lang="fr-FR" dirty="0"/>
-              <a:t>Interactive and </a:t>
-            </a:r>
-            <a:r>
-              <a:rPr lang="fr-FR" dirty="0" err="1"/>
-              <a:t>easy</a:t>
-            </a:r>
-            <a:r>
-              <a:rPr lang="fr-FR" dirty="0"/>
-              <a:t> to use </a:t>
-            </a:r>
-          </a:p>
-          <a:p>
-            <a:r>
-              <a:rPr lang="fr-FR" dirty="0" err="1"/>
-              <a:t>Knowledge-driven</a:t>
-            </a:r>
-            <a:r>
-              <a:rPr lang="fr-FR" dirty="0"/>
-              <a:t> DSS</a:t>
-            </a:r>
-          </a:p>
-          <a:p>
-            <a:endParaRPr lang="fr-FR" dirty="0"/>
-          </a:p>
-          <a:p>
-            <a:r>
-              <a:rPr lang="fr-FR" dirty="0"/>
-              <a:t>Input: </a:t>
-            </a:r>
-            <a:r>
-              <a:rPr lang="fr-FR" dirty="0" err="1"/>
-              <a:t>symptoms</a:t>
-            </a:r>
-            <a:r>
-              <a:rPr lang="fr-FR" dirty="0"/>
-              <a:t> + </a:t>
-            </a:r>
-            <a:r>
-              <a:rPr lang="fr-FR" dirty="0" err="1"/>
-              <a:t>personal</a:t>
-            </a:r>
-            <a:r>
-              <a:rPr lang="fr-FR" dirty="0"/>
-              <a:t> data </a:t>
-            </a:r>
-          </a:p>
-          <a:p>
-            <a:r>
-              <a:rPr lang="fr-FR" dirty="0"/>
-              <a:t>Output: 3 </a:t>
-            </a:r>
-            <a:r>
-              <a:rPr lang="fr-FR" dirty="0" err="1"/>
-              <a:t>most</a:t>
-            </a:r>
-            <a:r>
-              <a:rPr lang="fr-FR" dirty="0"/>
-              <a:t> probable </a:t>
-            </a:r>
-            <a:r>
-              <a:rPr lang="fr-FR" dirty="0" err="1"/>
-              <a:t>diseases</a:t>
-            </a:r>
-            <a:r>
-              <a:rPr lang="fr-FR" dirty="0"/>
-              <a:t> and </a:t>
-            </a:r>
-            <a:r>
-              <a:rPr lang="fr-FR" dirty="0" err="1"/>
-              <a:t>advices</a:t>
-            </a:r>
-            <a:r>
-              <a:rPr lang="fr-FR" dirty="0"/>
-              <a:t> </a:t>
-            </a:r>
-          </a:p>
-          <a:p>
-            <a:r>
-              <a:rPr lang="fr-FR" dirty="0"/>
-              <a:t>Limited by the </a:t>
-            </a:r>
-            <a:r>
-              <a:rPr lang="fr-FR" dirty="0" err="1"/>
-              <a:t>database</a:t>
-            </a:r>
-            <a:r>
-              <a:rPr lang="fr-FR" dirty="0"/>
-              <a:t> </a:t>
-            </a:r>
-          </a:p>
-          <a:p>
-            <a:r>
-              <a:rPr lang="fr-FR" dirty="0" err="1"/>
-              <a:t>Compute</a:t>
-            </a:r>
-            <a:r>
-              <a:rPr lang="fr-FR" dirty="0"/>
-              <a:t> </a:t>
-            </a:r>
-            <a:r>
-              <a:rPr lang="fr-FR" dirty="0" err="1"/>
-              <a:t>probability</a:t>
-            </a:r>
-            <a:r>
-              <a:rPr lang="fr-FR" dirty="0"/>
-              <a:t> on </a:t>
-            </a:r>
-            <a:r>
-              <a:rPr lang="fr-FR" dirty="0" err="1"/>
-              <a:t>diseases</a:t>
-            </a:r>
-            <a:r>
-              <a:rPr lang="fr-FR" dirty="0"/>
-              <a:t> </a:t>
-            </a:r>
-            <a:r>
-              <a:rPr lang="fr-FR" dirty="0" err="1"/>
-              <a:t>depending</a:t>
-            </a:r>
-            <a:r>
-              <a:rPr lang="fr-FR" dirty="0"/>
-              <a:t> input data </a:t>
-            </a:r>
-          </a:p>
-          <a:p>
-            <a:r>
-              <a:rPr lang="fr-FR" dirty="0" err="1"/>
-              <a:t>Takes</a:t>
-            </a:r>
-            <a:r>
-              <a:rPr lang="fr-FR" dirty="0"/>
-              <a:t> </a:t>
-            </a:r>
-            <a:r>
-              <a:rPr lang="fr-FR" dirty="0" err="1"/>
-              <a:t>decision</a:t>
-            </a:r>
-            <a:r>
-              <a:rPr lang="fr-FR" dirty="0"/>
-              <a:t> </a:t>
-            </a:r>
-            <a:r>
-              <a:rPr lang="fr-FR" dirty="0" err="1"/>
-              <a:t>when</a:t>
-            </a:r>
-            <a:r>
-              <a:rPr lang="fr-FR" dirty="0"/>
-              <a:t> </a:t>
-            </a:r>
-            <a:r>
-              <a:rPr lang="fr-FR" dirty="0" err="1"/>
-              <a:t>threshold</a:t>
-            </a:r>
-            <a:r>
-              <a:rPr lang="fr-FR" dirty="0"/>
-              <a:t> </a:t>
-            </a:r>
-            <a:r>
-              <a:rPr lang="fr-FR" dirty="0" err="1"/>
-              <a:t>reached</a:t>
-            </a:r>
-            <a:r>
-              <a:rPr lang="fr-FR" dirty="0"/>
-              <a:t> </a:t>
-            </a:r>
-          </a:p>
-          <a:p>
-            <a:pPr lvl="1"/>
-            <a:r>
-              <a:rPr lang="fr-FR" dirty="0"/>
-              <a:t>Maximum </a:t>
-            </a:r>
-            <a:r>
-              <a:rPr lang="fr-FR" dirty="0" err="1"/>
-              <a:t>number</a:t>
-            </a:r>
-            <a:r>
-              <a:rPr lang="fr-FR" dirty="0"/>
-              <a:t> of questions </a:t>
-            </a:r>
-          </a:p>
-          <a:p>
-            <a:pPr lvl="1"/>
-            <a:r>
-              <a:rPr lang="fr-FR" dirty="0"/>
-              <a:t>Maximum </a:t>
-            </a:r>
-            <a:r>
-              <a:rPr lang="fr-FR" dirty="0" err="1"/>
-              <a:t>probability</a:t>
-            </a:r>
-            <a:r>
-              <a:rPr lang="fr-FR" dirty="0"/>
-              <a:t> </a:t>
-            </a:r>
-          </a:p>
-          <a:p>
-            <a:endParaRPr lang="en-US" dirty="0"/>
-          </a:p>
-        </p:txBody>
-      </p:sp>
-      <p:sp>
-        <p:nvSpPr>
-          <p:cNvPr id="3" name="Title 2"/>
-          <p:cNvSpPr>
-            <a:spLocks noGrp="1"/>
-          </p:cNvSpPr>
-          <p:nvPr>
-            <p:ph type="title"/>
-          </p:nvPr>
-        </p:nvSpPr>
-        <p:spPr/>
-        <p:txBody>
-          <a:bodyPr/>
-          <a:lstStyle/>
-          <a:p>
-            <a:r>
-              <a:rPr lang="fr-FR" dirty="0" err="1"/>
-              <a:t>Decision</a:t>
-            </a:r>
-            <a:r>
-              <a:rPr lang="fr-FR" dirty="0"/>
-              <a:t> Support System </a:t>
-            </a:r>
-            <a:endParaRPr lang="en-US" dirty="0"/>
-          </a:p>
-        </p:txBody>
-      </p:sp>
-    </p:spTree>
-    <p:extLst>
-      <p:ext uri="{BB962C8B-B14F-4D97-AF65-F5344CB8AC3E}">
-        <p14:creationId xmlns:p14="http://schemas.microsoft.com/office/powerpoint/2010/main" val="317634871"/>
-      </p:ext>
-    </p:extLst>
-  </p:cSld>
-  <p:clrMapOvr>
-    <a:masterClrMapping/>
-  </p:clrMapOvr>
-  <mc:AlternateContent xmlns:mc="http://schemas.openxmlformats.org/markup-compatibility/2006" xmlns:p14="http://schemas.microsoft.com/office/powerpoint/2010/main">
-    <mc:Choice Requires="p14">
-      <p:transition spd="med" p14:dur="700">
-        <p:fade/>
-      </p:transition>
-    </mc:Choice>
-    <mc:Fallback xmlns="">
-      <p:transition spd="med">
-        <p:fade/>
-      </p:transition>
-    </mc:Fallback>
-  </mc:AlternateContent>
-</p:sld>
-</file>
-
-<file path=ppt/slides/slide8.xml><?xml version="1.0" encoding="utf-8"?>
-<p:sld xmlns:a="http://schemas.openxmlformats.org/drawingml/2006/main" xmlns:r="http://schemas.openxmlformats.org/officeDocument/2006/relationships" xmlns:p="http://schemas.openxmlformats.org/presentationml/2006/main">
-  <p:cSld>
-    <p:spTree>
-      <p:nvGrpSpPr>
-        <p:cNvPr id="1" name=""/>
-        <p:cNvGrpSpPr/>
-        <p:nvPr/>
-      </p:nvGrpSpPr>
-      <p:grpSpPr>
-        <a:xfrm>
-          <a:off x="0" y="0"/>
-          <a:ext cx="0" cy="0"/>
-          <a:chOff x="0" y="0"/>
-          <a:chExt cx="0" cy="0"/>
-        </a:xfrm>
-      </p:grpSpPr>
-      <p:pic>
-        <p:nvPicPr>
-          <p:cNvPr id="8" name="Content Placeholder 7"/>
-          <p:cNvPicPr>
-            <a:picLocks noGrp="1" noChangeAspect="1"/>
-          </p:cNvPicPr>
-          <p:nvPr>
-            <p:ph sz="quarter" idx="2"/>
-          </p:nvPr>
-        </p:nvPicPr>
-        <p:blipFill>
-          <a:blip r:embed="rId2" cstate="print">
-            <a:extLst>
-              <a:ext uri="{28A0092B-C50C-407E-A947-70E740481C1C}">
-                <a14:useLocalDpi xmlns:a14="http://schemas.microsoft.com/office/drawing/2010/main" val="0"/>
-              </a:ext>
-            </a:extLst>
-          </a:blip>
-          <a:stretch>
-            <a:fillRect/>
-          </a:stretch>
-        </p:blipFill>
-        <p:spPr>
-          <a:xfrm>
-            <a:off x="7461298" y="1300017"/>
-            <a:ext cx="3404143" cy="4719783"/>
-          </a:xfrm>
-        </p:spPr>
-      </p:pic>
-      <p:sp>
-        <p:nvSpPr>
-          <p:cNvPr id="2" name="Content Placeholder 1"/>
-          <p:cNvSpPr>
-            <a:spLocks noGrp="1"/>
-          </p:cNvSpPr>
-          <p:nvPr>
-            <p:ph sz="quarter" idx="1"/>
-          </p:nvPr>
-        </p:nvSpPr>
-        <p:spPr/>
-        <p:txBody>
-          <a:bodyPr/>
-          <a:lstStyle/>
-          <a:p>
-            <a:pPr marL="0" indent="0">
-              <a:buNone/>
-            </a:pPr>
-            <a:endParaRPr lang="fr-FR" dirty="0"/>
-          </a:p>
-          <a:p>
-            <a:r>
-              <a:rPr lang="en-US" dirty="0"/>
-              <a:t>Relational Database </a:t>
-            </a:r>
-          </a:p>
-          <a:p>
-            <a:pPr marL="0" indent="0">
-              <a:buNone/>
-            </a:pPr>
-            <a:endParaRPr lang="en-US" dirty="0"/>
-          </a:p>
-          <a:p>
-            <a:r>
-              <a:rPr lang="en-US" dirty="0"/>
-              <a:t>Many-to-many</a:t>
-            </a:r>
-            <a:r>
-              <a:rPr lang="fr-FR" dirty="0"/>
-              <a:t> data model</a:t>
-            </a:r>
-          </a:p>
-          <a:p>
-            <a:endParaRPr lang="fr-FR" dirty="0"/>
-          </a:p>
-          <a:p>
-            <a:r>
-              <a:rPr lang="fr-FR" dirty="0"/>
-              <a:t>3 tables </a:t>
-            </a:r>
-            <a:endParaRPr lang="en-US" dirty="0"/>
-          </a:p>
-          <a:p>
-            <a:pPr lvl="1"/>
-            <a:r>
-              <a:rPr lang="en-US" dirty="0"/>
-              <a:t>Symptoms</a:t>
-            </a:r>
-            <a:r>
-              <a:rPr lang="fr-FR" dirty="0"/>
-              <a:t> </a:t>
-            </a:r>
-          </a:p>
-          <a:p>
-            <a:pPr lvl="1"/>
-            <a:r>
-              <a:rPr lang="en-US" dirty="0"/>
-              <a:t>Diseases</a:t>
-            </a:r>
-            <a:endParaRPr lang="fr-FR" dirty="0"/>
-          </a:p>
-          <a:p>
-            <a:pPr lvl="1"/>
-            <a:r>
-              <a:rPr lang="fr-FR" dirty="0" err="1"/>
-              <a:t>Diagnosis</a:t>
-            </a:r>
-            <a:endParaRPr lang="fr-FR" dirty="0"/>
-          </a:p>
-        </p:txBody>
-      </p:sp>
-      <p:sp>
-        <p:nvSpPr>
-          <p:cNvPr id="3" name="Title 2"/>
-          <p:cNvSpPr>
-            <a:spLocks noGrp="1"/>
-          </p:cNvSpPr>
-          <p:nvPr>
-            <p:ph type="title"/>
-          </p:nvPr>
-        </p:nvSpPr>
-        <p:spPr/>
-        <p:txBody>
-          <a:bodyPr/>
-          <a:lstStyle/>
-          <a:p>
-            <a:r>
-              <a:rPr lang="en-US" dirty="0"/>
-              <a:t>Database</a:t>
-            </a:r>
-          </a:p>
-        </p:txBody>
-      </p:sp>
-    </p:spTree>
-    <p:extLst>
-      <p:ext uri="{BB962C8B-B14F-4D97-AF65-F5344CB8AC3E}">
-        <p14:creationId xmlns:p14="http://schemas.microsoft.com/office/powerpoint/2010/main" val="2192671306"/>
-      </p:ext>
-    </p:extLst>
-  </p:cSld>
-  <p:clrMapOvr>
-    <a:masterClrMapping/>
-  </p:clrMapOvr>
-  <mc:AlternateContent xmlns:mc="http://schemas.openxmlformats.org/markup-compatibility/2006" xmlns:p14="http://schemas.microsoft.com/office/powerpoint/2010/main">
-    <mc:Choice Requires="p14">
-      <p:transition spd="med" p14:dur="700">
-        <p:fade/>
-      </p:transition>
-    </mc:Choice>
-    <mc:Fallback xmlns="">
-      <p:transition spd="med">
-        <p:fade/>
-      </p:transition>
-    </mc:Fallback>
-  </mc:AlternateContent>
-</p:sld>
-</file>
-
 <file path=ppt/slides/slide9.xml><?xml version="1.0" encoding="utf-8"?>
 <p:sld xmlns:a="http://schemas.openxmlformats.org/drawingml/2006/main" xmlns:r="http://schemas.openxmlformats.org/officeDocument/2006/relationships" xmlns:p="http://schemas.openxmlformats.org/presentationml/2006/main">
   <p:cSld>
@@ -7445,6 +6590,29 @@
       </p:grpSpPr>
       <p:sp>
         <p:nvSpPr>
+          <p:cNvPr id="2" name="Content Placeholder 1"/>
+          <p:cNvSpPr>
+            <a:spLocks noGrp="1"/>
+          </p:cNvSpPr>
+          <p:nvPr>
+            <p:ph sz="quarter" idx="1"/>
+          </p:nvPr>
+        </p:nvSpPr>
+        <p:spPr/>
+        <p:txBody>
+          <a:bodyPr/>
+          <a:lstStyle/>
+          <a:p>
+            <a:r>
+              <a:rPr lang="fr-FR" dirty="0"/>
+              <a:t>TODO</a:t>
+            </a:r>
+            <a:endParaRPr lang="en-US" dirty="0"/>
+          </a:p>
+        </p:txBody>
+      </p:sp>
+      <p:sp>
+        <p:nvSpPr>
           <p:cNvPr id="3" name="Title 2"/>
           <p:cNvSpPr>
             <a:spLocks noGrp="1"/>
@@ -7459,76 +6627,21 @@
           <a:lstStyle/>
           <a:p>
             <a:r>
-              <a:rPr lang="en-US" dirty="0"/>
-              <a:t>Database structure</a:t>
-            </a:r>
-          </a:p>
-        </p:txBody>
-      </p:sp>
-      <p:pic>
-        <p:nvPicPr>
-          <p:cNvPr id="5" name="Picture 4"/>
-          <p:cNvPicPr>
-            <a:picLocks noChangeAspect="1"/>
-          </p:cNvPicPr>
-          <p:nvPr/>
-        </p:nvPicPr>
-        <p:blipFill>
-          <a:blip r:embed="rId2">
-            <a:extLst>
-              <a:ext uri="{28A0092B-C50C-407E-A947-70E740481C1C}">
-                <a14:useLocalDpi xmlns:a14="http://schemas.microsoft.com/office/drawing/2010/main" val="0"/>
-              </a:ext>
-            </a:extLst>
-          </a:blip>
-          <a:stretch>
-            <a:fillRect/>
-          </a:stretch>
-        </p:blipFill>
-        <p:spPr>
-          <a:xfrm>
-            <a:off x="582594" y="3337055"/>
-            <a:ext cx="7754098" cy="3119088"/>
-          </a:xfrm>
-          <a:prstGeom prst="rect">
-            <a:avLst/>
-          </a:prstGeom>
-        </p:spPr>
-      </p:pic>
-      <p:pic>
-        <p:nvPicPr>
-          <p:cNvPr id="8" name="Picture 7"/>
-          <p:cNvPicPr>
-            <a:picLocks noChangeAspect="1"/>
-          </p:cNvPicPr>
-          <p:nvPr/>
-        </p:nvPicPr>
-        <p:blipFill>
-          <a:blip r:embed="rId3">
-            <a:extLst>
-              <a:ext uri="{28A0092B-C50C-407E-A947-70E740481C1C}">
-                <a14:useLocalDpi xmlns:a14="http://schemas.microsoft.com/office/drawing/2010/main" val="0"/>
-              </a:ext>
-            </a:extLst>
-          </a:blip>
-          <a:stretch>
-            <a:fillRect/>
-          </a:stretch>
-        </p:blipFill>
-        <p:spPr>
-          <a:xfrm>
-            <a:off x="7300087" y="923368"/>
-            <a:ext cx="4165621" cy="2787216"/>
-          </a:xfrm>
-          <a:prstGeom prst="rect">
-            <a:avLst/>
-          </a:prstGeom>
-        </p:spPr>
-      </p:pic>
+              <a:rPr lang="fr-FR" dirty="0" err="1"/>
+              <a:t>Probability</a:t>
+            </a:r>
+            <a:r>
+              <a:rPr lang="fr-FR" dirty="0"/>
+              <a:t> computation </a:t>
+            </a:r>
+            <a:endParaRPr lang="en-US" dirty="0"/>
+          </a:p>
+        </p:txBody>
+      </p:sp>
     </p:spTree>
     <p:extLst>
       <p:ext uri="{BB962C8B-B14F-4D97-AF65-F5344CB8AC3E}">
-        <p14:creationId xmlns:p14="http://schemas.microsoft.com/office/powerpoint/2010/main" val="1345546781"/>
+        <p14:creationId xmlns:p14="http://schemas.microsoft.com/office/powerpoint/2010/main" val="1419907118"/>
       </p:ext>
     </p:extLst>
   </p:cSld>

--- a/Health_Care_Bot.pptx
+++ b/Health_Care_Bot.pptx
@@ -5,10 +5,10 @@
     <p:sldMasterId id="2147483684" r:id="rId2"/>
   </p:sldMasterIdLst>
   <p:notesMasterIdLst>
-    <p:notesMasterId r:id="rId15"/>
+    <p:notesMasterId r:id="rId14"/>
   </p:notesMasterIdLst>
   <p:handoutMasterIdLst>
-    <p:handoutMasterId r:id="rId16"/>
+    <p:handoutMasterId r:id="rId15"/>
   </p:handoutMasterIdLst>
   <p:sldIdLst>
     <p:sldId id="280" r:id="rId3"/>
@@ -21,8 +21,7 @@
     <p:sldId id="274" r:id="rId10"/>
     <p:sldId id="282" r:id="rId11"/>
     <p:sldId id="275" r:id="rId12"/>
-    <p:sldId id="276" r:id="rId13"/>
-    <p:sldId id="277" r:id="rId14"/>
+    <p:sldId id="277" r:id="rId13"/>
   </p:sldIdLst>
   <p:sldSz cx="12192000" cy="6858000"/>
   <p:notesSz cx="6858000" cy="9144000"/>
@@ -143,6 +142,10 @@
 </p:presentation>
 </file>
 
+<file path=ppt/revisionInfo.xml><?xml version="1.0" encoding="utf-8"?>
+<p1510:revInfo xmlns:a="http://schemas.openxmlformats.org/drawingml/2006/main" xmlns:r="http://schemas.openxmlformats.org/officeDocument/2006/relationships" xmlns:p1510="http://schemas.microsoft.com/office/powerpoint/2015/10/main"/>
+</file>
+
 <file path=ppt/handoutMasters/handoutMaster1.xml><?xml version="1.0" encoding="utf-8"?>
 <p:handoutMaster xmlns:a="http://schemas.openxmlformats.org/drawingml/2006/main" xmlns:r="http://schemas.openxmlformats.org/officeDocument/2006/relationships" xmlns:p="http://schemas.openxmlformats.org/presentationml/2006/main">
   <p:cSld>
@@ -225,7 +228,7 @@
           <a:p>
             <a:fld id="{E5CB2E47-6F41-409B-AD22-834AE1EFF186}" type="datetimeFigureOut">
               <a:rPr lang="en-US" smtClean="0"/>
-              <a:t>25-May-17</a:t>
+              <a:t>01-Jun-17</a:t>
             </a:fld>
             <a:endParaRPr lang="en-US"/>
           </a:p>
@@ -390,7 +393,7 @@
           <a:p>
             <a:fld id="{FAD6744A-403D-42A1-BFE7-61DA46EE7C6C}" type="datetimeFigureOut">
               <a:rPr lang="en-US" smtClean="0"/>
-              <a:t>25-May-17</a:t>
+              <a:t>01-Jun-17</a:t>
             </a:fld>
             <a:endParaRPr lang="en-US"/>
           </a:p>
@@ -785,7 +788,7 @@
           <a:p>
             <a:fld id="{349BF3EA-1A78-4F07-BDC0-C8A1BD461199}" type="datetimeFigureOut">
               <a:rPr lang="en-US" smtClean="0"/>
-              <a:t>25-May-17</a:t>
+              <a:t>01-Jun-17</a:t>
             </a:fld>
             <a:endParaRPr lang="en-US"/>
           </a:p>
@@ -1193,7 +1196,7 @@
           <a:p>
             <a:fld id="{349BF3EA-1A78-4F07-BDC0-C8A1BD461199}" type="datetimeFigureOut">
               <a:rPr lang="en-US" smtClean="0"/>
-              <a:t>25-May-17</a:t>
+              <a:t>01-Jun-17</a:t>
             </a:fld>
             <a:endParaRPr lang="en-US"/>
           </a:p>
@@ -1322,7 +1325,7 @@
           <a:p>
             <a:fld id="{349BF3EA-1A78-4F07-BDC0-C8A1BD461199}" type="datetimeFigureOut">
               <a:rPr lang="en-US" smtClean="0"/>
-              <a:t>25-May-17</a:t>
+              <a:t>01-Jun-17</a:t>
             </a:fld>
             <a:endParaRPr lang="en-US"/>
           </a:p>
@@ -1513,7 +1516,7 @@
           <a:p>
             <a:fld id="{349BF3EA-1A78-4F07-BDC0-C8A1BD461199}" type="datetimeFigureOut">
               <a:rPr lang="en-US" smtClean="0"/>
-              <a:t>25-May-17</a:t>
+              <a:t>01-Jun-17</a:t>
             </a:fld>
             <a:endParaRPr lang="en-US"/>
           </a:p>
@@ -1793,7 +1796,7 @@
           <a:p>
             <a:fld id="{349BF3EA-1A78-4F07-BDC0-C8A1BD461199}" type="datetimeFigureOut">
               <a:rPr lang="en-US" smtClean="0"/>
-              <a:t>25-May-17</a:t>
+              <a:t>01-Jun-17</a:t>
             </a:fld>
             <a:endParaRPr lang="en-US"/>
           </a:p>
@@ -2162,7 +2165,7 @@
           <a:p>
             <a:fld id="{349BF3EA-1A78-4F07-BDC0-C8A1BD461199}" type="datetimeFigureOut">
               <a:rPr lang="en-US" smtClean="0"/>
-              <a:t>25-May-17</a:t>
+              <a:t>01-Jun-17</a:t>
             </a:fld>
             <a:endParaRPr lang="en-US"/>
           </a:p>
@@ -2405,7 +2408,7 @@
           <a:p>
             <a:fld id="{349BF3EA-1A78-4F07-BDC0-C8A1BD461199}" type="datetimeFigureOut">
               <a:rPr lang="en-US" smtClean="0"/>
-              <a:t>25-May-17</a:t>
+              <a:t>01-Jun-17</a:t>
             </a:fld>
             <a:endParaRPr lang="en-US"/>
           </a:p>
@@ -2783,7 +2786,7 @@
           <a:p>
             <a:fld id="{349BF3EA-1A78-4F07-BDC0-C8A1BD461199}" type="datetimeFigureOut">
               <a:rPr lang="en-US" smtClean="0"/>
-              <a:t>25-May-17</a:t>
+              <a:t>01-Jun-17</a:t>
             </a:fld>
             <a:endParaRPr lang="en-US"/>
           </a:p>
@@ -2912,7 +2915,7 @@
           <a:p>
             <a:fld id="{349BF3EA-1A78-4F07-BDC0-C8A1BD461199}" type="datetimeFigureOut">
               <a:rPr lang="en-US" smtClean="0"/>
-              <a:t>25-May-17</a:t>
+              <a:t>01-Jun-17</a:t>
             </a:fld>
             <a:endParaRPr lang="en-US"/>
           </a:p>
@@ -3114,7 +3117,7 @@
           <a:p>
             <a:fld id="{349BF3EA-1A78-4F07-BDC0-C8A1BD461199}" type="datetimeFigureOut">
               <a:rPr lang="en-US" smtClean="0"/>
-              <a:t>25-May-17</a:t>
+              <a:t>01-Jun-17</a:t>
             </a:fld>
             <a:endParaRPr lang="en-US"/>
           </a:p>
@@ -3360,7 +3363,7 @@
           <a:p>
             <a:fld id="{349BF3EA-1A78-4F07-BDC0-C8A1BD461199}" type="datetimeFigureOut">
               <a:rPr lang="en-US" smtClean="0"/>
-              <a:t>25-May-17</a:t>
+              <a:t>01-Jun-17</a:t>
             </a:fld>
             <a:endParaRPr lang="en-US"/>
           </a:p>
@@ -3862,7 +3865,7 @@
           <a:p>
             <a:fld id="{349BF3EA-1A78-4F07-BDC0-C8A1BD461199}" type="datetimeFigureOut">
               <a:rPr lang="en-US" smtClean="0"/>
-              <a:t>25-May-17</a:t>
+              <a:t>01-Jun-17</a:t>
             </a:fld>
             <a:endParaRPr lang="en-US"/>
           </a:p>
@@ -4393,10 +4396,52 @@
           <a:bodyPr/>
           <a:lstStyle/>
           <a:p>
+            <a:pPr>
+              <a:spcAft>
+                <a:spcPts val="1200"/>
+              </a:spcAft>
+            </a:pPr>
             <a:r>
               <a:rPr lang="en-US" dirty="0"/>
               <a:t>Decision Support Systems</a:t>
             </a:r>
+          </a:p>
+          <a:p>
+            <a:r>
+              <a:rPr lang="en-US" dirty="0" err="1"/>
+              <a:t>Emirhan</a:t>
+            </a:r>
+            <a:r>
+              <a:rPr lang="en-US" dirty="0"/>
+              <a:t> </a:t>
+            </a:r>
+            <a:r>
+              <a:rPr lang="en-US" dirty="0" err="1"/>
+              <a:t>Kutlu</a:t>
+            </a:r>
+            <a:r>
+              <a:rPr lang="en-US" dirty="0"/>
+              <a:t>, Lucie Labadie, </a:t>
+            </a:r>
+          </a:p>
+          <a:p>
+            <a:r>
+              <a:rPr lang="en-US" dirty="0"/>
+              <a:t>Sundeep Raj </a:t>
+            </a:r>
+            <a:r>
+              <a:rPr lang="en-US" dirty="0" err="1"/>
+              <a:t>Thummapudi</a:t>
+            </a:r>
+            <a:r>
+              <a:rPr lang="en-US" dirty="0"/>
+              <a:t>, Rosen </a:t>
+            </a:r>
+            <a:r>
+              <a:rPr lang="en-US" dirty="0" err="1"/>
+              <a:t>Sasov</a:t>
+            </a:r>
+            <a:endParaRPr lang="en-US" dirty="0"/>
           </a:p>
         </p:txBody>
       </p:sp>
@@ -4512,7 +4557,7 @@
           <a:p>
             <a:r>
               <a:rPr lang="en-US" dirty="0"/>
-              <a:t>Bot logic: Telegram Bot</a:t>
+              <a:t>Bot logic: Telegram Bot (Python module)</a:t>
             </a:r>
           </a:p>
           <a:p>
@@ -4726,6 +4771,29 @@
           <a:p>
             <a:r>
               <a:rPr lang="en-US" dirty="0"/>
+              <a:t>Could be adapted for mobile use </a:t>
+            </a:r>
+          </a:p>
+          <a:p>
+            <a:r>
+              <a:rPr lang="fr-FR" dirty="0"/>
+              <a:t>C</a:t>
+            </a:r>
+            <a:r>
+              <a:rPr lang="en-US" dirty="0" err="1"/>
+              <a:t>ould</a:t>
+            </a:r>
+            <a:r>
+              <a:rPr lang="en-US" dirty="0"/>
+              <a:t> be affined for professional use</a:t>
+            </a:r>
+          </a:p>
+          <a:p>
+            <a:endParaRPr lang="en-US" dirty="0"/>
+          </a:p>
+          <a:p>
+            <a:r>
+              <a:rPr lang="en-US" dirty="0"/>
               <a:t>First thought wanted to use Django </a:t>
             </a:r>
             <a:r>
@@ -4796,104 +4864,10 @@
             </a:r>
             <a:endParaRPr lang="en-US" dirty="0"/>
           </a:p>
-        </p:txBody>
-      </p:sp>
-      <p:sp>
-        <p:nvSpPr>
-          <p:cNvPr id="3" name="Title 2"/>
-          <p:cNvSpPr>
-            <a:spLocks noGrp="1"/>
-          </p:cNvSpPr>
-          <p:nvPr>
-            <p:ph type="title"/>
-          </p:nvPr>
-        </p:nvSpPr>
-        <p:spPr/>
-        <p:txBody>
-          <a:bodyPr/>
-          <a:lstStyle/>
           <a:p>
             <a:r>
               <a:rPr lang="en-US" dirty="0"/>
-              <a:t>Difficulties </a:t>
-            </a:r>
-          </a:p>
-        </p:txBody>
-      </p:sp>
-    </p:spTree>
-    <p:extLst>
-      <p:ext uri="{BB962C8B-B14F-4D97-AF65-F5344CB8AC3E}">
-        <p14:creationId xmlns:p14="http://schemas.microsoft.com/office/powerpoint/2010/main" val="2265463819"/>
-      </p:ext>
-    </p:extLst>
-  </p:cSld>
-  <p:clrMapOvr>
-    <a:masterClrMapping/>
-  </p:clrMapOvr>
-  <mc:AlternateContent xmlns:mc="http://schemas.openxmlformats.org/markup-compatibility/2006" xmlns:p14="http://schemas.microsoft.com/office/powerpoint/2010/main">
-    <mc:Choice Requires="p14">
-      <p:transition spd="med" p14:dur="700">
-        <p:fade/>
-      </p:transition>
-    </mc:Choice>
-    <mc:Fallback xmlns="">
-      <p:transition spd="med">
-        <p:fade/>
-      </p:transition>
-    </mc:Fallback>
-  </mc:AlternateContent>
-</p:sld>
-</file>
-
-<file path=ppt/slides/slide12.xml><?xml version="1.0" encoding="utf-8"?>
-<p:sld xmlns:a="http://schemas.openxmlformats.org/drawingml/2006/main" xmlns:r="http://schemas.openxmlformats.org/officeDocument/2006/relationships" xmlns:p="http://schemas.openxmlformats.org/presentationml/2006/main">
-  <p:cSld>
-    <p:spTree>
-      <p:nvGrpSpPr>
-        <p:cNvPr id="1" name=""/>
-        <p:cNvGrpSpPr/>
-        <p:nvPr/>
-      </p:nvGrpSpPr>
-      <p:grpSpPr>
-        <a:xfrm>
-          <a:off x="0" y="0"/>
-          <a:ext cx="0" cy="0"/>
-          <a:chOff x="0" y="0"/>
-          <a:chExt cx="0" cy="0"/>
-        </a:xfrm>
-      </p:grpSpPr>
-      <p:sp>
-        <p:nvSpPr>
-          <p:cNvPr id="2" name="Content Placeholder 1"/>
-          <p:cNvSpPr>
-            <a:spLocks noGrp="1"/>
-          </p:cNvSpPr>
-          <p:nvPr>
-            <p:ph sz="quarter" idx="1"/>
-          </p:nvPr>
-        </p:nvSpPr>
-        <p:spPr/>
-        <p:txBody>
-          <a:bodyPr/>
-          <a:lstStyle/>
-          <a:p>
-            <a:r>
-              <a:rPr lang="en-US" dirty="0"/>
-              <a:t>Could be adapted for mobile use </a:t>
-            </a:r>
-          </a:p>
-          <a:p>
-            <a:r>
-              <a:rPr lang="fr-FR" dirty="0"/>
-              <a:t>C</a:t>
-            </a:r>
-            <a:r>
-              <a:rPr lang="en-US" dirty="0" err="1"/>
-              <a:t>ould</a:t>
-            </a:r>
-            <a:r>
-              <a:rPr lang="en-US" dirty="0"/>
-              <a:t> be affined for professional use </a:t>
+              <a:t>(challenge) </a:t>
             </a:r>
           </a:p>
           <a:p>
@@ -5018,15 +4992,7 @@
             </a:r>
             <a:r>
               <a:rPr lang="en-US" dirty="0"/>
-              <a:t> data: weight, height, </a:t>
-            </a:r>
-            <a:r>
-              <a:rPr lang="en-US" dirty="0" err="1"/>
-              <a:t>smocker</a:t>
-            </a:r>
-            <a:r>
-              <a:rPr lang="en-US" dirty="0"/>
-              <a:t>…</a:t>
+              <a:t> data: weight, height, smoker…</a:t>
             </a:r>
           </a:p>
           <a:p>
@@ -5453,22 +5419,28 @@
       </p:sp>
       <p:pic>
         <p:nvPicPr>
-          <p:cNvPr id="4" name="Picture 3"/>
+          <p:cNvPr id="6" name="Picture 5"/>
           <p:cNvPicPr>
             <a:picLocks noChangeAspect="1"/>
           </p:cNvPicPr>
           <p:nvPr/>
         </p:nvPicPr>
         <p:blipFill>
-          <a:blip r:embed="rId2"/>
+          <a:blip r:embed="rId2" cstate="print">
+            <a:extLst>
+              <a:ext uri="{28A0092B-C50C-407E-A947-70E740481C1C}">
+                <a14:useLocalDpi xmlns:a14="http://schemas.microsoft.com/office/drawing/2010/main" val="0"/>
+              </a:ext>
+            </a:extLst>
+          </a:blip>
           <a:stretch>
             <a:fillRect/>
           </a:stretch>
         </p:blipFill>
         <p:spPr>
           <a:xfrm>
-            <a:off x="7789474" y="1551709"/>
-            <a:ext cx="3381449" cy="4364182"/>
+            <a:off x="7963415" y="762000"/>
+            <a:ext cx="2956034" cy="5257800"/>
           </a:xfrm>
           <a:prstGeom prst="rect">
             <a:avLst/>
@@ -5550,11 +5522,11 @@
           <a:p>
             <a:r>
               <a:rPr lang="fr-FR" dirty="0" err="1"/>
-              <a:t>Knowledge</a:t>
+              <a:t>Knowledge-driven</a:t>
             </a:r>
             <a:r>
               <a:rPr lang="fr-FR" dirty="0"/>
-              <a:t>-drive DSS</a:t>
+              <a:t> DSS</a:t>
             </a:r>
           </a:p>
           <a:p>
@@ -6604,8 +6576,132 @@
           <a:lstStyle/>
           <a:p>
             <a:r>
+              <a:rPr lang="en-US" dirty="0"/>
+              <a:t>Compute scores</a:t>
+            </a:r>
+          </a:p>
+          <a:p>
+            <a:endParaRPr lang="en-US" dirty="0"/>
+          </a:p>
+          <a:p>
+            <a:endParaRPr lang="en-US" dirty="0"/>
+          </a:p>
+          <a:p>
+            <a:endParaRPr lang="en-US" dirty="0"/>
+          </a:p>
+          <a:p>
+            <a:r>
+              <a:rPr lang="en-US" dirty="0"/>
+              <a:t>The higher scores are chosen as the most probable sicknesses </a:t>
+            </a:r>
+          </a:p>
+          <a:p>
+            <a:r>
               <a:rPr lang="fr-FR" dirty="0"/>
-              <a:t>TODO</a:t>
+              <a:t>I</a:t>
+            </a:r>
+            <a:r>
+              <a:rPr lang="en-US" dirty="0"/>
+              <a:t>n the case of a draw we use personal information to decide between the two</a:t>
+            </a:r>
+          </a:p>
+          <a:p>
+            <a:pPr lvl="1"/>
+            <a:r>
+              <a:rPr lang="fr-FR" dirty="0" err="1"/>
+              <a:t>Example</a:t>
+            </a:r>
+            <a:r>
+              <a:rPr lang="fr-FR" dirty="0"/>
+              <a:t> : </a:t>
+            </a:r>
+            <a:r>
+              <a:rPr lang="fr-FR" dirty="0" err="1"/>
+              <a:t>draw</a:t>
+            </a:r>
+            <a:r>
+              <a:rPr lang="fr-FR" dirty="0"/>
+              <a:t> </a:t>
+            </a:r>
+            <a:r>
+              <a:rPr lang="fr-FR" dirty="0" err="1"/>
+              <a:t>between</a:t>
+            </a:r>
+            <a:r>
+              <a:rPr lang="fr-FR" dirty="0"/>
+              <a:t> </a:t>
+            </a:r>
+            <a:r>
+              <a:rPr lang="fr-FR" dirty="0" err="1"/>
+              <a:t>flu</a:t>
+            </a:r>
+            <a:r>
+              <a:rPr lang="fr-FR" dirty="0"/>
+              <a:t> and </a:t>
+            </a:r>
+            <a:r>
+              <a:rPr lang="fr-FR" dirty="0" err="1"/>
+              <a:t>pneumonia</a:t>
+            </a:r>
+            <a:r>
+              <a:rPr lang="fr-FR" dirty="0"/>
+              <a:t> + the patient </a:t>
+            </a:r>
+            <a:r>
+              <a:rPr lang="fr-FR" dirty="0" err="1"/>
+              <a:t>is</a:t>
+            </a:r>
+            <a:r>
+              <a:rPr lang="fr-FR" dirty="0"/>
+              <a:t> a smocker </a:t>
+            </a:r>
+            <a:r>
+              <a:rPr lang="fr-FR" dirty="0">
+                <a:sym typeface="Wingdings" panose="05000000000000000000" pitchFamily="2" charset="2"/>
+              </a:rPr>
+              <a:t> </a:t>
+            </a:r>
+            <a:r>
+              <a:rPr lang="fr-FR" dirty="0" err="1">
+                <a:sym typeface="Wingdings" panose="05000000000000000000" pitchFamily="2" charset="2"/>
+              </a:rPr>
+              <a:t>pneumonia</a:t>
+            </a:r>
+            <a:r>
+              <a:rPr lang="fr-FR" dirty="0">
+                <a:sym typeface="Wingdings" panose="05000000000000000000" pitchFamily="2" charset="2"/>
+              </a:rPr>
+              <a:t> </a:t>
+            </a:r>
+            <a:r>
+              <a:rPr lang="fr-FR" dirty="0" err="1">
+                <a:sym typeface="Wingdings" panose="05000000000000000000" pitchFamily="2" charset="2"/>
+              </a:rPr>
+              <a:t>is</a:t>
+            </a:r>
+            <a:r>
+              <a:rPr lang="fr-FR" dirty="0">
+                <a:sym typeface="Wingdings" panose="05000000000000000000" pitchFamily="2" charset="2"/>
+              </a:rPr>
+              <a:t> </a:t>
+            </a:r>
+            <a:r>
+              <a:rPr lang="fr-FR" dirty="0" err="1">
+                <a:sym typeface="Wingdings" panose="05000000000000000000" pitchFamily="2" charset="2"/>
+              </a:rPr>
+              <a:t>chosen</a:t>
+            </a:r>
+            <a:r>
+              <a:rPr lang="fr-FR" dirty="0">
+                <a:sym typeface="Wingdings" panose="05000000000000000000" pitchFamily="2" charset="2"/>
+              </a:rPr>
+              <a:t> over </a:t>
+            </a:r>
+            <a:r>
+              <a:rPr lang="fr-FR" dirty="0" err="1">
+                <a:sym typeface="Wingdings" panose="05000000000000000000" pitchFamily="2" charset="2"/>
+              </a:rPr>
+              <a:t>flu</a:t>
             </a:r>
             <a:endParaRPr lang="en-US" dirty="0"/>
           </a:p>
@@ -6638,6 +6734,239 @@
           </a:p>
         </p:txBody>
       </p:sp>
+      <mc:AlternateContent xmlns:mc="http://schemas.openxmlformats.org/markup-compatibility/2006" xmlns:a14="http://schemas.microsoft.com/office/drawing/2010/main">
+        <mc:Choice Requires="a14">
+          <p:sp>
+            <p:nvSpPr>
+              <p:cNvPr id="4" name="TextBox 3"/>
+              <p:cNvSpPr txBox="1"/>
+              <p:nvPr/>
+            </p:nvSpPr>
+            <p:spPr>
+              <a:xfrm>
+                <a:off x="3303313" y="2365568"/>
+                <a:ext cx="5585375" cy="575157"/>
+              </a:xfrm>
+              <a:prstGeom prst="rect">
+                <a:avLst/>
+              </a:prstGeom>
+              <a:noFill/>
+              <a:ln>
+                <a:solidFill>
+                  <a:schemeClr val="bg2"/>
+                </a:solidFill>
+              </a:ln>
+            </p:spPr>
+            <p:txBody>
+              <a:bodyPr wrap="none" lIns="0" tIns="0" rIns="0" bIns="0" rtlCol="0" anchor="ctr" anchorCtr="1">
+                <a:spAutoFit/>
+              </a:bodyPr>
+              <a:lstStyle/>
+              <a:p>
+                <a:pPr/>
+                <a14:m>
+                  <m:oMathPara xmlns:m="http://schemas.openxmlformats.org/officeDocument/2006/math">
+                    <m:oMathParaPr>
+                      <m:jc m:val="centerGroup"/>
+                    </m:oMathParaPr>
+                    <m:oMath xmlns:m="http://schemas.openxmlformats.org/officeDocument/2006/math">
+                      <m:r>
+                        <a:rPr lang="fr-FR" b="0" i="1" smtClean="0">
+                          <a:latin typeface="Cambria Math" panose="02040503050406030204" pitchFamily="18" charset="0"/>
+                        </a:rPr>
+                        <m:t>𝑆𝑐𝑜𝑟𝑒</m:t>
+                      </m:r>
+                      <m:r>
+                        <a:rPr lang="fr-FR" b="0" i="1" smtClean="0">
+                          <a:latin typeface="Cambria Math" panose="02040503050406030204" pitchFamily="18" charset="0"/>
+                        </a:rPr>
+                        <m:t>= </m:t>
+                      </m:r>
+                      <m:f>
+                        <m:fPr>
+                          <m:ctrlPr>
+                            <a:rPr lang="fr-FR" b="0" i="1" smtClean="0">
+                              <a:latin typeface="Cambria Math" panose="02040503050406030204" pitchFamily="18" charset="0"/>
+                            </a:rPr>
+                          </m:ctrlPr>
+                        </m:fPr>
+                        <m:num>
+                          <m:r>
+                            <a:rPr lang="fr-FR" b="0" i="1" smtClean="0">
+                              <a:latin typeface="Cambria Math" panose="02040503050406030204" pitchFamily="18" charset="0"/>
+                            </a:rPr>
+                            <m:t>𝑁𝑢𝑚𝑏𝑒𝑟</m:t>
+                          </m:r>
+                          <m:r>
+                            <a:rPr lang="fr-FR" b="0" i="1" smtClean="0">
+                              <a:latin typeface="Cambria Math" panose="02040503050406030204" pitchFamily="18" charset="0"/>
+                            </a:rPr>
+                            <m:t> </m:t>
+                          </m:r>
+                          <m:r>
+                            <a:rPr lang="fr-FR" b="0" i="1" smtClean="0">
+                              <a:latin typeface="Cambria Math" panose="02040503050406030204" pitchFamily="18" charset="0"/>
+                            </a:rPr>
+                            <m:t>𝑜𝑓</m:t>
+                          </m:r>
+                          <m:r>
+                            <a:rPr lang="fr-FR" b="0" i="1" smtClean="0">
+                              <a:latin typeface="Cambria Math" panose="02040503050406030204" pitchFamily="18" charset="0"/>
+                            </a:rPr>
+                            <m:t> </m:t>
+                          </m:r>
+                          <m:r>
+                            <a:rPr lang="fr-FR" b="0" i="1" smtClean="0">
+                              <a:latin typeface="Cambria Math" panose="02040503050406030204" pitchFamily="18" charset="0"/>
+                            </a:rPr>
+                            <m:t>𝑐𝑜𝑚𝑚𝑜𝑛</m:t>
+                          </m:r>
+                          <m:r>
+                            <a:rPr lang="fr-FR" b="0" i="1" smtClean="0">
+                              <a:latin typeface="Cambria Math" panose="02040503050406030204" pitchFamily="18" charset="0"/>
+                            </a:rPr>
+                            <m:t> </m:t>
+                          </m:r>
+                          <m:r>
+                            <a:rPr lang="fr-FR" b="0" i="1" smtClean="0">
+                              <a:latin typeface="Cambria Math" panose="02040503050406030204" pitchFamily="18" charset="0"/>
+                            </a:rPr>
+                            <m:t>𝑠𝑦𝑚𝑝𝑡𝑜𝑚𝑠</m:t>
+                          </m:r>
+                        </m:num>
+                        <m:den>
+                          <m:r>
+                            <a:rPr lang="fr-FR" b="0" i="1" smtClean="0">
+                              <a:latin typeface="Cambria Math" panose="02040503050406030204" pitchFamily="18" charset="0"/>
+                            </a:rPr>
+                            <m:t>𝑇𝑜𝑡𝑎𝑙</m:t>
+                          </m:r>
+                          <m:r>
+                            <a:rPr lang="fr-FR" b="0" i="1" smtClean="0">
+                              <a:latin typeface="Cambria Math" panose="02040503050406030204" pitchFamily="18" charset="0"/>
+                            </a:rPr>
+                            <m:t> </m:t>
+                          </m:r>
+                          <m:r>
+                            <a:rPr lang="fr-FR" b="0" i="1" smtClean="0">
+                              <a:latin typeface="Cambria Math" panose="02040503050406030204" pitchFamily="18" charset="0"/>
+                            </a:rPr>
+                            <m:t>𝑛𝑢𝑚𝑏𝑒𝑟</m:t>
+                          </m:r>
+                          <m:r>
+                            <a:rPr lang="fr-FR" b="0" i="1" smtClean="0">
+                              <a:latin typeface="Cambria Math" panose="02040503050406030204" pitchFamily="18" charset="0"/>
+                            </a:rPr>
+                            <m:t> </m:t>
+                          </m:r>
+                          <m:r>
+                            <a:rPr lang="fr-FR" b="0" i="1" smtClean="0">
+                              <a:latin typeface="Cambria Math" panose="02040503050406030204" pitchFamily="18" charset="0"/>
+                            </a:rPr>
+                            <m:t>𝑜𝑓</m:t>
+                          </m:r>
+                          <m:r>
+                            <a:rPr lang="fr-FR" b="0" i="1" smtClean="0">
+                              <a:latin typeface="Cambria Math" panose="02040503050406030204" pitchFamily="18" charset="0"/>
+                            </a:rPr>
+                            <m:t> </m:t>
+                          </m:r>
+                          <m:r>
+                            <a:rPr lang="fr-FR" b="0" i="1" smtClean="0">
+                              <a:latin typeface="Cambria Math" panose="02040503050406030204" pitchFamily="18" charset="0"/>
+                            </a:rPr>
+                            <m:t>𝑠𝑦𝑚𝑝𝑡𝑜𝑚𝑠</m:t>
+                          </m:r>
+                          <m:r>
+                            <a:rPr lang="fr-FR" b="0" i="1" smtClean="0">
+                              <a:latin typeface="Cambria Math" panose="02040503050406030204" pitchFamily="18" charset="0"/>
+                            </a:rPr>
+                            <m:t> </m:t>
+                          </m:r>
+                          <m:r>
+                            <a:rPr lang="fr-FR" b="0" i="1" smtClean="0">
+                              <a:latin typeface="Cambria Math" panose="02040503050406030204" pitchFamily="18" charset="0"/>
+                            </a:rPr>
+                            <m:t>𝑓𝑜𝑟</m:t>
+                          </m:r>
+                          <m:r>
+                            <a:rPr lang="fr-FR" b="0" i="1" smtClean="0">
+                              <a:latin typeface="Cambria Math" panose="02040503050406030204" pitchFamily="18" charset="0"/>
+                            </a:rPr>
+                            <m:t> </m:t>
+                          </m:r>
+                          <m:r>
+                            <a:rPr lang="fr-FR" b="0" i="1" smtClean="0">
+                              <a:latin typeface="Cambria Math" panose="02040503050406030204" pitchFamily="18" charset="0"/>
+                            </a:rPr>
+                            <m:t>𝑡h𝑒</m:t>
+                          </m:r>
+                          <m:r>
+                            <a:rPr lang="fr-FR" b="0" i="1" smtClean="0">
+                              <a:latin typeface="Cambria Math" panose="02040503050406030204" pitchFamily="18" charset="0"/>
+                            </a:rPr>
+                            <m:t> </m:t>
+                          </m:r>
+                          <m:r>
+                            <a:rPr lang="fr-FR" b="0" i="1" smtClean="0">
+                              <a:latin typeface="Cambria Math" panose="02040503050406030204" pitchFamily="18" charset="0"/>
+                            </a:rPr>
+                            <m:t>𝑠𝑖𝑐𝑘𝑛𝑒𝑠𝑠</m:t>
+                          </m:r>
+                        </m:den>
+                      </m:f>
+                    </m:oMath>
+                  </m:oMathPara>
+                </a14:m>
+                <a:endParaRPr lang="en-US" dirty="0"/>
+              </a:p>
+            </p:txBody>
+          </p:sp>
+        </mc:Choice>
+        <mc:Fallback xmlns="">
+          <p:sp>
+            <p:nvSpPr>
+              <p:cNvPr id="4" name="TextBox 3"/>
+              <p:cNvSpPr txBox="1">
+                <a:spLocks noRot="1" noChangeAspect="1" noMove="1" noResize="1" noEditPoints="1" noAdjustHandles="1" noChangeArrowheads="1" noChangeShapeType="1" noTextEdit="1"/>
+              </p:cNvSpPr>
+              <p:nvPr/>
+            </p:nvSpPr>
+            <p:spPr>
+              <a:xfrm>
+                <a:off x="3303313" y="2365568"/>
+                <a:ext cx="5585375" cy="575157"/>
+              </a:xfrm>
+              <a:prstGeom prst="rect">
+                <a:avLst/>
+              </a:prstGeom>
+              <a:blipFill>
+                <a:blip r:embed="rId2"/>
+                <a:stretch>
+                  <a:fillRect/>
+                </a:stretch>
+              </a:blipFill>
+              <a:ln>
+                <a:solidFill>
+                  <a:schemeClr val="bg2"/>
+                </a:solidFill>
+              </a:ln>
+            </p:spPr>
+            <p:txBody>
+              <a:bodyPr/>
+              <a:lstStyle/>
+              <a:p>
+                <a:r>
+                  <a:rPr lang="en-US">
+                    <a:noFill/>
+                  </a:rPr>
+                  <a:t> </a:t>
+                </a:r>
+              </a:p>
+            </p:txBody>
+          </p:sp>
+        </mc:Fallback>
+      </mc:AlternateContent>
     </p:spTree>
     <p:extLst>
       <p:ext uri="{BB962C8B-B14F-4D97-AF65-F5344CB8AC3E}">

--- a/Health_Care_Bot.pptx
+++ b/Health_Care_Bot.pptx
@@ -5,23 +5,27 @@
     <p:sldMasterId id="2147483684" r:id="rId2"/>
   </p:sldMasterIdLst>
   <p:notesMasterIdLst>
-    <p:notesMasterId r:id="rId14"/>
+    <p:notesMasterId r:id="rId18"/>
   </p:notesMasterIdLst>
   <p:handoutMasterIdLst>
-    <p:handoutMasterId r:id="rId15"/>
+    <p:handoutMasterId r:id="rId19"/>
   </p:handoutMasterIdLst>
   <p:sldIdLst>
     <p:sldId id="280" r:id="rId3"/>
-    <p:sldId id="269" r:id="rId4"/>
-    <p:sldId id="270" r:id="rId5"/>
-    <p:sldId id="271" r:id="rId6"/>
-    <p:sldId id="281" r:id="rId7"/>
-    <p:sldId id="272" r:id="rId8"/>
-    <p:sldId id="273" r:id="rId9"/>
-    <p:sldId id="274" r:id="rId10"/>
-    <p:sldId id="282" r:id="rId11"/>
-    <p:sldId id="275" r:id="rId12"/>
-    <p:sldId id="277" r:id="rId13"/>
+    <p:sldId id="283" r:id="rId4"/>
+    <p:sldId id="284" r:id="rId5"/>
+    <p:sldId id="269" r:id="rId6"/>
+    <p:sldId id="270" r:id="rId7"/>
+    <p:sldId id="271" r:id="rId8"/>
+    <p:sldId id="281" r:id="rId9"/>
+    <p:sldId id="285" r:id="rId10"/>
+    <p:sldId id="286" r:id="rId11"/>
+    <p:sldId id="273" r:id="rId12"/>
+    <p:sldId id="274" r:id="rId13"/>
+    <p:sldId id="282" r:id="rId14"/>
+    <p:sldId id="275" r:id="rId15"/>
+    <p:sldId id="287" r:id="rId16"/>
+    <p:sldId id="288" r:id="rId17"/>
   </p:sldIdLst>
   <p:sldSz cx="12192000" cy="6858000"/>
   <p:notesSz cx="6858000" cy="9144000"/>
@@ -228,7 +232,7 @@
           <a:p>
             <a:fld id="{E5CB2E47-6F41-409B-AD22-834AE1EFF186}" type="datetimeFigureOut">
               <a:rPr lang="en-US" smtClean="0"/>
-              <a:t>01-Jun-17</a:t>
+              <a:t>02-Jun-17</a:t>
             </a:fld>
             <a:endParaRPr lang="en-US"/>
           </a:p>
@@ -393,7 +397,7 @@
           <a:p>
             <a:fld id="{FAD6744A-403D-42A1-BFE7-61DA46EE7C6C}" type="datetimeFigureOut">
               <a:rPr lang="en-US" smtClean="0"/>
-              <a:t>01-Jun-17</a:t>
+              <a:t>02-Jun-17</a:t>
             </a:fld>
             <a:endParaRPr lang="en-US"/>
           </a:p>
@@ -788,7 +792,7 @@
           <a:p>
             <a:fld id="{349BF3EA-1A78-4F07-BDC0-C8A1BD461199}" type="datetimeFigureOut">
               <a:rPr lang="en-US" smtClean="0"/>
-              <a:t>01-Jun-17</a:t>
+              <a:t>02-Jun-17</a:t>
             </a:fld>
             <a:endParaRPr lang="en-US"/>
           </a:p>
@@ -1196,7 +1200,7 @@
           <a:p>
             <a:fld id="{349BF3EA-1A78-4F07-BDC0-C8A1BD461199}" type="datetimeFigureOut">
               <a:rPr lang="en-US" smtClean="0"/>
-              <a:t>01-Jun-17</a:t>
+              <a:t>02-Jun-17</a:t>
             </a:fld>
             <a:endParaRPr lang="en-US"/>
           </a:p>
@@ -1325,7 +1329,7 @@
           <a:p>
             <a:fld id="{349BF3EA-1A78-4F07-BDC0-C8A1BD461199}" type="datetimeFigureOut">
               <a:rPr lang="en-US" smtClean="0"/>
-              <a:t>01-Jun-17</a:t>
+              <a:t>02-Jun-17</a:t>
             </a:fld>
             <a:endParaRPr lang="en-US"/>
           </a:p>
@@ -1516,7 +1520,7 @@
           <a:p>
             <a:fld id="{349BF3EA-1A78-4F07-BDC0-C8A1BD461199}" type="datetimeFigureOut">
               <a:rPr lang="en-US" smtClean="0"/>
-              <a:t>01-Jun-17</a:t>
+              <a:t>02-Jun-17</a:t>
             </a:fld>
             <a:endParaRPr lang="en-US"/>
           </a:p>
@@ -1796,7 +1800,7 @@
           <a:p>
             <a:fld id="{349BF3EA-1A78-4F07-BDC0-C8A1BD461199}" type="datetimeFigureOut">
               <a:rPr lang="en-US" smtClean="0"/>
-              <a:t>01-Jun-17</a:t>
+              <a:t>02-Jun-17</a:t>
             </a:fld>
             <a:endParaRPr lang="en-US"/>
           </a:p>
@@ -2165,7 +2169,7 @@
           <a:p>
             <a:fld id="{349BF3EA-1A78-4F07-BDC0-C8A1BD461199}" type="datetimeFigureOut">
               <a:rPr lang="en-US" smtClean="0"/>
-              <a:t>01-Jun-17</a:t>
+              <a:t>02-Jun-17</a:t>
             </a:fld>
             <a:endParaRPr lang="en-US"/>
           </a:p>
@@ -2408,7 +2412,7 @@
           <a:p>
             <a:fld id="{349BF3EA-1A78-4F07-BDC0-C8A1BD461199}" type="datetimeFigureOut">
               <a:rPr lang="en-US" smtClean="0"/>
-              <a:t>01-Jun-17</a:t>
+              <a:t>02-Jun-17</a:t>
             </a:fld>
             <a:endParaRPr lang="en-US"/>
           </a:p>
@@ -2786,7 +2790,7 @@
           <a:p>
             <a:fld id="{349BF3EA-1A78-4F07-BDC0-C8A1BD461199}" type="datetimeFigureOut">
               <a:rPr lang="en-US" smtClean="0"/>
-              <a:t>01-Jun-17</a:t>
+              <a:t>02-Jun-17</a:t>
             </a:fld>
             <a:endParaRPr lang="en-US"/>
           </a:p>
@@ -2915,7 +2919,7 @@
           <a:p>
             <a:fld id="{349BF3EA-1A78-4F07-BDC0-C8A1BD461199}" type="datetimeFigureOut">
               <a:rPr lang="en-US" smtClean="0"/>
-              <a:t>01-Jun-17</a:t>
+              <a:t>02-Jun-17</a:t>
             </a:fld>
             <a:endParaRPr lang="en-US"/>
           </a:p>
@@ -3117,7 +3121,7 @@
           <a:p>
             <a:fld id="{349BF3EA-1A78-4F07-BDC0-C8A1BD461199}" type="datetimeFigureOut">
               <a:rPr lang="en-US" smtClean="0"/>
-              <a:t>01-Jun-17</a:t>
+              <a:t>02-Jun-17</a:t>
             </a:fld>
             <a:endParaRPr lang="en-US"/>
           </a:p>
@@ -3363,7 +3367,7 @@
           <a:p>
             <a:fld id="{349BF3EA-1A78-4F07-BDC0-C8A1BD461199}" type="datetimeFigureOut">
               <a:rPr lang="en-US" smtClean="0"/>
-              <a:t>01-Jun-17</a:t>
+              <a:t>02-Jun-17</a:t>
             </a:fld>
             <a:endParaRPr lang="en-US"/>
           </a:p>
@@ -3865,7 +3869,7 @@
           <a:p>
             <a:fld id="{349BF3EA-1A78-4F07-BDC0-C8A1BD461199}" type="datetimeFigureOut">
               <a:rPr lang="en-US" smtClean="0"/>
-              <a:t>01-Jun-17</a:t>
+              <a:t>02-Jun-17</a:t>
             </a:fld>
             <a:endParaRPr lang="en-US"/>
           </a:p>
@@ -4406,43 +4410,6 @@
               <a:t>Decision Support Systems</a:t>
             </a:r>
           </a:p>
-          <a:p>
-            <a:r>
-              <a:rPr lang="en-US" dirty="0" err="1"/>
-              <a:t>Emirhan</a:t>
-            </a:r>
-            <a:r>
-              <a:rPr lang="en-US" dirty="0"/>
-              <a:t> </a:t>
-            </a:r>
-            <a:r>
-              <a:rPr lang="en-US" dirty="0" err="1"/>
-              <a:t>Kutlu</a:t>
-            </a:r>
-            <a:r>
-              <a:rPr lang="en-US" dirty="0"/>
-              <a:t>, Lucie Labadie, </a:t>
-            </a:r>
-          </a:p>
-          <a:p>
-            <a:r>
-              <a:rPr lang="en-US" dirty="0"/>
-              <a:t>Sundeep Raj </a:t>
-            </a:r>
-            <a:r>
-              <a:rPr lang="en-US" dirty="0" err="1"/>
-              <a:t>Thummapudi</a:t>
-            </a:r>
-            <a:r>
-              <a:rPr lang="en-US" dirty="0"/>
-              <a:t>, Rosen </a:t>
-            </a:r>
-            <a:r>
-              <a:rPr lang="en-US" dirty="0" err="1"/>
-              <a:t>Sasov</a:t>
-            </a:r>
-            <a:endParaRPr lang="en-US" dirty="0"/>
-          </a:p>
         </p:txBody>
       </p:sp>
       <p:sp>
@@ -4524,1420 +4491,6 @@
 </file>
 
 <file path=ppt/slides/slide10.xml><?xml version="1.0" encoding="utf-8"?>
-<p:sld xmlns:a="http://schemas.openxmlformats.org/drawingml/2006/main" xmlns:r="http://schemas.openxmlformats.org/officeDocument/2006/relationships" xmlns:p="http://schemas.openxmlformats.org/presentationml/2006/main">
-  <p:cSld>
-    <p:spTree>
-      <p:nvGrpSpPr>
-        <p:cNvPr id="1" name=""/>
-        <p:cNvGrpSpPr/>
-        <p:nvPr/>
-      </p:nvGrpSpPr>
-      <p:grpSpPr>
-        <a:xfrm>
-          <a:off x="0" y="0"/>
-          <a:ext cx="0" cy="0"/>
-          <a:chOff x="0" y="0"/>
-          <a:chExt cx="0" cy="0"/>
-        </a:xfrm>
-      </p:grpSpPr>
-      <p:sp>
-        <p:nvSpPr>
-          <p:cNvPr id="2" name="Content Placeholder 1"/>
-          <p:cNvSpPr>
-            <a:spLocks noGrp="1"/>
-          </p:cNvSpPr>
-          <p:nvPr>
-            <p:ph sz="quarter" idx="1"/>
-          </p:nvPr>
-        </p:nvSpPr>
-        <p:spPr/>
-        <p:txBody>
-          <a:bodyPr/>
-          <a:lstStyle/>
-          <a:p>
-            <a:r>
-              <a:rPr lang="en-US" dirty="0"/>
-              <a:t>Bot logic: Telegram Bot (Python module)</a:t>
-            </a:r>
-          </a:p>
-          <a:p>
-            <a:r>
-              <a:rPr lang="en-US" dirty="0"/>
-              <a:t>Classifier: </a:t>
-            </a:r>
-            <a:r>
-              <a:rPr lang="en-US" dirty="0" err="1"/>
-              <a:t>SciKit</a:t>
-            </a:r>
-            <a:r>
-              <a:rPr lang="en-US" dirty="0"/>
-              <a:t> </a:t>
-            </a:r>
-          </a:p>
-          <a:p>
-            <a:r>
-              <a:rPr lang="fr-FR" dirty="0"/>
-              <a:t>D</a:t>
-            </a:r>
-            <a:r>
-              <a:rPr lang="en-US" dirty="0" err="1"/>
-              <a:t>atabase</a:t>
-            </a:r>
-            <a:r>
-              <a:rPr lang="en-US" dirty="0"/>
-              <a:t>: </a:t>
-            </a:r>
-            <a:r>
-              <a:rPr lang="en-US" dirty="0" err="1"/>
-              <a:t>Postgresql</a:t>
-            </a:r>
-            <a:r>
-              <a:rPr lang="en-US" dirty="0"/>
-              <a:t> </a:t>
-            </a:r>
-          </a:p>
-        </p:txBody>
-      </p:sp>
-      <p:sp>
-        <p:nvSpPr>
-          <p:cNvPr id="3" name="Title 2"/>
-          <p:cNvSpPr>
-            <a:spLocks noGrp="1"/>
-          </p:cNvSpPr>
-          <p:nvPr>
-            <p:ph type="title"/>
-          </p:nvPr>
-        </p:nvSpPr>
-        <p:spPr/>
-        <p:txBody>
-          <a:bodyPr/>
-          <a:lstStyle/>
-          <a:p>
-            <a:r>
-              <a:rPr lang="fr-FR" dirty="0"/>
-              <a:t>T</a:t>
-            </a:r>
-            <a:r>
-              <a:rPr lang="en-US" dirty="0" err="1"/>
-              <a:t>echnology</a:t>
-            </a:r>
-            <a:r>
-              <a:rPr lang="en-US" dirty="0"/>
-              <a:t> choices</a:t>
-            </a:r>
-          </a:p>
-        </p:txBody>
-      </p:sp>
-      <p:pic>
-        <p:nvPicPr>
-          <p:cNvPr id="4" name="Picture 3"/>
-          <p:cNvPicPr>
-            <a:picLocks noChangeAspect="1"/>
-          </p:cNvPicPr>
-          <p:nvPr/>
-        </p:nvPicPr>
-        <p:blipFill>
-          <a:blip r:embed="rId2"/>
-          <a:stretch>
-            <a:fillRect/>
-          </a:stretch>
-        </p:blipFill>
-        <p:spPr>
-          <a:xfrm>
-            <a:off x="1219200" y="3251201"/>
-            <a:ext cx="2510971" cy="2510971"/>
-          </a:xfrm>
-          <a:prstGeom prst="rect">
-            <a:avLst/>
-          </a:prstGeom>
-        </p:spPr>
-      </p:pic>
-      <p:pic>
-        <p:nvPicPr>
-          <p:cNvPr id="8" name="Picture 7"/>
-          <p:cNvPicPr>
-            <a:picLocks noChangeAspect="1"/>
-          </p:cNvPicPr>
-          <p:nvPr/>
-        </p:nvPicPr>
-        <p:blipFill>
-          <a:blip r:embed="rId3">
-            <a:extLst>
-              <a:ext uri="{28A0092B-C50C-407E-A947-70E740481C1C}">
-                <a14:useLocalDpi xmlns:a14="http://schemas.microsoft.com/office/drawing/2010/main" val="0"/>
-              </a:ext>
-            </a:extLst>
-          </a:blip>
-          <a:stretch>
-            <a:fillRect/>
-          </a:stretch>
-        </p:blipFill>
-        <p:spPr>
-          <a:xfrm>
-            <a:off x="4704732" y="3592286"/>
-            <a:ext cx="3395472" cy="1828800"/>
-          </a:xfrm>
-          <a:prstGeom prst="rect">
-            <a:avLst/>
-          </a:prstGeom>
-        </p:spPr>
-      </p:pic>
-      <p:pic>
-        <p:nvPicPr>
-          <p:cNvPr id="10" name="Picture 9"/>
-          <p:cNvPicPr>
-            <a:picLocks noChangeAspect="1"/>
-          </p:cNvPicPr>
-          <p:nvPr/>
-        </p:nvPicPr>
-        <p:blipFill>
-          <a:blip r:embed="rId4" cstate="print">
-            <a:extLst>
-              <a:ext uri="{28A0092B-C50C-407E-A947-70E740481C1C}">
-                <a14:useLocalDpi xmlns:a14="http://schemas.microsoft.com/office/drawing/2010/main" val="0"/>
-              </a:ext>
-            </a:extLst>
-          </a:blip>
-          <a:stretch>
-            <a:fillRect/>
-          </a:stretch>
-        </p:blipFill>
-        <p:spPr>
-          <a:xfrm>
-            <a:off x="9074765" y="3135086"/>
-            <a:ext cx="2467272" cy="2743200"/>
-          </a:xfrm>
-          <a:prstGeom prst="rect">
-            <a:avLst/>
-          </a:prstGeom>
-        </p:spPr>
-      </p:pic>
-    </p:spTree>
-    <p:extLst>
-      <p:ext uri="{BB962C8B-B14F-4D97-AF65-F5344CB8AC3E}">
-        <p14:creationId xmlns:p14="http://schemas.microsoft.com/office/powerpoint/2010/main" val="169763702"/>
-      </p:ext>
-    </p:extLst>
-  </p:cSld>
-  <p:clrMapOvr>
-    <a:masterClrMapping/>
-  </p:clrMapOvr>
-  <mc:AlternateContent xmlns:mc="http://schemas.openxmlformats.org/markup-compatibility/2006" xmlns:p14="http://schemas.microsoft.com/office/powerpoint/2010/main">
-    <mc:Choice Requires="p14">
-      <p:transition spd="med" p14:dur="700">
-        <p:fade/>
-      </p:transition>
-    </mc:Choice>
-    <mc:Fallback xmlns="">
-      <p:transition spd="med">
-        <p:fade/>
-      </p:transition>
-    </mc:Fallback>
-  </mc:AlternateContent>
-</p:sld>
-</file>
-
-<file path=ppt/slides/slide11.xml><?xml version="1.0" encoding="utf-8"?>
-<p:sld xmlns:a="http://schemas.openxmlformats.org/drawingml/2006/main" xmlns:r="http://schemas.openxmlformats.org/officeDocument/2006/relationships" xmlns:p="http://schemas.openxmlformats.org/presentationml/2006/main">
-  <p:cSld>
-    <p:spTree>
-      <p:nvGrpSpPr>
-        <p:cNvPr id="1" name=""/>
-        <p:cNvGrpSpPr/>
-        <p:nvPr/>
-      </p:nvGrpSpPr>
-      <p:grpSpPr>
-        <a:xfrm>
-          <a:off x="0" y="0"/>
-          <a:ext cx="0" cy="0"/>
-          <a:chOff x="0" y="0"/>
-          <a:chExt cx="0" cy="0"/>
-        </a:xfrm>
-      </p:grpSpPr>
-      <p:sp>
-        <p:nvSpPr>
-          <p:cNvPr id="2" name="Content Placeholder 1"/>
-          <p:cNvSpPr>
-            <a:spLocks noGrp="1"/>
-          </p:cNvSpPr>
-          <p:nvPr>
-            <p:ph sz="quarter" idx="1"/>
-          </p:nvPr>
-        </p:nvSpPr>
-        <p:spPr/>
-        <p:txBody>
-          <a:bodyPr/>
-          <a:lstStyle/>
-          <a:p>
-            <a:r>
-              <a:rPr lang="en-US" dirty="0"/>
-              <a:t>Could be adapted for mobile use </a:t>
-            </a:r>
-          </a:p>
-          <a:p>
-            <a:r>
-              <a:rPr lang="fr-FR" dirty="0"/>
-              <a:t>C</a:t>
-            </a:r>
-            <a:r>
-              <a:rPr lang="en-US" dirty="0" err="1"/>
-              <a:t>ould</a:t>
-            </a:r>
-            <a:r>
-              <a:rPr lang="en-US" dirty="0"/>
-              <a:t> be affined for professional use</a:t>
-            </a:r>
-          </a:p>
-          <a:p>
-            <a:endParaRPr lang="en-US" dirty="0"/>
-          </a:p>
-          <a:p>
-            <a:r>
-              <a:rPr lang="en-US" dirty="0"/>
-              <a:t>First thought wanted to use Django </a:t>
-            </a:r>
-            <a:r>
-              <a:rPr lang="en-US" dirty="0">
-                <a:sym typeface="Wingdings" panose="05000000000000000000" pitchFamily="2" charset="2"/>
-              </a:rPr>
-              <a:t> did not work out</a:t>
-            </a:r>
-          </a:p>
-          <a:p>
-            <a:r>
-              <a:rPr lang="fr-FR" dirty="0">
-                <a:sym typeface="Wingdings" panose="05000000000000000000" pitchFamily="2" charset="2"/>
-              </a:rPr>
-              <a:t>Q</a:t>
-            </a:r>
-            <a:r>
-              <a:rPr lang="en-US" dirty="0" err="1">
-                <a:sym typeface="Wingdings" panose="05000000000000000000" pitchFamily="2" charset="2"/>
-              </a:rPr>
-              <a:t>uestions</a:t>
-            </a:r>
-            <a:r>
-              <a:rPr lang="en-US" dirty="0">
-                <a:sym typeface="Wingdings" panose="05000000000000000000" pitchFamily="2" charset="2"/>
-              </a:rPr>
-              <a:t> logic </a:t>
-            </a:r>
-          </a:p>
-          <a:p>
-            <a:r>
-              <a:rPr lang="fr-FR" dirty="0">
-                <a:sym typeface="Wingdings" panose="05000000000000000000" pitchFamily="2" charset="2"/>
-              </a:rPr>
-              <a:t>F</a:t>
-            </a:r>
-            <a:r>
-              <a:rPr lang="en-US" dirty="0" err="1">
-                <a:sym typeface="Wingdings" panose="05000000000000000000" pitchFamily="2" charset="2"/>
-              </a:rPr>
-              <a:t>inding</a:t>
-            </a:r>
-            <a:r>
-              <a:rPr lang="en-US" dirty="0">
-                <a:sym typeface="Wingdings" panose="05000000000000000000" pitchFamily="2" charset="2"/>
-              </a:rPr>
-              <a:t> a database </a:t>
-            </a:r>
-          </a:p>
-          <a:p>
-            <a:r>
-              <a:rPr lang="fr-FR" dirty="0">
-                <a:sym typeface="Wingdings" panose="05000000000000000000" pitchFamily="2" charset="2"/>
-              </a:rPr>
-              <a:t>F</a:t>
-            </a:r>
-            <a:r>
-              <a:rPr lang="en-US" dirty="0" err="1">
-                <a:sym typeface="Wingdings" panose="05000000000000000000" pitchFamily="2" charset="2"/>
-              </a:rPr>
-              <a:t>inding</a:t>
-            </a:r>
-            <a:r>
-              <a:rPr lang="en-US" dirty="0">
-                <a:sym typeface="Wingdings" panose="05000000000000000000" pitchFamily="2" charset="2"/>
-              </a:rPr>
-              <a:t> a dataset for classifier </a:t>
-            </a:r>
-            <a:endParaRPr lang="en-US" dirty="0"/>
-          </a:p>
-          <a:p>
-            <a:r>
-              <a:rPr lang="en-US" dirty="0"/>
-              <a:t>(challenge) </a:t>
-            </a:r>
-          </a:p>
-          <a:p>
-            <a:endParaRPr lang="en-US" dirty="0"/>
-          </a:p>
-        </p:txBody>
-      </p:sp>
-      <p:sp>
-        <p:nvSpPr>
-          <p:cNvPr id="3" name="Title 2"/>
-          <p:cNvSpPr>
-            <a:spLocks noGrp="1"/>
-          </p:cNvSpPr>
-          <p:nvPr>
-            <p:ph type="title"/>
-          </p:nvPr>
-        </p:nvSpPr>
-        <p:spPr/>
-        <p:txBody>
-          <a:bodyPr/>
-          <a:lstStyle/>
-          <a:p>
-            <a:r>
-              <a:rPr lang="en-US" dirty="0"/>
-              <a:t>Conclusion </a:t>
-            </a:r>
-          </a:p>
-        </p:txBody>
-      </p:sp>
-    </p:spTree>
-    <p:extLst>
-      <p:ext uri="{BB962C8B-B14F-4D97-AF65-F5344CB8AC3E}">
-        <p14:creationId xmlns:p14="http://schemas.microsoft.com/office/powerpoint/2010/main" val="1980976995"/>
-      </p:ext>
-    </p:extLst>
-  </p:cSld>
-  <p:clrMapOvr>
-    <a:masterClrMapping/>
-  </p:clrMapOvr>
-  <mc:AlternateContent xmlns:mc="http://schemas.openxmlformats.org/markup-compatibility/2006" xmlns:p14="http://schemas.microsoft.com/office/powerpoint/2010/main">
-    <mc:Choice Requires="p14">
-      <p:transition spd="med" p14:dur="700">
-        <p:fade/>
-      </p:transition>
-    </mc:Choice>
-    <mc:Fallback xmlns="">
-      <p:transition spd="med">
-        <p:fade/>
-      </p:transition>
-    </mc:Fallback>
-  </mc:AlternateContent>
-</p:sld>
-</file>
-
-<file path=ppt/slides/slide2.xml><?xml version="1.0" encoding="utf-8"?>
-<p:sld xmlns:a="http://schemas.openxmlformats.org/drawingml/2006/main" xmlns:r="http://schemas.openxmlformats.org/officeDocument/2006/relationships" xmlns:p="http://schemas.openxmlformats.org/presentationml/2006/main">
-  <p:cSld>
-    <p:spTree>
-      <p:nvGrpSpPr>
-        <p:cNvPr id="1" name=""/>
-        <p:cNvGrpSpPr/>
-        <p:nvPr/>
-      </p:nvGrpSpPr>
-      <p:grpSpPr>
-        <a:xfrm>
-          <a:off x="0" y="0"/>
-          <a:ext cx="0" cy="0"/>
-          <a:chOff x="0" y="0"/>
-          <a:chExt cx="0" cy="0"/>
-        </a:xfrm>
-      </p:grpSpPr>
-      <p:sp>
-        <p:nvSpPr>
-          <p:cNvPr id="2" name="Content Placeholder 1"/>
-          <p:cNvSpPr>
-            <a:spLocks noGrp="1"/>
-          </p:cNvSpPr>
-          <p:nvPr>
-            <p:ph sz="quarter" idx="1"/>
-          </p:nvPr>
-        </p:nvSpPr>
-        <p:spPr/>
-        <p:txBody>
-          <a:bodyPr/>
-          <a:lstStyle/>
-          <a:p>
-            <a:r>
-              <a:rPr lang="fr-FR" dirty="0"/>
-              <a:t>Web service </a:t>
-            </a:r>
-            <a:endParaRPr lang="en-US" dirty="0"/>
-          </a:p>
-          <a:p>
-            <a:r>
-              <a:rPr lang="en-US" dirty="0"/>
-              <a:t>Asking questions about physical state </a:t>
-            </a:r>
-          </a:p>
-          <a:p>
-            <a:r>
-              <a:rPr lang="en-US" dirty="0"/>
-              <a:t>Take the symptoms</a:t>
-            </a:r>
-            <a:r>
-              <a:rPr lang="fr-FR" dirty="0"/>
-              <a:t> </a:t>
-            </a:r>
-            <a:r>
-              <a:rPr lang="en-US" dirty="0"/>
-              <a:t>and personal data as input</a:t>
-            </a:r>
-          </a:p>
-          <a:p>
-            <a:pPr lvl="1"/>
-            <a:r>
-              <a:rPr lang="fr-FR" dirty="0"/>
-              <a:t>P</a:t>
-            </a:r>
-            <a:r>
-              <a:rPr lang="en-US" dirty="0" err="1"/>
-              <a:t>ersonal</a:t>
-            </a:r>
-            <a:r>
-              <a:rPr lang="en-US" dirty="0"/>
-              <a:t> data: weight, height, smoker…</a:t>
-            </a:r>
-          </a:p>
-          <a:p>
-            <a:r>
-              <a:rPr lang="en-US" dirty="0"/>
-              <a:t>Compute most probable diseases </a:t>
-            </a:r>
-          </a:p>
-          <a:p>
-            <a:r>
-              <a:rPr lang="en-US" dirty="0"/>
-              <a:t>Output the diagnosis to the user along with advices</a:t>
-            </a:r>
-          </a:p>
-        </p:txBody>
-      </p:sp>
-      <p:sp>
-        <p:nvSpPr>
-          <p:cNvPr id="3" name="Title 2"/>
-          <p:cNvSpPr>
-            <a:spLocks noGrp="1"/>
-          </p:cNvSpPr>
-          <p:nvPr>
-            <p:ph type="title"/>
-          </p:nvPr>
-        </p:nvSpPr>
-        <p:spPr/>
-        <p:txBody>
-          <a:bodyPr/>
-          <a:lstStyle/>
-          <a:p>
-            <a:r>
-              <a:rPr lang="en-US" dirty="0"/>
-              <a:t>Health</a:t>
-            </a:r>
-            <a:r>
-              <a:rPr lang="fr-FR" dirty="0"/>
-              <a:t> Care Bot</a:t>
-            </a:r>
-            <a:endParaRPr lang="en-US" dirty="0"/>
-          </a:p>
-        </p:txBody>
-      </p:sp>
-      <p:pic>
-        <p:nvPicPr>
-          <p:cNvPr id="4" name="Picture 3"/>
-          <p:cNvPicPr>
-            <a:picLocks noChangeAspect="1"/>
-          </p:cNvPicPr>
-          <p:nvPr/>
-        </p:nvPicPr>
-        <p:blipFill rotWithShape="1">
-          <a:blip r:embed="rId2">
-            <a:duotone>
-              <a:schemeClr val="accent1">
-                <a:shade val="45000"/>
-                <a:satMod val="135000"/>
-              </a:schemeClr>
-              <a:prstClr val="white"/>
-            </a:duotone>
-            <a:extLst>
-              <a:ext uri="{BEBA8EAE-BF5A-486C-A8C5-ECC9F3942E4B}">
-                <a14:imgProps xmlns:a14="http://schemas.microsoft.com/office/drawing/2010/main">
-                  <a14:imgLayer r:embed="rId3">
-                    <a14:imgEffect>
-                      <a14:backgroundRemoval t="9977" b="89994" l="7702" r="90000">
-                        <a14:foregroundMark x1="62298" y1="27680" x2="62298" y2="27680"/>
-                        <a14:foregroundMark x1="57137" y1="28677" x2="67984" y2="24031"/>
-                        <a14:foregroundMark x1="67984" y1="24031" x2="67984" y2="24031"/>
-                        <a14:foregroundMark x1="7702" y1="24658" x2="11694" y2="25656"/>
-                        <a14:foregroundMark x1="50000" y1="17161" x2="50000" y2="19584"/>
-                        <a14:foregroundMark x1="58589" y1="36973" x2="61411" y2="36773"/>
-                        <a14:foregroundMark x1="40282" y1="36374" x2="42581" y2="36374"/>
-                        <a14:foregroundMark x1="50000" y1="48689" x2="50000" y2="50114"/>
-                        <a14:foregroundMark x1="45161" y1="53136" x2="47984" y2="53934"/>
-                        <a14:foregroundMark x1="49435" y1="59407" x2="49435" y2="59407"/>
-                        <a14:foregroundMark x1="43145" y1="60405" x2="43145" y2="60405"/>
-                        <a14:foregroundMark x1="50000" y1="69099" x2="50000" y2="69099"/>
-                        <a14:foregroundMark x1="45444" y1="68900" x2="45444" y2="68900"/>
-                        <a14:foregroundMark x1="50282" y1="77366" x2="50282" y2="77366"/>
-                        <a14:foregroundMark x1="46573" y1="77366" x2="46573" y2="77366"/>
-                        <a14:foregroundMark x1="49435" y1="84835" x2="49435" y2="84835"/>
-                      </a14:backgroundRemoval>
-                    </a14:imgEffect>
-                  </a14:imgLayer>
-                </a14:imgProps>
-              </a:ext>
-            </a:extLst>
-          </a:blip>
-          <a:srcRect l="4564" t="11313" r="3371" b="11111"/>
-          <a:stretch/>
-        </p:blipFill>
-        <p:spPr>
-          <a:xfrm>
-            <a:off x="8868711" y="2815513"/>
-            <a:ext cx="2713689" cy="3234449"/>
-          </a:xfrm>
-          <a:prstGeom prst="rect">
-            <a:avLst/>
-          </a:prstGeom>
-        </p:spPr>
-      </p:pic>
-    </p:spTree>
-    <p:extLst>
-      <p:ext uri="{BB962C8B-B14F-4D97-AF65-F5344CB8AC3E}">
-        <p14:creationId xmlns:p14="http://schemas.microsoft.com/office/powerpoint/2010/main" val="1727852844"/>
-      </p:ext>
-    </p:extLst>
-  </p:cSld>
-  <p:clrMapOvr>
-    <a:masterClrMapping/>
-  </p:clrMapOvr>
-  <mc:AlternateContent xmlns:mc="http://schemas.openxmlformats.org/markup-compatibility/2006" xmlns:p14="http://schemas.microsoft.com/office/powerpoint/2010/main">
-    <mc:Choice Requires="p14">
-      <p:transition spd="med" p14:dur="700">
-        <p:fade/>
-      </p:transition>
-    </mc:Choice>
-    <mc:Fallback xmlns="">
-      <p:transition spd="med">
-        <p:fade/>
-      </p:transition>
-    </mc:Fallback>
-  </mc:AlternateContent>
-</p:sld>
-</file>
-
-<file path=ppt/slides/slide3.xml><?xml version="1.0" encoding="utf-8"?>
-<p:sld xmlns:a="http://schemas.openxmlformats.org/drawingml/2006/main" xmlns:r="http://schemas.openxmlformats.org/officeDocument/2006/relationships" xmlns:p="http://schemas.openxmlformats.org/presentationml/2006/main">
-  <p:cSld>
-    <p:spTree>
-      <p:nvGrpSpPr>
-        <p:cNvPr id="1" name=""/>
-        <p:cNvGrpSpPr/>
-        <p:nvPr/>
-      </p:nvGrpSpPr>
-      <p:grpSpPr>
-        <a:xfrm>
-          <a:off x="0" y="0"/>
-          <a:ext cx="0" cy="0"/>
-          <a:chOff x="0" y="0"/>
-          <a:chExt cx="0" cy="0"/>
-        </a:xfrm>
-      </p:grpSpPr>
-      <p:sp>
-        <p:nvSpPr>
-          <p:cNvPr id="2" name="Content Placeholder 1"/>
-          <p:cNvSpPr>
-            <a:spLocks noGrp="1"/>
-          </p:cNvSpPr>
-          <p:nvPr>
-            <p:ph sz="quarter" idx="1"/>
-          </p:nvPr>
-        </p:nvSpPr>
-        <p:spPr/>
-        <p:txBody>
-          <a:bodyPr/>
-          <a:lstStyle/>
-          <a:p>
-            <a:r>
-              <a:rPr lang="en-US" dirty="0"/>
-              <a:t>First results in any search engine gives most deadly sickness</a:t>
-            </a:r>
-            <a:r>
-              <a:rPr lang="fr-FR" dirty="0"/>
-              <a:t> </a:t>
-            </a:r>
-            <a:endParaRPr lang="en-US" dirty="0"/>
-          </a:p>
-          <a:p>
-            <a:r>
-              <a:rPr lang="en-US" dirty="0"/>
-              <a:t>Help people go to the right place to be taken care of fast</a:t>
-            </a:r>
-          </a:p>
-          <a:p>
-            <a:r>
-              <a:rPr lang="fr-FR" dirty="0"/>
-              <a:t>H</a:t>
-            </a:r>
-            <a:r>
-              <a:rPr lang="en-US" dirty="0" err="1"/>
-              <a:t>elp</a:t>
-            </a:r>
-            <a:r>
-              <a:rPr lang="en-US" dirty="0"/>
-              <a:t> for better auto-medication </a:t>
-            </a:r>
-          </a:p>
-        </p:txBody>
-      </p:sp>
-      <p:sp>
-        <p:nvSpPr>
-          <p:cNvPr id="3" name="Title 2"/>
-          <p:cNvSpPr>
-            <a:spLocks noGrp="1"/>
-          </p:cNvSpPr>
-          <p:nvPr>
-            <p:ph type="title"/>
-          </p:nvPr>
-        </p:nvSpPr>
-        <p:spPr/>
-        <p:txBody>
-          <a:bodyPr/>
-          <a:lstStyle/>
-          <a:p>
-            <a:r>
-              <a:rPr lang="en-US" dirty="0"/>
-              <a:t>Why is it needed ?</a:t>
-            </a:r>
-          </a:p>
-        </p:txBody>
-      </p:sp>
-      <p:pic>
-        <p:nvPicPr>
-          <p:cNvPr id="4" name="Picture 3"/>
-          <p:cNvPicPr>
-            <a:picLocks noChangeAspect="1"/>
-          </p:cNvPicPr>
-          <p:nvPr/>
-        </p:nvPicPr>
-        <p:blipFill>
-          <a:blip r:embed="rId2">
-            <a:duotone>
-              <a:schemeClr val="accent1">
-                <a:shade val="45000"/>
-                <a:satMod val="135000"/>
-              </a:schemeClr>
-              <a:prstClr val="white"/>
-            </a:duotone>
-            <a:extLst>
-              <a:ext uri="{BEBA8EAE-BF5A-486C-A8C5-ECC9F3942E4B}">
-                <a14:imgProps xmlns:a14="http://schemas.microsoft.com/office/drawing/2010/main">
-                  <a14:imgLayer r:embed="rId3">
-                    <a14:imgEffect>
-                      <a14:backgroundRemoval t="909" b="96364" l="9000" r="90000">
-                        <a14:foregroundMark x1="50000" y1="13636" x2="50000" y2="13636"/>
-                        <a14:foregroundMark x1="30000" y1="2273" x2="30000" y2="2273"/>
-                        <a14:foregroundMark x1="9333" y1="34091" x2="9333" y2="34091"/>
-                        <a14:foregroundMark x1="51000" y1="96364" x2="51000" y2="96364"/>
-                        <a14:foregroundMark x1="90333" y1="32273" x2="90333" y2="32273"/>
-                        <a14:foregroundMark x1="67333" y1="909" x2="67333" y2="909"/>
-                      </a14:backgroundRemoval>
-                    </a14:imgEffect>
-                  </a14:imgLayer>
-                </a14:imgProps>
-              </a:ext>
-            </a:extLst>
-          </a:blip>
-          <a:stretch>
-            <a:fillRect/>
-          </a:stretch>
-        </p:blipFill>
-        <p:spPr>
-          <a:xfrm>
-            <a:off x="510886" y="3954462"/>
-            <a:ext cx="2857500" cy="2095500"/>
-          </a:xfrm>
-          <a:prstGeom prst="rect">
-            <a:avLst/>
-          </a:prstGeom>
-        </p:spPr>
-      </p:pic>
-    </p:spTree>
-    <p:extLst>
-      <p:ext uri="{BB962C8B-B14F-4D97-AF65-F5344CB8AC3E}">
-        <p14:creationId xmlns:p14="http://schemas.microsoft.com/office/powerpoint/2010/main" val="2088959167"/>
-      </p:ext>
-    </p:extLst>
-  </p:cSld>
-  <p:clrMapOvr>
-    <a:masterClrMapping/>
-  </p:clrMapOvr>
-  <mc:AlternateContent xmlns:mc="http://schemas.openxmlformats.org/markup-compatibility/2006" xmlns:p14="http://schemas.microsoft.com/office/powerpoint/2010/main">
-    <mc:Choice Requires="p14">
-      <p:transition spd="med" p14:dur="700">
-        <p:fade/>
-      </p:transition>
-    </mc:Choice>
-    <mc:Fallback xmlns="">
-      <p:transition spd="med">
-        <p:fade/>
-      </p:transition>
-    </mc:Fallback>
-  </mc:AlternateContent>
-</p:sld>
-</file>
-
-<file path=ppt/slides/slide4.xml><?xml version="1.0" encoding="utf-8"?>
-<p:sld xmlns:a="http://schemas.openxmlformats.org/drawingml/2006/main" xmlns:r="http://schemas.openxmlformats.org/officeDocument/2006/relationships" xmlns:p="http://schemas.openxmlformats.org/presentationml/2006/main">
-  <p:cSld>
-    <p:spTree>
-      <p:nvGrpSpPr>
-        <p:cNvPr id="1" name=""/>
-        <p:cNvGrpSpPr/>
-        <p:nvPr/>
-      </p:nvGrpSpPr>
-      <p:grpSpPr>
-        <a:xfrm>
-          <a:off x="0" y="0"/>
-          <a:ext cx="0" cy="0"/>
-          <a:chOff x="0" y="0"/>
-          <a:chExt cx="0" cy="0"/>
-        </a:xfrm>
-      </p:grpSpPr>
-      <p:sp>
-        <p:nvSpPr>
-          <p:cNvPr id="2" name="Content Placeholder 1"/>
-          <p:cNvSpPr>
-            <a:spLocks noGrp="1"/>
-          </p:cNvSpPr>
-          <p:nvPr>
-            <p:ph sz="quarter" idx="1"/>
-          </p:nvPr>
-        </p:nvSpPr>
-        <p:spPr>
-          <a:xfrm>
-            <a:off x="1219200" y="1447800"/>
-            <a:ext cx="6317673" cy="4572000"/>
-          </a:xfrm>
-        </p:spPr>
-        <p:txBody>
-          <a:bodyPr/>
-          <a:lstStyle/>
-          <a:p>
-            <a:r>
-              <a:rPr lang="en-US" dirty="0"/>
-              <a:t>Bot is asking for first symptoms </a:t>
-            </a:r>
-          </a:p>
-          <a:p>
-            <a:pPr lvl="1"/>
-            <a:r>
-              <a:rPr lang="en-US" dirty="0"/>
-              <a:t>Written language recognition </a:t>
-            </a:r>
-          </a:p>
-          <a:p>
-            <a:pPr lvl="1"/>
-            <a:r>
-              <a:rPr lang="fr-FR" dirty="0"/>
-              <a:t>D</a:t>
-            </a:r>
-            <a:r>
-              <a:rPr lang="en-US" dirty="0" err="1"/>
-              <a:t>etermine</a:t>
-            </a:r>
-            <a:r>
-              <a:rPr lang="en-US" dirty="0"/>
-              <a:t> symptoms </a:t>
-            </a:r>
-          </a:p>
-          <a:p>
-            <a:r>
-              <a:rPr lang="fr-FR" dirty="0"/>
-              <a:t>C</a:t>
-            </a:r>
-            <a:r>
-              <a:rPr lang="en-US" dirty="0" err="1"/>
-              <a:t>ompute</a:t>
-            </a:r>
-            <a:r>
-              <a:rPr lang="en-US" dirty="0"/>
-              <a:t> first set of diseases </a:t>
-            </a:r>
-          </a:p>
-          <a:p>
-            <a:r>
-              <a:rPr lang="fr-FR" dirty="0"/>
-              <a:t>A</a:t>
-            </a:r>
-            <a:r>
-              <a:rPr lang="en-US" dirty="0" err="1"/>
-              <a:t>sk</a:t>
-            </a:r>
-            <a:r>
-              <a:rPr lang="en-US" dirty="0"/>
-              <a:t> directed questions to reduce the set </a:t>
-            </a:r>
-          </a:p>
-          <a:p>
-            <a:r>
-              <a:rPr lang="fr-FR" dirty="0"/>
-              <a:t>C</a:t>
-            </a:r>
-            <a:r>
-              <a:rPr lang="en-US" dirty="0" err="1"/>
-              <a:t>ontinue</a:t>
-            </a:r>
-            <a:r>
-              <a:rPr lang="en-US" dirty="0"/>
-              <a:t> until the set is small enough </a:t>
-            </a:r>
-          </a:p>
-          <a:p>
-            <a:r>
-              <a:rPr lang="en-US" dirty="0"/>
-              <a:t>Gives results along with advices </a:t>
-            </a:r>
-          </a:p>
-        </p:txBody>
-      </p:sp>
-      <p:sp>
-        <p:nvSpPr>
-          <p:cNvPr id="3" name="Title 2"/>
-          <p:cNvSpPr>
-            <a:spLocks noGrp="1"/>
-          </p:cNvSpPr>
-          <p:nvPr>
-            <p:ph type="title"/>
-          </p:nvPr>
-        </p:nvSpPr>
-        <p:spPr/>
-        <p:txBody>
-          <a:bodyPr/>
-          <a:lstStyle/>
-          <a:p>
-            <a:r>
-              <a:rPr lang="en-US" dirty="0"/>
-              <a:t>How does it works ?</a:t>
-            </a:r>
-          </a:p>
-        </p:txBody>
-      </p:sp>
-      <p:pic>
-        <p:nvPicPr>
-          <p:cNvPr id="6" name="Picture 5"/>
-          <p:cNvPicPr>
-            <a:picLocks noChangeAspect="1"/>
-          </p:cNvPicPr>
-          <p:nvPr/>
-        </p:nvPicPr>
-        <p:blipFill>
-          <a:blip r:embed="rId2" cstate="print">
-            <a:extLst>
-              <a:ext uri="{28A0092B-C50C-407E-A947-70E740481C1C}">
-                <a14:useLocalDpi xmlns:a14="http://schemas.microsoft.com/office/drawing/2010/main" val="0"/>
-              </a:ext>
-            </a:extLst>
-          </a:blip>
-          <a:stretch>
-            <a:fillRect/>
-          </a:stretch>
-        </p:blipFill>
-        <p:spPr>
-          <a:xfrm>
-            <a:off x="7963415" y="762000"/>
-            <a:ext cx="2956034" cy="5257800"/>
-          </a:xfrm>
-          <a:prstGeom prst="rect">
-            <a:avLst/>
-          </a:prstGeom>
-        </p:spPr>
-      </p:pic>
-    </p:spTree>
-    <p:extLst>
-      <p:ext uri="{BB962C8B-B14F-4D97-AF65-F5344CB8AC3E}">
-        <p14:creationId xmlns:p14="http://schemas.microsoft.com/office/powerpoint/2010/main" val="30726060"/>
-      </p:ext>
-    </p:extLst>
-  </p:cSld>
-  <p:clrMapOvr>
-    <a:masterClrMapping/>
-  </p:clrMapOvr>
-  <mc:AlternateContent xmlns:mc="http://schemas.openxmlformats.org/markup-compatibility/2006" xmlns:p14="http://schemas.microsoft.com/office/powerpoint/2010/main">
-    <mc:Choice Requires="p14">
-      <p:transition spd="med" p14:dur="700">
-        <p:fade/>
-      </p:transition>
-    </mc:Choice>
-    <mc:Fallback xmlns="">
-      <p:transition spd="med">
-        <p:fade/>
-      </p:transition>
-    </mc:Fallback>
-  </mc:AlternateContent>
-</p:sld>
-</file>
-
-<file path=ppt/slides/slide5.xml><?xml version="1.0" encoding="utf-8"?>
-<p:sld xmlns:a="http://schemas.openxmlformats.org/drawingml/2006/main" xmlns:r="http://schemas.openxmlformats.org/officeDocument/2006/relationships" xmlns:p="http://schemas.openxmlformats.org/presentationml/2006/main">
-  <p:cSld>
-    <p:spTree>
-      <p:nvGrpSpPr>
-        <p:cNvPr id="1" name=""/>
-        <p:cNvGrpSpPr/>
-        <p:nvPr/>
-      </p:nvGrpSpPr>
-      <p:grpSpPr>
-        <a:xfrm>
-          <a:off x="0" y="0"/>
-          <a:ext cx="0" cy="0"/>
-          <a:chOff x="0" y="0"/>
-          <a:chExt cx="0" cy="0"/>
-        </a:xfrm>
-      </p:grpSpPr>
-      <p:sp>
-        <p:nvSpPr>
-          <p:cNvPr id="2" name="Content Placeholder 1"/>
-          <p:cNvSpPr>
-            <a:spLocks noGrp="1"/>
-          </p:cNvSpPr>
-          <p:nvPr>
-            <p:ph sz="quarter" idx="1"/>
-          </p:nvPr>
-        </p:nvSpPr>
-        <p:spPr/>
-        <p:txBody>
-          <a:bodyPr>
-            <a:normAutofit lnSpcReduction="10000"/>
-          </a:bodyPr>
-          <a:lstStyle/>
-          <a:p>
-            <a:r>
-              <a:rPr lang="fr-FR" dirty="0"/>
-              <a:t>Interactive and </a:t>
-            </a:r>
-            <a:r>
-              <a:rPr lang="fr-FR" dirty="0" err="1"/>
-              <a:t>easy</a:t>
-            </a:r>
-            <a:r>
-              <a:rPr lang="fr-FR" dirty="0"/>
-              <a:t> to use </a:t>
-            </a:r>
-          </a:p>
-          <a:p>
-            <a:r>
-              <a:rPr lang="fr-FR" dirty="0" err="1"/>
-              <a:t>Knowledge-driven</a:t>
-            </a:r>
-            <a:r>
-              <a:rPr lang="fr-FR" dirty="0"/>
-              <a:t> DSS</a:t>
-            </a:r>
-          </a:p>
-          <a:p>
-            <a:endParaRPr lang="fr-FR" dirty="0"/>
-          </a:p>
-          <a:p>
-            <a:r>
-              <a:rPr lang="fr-FR" dirty="0"/>
-              <a:t>Input: </a:t>
-            </a:r>
-            <a:r>
-              <a:rPr lang="fr-FR" dirty="0" err="1"/>
-              <a:t>symptoms</a:t>
-            </a:r>
-            <a:r>
-              <a:rPr lang="fr-FR" dirty="0"/>
-              <a:t> + </a:t>
-            </a:r>
-            <a:r>
-              <a:rPr lang="fr-FR" dirty="0" err="1"/>
-              <a:t>personal</a:t>
-            </a:r>
-            <a:r>
-              <a:rPr lang="fr-FR" dirty="0"/>
-              <a:t> data </a:t>
-            </a:r>
-          </a:p>
-          <a:p>
-            <a:r>
-              <a:rPr lang="fr-FR" dirty="0"/>
-              <a:t>Output: 3 </a:t>
-            </a:r>
-            <a:r>
-              <a:rPr lang="fr-FR" dirty="0" err="1"/>
-              <a:t>most</a:t>
-            </a:r>
-            <a:r>
-              <a:rPr lang="fr-FR" dirty="0"/>
-              <a:t> probable </a:t>
-            </a:r>
-            <a:r>
-              <a:rPr lang="fr-FR" dirty="0" err="1"/>
-              <a:t>diseases</a:t>
-            </a:r>
-            <a:r>
-              <a:rPr lang="fr-FR" dirty="0"/>
-              <a:t> and </a:t>
-            </a:r>
-            <a:r>
-              <a:rPr lang="fr-FR" dirty="0" err="1"/>
-              <a:t>advices</a:t>
-            </a:r>
-            <a:r>
-              <a:rPr lang="fr-FR" dirty="0"/>
-              <a:t> </a:t>
-            </a:r>
-          </a:p>
-          <a:p>
-            <a:r>
-              <a:rPr lang="fr-FR" dirty="0"/>
-              <a:t>Limited by the </a:t>
-            </a:r>
-            <a:r>
-              <a:rPr lang="fr-FR" dirty="0" err="1"/>
-              <a:t>database</a:t>
-            </a:r>
-            <a:r>
-              <a:rPr lang="fr-FR" dirty="0"/>
-              <a:t> </a:t>
-            </a:r>
-          </a:p>
-          <a:p>
-            <a:r>
-              <a:rPr lang="fr-FR" dirty="0" err="1"/>
-              <a:t>Compute</a:t>
-            </a:r>
-            <a:r>
-              <a:rPr lang="fr-FR" dirty="0"/>
-              <a:t> </a:t>
-            </a:r>
-            <a:r>
-              <a:rPr lang="fr-FR" dirty="0" err="1"/>
-              <a:t>probability</a:t>
-            </a:r>
-            <a:r>
-              <a:rPr lang="fr-FR" dirty="0"/>
-              <a:t> on </a:t>
-            </a:r>
-            <a:r>
-              <a:rPr lang="fr-FR" dirty="0" err="1"/>
-              <a:t>diseases</a:t>
-            </a:r>
-            <a:r>
-              <a:rPr lang="fr-FR" dirty="0"/>
-              <a:t> </a:t>
-            </a:r>
-            <a:r>
-              <a:rPr lang="fr-FR" dirty="0" err="1"/>
-              <a:t>depending</a:t>
-            </a:r>
-            <a:r>
-              <a:rPr lang="fr-FR" dirty="0"/>
-              <a:t> input data </a:t>
-            </a:r>
-          </a:p>
-          <a:p>
-            <a:r>
-              <a:rPr lang="fr-FR" dirty="0" err="1"/>
-              <a:t>Takes</a:t>
-            </a:r>
-            <a:r>
-              <a:rPr lang="fr-FR" dirty="0"/>
-              <a:t> </a:t>
-            </a:r>
-            <a:r>
-              <a:rPr lang="fr-FR" dirty="0" err="1"/>
-              <a:t>decision</a:t>
-            </a:r>
-            <a:r>
-              <a:rPr lang="fr-FR" dirty="0"/>
-              <a:t> </a:t>
-            </a:r>
-            <a:r>
-              <a:rPr lang="fr-FR" dirty="0" err="1"/>
-              <a:t>when</a:t>
-            </a:r>
-            <a:r>
-              <a:rPr lang="fr-FR" dirty="0"/>
-              <a:t> </a:t>
-            </a:r>
-            <a:r>
-              <a:rPr lang="fr-FR" dirty="0" err="1"/>
-              <a:t>threshold</a:t>
-            </a:r>
-            <a:r>
-              <a:rPr lang="fr-FR" dirty="0"/>
-              <a:t> </a:t>
-            </a:r>
-            <a:r>
-              <a:rPr lang="fr-FR" dirty="0" err="1"/>
-              <a:t>reached</a:t>
-            </a:r>
-            <a:r>
-              <a:rPr lang="fr-FR" dirty="0"/>
-              <a:t> </a:t>
-            </a:r>
-          </a:p>
-          <a:p>
-            <a:pPr lvl="1"/>
-            <a:r>
-              <a:rPr lang="fr-FR" dirty="0"/>
-              <a:t>Maximum </a:t>
-            </a:r>
-            <a:r>
-              <a:rPr lang="fr-FR" dirty="0" err="1"/>
-              <a:t>number</a:t>
-            </a:r>
-            <a:r>
-              <a:rPr lang="fr-FR" dirty="0"/>
-              <a:t> of questions </a:t>
-            </a:r>
-          </a:p>
-          <a:p>
-            <a:pPr lvl="1"/>
-            <a:r>
-              <a:rPr lang="fr-FR" dirty="0"/>
-              <a:t>Maximum </a:t>
-            </a:r>
-            <a:r>
-              <a:rPr lang="fr-FR" dirty="0" err="1"/>
-              <a:t>probability</a:t>
-            </a:r>
-            <a:r>
-              <a:rPr lang="fr-FR" dirty="0"/>
-              <a:t> </a:t>
-            </a:r>
-          </a:p>
-          <a:p>
-            <a:endParaRPr lang="en-US" dirty="0"/>
-          </a:p>
-        </p:txBody>
-      </p:sp>
-      <p:sp>
-        <p:nvSpPr>
-          <p:cNvPr id="3" name="Title 2"/>
-          <p:cNvSpPr>
-            <a:spLocks noGrp="1"/>
-          </p:cNvSpPr>
-          <p:nvPr>
-            <p:ph type="title"/>
-          </p:nvPr>
-        </p:nvSpPr>
-        <p:spPr/>
-        <p:txBody>
-          <a:bodyPr/>
-          <a:lstStyle/>
-          <a:p>
-            <a:r>
-              <a:rPr lang="fr-FR" dirty="0" err="1"/>
-              <a:t>Decision</a:t>
-            </a:r>
-            <a:r>
-              <a:rPr lang="fr-FR" dirty="0"/>
-              <a:t> Support System </a:t>
-            </a:r>
-            <a:endParaRPr lang="en-US" dirty="0"/>
-          </a:p>
-        </p:txBody>
-      </p:sp>
-    </p:spTree>
-    <p:extLst>
-      <p:ext uri="{BB962C8B-B14F-4D97-AF65-F5344CB8AC3E}">
-        <p14:creationId xmlns:p14="http://schemas.microsoft.com/office/powerpoint/2010/main" val="317634871"/>
-      </p:ext>
-    </p:extLst>
-  </p:cSld>
-  <p:clrMapOvr>
-    <a:masterClrMapping/>
-  </p:clrMapOvr>
-  <mc:AlternateContent xmlns:mc="http://schemas.openxmlformats.org/markup-compatibility/2006" xmlns:p14="http://schemas.microsoft.com/office/powerpoint/2010/main">
-    <mc:Choice Requires="p14">
-      <p:transition spd="med" p14:dur="700">
-        <p:fade/>
-      </p:transition>
-    </mc:Choice>
-    <mc:Fallback xmlns="">
-      <p:transition spd="med">
-        <p:fade/>
-      </p:transition>
-    </mc:Fallback>
-  </mc:AlternateContent>
-</p:sld>
-</file>
-
-<file path=ppt/slides/slide6.xml><?xml version="1.0" encoding="utf-8"?>
-<p:sld xmlns:a="http://schemas.openxmlformats.org/drawingml/2006/main" xmlns:r="http://schemas.openxmlformats.org/officeDocument/2006/relationships" xmlns:p="http://schemas.openxmlformats.org/presentationml/2006/main">
-  <p:cSld>
-    <p:spTree>
-      <p:nvGrpSpPr>
-        <p:cNvPr id="1" name=""/>
-        <p:cNvGrpSpPr/>
-        <p:nvPr/>
-      </p:nvGrpSpPr>
-      <p:grpSpPr>
-        <a:xfrm>
-          <a:off x="0" y="0"/>
-          <a:ext cx="0" cy="0"/>
-          <a:chOff x="0" y="0"/>
-          <a:chExt cx="0" cy="0"/>
-        </a:xfrm>
-      </p:grpSpPr>
-      <p:sp>
-        <p:nvSpPr>
-          <p:cNvPr id="2" name="Content Placeholder 1"/>
-          <p:cNvSpPr>
-            <a:spLocks noGrp="1"/>
-          </p:cNvSpPr>
-          <p:nvPr>
-            <p:ph sz="quarter" idx="1"/>
-          </p:nvPr>
-        </p:nvSpPr>
-        <p:spPr/>
-        <p:txBody>
-          <a:bodyPr/>
-          <a:lstStyle/>
-          <a:p>
-            <a:r>
-              <a:rPr lang="fr-FR" dirty="0"/>
-              <a:t>3 tables </a:t>
-            </a:r>
-            <a:endParaRPr lang="en-US" dirty="0"/>
-          </a:p>
-          <a:p>
-            <a:pPr lvl="1"/>
-            <a:r>
-              <a:rPr lang="en-US" dirty="0"/>
-              <a:t>Symptoms</a:t>
-            </a:r>
-            <a:r>
-              <a:rPr lang="fr-FR" dirty="0"/>
-              <a:t> </a:t>
-            </a:r>
-          </a:p>
-          <a:p>
-            <a:pPr lvl="1"/>
-            <a:r>
-              <a:rPr lang="en-US" dirty="0"/>
-              <a:t>Diseases</a:t>
-            </a:r>
-            <a:r>
-              <a:rPr lang="fr-FR" dirty="0"/>
-              <a:t> </a:t>
-            </a:r>
-          </a:p>
-          <a:p>
-            <a:pPr lvl="1"/>
-            <a:r>
-              <a:rPr lang="en-US" dirty="0"/>
-              <a:t>Map linking the two </a:t>
-            </a:r>
-          </a:p>
-        </p:txBody>
-      </p:sp>
-      <p:sp>
-        <p:nvSpPr>
-          <p:cNvPr id="3" name="Title 2"/>
-          <p:cNvSpPr>
-            <a:spLocks noGrp="1"/>
-          </p:cNvSpPr>
-          <p:nvPr>
-            <p:ph type="title"/>
-          </p:nvPr>
-        </p:nvSpPr>
-        <p:spPr/>
-        <p:txBody>
-          <a:bodyPr/>
-          <a:lstStyle/>
-          <a:p>
-            <a:r>
-              <a:rPr lang="en-US" dirty="0"/>
-              <a:t>Database</a:t>
-            </a:r>
-          </a:p>
-        </p:txBody>
-      </p:sp>
-      <p:pic>
-        <p:nvPicPr>
-          <p:cNvPr id="5" name="Picture 4"/>
-          <p:cNvPicPr>
-            <a:picLocks noChangeAspect="1"/>
-          </p:cNvPicPr>
-          <p:nvPr/>
-        </p:nvPicPr>
-        <p:blipFill>
-          <a:blip r:embed="rId2">
-            <a:extLst>
-              <a:ext uri="{28A0092B-C50C-407E-A947-70E740481C1C}">
-                <a14:useLocalDpi xmlns:a14="http://schemas.microsoft.com/office/drawing/2010/main" val="0"/>
-              </a:ext>
-            </a:extLst>
-          </a:blip>
-          <a:stretch>
-            <a:fillRect/>
-          </a:stretch>
-        </p:blipFill>
-        <p:spPr>
-          <a:xfrm>
-            <a:off x="1975445" y="3307484"/>
-            <a:ext cx="8241112" cy="3314990"/>
-          </a:xfrm>
-          <a:prstGeom prst="rect">
-            <a:avLst/>
-          </a:prstGeom>
-        </p:spPr>
-      </p:pic>
-      <p:pic>
-        <p:nvPicPr>
-          <p:cNvPr id="7" name="Picture 6"/>
-          <p:cNvPicPr>
-            <a:picLocks noChangeAspect="1"/>
-          </p:cNvPicPr>
-          <p:nvPr/>
-        </p:nvPicPr>
-        <p:blipFill>
-          <a:blip r:embed="rId3">
-            <a:extLst>
-              <a:ext uri="{28A0092B-C50C-407E-A947-70E740481C1C}">
-                <a14:useLocalDpi xmlns:a14="http://schemas.microsoft.com/office/drawing/2010/main" val="0"/>
-              </a:ext>
-            </a:extLst>
-          </a:blip>
-          <a:stretch>
-            <a:fillRect/>
-          </a:stretch>
-        </p:blipFill>
-        <p:spPr>
-          <a:xfrm>
-            <a:off x="7307975" y="274637"/>
-            <a:ext cx="4274426" cy="2787216"/>
-          </a:xfrm>
-          <a:prstGeom prst="rect">
-            <a:avLst/>
-          </a:prstGeom>
-        </p:spPr>
-      </p:pic>
-    </p:spTree>
-    <p:extLst>
-      <p:ext uri="{BB962C8B-B14F-4D97-AF65-F5344CB8AC3E}">
-        <p14:creationId xmlns:p14="http://schemas.microsoft.com/office/powerpoint/2010/main" val="3867255876"/>
-      </p:ext>
-    </p:extLst>
-  </p:cSld>
-  <p:clrMapOvr>
-    <a:masterClrMapping/>
-  </p:clrMapOvr>
-  <mc:AlternateContent xmlns:mc="http://schemas.openxmlformats.org/markup-compatibility/2006" xmlns:p14="http://schemas.microsoft.com/office/powerpoint/2010/main">
-    <mc:Choice Requires="p14">
-      <p:transition spd="med" p14:dur="700">
-        <p:fade/>
-      </p:transition>
-    </mc:Choice>
-    <mc:Fallback xmlns="">
-      <p:transition spd="med">
-        <p:fade/>
-      </p:transition>
-    </mc:Fallback>
-  </mc:AlternateContent>
-</p:sld>
-</file>
-
-<file path=ppt/slides/slide7.xml><?xml version="1.0" encoding="utf-8"?>
 <p:sld xmlns:a="http://schemas.openxmlformats.org/drawingml/2006/main" xmlns:r="http://schemas.openxmlformats.org/officeDocument/2006/relationships" xmlns:p="http://schemas.openxmlformats.org/presentationml/2006/main">
   <p:cSld>
     <p:spTree>
@@ -6413,7 +4966,7 @@
 </p:sld>
 </file>
 
-<file path=ppt/slides/slide8.xml><?xml version="1.0" encoding="utf-8"?>
+<file path=ppt/slides/slide11.xml><?xml version="1.0" encoding="utf-8"?>
 <p:sld xmlns:a="http://schemas.openxmlformats.org/drawingml/2006/main" xmlns:r="http://schemas.openxmlformats.org/officeDocument/2006/relationships" xmlns:p="http://schemas.openxmlformats.org/presentationml/2006/main">
   <p:cSld>
     <p:spTree>
@@ -6543,7 +5096,7 @@
 </p:sld>
 </file>
 
-<file path=ppt/slides/slide9.xml><?xml version="1.0" encoding="utf-8"?>
+<file path=ppt/slides/slide12.xml><?xml version="1.0" encoding="utf-8"?>
 <p:sld xmlns:a="http://schemas.openxmlformats.org/drawingml/2006/main" xmlns:r="http://schemas.openxmlformats.org/officeDocument/2006/relationships" xmlns:p="http://schemas.openxmlformats.org/presentationml/2006/main">
   <p:cSld>
     <p:spTree>
@@ -6971,6 +5524,2009 @@
     <p:extLst>
       <p:ext uri="{BB962C8B-B14F-4D97-AF65-F5344CB8AC3E}">
         <p14:creationId xmlns:p14="http://schemas.microsoft.com/office/powerpoint/2010/main" val="1419907118"/>
+      </p:ext>
+    </p:extLst>
+  </p:cSld>
+  <p:clrMapOvr>
+    <a:masterClrMapping/>
+  </p:clrMapOvr>
+  <mc:AlternateContent xmlns:mc="http://schemas.openxmlformats.org/markup-compatibility/2006" xmlns:p14="http://schemas.microsoft.com/office/powerpoint/2010/main">
+    <mc:Choice Requires="p14">
+      <p:transition spd="med" p14:dur="700">
+        <p:fade/>
+      </p:transition>
+    </mc:Choice>
+    <mc:Fallback xmlns="">
+      <p:transition spd="med">
+        <p:fade/>
+      </p:transition>
+    </mc:Fallback>
+  </mc:AlternateContent>
+</p:sld>
+</file>
+
+<file path=ppt/slides/slide13.xml><?xml version="1.0" encoding="utf-8"?>
+<p:sld xmlns:a="http://schemas.openxmlformats.org/drawingml/2006/main" xmlns:r="http://schemas.openxmlformats.org/officeDocument/2006/relationships" xmlns:p="http://schemas.openxmlformats.org/presentationml/2006/main">
+  <p:cSld>
+    <p:spTree>
+      <p:nvGrpSpPr>
+        <p:cNvPr id="1" name=""/>
+        <p:cNvGrpSpPr/>
+        <p:nvPr/>
+      </p:nvGrpSpPr>
+      <p:grpSpPr>
+        <a:xfrm>
+          <a:off x="0" y="0"/>
+          <a:ext cx="0" cy="0"/>
+          <a:chOff x="0" y="0"/>
+          <a:chExt cx="0" cy="0"/>
+        </a:xfrm>
+      </p:grpSpPr>
+      <p:sp>
+        <p:nvSpPr>
+          <p:cNvPr id="2" name="Content Placeholder 1"/>
+          <p:cNvSpPr>
+            <a:spLocks noGrp="1"/>
+          </p:cNvSpPr>
+          <p:nvPr>
+            <p:ph sz="quarter" idx="1"/>
+          </p:nvPr>
+        </p:nvSpPr>
+        <p:spPr/>
+        <p:txBody>
+          <a:bodyPr/>
+          <a:lstStyle/>
+          <a:p>
+            <a:r>
+              <a:rPr lang="en-US" dirty="0"/>
+              <a:t>Bot logic: Telegram Bot (Python module)</a:t>
+            </a:r>
+          </a:p>
+          <a:p>
+            <a:r>
+              <a:rPr lang="en-US" dirty="0"/>
+              <a:t>Classifier: </a:t>
+            </a:r>
+            <a:r>
+              <a:rPr lang="en-US" dirty="0" err="1"/>
+              <a:t>SciKit</a:t>
+            </a:r>
+            <a:r>
+              <a:rPr lang="en-US" dirty="0"/>
+              <a:t> </a:t>
+            </a:r>
+          </a:p>
+          <a:p>
+            <a:r>
+              <a:rPr lang="fr-FR" dirty="0"/>
+              <a:t>D</a:t>
+            </a:r>
+            <a:r>
+              <a:rPr lang="en-US" dirty="0" err="1"/>
+              <a:t>atabase</a:t>
+            </a:r>
+            <a:r>
+              <a:rPr lang="en-US" dirty="0"/>
+              <a:t>: </a:t>
+            </a:r>
+            <a:r>
+              <a:rPr lang="en-US" dirty="0" err="1"/>
+              <a:t>Postgresql</a:t>
+            </a:r>
+            <a:r>
+              <a:rPr lang="en-US" dirty="0"/>
+              <a:t> </a:t>
+            </a:r>
+          </a:p>
+        </p:txBody>
+      </p:sp>
+      <p:sp>
+        <p:nvSpPr>
+          <p:cNvPr id="3" name="Title 2"/>
+          <p:cNvSpPr>
+            <a:spLocks noGrp="1"/>
+          </p:cNvSpPr>
+          <p:nvPr>
+            <p:ph type="title"/>
+          </p:nvPr>
+        </p:nvSpPr>
+        <p:spPr/>
+        <p:txBody>
+          <a:bodyPr/>
+          <a:lstStyle/>
+          <a:p>
+            <a:r>
+              <a:rPr lang="fr-FR" dirty="0"/>
+              <a:t>T</a:t>
+            </a:r>
+            <a:r>
+              <a:rPr lang="en-US" dirty="0" err="1"/>
+              <a:t>echnology</a:t>
+            </a:r>
+            <a:r>
+              <a:rPr lang="en-US" dirty="0"/>
+              <a:t> choices</a:t>
+            </a:r>
+          </a:p>
+        </p:txBody>
+      </p:sp>
+      <p:pic>
+        <p:nvPicPr>
+          <p:cNvPr id="4" name="Picture 3"/>
+          <p:cNvPicPr>
+            <a:picLocks noChangeAspect="1"/>
+          </p:cNvPicPr>
+          <p:nvPr/>
+        </p:nvPicPr>
+        <p:blipFill>
+          <a:blip r:embed="rId2"/>
+          <a:stretch>
+            <a:fillRect/>
+          </a:stretch>
+        </p:blipFill>
+        <p:spPr>
+          <a:xfrm>
+            <a:off x="1219200" y="3251201"/>
+            <a:ext cx="2510971" cy="2510971"/>
+          </a:xfrm>
+          <a:prstGeom prst="rect">
+            <a:avLst/>
+          </a:prstGeom>
+        </p:spPr>
+      </p:pic>
+      <p:pic>
+        <p:nvPicPr>
+          <p:cNvPr id="8" name="Picture 7"/>
+          <p:cNvPicPr>
+            <a:picLocks noChangeAspect="1"/>
+          </p:cNvPicPr>
+          <p:nvPr/>
+        </p:nvPicPr>
+        <p:blipFill>
+          <a:blip r:embed="rId3">
+            <a:extLst>
+              <a:ext uri="{28A0092B-C50C-407E-A947-70E740481C1C}">
+                <a14:useLocalDpi xmlns:a14="http://schemas.microsoft.com/office/drawing/2010/main" val="0"/>
+              </a:ext>
+            </a:extLst>
+          </a:blip>
+          <a:stretch>
+            <a:fillRect/>
+          </a:stretch>
+        </p:blipFill>
+        <p:spPr>
+          <a:xfrm>
+            <a:off x="4704732" y="3592286"/>
+            <a:ext cx="3395472" cy="1828800"/>
+          </a:xfrm>
+          <a:prstGeom prst="rect">
+            <a:avLst/>
+          </a:prstGeom>
+        </p:spPr>
+      </p:pic>
+      <p:pic>
+        <p:nvPicPr>
+          <p:cNvPr id="10" name="Picture 9"/>
+          <p:cNvPicPr>
+            <a:picLocks noChangeAspect="1"/>
+          </p:cNvPicPr>
+          <p:nvPr/>
+        </p:nvPicPr>
+        <p:blipFill>
+          <a:blip r:embed="rId4" cstate="print">
+            <a:extLst>
+              <a:ext uri="{28A0092B-C50C-407E-A947-70E740481C1C}">
+                <a14:useLocalDpi xmlns:a14="http://schemas.microsoft.com/office/drawing/2010/main" val="0"/>
+              </a:ext>
+            </a:extLst>
+          </a:blip>
+          <a:stretch>
+            <a:fillRect/>
+          </a:stretch>
+        </p:blipFill>
+        <p:spPr>
+          <a:xfrm>
+            <a:off x="9074765" y="3135086"/>
+            <a:ext cx="2467272" cy="2743200"/>
+          </a:xfrm>
+          <a:prstGeom prst="rect">
+            <a:avLst/>
+          </a:prstGeom>
+        </p:spPr>
+      </p:pic>
+    </p:spTree>
+    <p:extLst>
+      <p:ext uri="{BB962C8B-B14F-4D97-AF65-F5344CB8AC3E}">
+        <p14:creationId xmlns:p14="http://schemas.microsoft.com/office/powerpoint/2010/main" val="169763702"/>
+      </p:ext>
+    </p:extLst>
+  </p:cSld>
+  <p:clrMapOvr>
+    <a:masterClrMapping/>
+  </p:clrMapOvr>
+  <mc:AlternateContent xmlns:mc="http://schemas.openxmlformats.org/markup-compatibility/2006" xmlns:p14="http://schemas.microsoft.com/office/powerpoint/2010/main">
+    <mc:Choice Requires="p14">
+      <p:transition spd="med" p14:dur="700">
+        <p:fade/>
+      </p:transition>
+    </mc:Choice>
+    <mc:Fallback xmlns="">
+      <p:transition spd="med">
+        <p:fade/>
+      </p:transition>
+    </mc:Fallback>
+  </mc:AlternateContent>
+</p:sld>
+</file>
+
+<file path=ppt/slides/slide14.xml><?xml version="1.0" encoding="utf-8"?>
+<p:sld xmlns:a="http://schemas.openxmlformats.org/drawingml/2006/main" xmlns:r="http://schemas.openxmlformats.org/officeDocument/2006/relationships" xmlns:p="http://schemas.openxmlformats.org/presentationml/2006/main">
+  <p:cSld>
+    <p:spTree>
+      <p:nvGrpSpPr>
+        <p:cNvPr id="1" name=""/>
+        <p:cNvGrpSpPr/>
+        <p:nvPr/>
+      </p:nvGrpSpPr>
+      <p:grpSpPr>
+        <a:xfrm>
+          <a:off x="0" y="0"/>
+          <a:ext cx="0" cy="0"/>
+          <a:chOff x="0" y="0"/>
+          <a:chExt cx="0" cy="0"/>
+        </a:xfrm>
+      </p:grpSpPr>
+      <p:sp>
+        <p:nvSpPr>
+          <p:cNvPr id="2" name="Content Placeholder 1"/>
+          <p:cNvSpPr>
+            <a:spLocks noGrp="1"/>
+          </p:cNvSpPr>
+          <p:nvPr>
+            <p:ph sz="quarter" idx="1"/>
+          </p:nvPr>
+        </p:nvSpPr>
+        <p:spPr/>
+        <p:txBody>
+          <a:bodyPr/>
+          <a:lstStyle/>
+          <a:p>
+            <a:r>
+              <a:rPr lang="en-US" dirty="0"/>
+              <a:t>Could be adapted for mobile use </a:t>
+            </a:r>
+          </a:p>
+          <a:p>
+            <a:r>
+              <a:rPr lang="fr-FR" dirty="0"/>
+              <a:t>C</a:t>
+            </a:r>
+            <a:r>
+              <a:rPr lang="en-US" dirty="0" err="1"/>
+              <a:t>ould</a:t>
+            </a:r>
+            <a:r>
+              <a:rPr lang="en-US" dirty="0"/>
+              <a:t> be affined for professional use</a:t>
+            </a:r>
+          </a:p>
+          <a:p>
+            <a:endParaRPr lang="en-US" dirty="0"/>
+          </a:p>
+          <a:p>
+            <a:r>
+              <a:rPr lang="en-US" dirty="0"/>
+              <a:t>First thought wanted to use Django </a:t>
+            </a:r>
+            <a:r>
+              <a:rPr lang="en-US" dirty="0">
+                <a:sym typeface="Wingdings" panose="05000000000000000000" pitchFamily="2" charset="2"/>
+              </a:rPr>
+              <a:t> did not work out</a:t>
+            </a:r>
+          </a:p>
+          <a:p>
+            <a:r>
+              <a:rPr lang="fr-FR" dirty="0">
+                <a:sym typeface="Wingdings" panose="05000000000000000000" pitchFamily="2" charset="2"/>
+              </a:rPr>
+              <a:t>Q</a:t>
+            </a:r>
+            <a:r>
+              <a:rPr lang="en-US" dirty="0" err="1">
+                <a:sym typeface="Wingdings" panose="05000000000000000000" pitchFamily="2" charset="2"/>
+              </a:rPr>
+              <a:t>uestions</a:t>
+            </a:r>
+            <a:r>
+              <a:rPr lang="en-US" dirty="0">
+                <a:sym typeface="Wingdings" panose="05000000000000000000" pitchFamily="2" charset="2"/>
+              </a:rPr>
+              <a:t> logic </a:t>
+            </a:r>
+          </a:p>
+          <a:p>
+            <a:r>
+              <a:rPr lang="fr-FR" dirty="0">
+                <a:sym typeface="Wingdings" panose="05000000000000000000" pitchFamily="2" charset="2"/>
+              </a:rPr>
+              <a:t>F</a:t>
+            </a:r>
+            <a:r>
+              <a:rPr lang="en-US" dirty="0" err="1">
+                <a:sym typeface="Wingdings" panose="05000000000000000000" pitchFamily="2" charset="2"/>
+              </a:rPr>
+              <a:t>inding</a:t>
+            </a:r>
+            <a:r>
+              <a:rPr lang="en-US" dirty="0">
+                <a:sym typeface="Wingdings" panose="05000000000000000000" pitchFamily="2" charset="2"/>
+              </a:rPr>
+              <a:t> a database </a:t>
+            </a:r>
+          </a:p>
+          <a:p>
+            <a:r>
+              <a:rPr lang="fr-FR" dirty="0">
+                <a:sym typeface="Wingdings" panose="05000000000000000000" pitchFamily="2" charset="2"/>
+              </a:rPr>
+              <a:t>F</a:t>
+            </a:r>
+            <a:r>
+              <a:rPr lang="en-US" dirty="0" err="1">
+                <a:sym typeface="Wingdings" panose="05000000000000000000" pitchFamily="2" charset="2"/>
+              </a:rPr>
+              <a:t>inding</a:t>
+            </a:r>
+            <a:r>
+              <a:rPr lang="en-US" dirty="0">
+                <a:sym typeface="Wingdings" panose="05000000000000000000" pitchFamily="2" charset="2"/>
+              </a:rPr>
+              <a:t> a dataset for classifier </a:t>
+            </a:r>
+            <a:endParaRPr lang="en-US" dirty="0"/>
+          </a:p>
+          <a:p>
+            <a:r>
+              <a:rPr lang="en-US" dirty="0"/>
+              <a:t>Extending the database</a:t>
+            </a:r>
+          </a:p>
+          <a:p>
+            <a:endParaRPr lang="en-US" dirty="0"/>
+          </a:p>
+        </p:txBody>
+      </p:sp>
+      <p:sp>
+        <p:nvSpPr>
+          <p:cNvPr id="3" name="Title 2"/>
+          <p:cNvSpPr>
+            <a:spLocks noGrp="1"/>
+          </p:cNvSpPr>
+          <p:nvPr>
+            <p:ph type="title"/>
+          </p:nvPr>
+        </p:nvSpPr>
+        <p:spPr/>
+        <p:txBody>
+          <a:bodyPr/>
+          <a:lstStyle/>
+          <a:p>
+            <a:r>
+              <a:rPr lang="en-US" dirty="0"/>
+              <a:t>Conclusion </a:t>
+            </a:r>
+          </a:p>
+        </p:txBody>
+      </p:sp>
+    </p:spTree>
+    <p:extLst>
+      <p:ext uri="{BB962C8B-B14F-4D97-AF65-F5344CB8AC3E}">
+        <p14:creationId xmlns:p14="http://schemas.microsoft.com/office/powerpoint/2010/main" val="1980976995"/>
+      </p:ext>
+    </p:extLst>
+  </p:cSld>
+  <p:clrMapOvr>
+    <a:masterClrMapping/>
+  </p:clrMapOvr>
+  <mc:AlternateContent xmlns:mc="http://schemas.openxmlformats.org/markup-compatibility/2006" xmlns:p14="http://schemas.microsoft.com/office/powerpoint/2010/main">
+    <mc:Choice Requires="p14">
+      <p:transition spd="med" p14:dur="700">
+        <p:fade/>
+      </p:transition>
+    </mc:Choice>
+    <mc:Fallback xmlns="">
+      <p:transition spd="med">
+        <p:fade/>
+      </p:transition>
+    </mc:Fallback>
+  </mc:AlternateContent>
+</p:sld>
+</file>
+
+<file path=ppt/slides/slide15.xml><?xml version="1.0" encoding="utf-8"?>
+<p:sld xmlns:a="http://schemas.openxmlformats.org/drawingml/2006/main" xmlns:r="http://schemas.openxmlformats.org/officeDocument/2006/relationships" xmlns:p="http://schemas.openxmlformats.org/presentationml/2006/main">
+  <p:cSld>
+    <p:spTree>
+      <p:nvGrpSpPr>
+        <p:cNvPr id="1" name=""/>
+        <p:cNvGrpSpPr/>
+        <p:nvPr/>
+      </p:nvGrpSpPr>
+      <p:grpSpPr>
+        <a:xfrm>
+          <a:off x="0" y="0"/>
+          <a:ext cx="0" cy="0"/>
+          <a:chOff x="0" y="0"/>
+          <a:chExt cx="0" cy="0"/>
+        </a:xfrm>
+      </p:grpSpPr>
+      <p:pic>
+        <p:nvPicPr>
+          <p:cNvPr id="4" name="Content Placeholder 3"/>
+          <p:cNvPicPr>
+            <a:picLocks noGrp="1" noChangeAspect="1"/>
+          </p:cNvPicPr>
+          <p:nvPr>
+            <p:ph sz="quarter" idx="1"/>
+          </p:nvPr>
+        </p:nvPicPr>
+        <p:blipFill rotWithShape="1">
+          <a:blip r:embed="rId2">
+            <a:extLst>
+              <a:ext uri="{28A0092B-C50C-407E-A947-70E740481C1C}">
+                <a14:useLocalDpi xmlns:a14="http://schemas.microsoft.com/office/drawing/2010/main" val="0"/>
+              </a:ext>
+            </a:extLst>
+          </a:blip>
+          <a:srcRect b="3828"/>
+          <a:stretch/>
+        </p:blipFill>
+        <p:spPr>
+          <a:xfrm>
+            <a:off x="3531286" y="1907060"/>
+            <a:ext cx="5739027" cy="4139514"/>
+          </a:xfrm>
+        </p:spPr>
+      </p:pic>
+      <p:sp>
+        <p:nvSpPr>
+          <p:cNvPr id="3" name="Title 2"/>
+          <p:cNvSpPr>
+            <a:spLocks noGrp="1"/>
+          </p:cNvSpPr>
+          <p:nvPr>
+            <p:ph type="title"/>
+          </p:nvPr>
+        </p:nvSpPr>
+        <p:spPr/>
+        <p:txBody>
+          <a:bodyPr/>
+          <a:lstStyle/>
+          <a:p>
+            <a:r>
+              <a:rPr lang="sv-SE" dirty="0" err="1"/>
+              <a:t>Thank</a:t>
+            </a:r>
+            <a:r>
+              <a:rPr lang="sv-SE" dirty="0"/>
+              <a:t> </a:t>
+            </a:r>
+            <a:r>
+              <a:rPr lang="sv-SE" dirty="0" err="1"/>
+              <a:t>you</a:t>
+            </a:r>
+            <a:r>
+              <a:rPr lang="sv-SE" dirty="0"/>
+              <a:t> for </a:t>
+            </a:r>
+            <a:r>
+              <a:rPr lang="sv-SE" dirty="0" err="1"/>
+              <a:t>your</a:t>
+            </a:r>
+            <a:r>
+              <a:rPr lang="sv-SE" dirty="0"/>
+              <a:t> attention!</a:t>
+            </a:r>
+          </a:p>
+        </p:txBody>
+      </p:sp>
+    </p:spTree>
+    <p:extLst>
+      <p:ext uri="{BB962C8B-B14F-4D97-AF65-F5344CB8AC3E}">
+        <p14:creationId xmlns:p14="http://schemas.microsoft.com/office/powerpoint/2010/main" val="948441873"/>
+      </p:ext>
+    </p:extLst>
+  </p:cSld>
+  <p:clrMapOvr>
+    <a:masterClrMapping/>
+  </p:clrMapOvr>
+  <mc:AlternateContent xmlns:mc="http://schemas.openxmlformats.org/markup-compatibility/2006" xmlns:p14="http://schemas.microsoft.com/office/powerpoint/2010/main">
+    <mc:Choice Requires="p14">
+      <p:transition spd="med" p14:dur="700">
+        <p:fade/>
+      </p:transition>
+    </mc:Choice>
+    <mc:Fallback xmlns="">
+      <p:transition spd="med">
+        <p:fade/>
+      </p:transition>
+    </mc:Fallback>
+  </mc:AlternateContent>
+</p:sld>
+</file>
+
+<file path=ppt/slides/slide2.xml><?xml version="1.0" encoding="utf-8"?>
+<p:sld xmlns:a="http://schemas.openxmlformats.org/drawingml/2006/main" xmlns:r="http://schemas.openxmlformats.org/officeDocument/2006/relationships" xmlns:p="http://schemas.openxmlformats.org/presentationml/2006/main">
+  <p:cSld>
+    <p:spTree>
+      <p:nvGrpSpPr>
+        <p:cNvPr id="1" name=""/>
+        <p:cNvGrpSpPr/>
+        <p:nvPr/>
+      </p:nvGrpSpPr>
+      <p:grpSpPr>
+        <a:xfrm>
+          <a:off x="0" y="0"/>
+          <a:ext cx="0" cy="0"/>
+          <a:chOff x="0" y="0"/>
+          <a:chExt cx="0" cy="0"/>
+        </a:xfrm>
+      </p:grpSpPr>
+      <p:sp>
+        <p:nvSpPr>
+          <p:cNvPr id="4" name="Content Placeholder 3"/>
+          <p:cNvSpPr>
+            <a:spLocks noGrp="1"/>
+          </p:cNvSpPr>
+          <p:nvPr>
+            <p:ph sz="quarter" idx="1"/>
+          </p:nvPr>
+        </p:nvSpPr>
+        <p:spPr/>
+        <p:txBody>
+          <a:bodyPr/>
+          <a:lstStyle/>
+          <a:p>
+            <a:pPr marL="0" indent="0">
+              <a:buNone/>
+            </a:pPr>
+            <a:endParaRPr lang="sv-SE" dirty="0"/>
+          </a:p>
+          <a:p>
+            <a:pPr marL="0" indent="0">
+              <a:buNone/>
+            </a:pPr>
+            <a:endParaRPr lang="sv-SE" dirty="0"/>
+          </a:p>
+          <a:p>
+            <a:pPr marL="0" indent="0">
+              <a:buNone/>
+            </a:pPr>
+            <a:endParaRPr lang="sv-SE" dirty="0"/>
+          </a:p>
+          <a:p>
+            <a:r>
+              <a:rPr lang="sv-SE" sz="2800" dirty="0" err="1"/>
+              <a:t>Emirhan</a:t>
+            </a:r>
+            <a:r>
+              <a:rPr lang="sv-SE" sz="2800" dirty="0"/>
+              <a:t> </a:t>
+            </a:r>
+            <a:r>
+              <a:rPr lang="sv-SE" sz="2800" dirty="0" err="1"/>
+              <a:t>Kutlu</a:t>
+            </a:r>
+            <a:endParaRPr lang="sv-SE" sz="2800" dirty="0"/>
+          </a:p>
+          <a:p>
+            <a:r>
+              <a:rPr lang="sv-SE" sz="2800" dirty="0" err="1"/>
+              <a:t>Lucie</a:t>
+            </a:r>
+            <a:r>
+              <a:rPr lang="sv-SE" sz="2800" dirty="0"/>
+              <a:t> </a:t>
+            </a:r>
+            <a:r>
+              <a:rPr lang="sv-SE" sz="2800" dirty="0" err="1"/>
+              <a:t>Labadie</a:t>
+            </a:r>
+            <a:endParaRPr lang="sv-SE" sz="2800" dirty="0"/>
+          </a:p>
+          <a:p>
+            <a:r>
+              <a:rPr lang="sv-SE" sz="2800" dirty="0"/>
+              <a:t>Rosen </a:t>
+            </a:r>
+            <a:r>
+              <a:rPr lang="sv-SE" sz="2800" dirty="0" err="1"/>
+              <a:t>Sasov</a:t>
+            </a:r>
+            <a:endParaRPr lang="sv-SE" sz="2800" dirty="0"/>
+          </a:p>
+        </p:txBody>
+      </p:sp>
+      <p:sp>
+        <p:nvSpPr>
+          <p:cNvPr id="3" name="Title 2"/>
+          <p:cNvSpPr>
+            <a:spLocks noGrp="1"/>
+          </p:cNvSpPr>
+          <p:nvPr>
+            <p:ph type="title"/>
+          </p:nvPr>
+        </p:nvSpPr>
+        <p:spPr/>
+        <p:txBody>
+          <a:bodyPr/>
+          <a:lstStyle/>
+          <a:p>
+            <a:r>
+              <a:rPr lang="sv-SE" dirty="0"/>
+              <a:t>Group </a:t>
+            </a:r>
+            <a:r>
+              <a:rPr lang="en-US" dirty="0"/>
+              <a:t>Members</a:t>
+            </a:r>
+          </a:p>
+        </p:txBody>
+      </p:sp>
+      <p:pic>
+        <p:nvPicPr>
+          <p:cNvPr id="8" name="Content Placeholder 7"/>
+          <p:cNvPicPr>
+            <a:picLocks noGrp="1" noChangeAspect="1"/>
+          </p:cNvPicPr>
+          <p:nvPr>
+            <p:ph sz="quarter" idx="2"/>
+          </p:nvPr>
+        </p:nvPicPr>
+        <p:blipFill>
+          <a:blip r:embed="rId2" cstate="print">
+            <a:extLst>
+              <a:ext uri="{28A0092B-C50C-407E-A947-70E740481C1C}">
+                <a14:useLocalDpi xmlns:a14="http://schemas.microsoft.com/office/drawing/2010/main" val="0"/>
+              </a:ext>
+            </a:extLst>
+          </a:blip>
+          <a:stretch>
+            <a:fillRect/>
+          </a:stretch>
+        </p:blipFill>
+        <p:spPr>
+          <a:xfrm>
+            <a:off x="6578600" y="2324627"/>
+            <a:ext cx="4999038" cy="2818346"/>
+          </a:xfrm>
+        </p:spPr>
+      </p:pic>
+    </p:spTree>
+    <p:extLst>
+      <p:ext uri="{BB962C8B-B14F-4D97-AF65-F5344CB8AC3E}">
+        <p14:creationId xmlns:p14="http://schemas.microsoft.com/office/powerpoint/2010/main" val="3203580497"/>
+      </p:ext>
+    </p:extLst>
+  </p:cSld>
+  <p:clrMapOvr>
+    <a:masterClrMapping/>
+  </p:clrMapOvr>
+  <mc:AlternateContent xmlns:mc="http://schemas.openxmlformats.org/markup-compatibility/2006" xmlns:p14="http://schemas.microsoft.com/office/powerpoint/2010/main">
+    <mc:Choice Requires="p14">
+      <p:transition spd="med" p14:dur="700">
+        <p:fade/>
+      </p:transition>
+    </mc:Choice>
+    <mc:Fallback xmlns="">
+      <p:transition spd="med">
+        <p:fade/>
+      </p:transition>
+    </mc:Fallback>
+  </mc:AlternateContent>
+</p:sld>
+</file>
+
+<file path=ppt/slides/slide3.xml><?xml version="1.0" encoding="utf-8"?>
+<p:sld xmlns:a="http://schemas.openxmlformats.org/drawingml/2006/main" xmlns:r="http://schemas.openxmlformats.org/officeDocument/2006/relationships" xmlns:p="http://schemas.openxmlformats.org/presentationml/2006/main">
+  <p:cSld>
+    <p:spTree>
+      <p:nvGrpSpPr>
+        <p:cNvPr id="1" name=""/>
+        <p:cNvGrpSpPr/>
+        <p:nvPr/>
+      </p:nvGrpSpPr>
+      <p:grpSpPr>
+        <a:xfrm>
+          <a:off x="0" y="0"/>
+          <a:ext cx="0" cy="0"/>
+          <a:chOff x="0" y="0"/>
+          <a:chExt cx="0" cy="0"/>
+        </a:xfrm>
+      </p:grpSpPr>
+      <p:sp>
+        <p:nvSpPr>
+          <p:cNvPr id="5" name="Content Placeholder 4"/>
+          <p:cNvSpPr>
+            <a:spLocks noGrp="1"/>
+          </p:cNvSpPr>
+          <p:nvPr>
+            <p:ph sz="quarter" idx="1"/>
+          </p:nvPr>
+        </p:nvSpPr>
+        <p:spPr/>
+        <p:txBody>
+          <a:bodyPr/>
+          <a:lstStyle/>
+          <a:p>
+            <a:r>
+              <a:rPr lang="en-US" dirty="0"/>
+              <a:t>Finding</a:t>
+            </a:r>
+            <a:r>
+              <a:rPr lang="sv-SE" dirty="0"/>
+              <a:t> an universal way to make a decision</a:t>
+            </a:r>
+          </a:p>
+          <a:p>
+            <a:r>
+              <a:rPr lang="sv-SE" dirty="0" err="1"/>
+              <a:t>Including</a:t>
+            </a:r>
+            <a:r>
+              <a:rPr lang="sv-SE" dirty="0"/>
+              <a:t> </a:t>
+            </a:r>
+            <a:r>
+              <a:rPr lang="sv-SE" dirty="0" err="1"/>
+              <a:t>some</a:t>
+            </a:r>
+            <a:r>
+              <a:rPr lang="sv-SE" dirty="0"/>
+              <a:t> </a:t>
+            </a:r>
+            <a:r>
+              <a:rPr lang="sv-SE" dirty="0" err="1"/>
+              <a:t>basic</a:t>
+            </a:r>
+            <a:r>
+              <a:rPr lang="sv-SE" dirty="0"/>
+              <a:t> </a:t>
+            </a:r>
+            <a:r>
+              <a:rPr lang="sv-SE" dirty="0" err="1"/>
+              <a:t>side</a:t>
+            </a:r>
+            <a:r>
+              <a:rPr lang="sv-SE" dirty="0"/>
+              <a:t> </a:t>
+            </a:r>
+            <a:r>
+              <a:rPr lang="sv-SE" dirty="0" err="1"/>
+              <a:t>factors</a:t>
+            </a:r>
+            <a:r>
+              <a:rPr lang="sv-SE" dirty="0"/>
+              <a:t> </a:t>
+            </a:r>
+            <a:r>
+              <a:rPr lang="sv-SE" dirty="0" err="1"/>
+              <a:t>that</a:t>
+            </a:r>
+            <a:r>
+              <a:rPr lang="sv-SE" dirty="0"/>
+              <a:t> </a:t>
+            </a:r>
+            <a:r>
+              <a:rPr lang="sv-SE" dirty="0" err="1"/>
+              <a:t>are</a:t>
+            </a:r>
+            <a:r>
+              <a:rPr lang="sv-SE" dirty="0"/>
+              <a:t> </a:t>
+            </a:r>
+            <a:r>
+              <a:rPr lang="sv-SE" dirty="0" err="1"/>
+              <a:t>important</a:t>
+            </a:r>
+            <a:r>
+              <a:rPr lang="sv-SE" dirty="0"/>
+              <a:t>, apart from the symptoms</a:t>
+            </a:r>
+          </a:p>
+          <a:p>
+            <a:r>
+              <a:rPr lang="sv-SE" dirty="0"/>
+              <a:t>Big Data handling</a:t>
+            </a:r>
+          </a:p>
+          <a:p>
+            <a:r>
+              <a:rPr lang="sv-SE" dirty="0" err="1"/>
+              <a:t>Finding</a:t>
+            </a:r>
+            <a:r>
+              <a:rPr lang="sv-SE" dirty="0"/>
+              <a:t> a </a:t>
+            </a:r>
+            <a:r>
+              <a:rPr lang="sv-SE" dirty="0" err="1"/>
+              <a:t>trustworthy</a:t>
+            </a:r>
+            <a:r>
+              <a:rPr lang="sv-SE" dirty="0"/>
+              <a:t> test data</a:t>
+            </a:r>
+          </a:p>
+          <a:p>
+            <a:endParaRPr lang="en-US" dirty="0"/>
+          </a:p>
+        </p:txBody>
+      </p:sp>
+      <p:sp>
+        <p:nvSpPr>
+          <p:cNvPr id="4" name="Title 3"/>
+          <p:cNvSpPr>
+            <a:spLocks noGrp="1"/>
+          </p:cNvSpPr>
+          <p:nvPr>
+            <p:ph type="title"/>
+          </p:nvPr>
+        </p:nvSpPr>
+        <p:spPr/>
+        <p:txBody>
+          <a:bodyPr/>
+          <a:lstStyle/>
+          <a:p>
+            <a:r>
+              <a:rPr lang="sv-SE" dirty="0"/>
+              <a:t>Problem	</a:t>
+            </a:r>
+          </a:p>
+        </p:txBody>
+      </p:sp>
+    </p:spTree>
+    <p:extLst>
+      <p:ext uri="{BB962C8B-B14F-4D97-AF65-F5344CB8AC3E}">
+        <p14:creationId xmlns:p14="http://schemas.microsoft.com/office/powerpoint/2010/main" val="3318276416"/>
+      </p:ext>
+    </p:extLst>
+  </p:cSld>
+  <p:clrMapOvr>
+    <a:masterClrMapping/>
+  </p:clrMapOvr>
+  <mc:AlternateContent xmlns:mc="http://schemas.openxmlformats.org/markup-compatibility/2006" xmlns:p14="http://schemas.microsoft.com/office/powerpoint/2010/main">
+    <mc:Choice Requires="p14">
+      <p:transition spd="med" p14:dur="700">
+        <p:fade/>
+      </p:transition>
+    </mc:Choice>
+    <mc:Fallback xmlns="">
+      <p:transition spd="med">
+        <p:fade/>
+      </p:transition>
+    </mc:Fallback>
+  </mc:AlternateContent>
+</p:sld>
+</file>
+
+<file path=ppt/slides/slide4.xml><?xml version="1.0" encoding="utf-8"?>
+<p:sld xmlns:a="http://schemas.openxmlformats.org/drawingml/2006/main" xmlns:r="http://schemas.openxmlformats.org/officeDocument/2006/relationships" xmlns:p="http://schemas.openxmlformats.org/presentationml/2006/main">
+  <p:cSld>
+    <p:spTree>
+      <p:nvGrpSpPr>
+        <p:cNvPr id="1" name=""/>
+        <p:cNvGrpSpPr/>
+        <p:nvPr/>
+      </p:nvGrpSpPr>
+      <p:grpSpPr>
+        <a:xfrm>
+          <a:off x="0" y="0"/>
+          <a:ext cx="0" cy="0"/>
+          <a:chOff x="0" y="0"/>
+          <a:chExt cx="0" cy="0"/>
+        </a:xfrm>
+      </p:grpSpPr>
+      <p:sp>
+        <p:nvSpPr>
+          <p:cNvPr id="2" name="Content Placeholder 1"/>
+          <p:cNvSpPr>
+            <a:spLocks noGrp="1"/>
+          </p:cNvSpPr>
+          <p:nvPr>
+            <p:ph sz="quarter" idx="1"/>
+          </p:nvPr>
+        </p:nvSpPr>
+        <p:spPr/>
+        <p:txBody>
+          <a:bodyPr/>
+          <a:lstStyle/>
+          <a:p>
+            <a:r>
+              <a:rPr lang="fr-FR" dirty="0"/>
+              <a:t>Web service </a:t>
+            </a:r>
+            <a:endParaRPr lang="en-US" dirty="0"/>
+          </a:p>
+          <a:p>
+            <a:r>
+              <a:rPr lang="en-US" dirty="0"/>
+              <a:t>Asking questions about physical state </a:t>
+            </a:r>
+          </a:p>
+          <a:p>
+            <a:r>
+              <a:rPr lang="en-US" dirty="0"/>
+              <a:t>Take the symptoms</a:t>
+            </a:r>
+            <a:r>
+              <a:rPr lang="fr-FR" dirty="0"/>
+              <a:t> </a:t>
+            </a:r>
+            <a:r>
+              <a:rPr lang="en-US" dirty="0"/>
+              <a:t>and personal data as input</a:t>
+            </a:r>
+          </a:p>
+          <a:p>
+            <a:pPr lvl="1"/>
+            <a:r>
+              <a:rPr lang="fr-FR" dirty="0"/>
+              <a:t>P</a:t>
+            </a:r>
+            <a:r>
+              <a:rPr lang="en-US" dirty="0" err="1"/>
+              <a:t>ersonal</a:t>
+            </a:r>
+            <a:r>
+              <a:rPr lang="en-US" dirty="0"/>
+              <a:t> data: weight, height, smoker…</a:t>
+            </a:r>
+          </a:p>
+          <a:p>
+            <a:r>
+              <a:rPr lang="en-US" dirty="0"/>
+              <a:t>Compute most probable diseases </a:t>
+            </a:r>
+          </a:p>
+          <a:p>
+            <a:r>
+              <a:rPr lang="en-US" dirty="0"/>
+              <a:t>Output the diagnosis to the user along with advices</a:t>
+            </a:r>
+          </a:p>
+        </p:txBody>
+      </p:sp>
+      <p:sp>
+        <p:nvSpPr>
+          <p:cNvPr id="3" name="Title 2"/>
+          <p:cNvSpPr>
+            <a:spLocks noGrp="1"/>
+          </p:cNvSpPr>
+          <p:nvPr>
+            <p:ph type="title"/>
+          </p:nvPr>
+        </p:nvSpPr>
+        <p:spPr/>
+        <p:txBody>
+          <a:bodyPr/>
+          <a:lstStyle/>
+          <a:p>
+            <a:r>
+              <a:rPr lang="en-US" dirty="0"/>
+              <a:t>Health</a:t>
+            </a:r>
+            <a:r>
+              <a:rPr lang="fr-FR" dirty="0"/>
+              <a:t> Care Bot</a:t>
+            </a:r>
+            <a:endParaRPr lang="en-US" dirty="0"/>
+          </a:p>
+        </p:txBody>
+      </p:sp>
+      <p:pic>
+        <p:nvPicPr>
+          <p:cNvPr id="4" name="Picture 3"/>
+          <p:cNvPicPr>
+            <a:picLocks noChangeAspect="1"/>
+          </p:cNvPicPr>
+          <p:nvPr/>
+        </p:nvPicPr>
+        <p:blipFill rotWithShape="1">
+          <a:blip r:embed="rId2">
+            <a:duotone>
+              <a:schemeClr val="accent1">
+                <a:shade val="45000"/>
+                <a:satMod val="135000"/>
+              </a:schemeClr>
+              <a:prstClr val="white"/>
+            </a:duotone>
+            <a:extLst>
+              <a:ext uri="{BEBA8EAE-BF5A-486C-A8C5-ECC9F3942E4B}">
+                <a14:imgProps xmlns:a14="http://schemas.microsoft.com/office/drawing/2010/main">
+                  <a14:imgLayer r:embed="rId3">
+                    <a14:imgEffect>
+                      <a14:backgroundRemoval t="9977" b="89994" l="7702" r="90000">
+                        <a14:foregroundMark x1="62298" y1="27680" x2="62298" y2="27680"/>
+                        <a14:foregroundMark x1="57137" y1="28677" x2="67984" y2="24031"/>
+                        <a14:foregroundMark x1="67984" y1="24031" x2="67984" y2="24031"/>
+                        <a14:foregroundMark x1="7702" y1="24658" x2="11694" y2="25656"/>
+                        <a14:foregroundMark x1="50000" y1="17161" x2="50000" y2="19584"/>
+                        <a14:foregroundMark x1="58589" y1="36973" x2="61411" y2="36773"/>
+                        <a14:foregroundMark x1="40282" y1="36374" x2="42581" y2="36374"/>
+                        <a14:foregroundMark x1="50000" y1="48689" x2="50000" y2="50114"/>
+                        <a14:foregroundMark x1="45161" y1="53136" x2="47984" y2="53934"/>
+                        <a14:foregroundMark x1="49435" y1="59407" x2="49435" y2="59407"/>
+                        <a14:foregroundMark x1="43145" y1="60405" x2="43145" y2="60405"/>
+                        <a14:foregroundMark x1="50000" y1="69099" x2="50000" y2="69099"/>
+                        <a14:foregroundMark x1="45444" y1="68900" x2="45444" y2="68900"/>
+                        <a14:foregroundMark x1="50282" y1="77366" x2="50282" y2="77366"/>
+                        <a14:foregroundMark x1="46573" y1="77366" x2="46573" y2="77366"/>
+                        <a14:foregroundMark x1="49435" y1="84835" x2="49435" y2="84835"/>
+                      </a14:backgroundRemoval>
+                    </a14:imgEffect>
+                  </a14:imgLayer>
+                </a14:imgProps>
+              </a:ext>
+            </a:extLst>
+          </a:blip>
+          <a:srcRect l="4564" t="11313" r="3371" b="11111"/>
+          <a:stretch/>
+        </p:blipFill>
+        <p:spPr>
+          <a:xfrm>
+            <a:off x="8868711" y="2815513"/>
+            <a:ext cx="2713689" cy="3234449"/>
+          </a:xfrm>
+          <a:prstGeom prst="rect">
+            <a:avLst/>
+          </a:prstGeom>
+        </p:spPr>
+      </p:pic>
+    </p:spTree>
+    <p:extLst>
+      <p:ext uri="{BB962C8B-B14F-4D97-AF65-F5344CB8AC3E}">
+        <p14:creationId xmlns:p14="http://schemas.microsoft.com/office/powerpoint/2010/main" val="1727852844"/>
+      </p:ext>
+    </p:extLst>
+  </p:cSld>
+  <p:clrMapOvr>
+    <a:masterClrMapping/>
+  </p:clrMapOvr>
+  <mc:AlternateContent xmlns:mc="http://schemas.openxmlformats.org/markup-compatibility/2006" xmlns:p14="http://schemas.microsoft.com/office/powerpoint/2010/main">
+    <mc:Choice Requires="p14">
+      <p:transition spd="med" p14:dur="700">
+        <p:fade/>
+      </p:transition>
+    </mc:Choice>
+    <mc:Fallback xmlns="">
+      <p:transition spd="med">
+        <p:fade/>
+      </p:transition>
+    </mc:Fallback>
+  </mc:AlternateContent>
+</p:sld>
+</file>
+
+<file path=ppt/slides/slide5.xml><?xml version="1.0" encoding="utf-8"?>
+<p:sld xmlns:a="http://schemas.openxmlformats.org/drawingml/2006/main" xmlns:r="http://schemas.openxmlformats.org/officeDocument/2006/relationships" xmlns:p="http://schemas.openxmlformats.org/presentationml/2006/main">
+  <p:cSld>
+    <p:spTree>
+      <p:nvGrpSpPr>
+        <p:cNvPr id="1" name=""/>
+        <p:cNvGrpSpPr/>
+        <p:nvPr/>
+      </p:nvGrpSpPr>
+      <p:grpSpPr>
+        <a:xfrm>
+          <a:off x="0" y="0"/>
+          <a:ext cx="0" cy="0"/>
+          <a:chOff x="0" y="0"/>
+          <a:chExt cx="0" cy="0"/>
+        </a:xfrm>
+      </p:grpSpPr>
+      <p:sp>
+        <p:nvSpPr>
+          <p:cNvPr id="2" name="Content Placeholder 1"/>
+          <p:cNvSpPr>
+            <a:spLocks noGrp="1"/>
+          </p:cNvSpPr>
+          <p:nvPr>
+            <p:ph sz="quarter" idx="1"/>
+          </p:nvPr>
+        </p:nvSpPr>
+        <p:spPr/>
+        <p:txBody>
+          <a:bodyPr/>
+          <a:lstStyle/>
+          <a:p>
+            <a:r>
+              <a:rPr lang="en-US" dirty="0"/>
+              <a:t>First results in any search engine gives most deadly sickness</a:t>
+            </a:r>
+            <a:r>
+              <a:rPr lang="fr-FR" dirty="0"/>
+              <a:t> </a:t>
+            </a:r>
+            <a:endParaRPr lang="en-US" dirty="0"/>
+          </a:p>
+          <a:p>
+            <a:r>
+              <a:rPr lang="en-US" dirty="0"/>
+              <a:t>Help people go to the right place to be taken care of fast</a:t>
+            </a:r>
+          </a:p>
+          <a:p>
+            <a:r>
+              <a:rPr lang="fr-FR" dirty="0"/>
+              <a:t>H</a:t>
+            </a:r>
+            <a:r>
+              <a:rPr lang="en-US" dirty="0" err="1"/>
+              <a:t>elp</a:t>
+            </a:r>
+            <a:r>
+              <a:rPr lang="en-US" dirty="0"/>
+              <a:t> for better auto-medication </a:t>
+            </a:r>
+          </a:p>
+        </p:txBody>
+      </p:sp>
+      <p:sp>
+        <p:nvSpPr>
+          <p:cNvPr id="3" name="Title 2"/>
+          <p:cNvSpPr>
+            <a:spLocks noGrp="1"/>
+          </p:cNvSpPr>
+          <p:nvPr>
+            <p:ph type="title"/>
+          </p:nvPr>
+        </p:nvSpPr>
+        <p:spPr/>
+        <p:txBody>
+          <a:bodyPr/>
+          <a:lstStyle/>
+          <a:p>
+            <a:r>
+              <a:rPr lang="en-US" dirty="0"/>
+              <a:t>Why is it needed ?</a:t>
+            </a:r>
+          </a:p>
+        </p:txBody>
+      </p:sp>
+      <p:pic>
+        <p:nvPicPr>
+          <p:cNvPr id="4" name="Picture 3"/>
+          <p:cNvPicPr>
+            <a:picLocks noChangeAspect="1"/>
+          </p:cNvPicPr>
+          <p:nvPr/>
+        </p:nvPicPr>
+        <p:blipFill>
+          <a:blip r:embed="rId2">
+            <a:duotone>
+              <a:schemeClr val="accent1">
+                <a:shade val="45000"/>
+                <a:satMod val="135000"/>
+              </a:schemeClr>
+              <a:prstClr val="white"/>
+            </a:duotone>
+            <a:extLst>
+              <a:ext uri="{BEBA8EAE-BF5A-486C-A8C5-ECC9F3942E4B}">
+                <a14:imgProps xmlns:a14="http://schemas.microsoft.com/office/drawing/2010/main">
+                  <a14:imgLayer r:embed="rId3">
+                    <a14:imgEffect>
+                      <a14:backgroundRemoval t="909" b="96364" l="9000" r="90000">
+                        <a14:foregroundMark x1="50000" y1="13636" x2="50000" y2="13636"/>
+                        <a14:foregroundMark x1="30000" y1="2273" x2="30000" y2="2273"/>
+                        <a14:foregroundMark x1="9333" y1="34091" x2="9333" y2="34091"/>
+                        <a14:foregroundMark x1="51000" y1="96364" x2="51000" y2="96364"/>
+                        <a14:foregroundMark x1="90333" y1="32273" x2="90333" y2="32273"/>
+                        <a14:foregroundMark x1="67333" y1="909" x2="67333" y2="909"/>
+                      </a14:backgroundRemoval>
+                    </a14:imgEffect>
+                  </a14:imgLayer>
+                </a14:imgProps>
+              </a:ext>
+            </a:extLst>
+          </a:blip>
+          <a:stretch>
+            <a:fillRect/>
+          </a:stretch>
+        </p:blipFill>
+        <p:spPr>
+          <a:xfrm>
+            <a:off x="510886" y="3954462"/>
+            <a:ext cx="2857500" cy="2095500"/>
+          </a:xfrm>
+          <a:prstGeom prst="rect">
+            <a:avLst/>
+          </a:prstGeom>
+        </p:spPr>
+      </p:pic>
+    </p:spTree>
+    <p:extLst>
+      <p:ext uri="{BB962C8B-B14F-4D97-AF65-F5344CB8AC3E}">
+        <p14:creationId xmlns:p14="http://schemas.microsoft.com/office/powerpoint/2010/main" val="2088959167"/>
+      </p:ext>
+    </p:extLst>
+  </p:cSld>
+  <p:clrMapOvr>
+    <a:masterClrMapping/>
+  </p:clrMapOvr>
+  <mc:AlternateContent xmlns:mc="http://schemas.openxmlformats.org/markup-compatibility/2006" xmlns:p14="http://schemas.microsoft.com/office/powerpoint/2010/main">
+    <mc:Choice Requires="p14">
+      <p:transition spd="med" p14:dur="700">
+        <p:fade/>
+      </p:transition>
+    </mc:Choice>
+    <mc:Fallback xmlns="">
+      <p:transition spd="med">
+        <p:fade/>
+      </p:transition>
+    </mc:Fallback>
+  </mc:AlternateContent>
+</p:sld>
+</file>
+
+<file path=ppt/slides/slide6.xml><?xml version="1.0" encoding="utf-8"?>
+<p:sld xmlns:a="http://schemas.openxmlformats.org/drawingml/2006/main" xmlns:r="http://schemas.openxmlformats.org/officeDocument/2006/relationships" xmlns:p="http://schemas.openxmlformats.org/presentationml/2006/main">
+  <p:cSld>
+    <p:spTree>
+      <p:nvGrpSpPr>
+        <p:cNvPr id="1" name=""/>
+        <p:cNvGrpSpPr/>
+        <p:nvPr/>
+      </p:nvGrpSpPr>
+      <p:grpSpPr>
+        <a:xfrm>
+          <a:off x="0" y="0"/>
+          <a:ext cx="0" cy="0"/>
+          <a:chOff x="0" y="0"/>
+          <a:chExt cx="0" cy="0"/>
+        </a:xfrm>
+      </p:grpSpPr>
+      <p:sp>
+        <p:nvSpPr>
+          <p:cNvPr id="2" name="Content Placeholder 1"/>
+          <p:cNvSpPr>
+            <a:spLocks noGrp="1"/>
+          </p:cNvSpPr>
+          <p:nvPr>
+            <p:ph sz="quarter" idx="1"/>
+          </p:nvPr>
+        </p:nvSpPr>
+        <p:spPr>
+          <a:xfrm>
+            <a:off x="1219200" y="1447800"/>
+            <a:ext cx="6317673" cy="4572000"/>
+          </a:xfrm>
+        </p:spPr>
+        <p:txBody>
+          <a:bodyPr/>
+          <a:lstStyle/>
+          <a:p>
+            <a:r>
+              <a:rPr lang="en-US" dirty="0"/>
+              <a:t>Bot is asking for first symptoms </a:t>
+            </a:r>
+          </a:p>
+          <a:p>
+            <a:pPr lvl="1"/>
+            <a:r>
+              <a:rPr lang="en-US" dirty="0"/>
+              <a:t>Written language recognition </a:t>
+            </a:r>
+          </a:p>
+          <a:p>
+            <a:pPr lvl="1"/>
+            <a:r>
+              <a:rPr lang="fr-FR" dirty="0"/>
+              <a:t>D</a:t>
+            </a:r>
+            <a:r>
+              <a:rPr lang="en-US" dirty="0" err="1"/>
+              <a:t>etermine</a:t>
+            </a:r>
+            <a:r>
+              <a:rPr lang="en-US" dirty="0"/>
+              <a:t> symptoms </a:t>
+            </a:r>
+          </a:p>
+          <a:p>
+            <a:r>
+              <a:rPr lang="fr-FR" dirty="0"/>
+              <a:t>C</a:t>
+            </a:r>
+            <a:r>
+              <a:rPr lang="en-US" dirty="0" err="1"/>
+              <a:t>ompute</a:t>
+            </a:r>
+            <a:r>
+              <a:rPr lang="en-US" dirty="0"/>
+              <a:t> first set of diseases </a:t>
+            </a:r>
+          </a:p>
+          <a:p>
+            <a:r>
+              <a:rPr lang="fr-FR" dirty="0"/>
+              <a:t>A</a:t>
+            </a:r>
+            <a:r>
+              <a:rPr lang="en-US" dirty="0" err="1"/>
+              <a:t>sk</a:t>
+            </a:r>
+            <a:r>
+              <a:rPr lang="en-US" dirty="0"/>
+              <a:t> directed questions to reduce the set </a:t>
+            </a:r>
+          </a:p>
+          <a:p>
+            <a:r>
+              <a:rPr lang="fr-FR" dirty="0"/>
+              <a:t>C</a:t>
+            </a:r>
+            <a:r>
+              <a:rPr lang="en-US" dirty="0" err="1"/>
+              <a:t>ontinue</a:t>
+            </a:r>
+            <a:r>
+              <a:rPr lang="en-US" dirty="0"/>
+              <a:t> until the set is small enough </a:t>
+            </a:r>
+          </a:p>
+          <a:p>
+            <a:r>
+              <a:rPr lang="en-US" dirty="0"/>
+              <a:t>Gives results along with advices </a:t>
+            </a:r>
+          </a:p>
+        </p:txBody>
+      </p:sp>
+      <p:sp>
+        <p:nvSpPr>
+          <p:cNvPr id="3" name="Title 2"/>
+          <p:cNvSpPr>
+            <a:spLocks noGrp="1"/>
+          </p:cNvSpPr>
+          <p:nvPr>
+            <p:ph type="title"/>
+          </p:nvPr>
+        </p:nvSpPr>
+        <p:spPr/>
+        <p:txBody>
+          <a:bodyPr/>
+          <a:lstStyle/>
+          <a:p>
+            <a:r>
+              <a:rPr lang="en-US" dirty="0"/>
+              <a:t>How does it works ?</a:t>
+            </a:r>
+          </a:p>
+        </p:txBody>
+      </p:sp>
+      <p:pic>
+        <p:nvPicPr>
+          <p:cNvPr id="4" name="Picture 3"/>
+          <p:cNvPicPr>
+            <a:picLocks noChangeAspect="1"/>
+          </p:cNvPicPr>
+          <p:nvPr/>
+        </p:nvPicPr>
+        <p:blipFill>
+          <a:blip r:embed="rId2" cstate="print">
+            <a:extLst>
+              <a:ext uri="{28A0092B-C50C-407E-A947-70E740481C1C}">
+                <a14:useLocalDpi xmlns:a14="http://schemas.microsoft.com/office/drawing/2010/main" val="0"/>
+              </a:ext>
+            </a:extLst>
+          </a:blip>
+          <a:stretch>
+            <a:fillRect/>
+          </a:stretch>
+        </p:blipFill>
+        <p:spPr>
+          <a:xfrm>
+            <a:off x="7938656" y="991907"/>
+            <a:ext cx="2768356" cy="4923984"/>
+          </a:xfrm>
+          <a:prstGeom prst="rect">
+            <a:avLst/>
+          </a:prstGeom>
+        </p:spPr>
+      </p:pic>
+    </p:spTree>
+    <p:extLst>
+      <p:ext uri="{BB962C8B-B14F-4D97-AF65-F5344CB8AC3E}">
+        <p14:creationId xmlns:p14="http://schemas.microsoft.com/office/powerpoint/2010/main" val="30726060"/>
+      </p:ext>
+    </p:extLst>
+  </p:cSld>
+  <p:clrMapOvr>
+    <a:masterClrMapping/>
+  </p:clrMapOvr>
+  <mc:AlternateContent xmlns:mc="http://schemas.openxmlformats.org/markup-compatibility/2006" xmlns:p14="http://schemas.microsoft.com/office/powerpoint/2010/main">
+    <mc:Choice Requires="p14">
+      <p:transition spd="med" p14:dur="700">
+        <p:fade/>
+      </p:transition>
+    </mc:Choice>
+    <mc:Fallback xmlns="">
+      <p:transition spd="med">
+        <p:fade/>
+      </p:transition>
+    </mc:Fallback>
+  </mc:AlternateContent>
+</p:sld>
+</file>
+
+<file path=ppt/slides/slide7.xml><?xml version="1.0" encoding="utf-8"?>
+<p:sld xmlns:a="http://schemas.openxmlformats.org/drawingml/2006/main" xmlns:r="http://schemas.openxmlformats.org/officeDocument/2006/relationships" xmlns:p="http://schemas.openxmlformats.org/presentationml/2006/main">
+  <p:cSld>
+    <p:spTree>
+      <p:nvGrpSpPr>
+        <p:cNvPr id="1" name=""/>
+        <p:cNvGrpSpPr/>
+        <p:nvPr/>
+      </p:nvGrpSpPr>
+      <p:grpSpPr>
+        <a:xfrm>
+          <a:off x="0" y="0"/>
+          <a:ext cx="0" cy="0"/>
+          <a:chOff x="0" y="0"/>
+          <a:chExt cx="0" cy="0"/>
+        </a:xfrm>
+      </p:grpSpPr>
+      <p:sp>
+        <p:nvSpPr>
+          <p:cNvPr id="2" name="Content Placeholder 1"/>
+          <p:cNvSpPr>
+            <a:spLocks noGrp="1"/>
+          </p:cNvSpPr>
+          <p:nvPr>
+            <p:ph sz="quarter" idx="1"/>
+          </p:nvPr>
+        </p:nvSpPr>
+        <p:spPr/>
+        <p:txBody>
+          <a:bodyPr>
+            <a:normAutofit lnSpcReduction="10000"/>
+          </a:bodyPr>
+          <a:lstStyle/>
+          <a:p>
+            <a:r>
+              <a:rPr lang="fr-FR" dirty="0"/>
+              <a:t>Interactive and </a:t>
+            </a:r>
+            <a:r>
+              <a:rPr lang="fr-FR" dirty="0" err="1"/>
+              <a:t>easy</a:t>
+            </a:r>
+            <a:r>
+              <a:rPr lang="fr-FR" dirty="0"/>
+              <a:t> to use </a:t>
+            </a:r>
+          </a:p>
+          <a:p>
+            <a:r>
+              <a:rPr lang="fr-FR" dirty="0" err="1"/>
+              <a:t>Knowledge-driven</a:t>
+            </a:r>
+            <a:r>
+              <a:rPr lang="fr-FR" dirty="0"/>
+              <a:t> DSS</a:t>
+            </a:r>
+          </a:p>
+          <a:p>
+            <a:endParaRPr lang="fr-FR" dirty="0"/>
+          </a:p>
+          <a:p>
+            <a:r>
+              <a:rPr lang="fr-FR" dirty="0"/>
+              <a:t>Input: </a:t>
+            </a:r>
+            <a:r>
+              <a:rPr lang="fr-FR" dirty="0" err="1"/>
+              <a:t>symptoms</a:t>
+            </a:r>
+            <a:r>
+              <a:rPr lang="fr-FR" dirty="0"/>
+              <a:t> + </a:t>
+            </a:r>
+            <a:r>
+              <a:rPr lang="fr-FR" dirty="0" err="1"/>
+              <a:t>personal</a:t>
+            </a:r>
+            <a:r>
+              <a:rPr lang="fr-FR" dirty="0"/>
+              <a:t> data </a:t>
+            </a:r>
+          </a:p>
+          <a:p>
+            <a:r>
+              <a:rPr lang="fr-FR" dirty="0"/>
+              <a:t>Output: 3 </a:t>
+            </a:r>
+            <a:r>
+              <a:rPr lang="fr-FR" dirty="0" err="1"/>
+              <a:t>most</a:t>
+            </a:r>
+            <a:r>
+              <a:rPr lang="fr-FR" dirty="0"/>
+              <a:t> probable </a:t>
+            </a:r>
+            <a:r>
+              <a:rPr lang="fr-FR" dirty="0" err="1"/>
+              <a:t>diseases</a:t>
+            </a:r>
+            <a:r>
+              <a:rPr lang="fr-FR" dirty="0"/>
+              <a:t> and </a:t>
+            </a:r>
+            <a:r>
+              <a:rPr lang="fr-FR" dirty="0" err="1"/>
+              <a:t>advices</a:t>
+            </a:r>
+            <a:r>
+              <a:rPr lang="fr-FR" dirty="0"/>
+              <a:t> </a:t>
+            </a:r>
+          </a:p>
+          <a:p>
+            <a:r>
+              <a:rPr lang="fr-FR" dirty="0"/>
+              <a:t>Limited by the </a:t>
+            </a:r>
+            <a:r>
+              <a:rPr lang="fr-FR" dirty="0" err="1"/>
+              <a:t>database</a:t>
+            </a:r>
+            <a:r>
+              <a:rPr lang="fr-FR" dirty="0"/>
+              <a:t> </a:t>
+            </a:r>
+          </a:p>
+          <a:p>
+            <a:r>
+              <a:rPr lang="fr-FR" dirty="0" err="1"/>
+              <a:t>Compute</a:t>
+            </a:r>
+            <a:r>
+              <a:rPr lang="fr-FR" dirty="0"/>
+              <a:t> </a:t>
+            </a:r>
+            <a:r>
+              <a:rPr lang="fr-FR" dirty="0" err="1"/>
+              <a:t>probability</a:t>
+            </a:r>
+            <a:r>
+              <a:rPr lang="fr-FR" dirty="0"/>
+              <a:t> on </a:t>
+            </a:r>
+            <a:r>
+              <a:rPr lang="fr-FR" dirty="0" err="1"/>
+              <a:t>diseases</a:t>
+            </a:r>
+            <a:r>
+              <a:rPr lang="fr-FR" dirty="0"/>
+              <a:t> </a:t>
+            </a:r>
+            <a:r>
+              <a:rPr lang="fr-FR" dirty="0" err="1"/>
+              <a:t>depending</a:t>
+            </a:r>
+            <a:r>
+              <a:rPr lang="fr-FR" dirty="0"/>
+              <a:t> input data </a:t>
+            </a:r>
+          </a:p>
+          <a:p>
+            <a:r>
+              <a:rPr lang="fr-FR" dirty="0" err="1"/>
+              <a:t>Takes</a:t>
+            </a:r>
+            <a:r>
+              <a:rPr lang="fr-FR" dirty="0"/>
+              <a:t> </a:t>
+            </a:r>
+            <a:r>
+              <a:rPr lang="fr-FR" dirty="0" err="1"/>
+              <a:t>decision</a:t>
+            </a:r>
+            <a:r>
+              <a:rPr lang="fr-FR" dirty="0"/>
+              <a:t> </a:t>
+            </a:r>
+            <a:r>
+              <a:rPr lang="fr-FR" dirty="0" err="1"/>
+              <a:t>when</a:t>
+            </a:r>
+            <a:r>
+              <a:rPr lang="fr-FR" dirty="0"/>
+              <a:t> </a:t>
+            </a:r>
+            <a:r>
+              <a:rPr lang="fr-FR" dirty="0" err="1"/>
+              <a:t>threshold</a:t>
+            </a:r>
+            <a:r>
+              <a:rPr lang="fr-FR" dirty="0"/>
+              <a:t> </a:t>
+            </a:r>
+            <a:r>
+              <a:rPr lang="fr-FR" dirty="0" err="1"/>
+              <a:t>reached</a:t>
+            </a:r>
+            <a:r>
+              <a:rPr lang="fr-FR" dirty="0"/>
+              <a:t> </a:t>
+            </a:r>
+          </a:p>
+          <a:p>
+            <a:pPr lvl="1"/>
+            <a:r>
+              <a:rPr lang="fr-FR" dirty="0"/>
+              <a:t>Maximum </a:t>
+            </a:r>
+            <a:r>
+              <a:rPr lang="fr-FR" dirty="0" err="1"/>
+              <a:t>number</a:t>
+            </a:r>
+            <a:r>
+              <a:rPr lang="fr-FR" dirty="0"/>
+              <a:t> of questions </a:t>
+            </a:r>
+          </a:p>
+          <a:p>
+            <a:pPr lvl="1"/>
+            <a:r>
+              <a:rPr lang="fr-FR" dirty="0"/>
+              <a:t>Maximum </a:t>
+            </a:r>
+            <a:r>
+              <a:rPr lang="fr-FR" dirty="0" err="1"/>
+              <a:t>probability</a:t>
+            </a:r>
+            <a:r>
+              <a:rPr lang="fr-FR" dirty="0"/>
+              <a:t> </a:t>
+            </a:r>
+          </a:p>
+          <a:p>
+            <a:endParaRPr lang="en-US" dirty="0"/>
+          </a:p>
+        </p:txBody>
+      </p:sp>
+      <p:sp>
+        <p:nvSpPr>
+          <p:cNvPr id="3" name="Title 2"/>
+          <p:cNvSpPr>
+            <a:spLocks noGrp="1"/>
+          </p:cNvSpPr>
+          <p:nvPr>
+            <p:ph type="title"/>
+          </p:nvPr>
+        </p:nvSpPr>
+        <p:spPr/>
+        <p:txBody>
+          <a:bodyPr/>
+          <a:lstStyle/>
+          <a:p>
+            <a:r>
+              <a:rPr lang="fr-FR" dirty="0" err="1"/>
+              <a:t>Decision</a:t>
+            </a:r>
+            <a:r>
+              <a:rPr lang="fr-FR" dirty="0"/>
+              <a:t> Support System </a:t>
+            </a:r>
+            <a:endParaRPr lang="en-US" dirty="0"/>
+          </a:p>
+        </p:txBody>
+      </p:sp>
+    </p:spTree>
+    <p:extLst>
+      <p:ext uri="{BB962C8B-B14F-4D97-AF65-F5344CB8AC3E}">
+        <p14:creationId xmlns:p14="http://schemas.microsoft.com/office/powerpoint/2010/main" val="317634871"/>
+      </p:ext>
+    </p:extLst>
+  </p:cSld>
+  <p:clrMapOvr>
+    <a:masterClrMapping/>
+  </p:clrMapOvr>
+  <mc:AlternateContent xmlns:mc="http://schemas.openxmlformats.org/markup-compatibility/2006" xmlns:p14="http://schemas.microsoft.com/office/powerpoint/2010/main">
+    <mc:Choice Requires="p14">
+      <p:transition spd="med" p14:dur="700">
+        <p:fade/>
+      </p:transition>
+    </mc:Choice>
+    <mc:Fallback xmlns="">
+      <p:transition spd="med">
+        <p:fade/>
+      </p:transition>
+    </mc:Fallback>
+  </mc:AlternateContent>
+</p:sld>
+</file>
+
+<file path=ppt/slides/slide8.xml><?xml version="1.0" encoding="utf-8"?>
+<p:sld xmlns:a="http://schemas.openxmlformats.org/drawingml/2006/main" xmlns:r="http://schemas.openxmlformats.org/officeDocument/2006/relationships" xmlns:p="http://schemas.openxmlformats.org/presentationml/2006/main">
+  <p:cSld>
+    <p:spTree>
+      <p:nvGrpSpPr>
+        <p:cNvPr id="1" name=""/>
+        <p:cNvGrpSpPr/>
+        <p:nvPr/>
+      </p:nvGrpSpPr>
+      <p:grpSpPr>
+        <a:xfrm>
+          <a:off x="0" y="0"/>
+          <a:ext cx="0" cy="0"/>
+          <a:chOff x="0" y="0"/>
+          <a:chExt cx="0" cy="0"/>
+        </a:xfrm>
+      </p:grpSpPr>
+      <p:pic>
+        <p:nvPicPr>
+          <p:cNvPr id="8" name="Content Placeholder 7"/>
+          <p:cNvPicPr>
+            <a:picLocks noGrp="1" noChangeAspect="1"/>
+          </p:cNvPicPr>
+          <p:nvPr>
+            <p:ph sz="quarter" idx="2"/>
+          </p:nvPr>
+        </p:nvPicPr>
+        <p:blipFill>
+          <a:blip r:embed="rId2" cstate="print">
+            <a:extLst>
+              <a:ext uri="{28A0092B-C50C-407E-A947-70E740481C1C}">
+                <a14:useLocalDpi xmlns:a14="http://schemas.microsoft.com/office/drawing/2010/main" val="0"/>
+              </a:ext>
+            </a:extLst>
+          </a:blip>
+          <a:stretch>
+            <a:fillRect/>
+          </a:stretch>
+        </p:blipFill>
+        <p:spPr>
+          <a:xfrm>
+            <a:off x="7461298" y="1300017"/>
+            <a:ext cx="3404143" cy="4719783"/>
+          </a:xfrm>
+        </p:spPr>
+      </p:pic>
+      <p:sp>
+        <p:nvSpPr>
+          <p:cNvPr id="2" name="Content Placeholder 1"/>
+          <p:cNvSpPr>
+            <a:spLocks noGrp="1"/>
+          </p:cNvSpPr>
+          <p:nvPr>
+            <p:ph sz="quarter" idx="1"/>
+          </p:nvPr>
+        </p:nvSpPr>
+        <p:spPr/>
+        <p:txBody>
+          <a:bodyPr/>
+          <a:lstStyle/>
+          <a:p>
+            <a:pPr marL="0" indent="0">
+              <a:buNone/>
+            </a:pPr>
+            <a:endParaRPr lang="fr-FR" dirty="0"/>
+          </a:p>
+          <a:p>
+            <a:r>
+              <a:rPr lang="en-US" dirty="0"/>
+              <a:t>Relational Database </a:t>
+            </a:r>
+          </a:p>
+          <a:p>
+            <a:pPr marL="0" indent="0">
+              <a:buNone/>
+            </a:pPr>
+            <a:endParaRPr lang="en-US" dirty="0"/>
+          </a:p>
+          <a:p>
+            <a:r>
+              <a:rPr lang="en-US" dirty="0"/>
+              <a:t>Many-to-many</a:t>
+            </a:r>
+            <a:r>
+              <a:rPr lang="fr-FR" dirty="0"/>
+              <a:t> data model</a:t>
+            </a:r>
+          </a:p>
+          <a:p>
+            <a:endParaRPr lang="fr-FR" dirty="0"/>
+          </a:p>
+          <a:p>
+            <a:r>
+              <a:rPr lang="fr-FR" dirty="0"/>
+              <a:t>3 tables </a:t>
+            </a:r>
+            <a:endParaRPr lang="en-US" dirty="0"/>
+          </a:p>
+          <a:p>
+            <a:pPr lvl="1"/>
+            <a:r>
+              <a:rPr lang="en-US" dirty="0"/>
+              <a:t>Symptoms</a:t>
+            </a:r>
+            <a:r>
+              <a:rPr lang="fr-FR" dirty="0"/>
+              <a:t> </a:t>
+            </a:r>
+          </a:p>
+          <a:p>
+            <a:pPr lvl="1"/>
+            <a:r>
+              <a:rPr lang="en-US" dirty="0"/>
+              <a:t>Diseases</a:t>
+            </a:r>
+            <a:endParaRPr lang="fr-FR" dirty="0"/>
+          </a:p>
+          <a:p>
+            <a:pPr lvl="1"/>
+            <a:r>
+              <a:rPr lang="fr-FR" dirty="0" err="1"/>
+              <a:t>Diagnosis</a:t>
+            </a:r>
+            <a:endParaRPr lang="fr-FR" dirty="0"/>
+          </a:p>
+        </p:txBody>
+      </p:sp>
+      <p:sp>
+        <p:nvSpPr>
+          <p:cNvPr id="3" name="Title 2"/>
+          <p:cNvSpPr>
+            <a:spLocks noGrp="1"/>
+          </p:cNvSpPr>
+          <p:nvPr>
+            <p:ph type="title"/>
+          </p:nvPr>
+        </p:nvSpPr>
+        <p:spPr/>
+        <p:txBody>
+          <a:bodyPr/>
+          <a:lstStyle/>
+          <a:p>
+            <a:r>
+              <a:rPr lang="en-US" dirty="0"/>
+              <a:t>Database</a:t>
+            </a:r>
+          </a:p>
+        </p:txBody>
+      </p:sp>
+    </p:spTree>
+    <p:extLst>
+      <p:ext uri="{BB962C8B-B14F-4D97-AF65-F5344CB8AC3E}">
+        <p14:creationId xmlns:p14="http://schemas.microsoft.com/office/powerpoint/2010/main" val="2192671306"/>
+      </p:ext>
+    </p:extLst>
+  </p:cSld>
+  <p:clrMapOvr>
+    <a:masterClrMapping/>
+  </p:clrMapOvr>
+  <mc:AlternateContent xmlns:mc="http://schemas.openxmlformats.org/markup-compatibility/2006" xmlns:p14="http://schemas.microsoft.com/office/powerpoint/2010/main">
+    <mc:Choice Requires="p14">
+      <p:transition spd="med" p14:dur="700">
+        <p:fade/>
+      </p:transition>
+    </mc:Choice>
+    <mc:Fallback xmlns="">
+      <p:transition spd="med">
+        <p:fade/>
+      </p:transition>
+    </mc:Fallback>
+  </mc:AlternateContent>
+</p:sld>
+</file>
+
+<file path=ppt/slides/slide9.xml><?xml version="1.0" encoding="utf-8"?>
+<p:sld xmlns:a="http://schemas.openxmlformats.org/drawingml/2006/main" xmlns:r="http://schemas.openxmlformats.org/officeDocument/2006/relationships" xmlns:p="http://schemas.openxmlformats.org/presentationml/2006/main">
+  <p:cSld>
+    <p:spTree>
+      <p:nvGrpSpPr>
+        <p:cNvPr id="1" name=""/>
+        <p:cNvGrpSpPr/>
+        <p:nvPr/>
+      </p:nvGrpSpPr>
+      <p:grpSpPr>
+        <a:xfrm>
+          <a:off x="0" y="0"/>
+          <a:ext cx="0" cy="0"/>
+          <a:chOff x="0" y="0"/>
+          <a:chExt cx="0" cy="0"/>
+        </a:xfrm>
+      </p:grpSpPr>
+      <p:sp>
+        <p:nvSpPr>
+          <p:cNvPr id="3" name="Title 2"/>
+          <p:cNvSpPr>
+            <a:spLocks noGrp="1"/>
+          </p:cNvSpPr>
+          <p:nvPr>
+            <p:ph type="title"/>
+          </p:nvPr>
+        </p:nvSpPr>
+        <p:spPr/>
+        <p:txBody>
+          <a:bodyPr/>
+          <a:lstStyle/>
+          <a:p>
+            <a:r>
+              <a:rPr lang="en-US" dirty="0"/>
+              <a:t>Database structure</a:t>
+            </a:r>
+          </a:p>
+        </p:txBody>
+      </p:sp>
+      <p:pic>
+        <p:nvPicPr>
+          <p:cNvPr id="5" name="Picture 4"/>
+          <p:cNvPicPr>
+            <a:picLocks noChangeAspect="1"/>
+          </p:cNvPicPr>
+          <p:nvPr/>
+        </p:nvPicPr>
+        <p:blipFill>
+          <a:blip r:embed="rId2">
+            <a:extLst>
+              <a:ext uri="{28A0092B-C50C-407E-A947-70E740481C1C}">
+                <a14:useLocalDpi xmlns:a14="http://schemas.microsoft.com/office/drawing/2010/main" val="0"/>
+              </a:ext>
+            </a:extLst>
+          </a:blip>
+          <a:stretch>
+            <a:fillRect/>
+          </a:stretch>
+        </p:blipFill>
+        <p:spPr>
+          <a:xfrm>
+            <a:off x="582594" y="3337055"/>
+            <a:ext cx="7754098" cy="3119088"/>
+          </a:xfrm>
+          <a:prstGeom prst="rect">
+            <a:avLst/>
+          </a:prstGeom>
+        </p:spPr>
+      </p:pic>
+      <p:pic>
+        <p:nvPicPr>
+          <p:cNvPr id="8" name="Picture 7"/>
+          <p:cNvPicPr>
+            <a:picLocks noChangeAspect="1"/>
+          </p:cNvPicPr>
+          <p:nvPr/>
+        </p:nvPicPr>
+        <p:blipFill>
+          <a:blip r:embed="rId3">
+            <a:extLst>
+              <a:ext uri="{28A0092B-C50C-407E-A947-70E740481C1C}">
+                <a14:useLocalDpi xmlns:a14="http://schemas.microsoft.com/office/drawing/2010/main" val="0"/>
+              </a:ext>
+            </a:extLst>
+          </a:blip>
+          <a:stretch>
+            <a:fillRect/>
+          </a:stretch>
+        </p:blipFill>
+        <p:spPr>
+          <a:xfrm>
+            <a:off x="7300087" y="923368"/>
+            <a:ext cx="4165621" cy="2787216"/>
+          </a:xfrm>
+          <a:prstGeom prst="rect">
+            <a:avLst/>
+          </a:prstGeom>
+        </p:spPr>
+      </p:pic>
+    </p:spTree>
+    <p:extLst>
+      <p:ext uri="{BB962C8B-B14F-4D97-AF65-F5344CB8AC3E}">
+        <p14:creationId xmlns:p14="http://schemas.microsoft.com/office/powerpoint/2010/main" val="1345546781"/>
       </p:ext>
     </p:extLst>
   </p:cSld>
